--- a/new_slides/top_down_parsing.pptx
+++ b/new_slides/top_down_parsing.pptx
@@ -5,7 +5,7 @@
     <p:sldMasterId id="2147483897" r:id="rId1"/>
   </p:sldMasterIdLst>
   <p:notesMasterIdLst>
-    <p:notesMasterId r:id="rId59"/>
+    <p:notesMasterId r:id="rId69"/>
   </p:notesMasterIdLst>
   <p:sldIdLst>
     <p:sldId id="417" r:id="rId2"/>
@@ -65,6 +65,16 @@
     <p:sldId id="469" r:id="rId56"/>
     <p:sldId id="470" r:id="rId57"/>
     <p:sldId id="471" r:id="rId58"/>
+    <p:sldId id="473" r:id="rId59"/>
+    <p:sldId id="474" r:id="rId60"/>
+    <p:sldId id="475" r:id="rId61"/>
+    <p:sldId id="476" r:id="rId62"/>
+    <p:sldId id="477" r:id="rId63"/>
+    <p:sldId id="478" r:id="rId64"/>
+    <p:sldId id="479" r:id="rId65"/>
+    <p:sldId id="480" r:id="rId66"/>
+    <p:sldId id="481" r:id="rId67"/>
+    <p:sldId id="482" r:id="rId68"/>
   </p:sldIdLst>
   <p:sldSz cx="12192000" cy="6858000"/>
   <p:notesSz cx="6858000" cy="9144000"/>
@@ -9823,75 +9833,250 @@
           </a:p>
         </p:txBody>
       </p:sp>
-      <p:sp>
-        <p:nvSpPr>
-          <p:cNvPr id="5" name="TextBox 4"/>
-          <p:cNvSpPr txBox="1"/>
-          <p:nvPr/>
-        </p:nvSpPr>
-        <p:spPr>
-          <a:xfrm>
-            <a:off x="1011115" y="1529866"/>
-            <a:ext cx="10137964" cy="1815882"/>
-          </a:xfrm>
-          <a:prstGeom prst="rect">
-            <a:avLst/>
-          </a:prstGeom>
-          <a:noFill/>
-        </p:spPr>
-        <p:txBody>
-          <a:bodyPr wrap="square" rtlCol="0">
-            <a:spAutoFit/>
-          </a:bodyPr>
-          <a:lstStyle/>
-          <a:p>
-            <a:r>
-              <a:rPr lang="en-US" sz="2800" dirty="0" smtClean="0">
-                <a:latin typeface="+mj-lt"/>
-              </a:rPr>
-              <a:t>The language is </a:t>
-            </a:r>
-            <a:r>
-              <a:rPr lang="en-US" sz="2800" b="1" dirty="0" smtClean="0">
-                <a:latin typeface="+mj-lt"/>
-              </a:rPr>
-              <a:t>not regular</a:t>
-            </a:r>
-          </a:p>
-          <a:p>
-            <a:pPr marL="742950" lvl="1" indent="-285750">
-              <a:buFont typeface="Arial" panose="020B0604020202020204" pitchFamily="34" charset="0"/>
-              <a:buChar char="•"/>
-            </a:pPr>
-            <a:r>
-              <a:rPr lang="en-US" sz="2800" dirty="0" smtClean="0">
-                <a:latin typeface="+mj-lt"/>
-              </a:rPr>
-              <a:t>There is no DFA that accepts it</a:t>
-            </a:r>
-          </a:p>
-          <a:p>
-            <a:r>
-              <a:rPr lang="en-US" sz="2800" dirty="0" smtClean="0">
-                <a:latin typeface="+mj-lt"/>
-              </a:rPr>
-              <a:t>Proof:</a:t>
-            </a:r>
-          </a:p>
-          <a:p>
-            <a:pPr marL="742950" lvl="1" indent="-285750">
-              <a:buFont typeface="Arial" panose="020B0604020202020204" pitchFamily="34" charset="0"/>
-              <a:buChar char="•"/>
-            </a:pPr>
-            <a:r>
-              <a:rPr lang="en-US" sz="2800" dirty="0" smtClean="0">
-                <a:latin typeface="+mj-lt"/>
-              </a:rPr>
-              <a:t>…</a:t>
-            </a:r>
-          </a:p>
-        </p:txBody>
-      </p:sp>
+      <mc:AlternateContent xmlns:mc="http://schemas.openxmlformats.org/markup-compatibility/2006">
+        <mc:Choice xmlns:a14="http://schemas.microsoft.com/office/drawing/2010/main" Requires="a14">
+          <p:sp>
+            <p:nvSpPr>
+              <p:cNvPr id="5" name="TextBox 4"/>
+              <p:cNvSpPr txBox="1"/>
+              <p:nvPr/>
+            </p:nvSpPr>
+            <p:spPr>
+              <a:xfrm>
+                <a:off x="1011115" y="1529866"/>
+                <a:ext cx="10137964" cy="3539430"/>
+              </a:xfrm>
+              <a:prstGeom prst="rect">
+                <a:avLst/>
+              </a:prstGeom>
+              <a:noFill/>
+            </p:spPr>
+            <p:txBody>
+              <a:bodyPr wrap="square" rtlCol="0">
+                <a:spAutoFit/>
+              </a:bodyPr>
+              <a:lstStyle/>
+              <a:p>
+                <a:r>
+                  <a:rPr lang="en-US" sz="2800" dirty="0" smtClean="0">
+                    <a:latin typeface="+mj-lt"/>
+                  </a:rPr>
+                  <a:t>The language is </a:t>
+                </a:r>
+                <a:r>
+                  <a:rPr lang="en-US" sz="2800" b="1" dirty="0" smtClean="0">
+                    <a:latin typeface="+mj-lt"/>
+                  </a:rPr>
+                  <a:t>not regular</a:t>
+                </a:r>
+              </a:p>
+              <a:p>
+                <a:pPr marL="742950" lvl="1" indent="-285750">
+                  <a:buFont typeface="Arial" panose="020B0604020202020204" pitchFamily="34" charset="0"/>
+                  <a:buChar char="•"/>
+                </a:pPr>
+                <a:r>
+                  <a:rPr lang="en-US" sz="2800" dirty="0" smtClean="0">
+                    <a:latin typeface="+mj-lt"/>
+                  </a:rPr>
+                  <a:t>There is no DFA that accepts it</a:t>
+                </a:r>
+              </a:p>
+              <a:p>
+                <a:r>
+                  <a:rPr lang="en-US" sz="2800" dirty="0" smtClean="0">
+                    <a:latin typeface="+mj-lt"/>
+                  </a:rPr>
+                  <a:t>Proof:</a:t>
+                </a:r>
+              </a:p>
+              <a:p>
+                <a:pPr marL="742950" lvl="1" indent="-285750">
+                  <a:buFont typeface="Arial" panose="020B0604020202020204" pitchFamily="34" charset="0"/>
+                  <a:buChar char="•"/>
+                </a:pPr>
+                <a:r>
+                  <a:rPr lang="en-US" sz="2800" dirty="0" smtClean="0">
+                    <a:latin typeface="+mj-lt"/>
+                  </a:rPr>
+                  <a:t>If it has a DFA, the we have </a:t>
+                </a:r>
+                <a14:m>
+                  <m:oMath xmlns:m="http://schemas.openxmlformats.org/officeDocument/2006/math">
+                    <m:r>
+                      <a:rPr lang="en-US" sz="2800" i="1" dirty="0" smtClean="0">
+                        <a:latin typeface="Cambria Math" panose="02040503050406030204" pitchFamily="18" charset="0"/>
+                      </a:rPr>
+                      <m:t>𝑑</m:t>
+                    </m:r>
+                  </m:oMath>
+                </a14:m>
+                <a:r>
+                  <a:rPr lang="en-US" sz="2800" dirty="0" smtClean="0">
+                    <a:latin typeface="+mj-lt"/>
+                  </a:rPr>
+                  <a:t> states</a:t>
+                </a:r>
+              </a:p>
+              <a:p>
+                <a:pPr marL="742950" lvl="1" indent="-285750">
+                  <a:buFont typeface="Arial" panose="020B0604020202020204" pitchFamily="34" charset="0"/>
+                  <a:buChar char="•"/>
+                </a:pPr>
+                <a:r>
+                  <a:rPr lang="en-US" sz="2800" dirty="0" smtClean="0">
+                    <a:latin typeface="+mj-lt"/>
+                  </a:rPr>
+                  <a:t>Consider the input </a:t>
+                </a:r>
+                <a14:m>
+                  <m:oMath xmlns:m="http://schemas.openxmlformats.org/officeDocument/2006/math">
+                    <m:r>
+                      <a:rPr lang="en-US" sz="2800" i="1" dirty="0" smtClean="0">
+                        <a:latin typeface="Cambria Math" panose="02040503050406030204" pitchFamily="18" charset="0"/>
+                      </a:rPr>
+                      <m:t>(</m:t>
+                    </m:r>
+                    <m:r>
+                      <a:rPr lang="en-US" sz="2800" b="0" i="1" dirty="0" smtClean="0">
+                        <a:latin typeface="Cambria Math" panose="02040503050406030204" pitchFamily="18" charset="0"/>
+                      </a:rPr>
+                      <m:t>(…</m:t>
+                    </m:r>
+                    <m:r>
+                      <a:rPr lang="en-US" sz="2800" i="1" dirty="0" smtClean="0">
+                        <a:latin typeface="Cambria Math" panose="02040503050406030204" pitchFamily="18" charset="0"/>
+                      </a:rPr>
+                      <m:t>77</m:t>
+                    </m:r>
+                  </m:oMath>
+                </a14:m>
+                <a:r>
+                  <a:rPr lang="en-US" sz="2800" dirty="0" smtClean="0">
+                    <a:latin typeface="+mj-lt"/>
+                  </a:rPr>
+                  <a:t> that has </a:t>
+                </a:r>
+                <a14:m>
+                  <m:oMath xmlns:m="http://schemas.openxmlformats.org/officeDocument/2006/math">
+                    <m:r>
+                      <a:rPr lang="en-US" sz="2800" i="1" dirty="0" smtClean="0">
+                        <a:latin typeface="Cambria Math" panose="02040503050406030204" pitchFamily="18" charset="0"/>
+                      </a:rPr>
+                      <m:t>𝑑</m:t>
+                    </m:r>
+                    <m:r>
+                      <a:rPr lang="en-US" sz="2800" i="1" dirty="0" smtClean="0">
+                        <a:latin typeface="Cambria Math" panose="02040503050406030204" pitchFamily="18" charset="0"/>
+                      </a:rPr>
+                      <m:t>+1</m:t>
+                    </m:r>
+                  </m:oMath>
+                </a14:m>
+                <a:r>
+                  <a:rPr lang="en-US" sz="2800" dirty="0" smtClean="0">
+                    <a:latin typeface="+mj-lt"/>
+                  </a:rPr>
+                  <a:t> left parentheses</a:t>
+                </a:r>
+              </a:p>
+              <a:p>
+                <a:pPr marL="742950" lvl="1" indent="-285750">
+                  <a:buFont typeface="Arial" panose="020B0604020202020204" pitchFamily="34" charset="0"/>
+                  <a:buChar char="•"/>
+                </a:pPr>
+                <a:r>
+                  <a:rPr lang="en-US" sz="2800" dirty="0" smtClean="0">
+                    <a:latin typeface="+mj-lt"/>
+                  </a:rPr>
+                  <a:t>Every time we read (, we need to change to a new state</a:t>
+                </a:r>
+              </a:p>
+              <a:p>
+                <a:pPr marL="1200150" lvl="2" indent="-285750">
+                  <a:buFont typeface="Arial" panose="020B0604020202020204" pitchFamily="34" charset="0"/>
+                  <a:buChar char="•"/>
+                </a:pPr>
+                <a:r>
+                  <a:rPr lang="en-US" sz="2800" dirty="0" smtClean="0">
+                    <a:latin typeface="+mj-lt"/>
+                  </a:rPr>
+                  <a:t>We need to act differently if we saw 4 parentheses or 10</a:t>
+                </a:r>
+              </a:p>
+              <a:p>
+                <a:pPr marL="742950" lvl="1" indent="-285750">
+                  <a:buFont typeface="Arial" panose="020B0604020202020204" pitchFamily="34" charset="0"/>
+                  <a:buChar char="•"/>
+                </a:pPr>
+                <a:r>
+                  <a:rPr lang="en-US" sz="2800" dirty="0" smtClean="0">
+                    <a:latin typeface="+mj-lt"/>
+                  </a:rPr>
+                  <a:t>But we have only </a:t>
+                </a:r>
+                <a14:m>
+                  <m:oMath xmlns:m="http://schemas.openxmlformats.org/officeDocument/2006/math">
+                    <m:r>
+                      <a:rPr lang="en-US" sz="2800" i="1" dirty="0" smtClean="0">
+                        <a:latin typeface="Cambria Math" panose="02040503050406030204" pitchFamily="18" charset="0"/>
+                      </a:rPr>
+                      <m:t>𝑑</m:t>
+                    </m:r>
+                  </m:oMath>
+                </a14:m>
+                <a:r>
+                  <a:rPr lang="en-US" sz="2800" dirty="0" smtClean="0">
+                    <a:latin typeface="+mj-lt"/>
+                  </a:rPr>
+                  <a:t> states…</a:t>
+                </a:r>
+                <a:endParaRPr lang="en-US" sz="2800" dirty="0" smtClean="0">
+                  <a:latin typeface="+mj-lt"/>
+                </a:endParaRPr>
+              </a:p>
+            </p:txBody>
+          </p:sp>
+        </mc:Choice>
+        <mc:Fallback>
+          <p:sp>
+            <p:nvSpPr>
+              <p:cNvPr id="5" name="TextBox 4"/>
+              <p:cNvSpPr txBox="1">
+                <a:spLocks noRot="1" noChangeAspect="1" noMove="1" noResize="1" noEditPoints="1" noAdjustHandles="1" noChangeArrowheads="1" noChangeShapeType="1" noTextEdit="1"/>
+              </p:cNvSpPr>
+              <p:nvPr/>
+            </p:nvSpPr>
+            <p:spPr>
+              <a:xfrm>
+                <a:off x="1011115" y="1529866"/>
+                <a:ext cx="10137964" cy="3539430"/>
+              </a:xfrm>
+              <a:prstGeom prst="rect">
+                <a:avLst/>
+              </a:prstGeom>
+              <a:blipFill>
+                <a:blip r:embed="rId2"/>
+                <a:stretch>
+                  <a:fillRect l="-1263" t="-1721" b="-3959"/>
+                </a:stretch>
+              </a:blipFill>
+            </p:spPr>
+            <p:txBody>
+              <a:bodyPr/>
+              <a:lstStyle/>
+              <a:p>
+                <a:r>
+                  <a:rPr lang="en-US">
+                    <a:noFill/>
+                  </a:rPr>
+                  <a:t> </a:t>
+                </a:r>
+              </a:p>
+            </p:txBody>
+          </p:sp>
+        </mc:Fallback>
+      </mc:AlternateContent>
     </p:spTree>
     <p:extLst>
       <p:ext uri="{BB962C8B-B14F-4D97-AF65-F5344CB8AC3E}">
@@ -9963,37 +10148,475 @@
           </a:p>
         </p:txBody>
       </p:sp>
-      <p:sp>
-        <p:nvSpPr>
-          <p:cNvPr id="5" name="TextBox 4"/>
-          <p:cNvSpPr txBox="1"/>
-          <p:nvPr/>
-        </p:nvSpPr>
-        <p:spPr>
-          <a:xfrm>
-            <a:off x="1011115" y="1529866"/>
-            <a:ext cx="10137964" cy="523220"/>
-          </a:xfrm>
-          <a:prstGeom prst="rect">
-            <a:avLst/>
-          </a:prstGeom>
-          <a:noFill/>
-        </p:spPr>
-        <p:txBody>
-          <a:bodyPr wrap="square" rtlCol="0">
-            <a:spAutoFit/>
-          </a:bodyPr>
-          <a:lstStyle/>
-          <a:p>
-            <a:r>
-              <a:rPr lang="en-US" sz="2800" dirty="0" smtClean="0">
-                <a:latin typeface="+mj-lt"/>
-              </a:rPr>
-              <a:t>Formal Definition: …</a:t>
-            </a:r>
-          </a:p>
-        </p:txBody>
-      </p:sp>
+      <mc:AlternateContent xmlns:mc="http://schemas.openxmlformats.org/markup-compatibility/2006">
+        <mc:Choice xmlns:a14="http://schemas.microsoft.com/office/drawing/2010/main" Requires="a14">
+          <p:sp>
+            <p:nvSpPr>
+              <p:cNvPr id="5" name="TextBox 4"/>
+              <p:cNvSpPr txBox="1"/>
+              <p:nvPr/>
+            </p:nvSpPr>
+            <p:spPr>
+              <a:xfrm>
+                <a:off x="1011115" y="1529866"/>
+                <a:ext cx="10137964" cy="3539430"/>
+              </a:xfrm>
+              <a:prstGeom prst="rect">
+                <a:avLst/>
+              </a:prstGeom>
+              <a:noFill/>
+            </p:spPr>
+            <p:txBody>
+              <a:bodyPr wrap="square" rtlCol="0">
+                <a:spAutoFit/>
+              </a:bodyPr>
+              <a:lstStyle/>
+              <a:p>
+                <a:pPr marL="285750" indent="-285750">
+                  <a:buFont typeface="Arial" panose="020B0604020202020204" pitchFamily="34" charset="0"/>
+                  <a:buChar char="•"/>
+                </a:pPr>
+                <a:r>
+                  <a:rPr lang="en-US" sz="2800" dirty="0" smtClean="0">
+                    <a:latin typeface="+mj-lt"/>
+                  </a:rPr>
+                  <a:t>A </a:t>
+                </a:r>
+                <a:r>
+                  <a:rPr lang="en-US" sz="2800" dirty="0">
+                    <a:latin typeface="+mj-lt"/>
+                  </a:rPr>
+                  <a:t>set of </a:t>
+                </a:r>
+                <a:r>
+                  <a:rPr lang="en-US" sz="2800" dirty="0" smtClean="0">
+                    <a:latin typeface="+mj-lt"/>
+                  </a:rPr>
+                  <a:t>terminals </a:t>
+                </a:r>
+                <a14:m>
+                  <m:oMath xmlns:m="http://schemas.openxmlformats.org/officeDocument/2006/math">
+                    <m:r>
+                      <a:rPr lang="en-US" sz="2800" b="0" i="1" smtClean="0">
+                        <a:latin typeface="Cambria Math" panose="02040503050406030204" pitchFamily="18" charset="0"/>
+                      </a:rPr>
+                      <m:t>𝑇</m:t>
+                    </m:r>
+                  </m:oMath>
+                </a14:m>
+                <a:r>
+                  <a:rPr lang="en-US" sz="2800" dirty="0" smtClean="0">
+                    <a:latin typeface="+mj-lt"/>
+                  </a:rPr>
+                  <a:t> and a set of non-terminals </a:t>
+                </a:r>
+                <a14:m>
+                  <m:oMath xmlns:m="http://schemas.openxmlformats.org/officeDocument/2006/math">
+                    <m:r>
+                      <a:rPr lang="en-US" sz="2800" b="0" i="1" smtClean="0">
+                        <a:latin typeface="Cambria Math" panose="02040503050406030204" pitchFamily="18" charset="0"/>
+                      </a:rPr>
+                      <m:t>𝑉</m:t>
+                    </m:r>
+                  </m:oMath>
+                </a14:m>
+                <a:endParaRPr lang="en-US" sz="2800" dirty="0" smtClean="0">
+                  <a:latin typeface="+mj-lt"/>
+                </a:endParaRPr>
+              </a:p>
+              <a:p>
+                <a:pPr marL="285750" indent="-285750">
+                  <a:buFont typeface="Arial" panose="020B0604020202020204" pitchFamily="34" charset="0"/>
+                  <a:buChar char="•"/>
+                </a:pPr>
+                <a:r>
+                  <a:rPr lang="en-US" sz="2800" dirty="0" smtClean="0">
+                    <a:latin typeface="+mj-lt"/>
+                  </a:rPr>
+                  <a:t>Production rules of the form</a:t>
+                </a:r>
+                <a:endParaRPr lang="en-US" sz="2800" dirty="0">
+                  <a:latin typeface="+mj-lt"/>
+                </a:endParaRPr>
+              </a:p>
+              <a:p>
+                <a:pPr marL="742950" lvl="1" indent="-285750">
+                  <a:buFont typeface="Arial" panose="020B0604020202020204" pitchFamily="34" charset="0"/>
+                  <a:buChar char="•"/>
+                </a:pPr>
+                <a14:m>
+                  <m:oMath xmlns:m="http://schemas.openxmlformats.org/officeDocument/2006/math">
+                    <m:r>
+                      <a:rPr lang="en-US" sz="2800" i="1" dirty="0">
+                        <a:latin typeface="+mj-lt"/>
+                      </a:rPr>
+                      <m:t>𝐴</m:t>
+                    </m:r>
+                    <m:r>
+                      <a:rPr lang="en-US" sz="2800" i="1" dirty="0">
+                        <a:latin typeface="+mj-lt"/>
+                      </a:rPr>
+                      <m:t>→</m:t>
+                    </m:r>
+                    <m:sSub>
+                      <m:sSubPr>
+                        <m:ctrlPr>
+                          <a:rPr lang="en-US" sz="2800" b="0" i="1" dirty="0" smtClean="0">
+                            <a:latin typeface="+mj-lt"/>
+                          </a:rPr>
+                        </m:ctrlPr>
+                      </m:sSubPr>
+                      <m:e>
+                        <m:r>
+                          <a:rPr lang="en-US" sz="2800" b="0" i="1" dirty="0" smtClean="0">
+                            <a:latin typeface="+mj-lt"/>
+                          </a:rPr>
+                          <m:t>𝑎</m:t>
+                        </m:r>
+                      </m:e>
+                      <m:sub>
+                        <m:r>
+                          <a:rPr lang="en-US" sz="2800" b="0" i="1" dirty="0" smtClean="0">
+                            <a:latin typeface="+mj-lt"/>
+                          </a:rPr>
+                          <m:t>1</m:t>
+                        </m:r>
+                      </m:sub>
+                    </m:sSub>
+                    <m:sSub>
+                      <m:sSubPr>
+                        <m:ctrlPr>
+                          <a:rPr lang="en-US" sz="2800" b="0" i="1" dirty="0" smtClean="0">
+                            <a:latin typeface="+mj-lt"/>
+                          </a:rPr>
+                        </m:ctrlPr>
+                      </m:sSubPr>
+                      <m:e>
+                        <m:r>
+                          <a:rPr lang="en-US" sz="2800" b="0" i="1" dirty="0" smtClean="0">
+                            <a:latin typeface="+mj-lt"/>
+                          </a:rPr>
+                          <m:t>𝑎</m:t>
+                        </m:r>
+                      </m:e>
+                      <m:sub>
+                        <m:r>
+                          <a:rPr lang="en-US" sz="2800" b="0" i="1" dirty="0" smtClean="0">
+                            <a:latin typeface="+mj-lt"/>
+                          </a:rPr>
+                          <m:t>2</m:t>
+                        </m:r>
+                      </m:sub>
+                    </m:sSub>
+                    <m:r>
+                      <a:rPr lang="en-US" sz="2800" b="0" i="1" dirty="0" smtClean="0">
+                        <a:latin typeface="+mj-lt"/>
+                      </a:rPr>
+                      <m:t>…</m:t>
+                    </m:r>
+                    <m:sSub>
+                      <m:sSubPr>
+                        <m:ctrlPr>
+                          <a:rPr lang="en-US" sz="2800" b="0" i="1" dirty="0" smtClean="0">
+                            <a:latin typeface="+mj-lt"/>
+                          </a:rPr>
+                        </m:ctrlPr>
+                      </m:sSubPr>
+                      <m:e>
+                        <m:r>
+                          <a:rPr lang="en-US" sz="2800" b="0" i="1" dirty="0" smtClean="0">
+                            <a:latin typeface="+mj-lt"/>
+                          </a:rPr>
+                          <m:t>𝑎</m:t>
+                        </m:r>
+                      </m:e>
+                      <m:sub>
+                        <m:r>
+                          <a:rPr lang="en-US" sz="2800" b="0" i="1" dirty="0" smtClean="0">
+                            <a:latin typeface="+mj-lt"/>
+                          </a:rPr>
+                          <m:t>𝑛</m:t>
+                        </m:r>
+                      </m:sub>
+                    </m:sSub>
+                    <m:r>
+                      <a:rPr lang="en-US" sz="2800" b="0" i="1" dirty="0" smtClean="0">
+                        <a:latin typeface="+mj-lt"/>
+                      </a:rPr>
+                      <m:t> </m:t>
+                    </m:r>
+                  </m:oMath>
+                </a14:m>
+                <a:endParaRPr lang="en-US" sz="2800" b="0" i="1" dirty="0" smtClean="0">
+                  <a:latin typeface="+mj-lt"/>
+                </a:endParaRPr>
+              </a:p>
+              <a:p>
+                <a:pPr marL="742950" lvl="1" indent="-285750">
+                  <a:buFont typeface="Arial" panose="020B0604020202020204" pitchFamily="34" charset="0"/>
+                  <a:buChar char="•"/>
+                </a:pPr>
+                <a14:m>
+                  <m:oMath xmlns:m="http://schemas.openxmlformats.org/officeDocument/2006/math">
+                    <m:sSub>
+                      <m:sSubPr>
+                        <m:ctrlPr>
+                          <a:rPr lang="en-US" sz="2800" b="0" i="1" dirty="0" smtClean="0">
+                            <a:latin typeface="+mj-lt"/>
+                          </a:rPr>
+                        </m:ctrlPr>
+                      </m:sSubPr>
+                      <m:e>
+                        <m:r>
+                          <a:rPr lang="en-US" sz="2800" b="0" i="1" dirty="0" smtClean="0">
+                            <a:latin typeface="+mj-lt"/>
+                          </a:rPr>
+                          <m:t>𝐴</m:t>
+                        </m:r>
+                        <m:r>
+                          <a:rPr lang="en-US" sz="2800" b="0" i="1" dirty="0" smtClean="0">
+                            <a:latin typeface="+mj-lt"/>
+                          </a:rPr>
+                          <m:t>∈</m:t>
+                        </m:r>
+                        <m:r>
+                          <a:rPr lang="en-US" sz="2800" b="0" i="1" dirty="0" smtClean="0">
+                            <a:latin typeface="+mj-lt"/>
+                          </a:rPr>
+                          <m:t>𝑉</m:t>
+                        </m:r>
+                        <m:r>
+                          <a:rPr lang="en-US" sz="2800" b="0" i="1" dirty="0" smtClean="0">
+                            <a:latin typeface="+mj-lt"/>
+                          </a:rPr>
+                          <m:t>, </m:t>
+                        </m:r>
+                        <m:r>
+                          <a:rPr lang="en-US" sz="2800" b="0" i="1" dirty="0" smtClean="0">
+                            <a:latin typeface="+mj-lt"/>
+                          </a:rPr>
+                          <m:t>𝑎</m:t>
+                        </m:r>
+                      </m:e>
+                      <m:sub>
+                        <m:r>
+                          <a:rPr lang="en-US" sz="2800" b="0" i="1" dirty="0" smtClean="0">
+                            <a:latin typeface="+mj-lt"/>
+                          </a:rPr>
+                          <m:t>𝑖</m:t>
+                        </m:r>
+                      </m:sub>
+                    </m:sSub>
+                    <m:r>
+                      <a:rPr lang="en-US" sz="2800" b="0" i="1" dirty="0" smtClean="0">
+                        <a:latin typeface="+mj-lt"/>
+                      </a:rPr>
+                      <m:t>∈</m:t>
+                    </m:r>
+                    <m:r>
+                      <a:rPr lang="en-US" sz="2800" b="0" i="1" dirty="0" smtClean="0">
+                        <a:latin typeface="+mj-lt"/>
+                      </a:rPr>
+                      <m:t>𝑇</m:t>
+                    </m:r>
+                    <m:r>
+                      <a:rPr lang="en-US" sz="2800" b="0" i="1" dirty="0" smtClean="0">
+                        <a:latin typeface="+mj-lt"/>
+                      </a:rPr>
+                      <m:t>∪</m:t>
+                    </m:r>
+                    <m:r>
+                      <a:rPr lang="en-US" sz="2800" b="0" i="1" dirty="0" smtClean="0">
+                        <a:latin typeface="+mj-lt"/>
+                      </a:rPr>
+                      <m:t>𝑉</m:t>
+                    </m:r>
+                  </m:oMath>
+                </a14:m>
+                <a:endParaRPr lang="en-US" sz="2800" i="1" dirty="0" smtClean="0">
+                  <a:latin typeface="+mj-lt"/>
+                </a:endParaRPr>
+              </a:p>
+              <a:p>
+                <a:pPr marL="285750" indent="-285750">
+                  <a:buFont typeface="Arial" panose="020B0604020202020204" pitchFamily="34" charset="0"/>
+                  <a:buChar char="•"/>
+                </a:pPr>
+                <a:r>
+                  <a:rPr lang="en-US" sz="2800" dirty="0" smtClean="0">
+                    <a:latin typeface="+mj-lt"/>
+                  </a:rPr>
+                  <a:t>Starting rule:</a:t>
+                </a:r>
+              </a:p>
+              <a:p>
+                <a:pPr marL="742950" lvl="1" indent="-285750">
+                  <a:buFont typeface="Arial" panose="020B0604020202020204" pitchFamily="34" charset="0"/>
+                  <a:buChar char="•"/>
+                </a:pPr>
+                <a14:m>
+                  <m:oMath xmlns:m="http://schemas.openxmlformats.org/officeDocument/2006/math">
+                    <m:r>
+                      <a:rPr lang="en-US" sz="2800" b="0" i="1" dirty="0" smtClean="0">
+                        <a:latin typeface="+mj-lt"/>
+                      </a:rPr>
+                      <m:t>𝑆</m:t>
+                    </m:r>
+                    <m:r>
+                      <a:rPr lang="en-US" sz="2800" i="1" dirty="0">
+                        <a:latin typeface="+mj-lt"/>
+                      </a:rPr>
+                      <m:t>→</m:t>
+                    </m:r>
+                    <m:sSub>
+                      <m:sSubPr>
+                        <m:ctrlPr>
+                          <a:rPr lang="en-US" sz="2800" i="1" dirty="0">
+                            <a:latin typeface="+mj-lt"/>
+                          </a:rPr>
+                        </m:ctrlPr>
+                      </m:sSubPr>
+                      <m:e>
+                        <m:r>
+                          <a:rPr lang="en-US" sz="2800" i="1" dirty="0">
+                            <a:latin typeface="+mj-lt"/>
+                          </a:rPr>
+                          <m:t>𝑎</m:t>
+                        </m:r>
+                      </m:e>
+                      <m:sub>
+                        <m:r>
+                          <a:rPr lang="en-US" sz="2800" i="1" dirty="0">
+                            <a:latin typeface="+mj-lt"/>
+                          </a:rPr>
+                          <m:t>1</m:t>
+                        </m:r>
+                      </m:sub>
+                    </m:sSub>
+                    <m:sSub>
+                      <m:sSubPr>
+                        <m:ctrlPr>
+                          <a:rPr lang="en-US" sz="2800" i="1" dirty="0">
+                            <a:latin typeface="+mj-lt"/>
+                          </a:rPr>
+                        </m:ctrlPr>
+                      </m:sSubPr>
+                      <m:e>
+                        <m:r>
+                          <a:rPr lang="en-US" sz="2800" i="1" dirty="0">
+                            <a:latin typeface="+mj-lt"/>
+                          </a:rPr>
+                          <m:t>𝑎</m:t>
+                        </m:r>
+                      </m:e>
+                      <m:sub>
+                        <m:r>
+                          <a:rPr lang="en-US" sz="2800" i="1" dirty="0">
+                            <a:latin typeface="+mj-lt"/>
+                          </a:rPr>
+                          <m:t>2</m:t>
+                        </m:r>
+                      </m:sub>
+                    </m:sSub>
+                    <m:r>
+                      <a:rPr lang="en-US" sz="2800" i="1" dirty="0">
+                        <a:latin typeface="+mj-lt"/>
+                      </a:rPr>
+                      <m:t>…</m:t>
+                    </m:r>
+                    <m:sSub>
+                      <m:sSubPr>
+                        <m:ctrlPr>
+                          <a:rPr lang="en-US" sz="2800" i="1" dirty="0">
+                            <a:latin typeface="+mj-lt"/>
+                          </a:rPr>
+                        </m:ctrlPr>
+                      </m:sSubPr>
+                      <m:e>
+                        <m:r>
+                          <a:rPr lang="en-US" sz="2800" i="1" dirty="0">
+                            <a:latin typeface="+mj-lt"/>
+                          </a:rPr>
+                          <m:t>𝑎</m:t>
+                        </m:r>
+                      </m:e>
+                      <m:sub>
+                        <m:r>
+                          <a:rPr lang="en-US" sz="2800" i="1" dirty="0">
+                            <a:latin typeface="+mj-lt"/>
+                          </a:rPr>
+                          <m:t>𝑛</m:t>
+                        </m:r>
+                      </m:sub>
+                    </m:sSub>
+                    <m:r>
+                      <a:rPr lang="en-US" sz="2800" i="1" dirty="0">
+                        <a:latin typeface="+mj-lt"/>
+                      </a:rPr>
+                      <m:t> </m:t>
+                    </m:r>
+                  </m:oMath>
+                </a14:m>
+                <a:endParaRPr lang="en-US" sz="2800" i="1" dirty="0" smtClean="0">
+                  <a:latin typeface="+mj-lt"/>
+                </a:endParaRPr>
+              </a:p>
+              <a:p>
+                <a:pPr marL="742950" lvl="1" indent="-285750">
+                  <a:buFont typeface="Arial" panose="020B0604020202020204" pitchFamily="34" charset="0"/>
+                  <a:buChar char="•"/>
+                </a:pPr>
+                <a:endParaRPr lang="en-US" sz="2800" i="1" dirty="0" smtClean="0">
+                  <a:latin typeface="+mj-lt"/>
+                </a:endParaRPr>
+              </a:p>
+              <a:p>
+                <a:endParaRPr lang="en-US" sz="2800" i="1" dirty="0" smtClean="0">
+                  <a:latin typeface="+mj-lt"/>
+                </a:endParaRPr>
+              </a:p>
+            </p:txBody>
+          </p:sp>
+        </mc:Choice>
+        <mc:Fallback>
+          <p:sp>
+            <p:nvSpPr>
+              <p:cNvPr id="5" name="TextBox 4"/>
+              <p:cNvSpPr txBox="1">
+                <a:spLocks noRot="1" noChangeAspect="1" noMove="1" noResize="1" noEditPoints="1" noAdjustHandles="1" noChangeArrowheads="1" noChangeShapeType="1" noTextEdit="1"/>
+              </p:cNvSpPr>
+              <p:nvPr/>
+            </p:nvSpPr>
+            <p:spPr>
+              <a:xfrm>
+                <a:off x="1011115" y="1529866"/>
+                <a:ext cx="10137964" cy="3539430"/>
+              </a:xfrm>
+              <a:prstGeom prst="rect">
+                <a:avLst/>
+              </a:prstGeom>
+              <a:blipFill>
+                <a:blip r:embed="rId2"/>
+                <a:stretch>
+                  <a:fillRect l="-1082" t="-1721"/>
+                </a:stretch>
+              </a:blipFill>
+            </p:spPr>
+            <p:txBody>
+              <a:bodyPr/>
+              <a:lstStyle/>
+              <a:p>
+                <a:r>
+                  <a:rPr lang="en-US">
+                    <a:noFill/>
+                  </a:rPr>
+                  <a:t> </a:t>
+                </a:r>
+              </a:p>
+            </p:txBody>
+          </p:sp>
+        </mc:Fallback>
+      </mc:AlternateContent>
     </p:spTree>
     <p:extLst>
       <p:ext uri="{BB962C8B-B14F-4D97-AF65-F5344CB8AC3E}">
@@ -11368,7 +11991,7 @@
         <p:spPr>
           <a:xfrm>
             <a:off x="1011115" y="1529866"/>
-            <a:ext cx="10137964" cy="523220"/>
+            <a:ext cx="10137964" cy="1815882"/>
           </a:xfrm>
           <a:prstGeom prst="rect">
             <a:avLst/>
@@ -11381,6 +12004,14 @@
           </a:bodyPr>
           <a:lstStyle/>
           <a:p>
+            <a:r>
+              <a:rPr lang="en-US" sz="2800" dirty="0" smtClean="0">
+                <a:latin typeface="+mj-lt"/>
+              </a:rPr>
+              <a:t>Some languages has a predictive parser:</a:t>
+            </a:r>
+          </a:p>
+          <a:p>
             <a:pPr marL="285750" indent="-285750">
               <a:buFont typeface="Arial" panose="020B0604020202020204" pitchFamily="34" charset="0"/>
               <a:buChar char="•"/>
@@ -11389,8 +12020,35 @@
               <a:rPr lang="en-US" sz="2800" dirty="0" smtClean="0">
                 <a:latin typeface="+mj-lt"/>
               </a:rPr>
-              <a:t>TODO…</a:t>
-            </a:r>
+              <a:t>We determine the production rule according to the current token</a:t>
+            </a:r>
+          </a:p>
+          <a:p>
+            <a:pPr marL="285750" indent="-285750">
+              <a:buFont typeface="Arial" panose="020B0604020202020204" pitchFamily="34" charset="0"/>
+              <a:buChar char="•"/>
+            </a:pPr>
+            <a:r>
+              <a:rPr lang="en-US" sz="2800" dirty="0" smtClean="0">
+                <a:latin typeface="+mj-lt"/>
+              </a:rPr>
+              <a:t>We begin we the start symbol</a:t>
+            </a:r>
+          </a:p>
+          <a:p>
+            <a:pPr marL="742950" lvl="1" indent="-285750">
+              <a:buFont typeface="Arial" panose="020B0604020202020204" pitchFamily="34" charset="0"/>
+              <a:buChar char="•"/>
+            </a:pPr>
+            <a:r>
+              <a:rPr lang="en-US" sz="2800" dirty="0" smtClean="0">
+                <a:latin typeface="+mj-lt"/>
+              </a:rPr>
+              <a:t>From the top…</a:t>
+            </a:r>
+            <a:endParaRPr lang="en-US" sz="2800" dirty="0" smtClean="0">
+              <a:latin typeface="+mj-lt"/>
+            </a:endParaRPr>
           </a:p>
         </p:txBody>
       </p:sp>
@@ -13374,7 +14032,9 @@
           <a:lstStyle/>
           <a:p>
             <a:r>
-              <a:rPr lang="en-US" sz="4800" dirty="0"/>
+              <a:rPr lang="en-US" sz="4800" dirty="0">
+                <a:latin typeface="+mj-lt"/>
+              </a:rPr>
               <a:t>Language of Balanced Parentheses 2</a:t>
             </a:r>
           </a:p>
@@ -23768,7 +24428,7 @@
         </p:nvSpPr>
         <p:spPr>
           <a:xfrm>
-            <a:off x="4003029" y="2904495"/>
+            <a:off x="4003029" y="2821371"/>
             <a:ext cx="631767" cy="683087"/>
           </a:xfrm>
           <a:prstGeom prst="ellipse">
@@ -23825,7 +24485,7 @@
         </p:nvSpPr>
         <p:spPr>
           <a:xfrm>
-            <a:off x="7402093" y="2904495"/>
+            <a:off x="7402093" y="2821371"/>
             <a:ext cx="631767" cy="683087"/>
           </a:xfrm>
           <a:prstGeom prst="ellipse">
@@ -23886,7 +24546,7 @@
         <p:spPr>
           <a:xfrm flipH="1">
             <a:off x="4318913" y="2532172"/>
-            <a:ext cx="1465811" cy="372323"/>
+            <a:ext cx="1465811" cy="289199"/>
           </a:xfrm>
           <a:prstGeom prst="straightConnector1">
             <a:avLst/>
@@ -23927,7 +24587,7 @@
         <p:spPr>
           <a:xfrm>
             <a:off x="6416491" y="2532172"/>
-            <a:ext cx="1301486" cy="372323"/>
+            <a:ext cx="1301486" cy="289199"/>
           </a:xfrm>
           <a:prstGeom prst="straightConnector1">
             <a:avLst/>
@@ -23964,7 +24624,7 @@
         </p:nvSpPr>
         <p:spPr>
           <a:xfrm>
-            <a:off x="6572244" y="3847813"/>
+            <a:off x="6572244" y="3764689"/>
             <a:ext cx="631767" cy="683087"/>
           </a:xfrm>
           <a:prstGeom prst="ellipse">
@@ -24021,7 +24681,7 @@
         </p:nvSpPr>
         <p:spPr>
           <a:xfrm>
-            <a:off x="7402093" y="3855941"/>
+            <a:off x="7402093" y="3772817"/>
             <a:ext cx="631767" cy="683087"/>
           </a:xfrm>
           <a:prstGeom prst="ellipse">
@@ -24078,7 +24738,7 @@
         </p:nvSpPr>
         <p:spPr>
           <a:xfrm>
-            <a:off x="8252798" y="3867207"/>
+            <a:off x="8252798" y="3784083"/>
             <a:ext cx="631767" cy="683087"/>
           </a:xfrm>
           <a:prstGeom prst="ellipse">
@@ -24138,7 +24798,7 @@
         </p:nvCxnSpPr>
         <p:spPr>
           <a:xfrm flipH="1">
-            <a:off x="6888128" y="3487546"/>
+            <a:off x="6888128" y="3404422"/>
             <a:ext cx="606485" cy="360267"/>
           </a:xfrm>
           <a:prstGeom prst="straightConnector1">
@@ -24179,7 +24839,7 @@
         </p:nvCxnSpPr>
         <p:spPr>
           <a:xfrm>
-            <a:off x="7941340" y="3487546"/>
+            <a:off x="7941340" y="3404422"/>
             <a:ext cx="627342" cy="379661"/>
           </a:xfrm>
           <a:prstGeom prst="straightConnector1">
@@ -24220,7 +24880,7 @@
         </p:nvCxnSpPr>
         <p:spPr>
           <a:xfrm>
-            <a:off x="7717977" y="3587582"/>
+            <a:off x="7717977" y="3504458"/>
             <a:ext cx="0" cy="268359"/>
           </a:xfrm>
           <a:prstGeom prst="straightConnector1">
@@ -24258,7 +24918,7 @@
         </p:nvSpPr>
         <p:spPr>
           <a:xfrm>
-            <a:off x="6927255" y="4706611"/>
+            <a:off x="6927255" y="4623487"/>
             <a:ext cx="631767" cy="683087"/>
           </a:xfrm>
           <a:prstGeom prst="ellipse">
@@ -24315,7 +24975,7 @@
         </p:nvSpPr>
         <p:spPr>
           <a:xfrm>
-            <a:off x="7868306" y="4717877"/>
+            <a:off x="7868306" y="4634753"/>
             <a:ext cx="631767" cy="683087"/>
           </a:xfrm>
           <a:prstGeom prst="ellipse">
@@ -24375,7 +25035,7 @@
         </p:nvCxnSpPr>
         <p:spPr>
           <a:xfrm flipH="1">
-            <a:off x="7243139" y="4438992"/>
+            <a:off x="7243139" y="4355868"/>
             <a:ext cx="251474" cy="267619"/>
           </a:xfrm>
           <a:prstGeom prst="straightConnector1">
@@ -24416,7 +25076,7 @@
         </p:nvCxnSpPr>
         <p:spPr>
           <a:xfrm>
-            <a:off x="7941340" y="4438992"/>
+            <a:off x="7941340" y="4355868"/>
             <a:ext cx="242850" cy="278885"/>
           </a:xfrm>
           <a:prstGeom prst="straightConnector1">
@@ -24454,7 +25114,7 @@
         </p:nvSpPr>
         <p:spPr>
           <a:xfrm>
-            <a:off x="6922944" y="5565409"/>
+            <a:off x="6922944" y="5482285"/>
             <a:ext cx="631767" cy="683087"/>
           </a:xfrm>
           <a:prstGeom prst="ellipse">
@@ -24514,7 +25174,7 @@
         </p:nvCxnSpPr>
         <p:spPr>
           <a:xfrm flipH="1">
-            <a:off x="7238828" y="5389698"/>
+            <a:off x="7238828" y="5306574"/>
             <a:ext cx="4311" cy="175711"/>
           </a:xfrm>
           <a:prstGeom prst="straightConnector1">
@@ -24552,7 +25212,7 @@
         </p:nvSpPr>
         <p:spPr>
           <a:xfrm>
-            <a:off x="2854304" y="3717310"/>
+            <a:off x="2854304" y="3634186"/>
             <a:ext cx="631767" cy="683087"/>
           </a:xfrm>
           <a:prstGeom prst="ellipse">
@@ -24609,7 +25269,7 @@
         </p:nvSpPr>
         <p:spPr>
           <a:xfrm>
-            <a:off x="4456093" y="3756371"/>
+            <a:off x="4456093" y="3673247"/>
             <a:ext cx="631767" cy="683087"/>
           </a:xfrm>
           <a:prstGeom prst="ellipse">
@@ -24669,7 +25329,7 @@
         </p:nvCxnSpPr>
         <p:spPr>
           <a:xfrm flipH="1">
-            <a:off x="3393551" y="3487546"/>
+            <a:off x="3393551" y="3404422"/>
             <a:ext cx="701998" cy="329800"/>
           </a:xfrm>
           <a:prstGeom prst="straightConnector1">
@@ -24710,7 +25370,7 @@
         </p:nvCxnSpPr>
         <p:spPr>
           <a:xfrm>
-            <a:off x="4542276" y="3487546"/>
+            <a:off x="4542276" y="3404422"/>
             <a:ext cx="229701" cy="268825"/>
           </a:xfrm>
           <a:prstGeom prst="straightConnector1">
@@ -24748,7 +25408,7 @@
         </p:nvSpPr>
         <p:spPr>
           <a:xfrm>
-            <a:off x="2854304" y="4613423"/>
+            <a:off x="2854304" y="4530299"/>
             <a:ext cx="631767" cy="683087"/>
           </a:xfrm>
           <a:prstGeom prst="ellipse">
@@ -24808,7 +25468,7 @@
         </p:nvCxnSpPr>
         <p:spPr>
           <a:xfrm>
-            <a:off x="3170188" y="4400397"/>
+            <a:off x="3170188" y="4317273"/>
             <a:ext cx="0" cy="213026"/>
           </a:xfrm>
           <a:prstGeom prst="straightConnector1">
@@ -24846,7 +25506,7 @@
         </p:nvSpPr>
         <p:spPr>
           <a:xfrm>
-            <a:off x="3666120" y="4619011"/>
+            <a:off x="3666120" y="4535887"/>
             <a:ext cx="631767" cy="683087"/>
           </a:xfrm>
           <a:prstGeom prst="ellipse">
@@ -24903,7 +25563,7 @@
         </p:nvSpPr>
         <p:spPr>
           <a:xfrm>
-            <a:off x="4456953" y="4627139"/>
+            <a:off x="4456953" y="4544015"/>
             <a:ext cx="631767" cy="683087"/>
           </a:xfrm>
           <a:prstGeom prst="ellipse">
@@ -24960,7 +25620,7 @@
         </p:nvSpPr>
         <p:spPr>
           <a:xfrm>
-            <a:off x="5346674" y="4638405"/>
+            <a:off x="5346674" y="4555281"/>
             <a:ext cx="631767" cy="683087"/>
           </a:xfrm>
           <a:prstGeom prst="ellipse">
@@ -25020,7 +25680,7 @@
         </p:nvCxnSpPr>
         <p:spPr>
           <a:xfrm flipH="1">
-            <a:off x="3982004" y="4339422"/>
+            <a:off x="3982004" y="4256298"/>
             <a:ext cx="566609" cy="279589"/>
           </a:xfrm>
           <a:prstGeom prst="straightConnector1">
@@ -25061,7 +25721,7 @@
         </p:nvCxnSpPr>
         <p:spPr>
           <a:xfrm>
-            <a:off x="4995340" y="4339422"/>
+            <a:off x="4995340" y="4256298"/>
             <a:ext cx="667218" cy="298983"/>
           </a:xfrm>
           <a:prstGeom prst="straightConnector1">
@@ -25102,7 +25762,7 @@
         </p:nvCxnSpPr>
         <p:spPr>
           <a:xfrm>
-            <a:off x="4771977" y="4439458"/>
+            <a:off x="4771977" y="4356334"/>
             <a:ext cx="860" cy="187681"/>
           </a:xfrm>
           <a:prstGeom prst="straightConnector1">
@@ -25140,7 +25800,7 @@
         </p:nvSpPr>
         <p:spPr>
           <a:xfrm>
-            <a:off x="4456093" y="5588780"/>
+            <a:off x="4456093" y="5505656"/>
             <a:ext cx="631767" cy="683087"/>
           </a:xfrm>
           <a:prstGeom prst="ellipse">
@@ -25200,7 +25860,7 @@
         </p:nvCxnSpPr>
         <p:spPr>
           <a:xfrm flipH="1">
-            <a:off x="4771977" y="5310226"/>
+            <a:off x="4771977" y="5227102"/>
             <a:ext cx="860" cy="278554"/>
           </a:xfrm>
           <a:prstGeom prst="straightConnector1">
@@ -25234,6 +25894,932 @@
     <p:extLst>
       <p:ext uri="{BB962C8B-B14F-4D97-AF65-F5344CB8AC3E}">
         <p14:creationId xmlns:p14="http://schemas.microsoft.com/office/powerpoint/2010/main" val="1753032412"/>
+      </p:ext>
+    </p:extLst>
+  </p:cSld>
+  <p:clrMapOvr>
+    <a:masterClrMapping/>
+  </p:clrMapOvr>
+  <p:timing>
+    <p:tnLst>
+      <p:par>
+        <p:cTn id="1" dur="indefinite" restart="never" nodeType="tmRoot"/>
+      </p:par>
+    </p:tnLst>
+  </p:timing>
+</p:sld>
+</file>
+
+<file path=ppt/slides/slide58.xml><?xml version="1.0" encoding="utf-8"?>
+<p:sld xmlns:a="http://schemas.openxmlformats.org/drawingml/2006/main" xmlns:r="http://schemas.openxmlformats.org/officeDocument/2006/relationships" xmlns:p="http://schemas.openxmlformats.org/presentationml/2006/main">
+  <p:cSld>
+    <p:spTree>
+      <p:nvGrpSpPr>
+        <p:cNvPr id="1" name=""/>
+        <p:cNvGrpSpPr/>
+        <p:nvPr/>
+      </p:nvGrpSpPr>
+      <p:grpSpPr>
+        <a:xfrm>
+          <a:off x="0" y="0"/>
+          <a:ext cx="0" cy="0"/>
+          <a:chOff x="0" y="0"/>
+          <a:chExt cx="0" cy="0"/>
+        </a:xfrm>
+      </p:grpSpPr>
+      <p:sp>
+        <p:nvSpPr>
+          <p:cNvPr id="4" name="TextBox 3"/>
+          <p:cNvSpPr txBox="1"/>
+          <p:nvPr/>
+        </p:nvSpPr>
+        <p:spPr>
+          <a:xfrm>
+            <a:off x="1011115" y="668215"/>
+            <a:ext cx="10137964" cy="830997"/>
+          </a:xfrm>
+          <a:prstGeom prst="rect">
+            <a:avLst/>
+          </a:prstGeom>
+          <a:noFill/>
+        </p:spPr>
+        <p:txBody>
+          <a:bodyPr wrap="square" rtlCol="0">
+            <a:spAutoFit/>
+          </a:bodyPr>
+          <a:lstStyle/>
+          <a:p>
+            <a:r>
+              <a:rPr lang="en-US" sz="4800" dirty="0" smtClean="0">
+                <a:latin typeface="+mj-lt"/>
+              </a:rPr>
+              <a:t>Left Factoring</a:t>
+            </a:r>
+            <a:endParaRPr lang="en-US" sz="4800" dirty="0">
+              <a:latin typeface="+mj-lt"/>
+            </a:endParaRPr>
+          </a:p>
+        </p:txBody>
+      </p:sp>
+      <mc:AlternateContent xmlns:mc="http://schemas.openxmlformats.org/markup-compatibility/2006">
+        <mc:Choice xmlns:a14="http://schemas.microsoft.com/office/drawing/2010/main" Requires="a14">
+          <p:sp>
+            <p:nvSpPr>
+              <p:cNvPr id="5" name="TextBox 4"/>
+              <p:cNvSpPr txBox="1"/>
+              <p:nvPr/>
+            </p:nvSpPr>
+            <p:spPr>
+              <a:xfrm>
+                <a:off x="1011113" y="1529865"/>
+                <a:ext cx="10691359" cy="2246769"/>
+              </a:xfrm>
+              <a:prstGeom prst="rect">
+                <a:avLst/>
+              </a:prstGeom>
+              <a:noFill/>
+            </p:spPr>
+            <p:txBody>
+              <a:bodyPr wrap="square" rtlCol="0">
+                <a:spAutoFit/>
+              </a:bodyPr>
+              <a:lstStyle/>
+              <a:p>
+                <a:r>
+                  <a:rPr lang="en-US" sz="2800" dirty="0" smtClean="0">
+                    <a:latin typeface="+mj-lt"/>
+                  </a:rPr>
+                  <a:t>Left recursion was an issue, are there other issues?</a:t>
+                </a:r>
+              </a:p>
+              <a:p>
+                <a:r>
+                  <a:rPr lang="en-US" sz="2800" dirty="0" smtClean="0">
+                    <a:latin typeface="+mj-lt"/>
+                  </a:rPr>
+                  <a:t>What about the following grammar:</a:t>
+                </a:r>
+              </a:p>
+              <a:p>
+                <a:pPr marL="285750" indent="-285750">
+                  <a:buFont typeface="Arial" panose="020B0604020202020204" pitchFamily="34" charset="0"/>
+                  <a:buChar char="•"/>
+                </a:pPr>
+                <a14:m>
+                  <m:oMath xmlns:m="http://schemas.openxmlformats.org/officeDocument/2006/math">
+                    <m:r>
+                      <a:rPr lang="en-US" sz="2800" b="0" i="1" smtClean="0">
+                        <a:latin typeface="Cambria Math" panose="02040503050406030204" pitchFamily="18" charset="0"/>
+                      </a:rPr>
+                      <m:t>𝐸</m:t>
+                    </m:r>
+                    <m:r>
+                      <a:rPr lang="en-US" sz="2800" b="0" i="1" smtClean="0">
+                        <a:latin typeface="Cambria Math" panose="02040503050406030204" pitchFamily="18" charset="0"/>
+                      </a:rPr>
+                      <m:t>→</m:t>
+                    </m:r>
+                    <m:r>
+                      <a:rPr lang="en-US" sz="2800" b="0" i="1" smtClean="0">
+                        <a:latin typeface="Cambria Math" panose="02040503050406030204" pitchFamily="18" charset="0"/>
+                      </a:rPr>
+                      <m:t>𝑖𝑓</m:t>
+                    </m:r>
+                    <m:r>
+                      <a:rPr lang="en-US" sz="2800" b="0" i="1" smtClean="0">
+                        <a:latin typeface="Cambria Math" panose="02040503050406030204" pitchFamily="18" charset="0"/>
+                      </a:rPr>
+                      <m:t> </m:t>
+                    </m:r>
+                    <m:d>
+                      <m:dPr>
+                        <m:ctrlPr>
+                          <a:rPr lang="en-US" sz="2800" b="0" i="1" smtClean="0">
+                            <a:latin typeface="Cambria Math" panose="02040503050406030204" pitchFamily="18" charset="0"/>
+                          </a:rPr>
+                        </m:ctrlPr>
+                      </m:dPr>
+                      <m:e>
+                        <m:r>
+                          <a:rPr lang="en-US" sz="2800" b="0" i="1" smtClean="0">
+                            <a:latin typeface="Cambria Math" panose="02040503050406030204" pitchFamily="18" charset="0"/>
+                          </a:rPr>
+                          <m:t>𝐸</m:t>
+                        </m:r>
+                      </m:e>
+                    </m:d>
+                    <m:r>
+                      <a:rPr lang="en-US" sz="2800" b="0" i="1" smtClean="0">
+                        <a:latin typeface="Cambria Math" panose="02040503050406030204" pitchFamily="18" charset="0"/>
+                      </a:rPr>
+                      <m:t> </m:t>
+                    </m:r>
+                    <m:r>
+                      <a:rPr lang="en-US" sz="2800" b="0" i="1" smtClean="0">
+                        <a:latin typeface="Cambria Math" panose="02040503050406030204" pitchFamily="18" charset="0"/>
+                      </a:rPr>
+                      <m:t>𝑡h𝑒𝑛</m:t>
+                    </m:r>
+                    <m:r>
+                      <a:rPr lang="en-US" sz="2800" b="0" i="1" smtClean="0">
+                        <a:latin typeface="Cambria Math" panose="02040503050406030204" pitchFamily="18" charset="0"/>
+                      </a:rPr>
+                      <m:t> </m:t>
+                    </m:r>
+                    <m:r>
+                      <a:rPr lang="en-US" sz="2800" b="0" i="1" smtClean="0">
+                        <a:latin typeface="Cambria Math" panose="02040503050406030204" pitchFamily="18" charset="0"/>
+                      </a:rPr>
+                      <m:t>𝐸</m:t>
+                    </m:r>
+                  </m:oMath>
+                </a14:m>
+                <a:endParaRPr lang="en-US" sz="2800" b="0" i="1" dirty="0" smtClean="0">
+                  <a:latin typeface="Cambria Math" panose="02040503050406030204" pitchFamily="18" charset="0"/>
+                </a:endParaRPr>
+              </a:p>
+              <a:p>
+                <a:pPr marL="285750" indent="-285750">
+                  <a:buFont typeface="Arial" panose="020B0604020202020204" pitchFamily="34" charset="0"/>
+                  <a:buChar char="•"/>
+                </a:pPr>
+                <a14:m>
+                  <m:oMath xmlns:m="http://schemas.openxmlformats.org/officeDocument/2006/math">
+                    <m:r>
+                      <a:rPr lang="en-US" sz="2800" i="1">
+                        <a:latin typeface="Cambria Math" panose="02040503050406030204" pitchFamily="18" charset="0"/>
+                      </a:rPr>
+                      <m:t>𝐸</m:t>
+                    </m:r>
+                    <m:r>
+                      <a:rPr lang="en-US" sz="2800" i="1">
+                        <a:latin typeface="Cambria Math" panose="02040503050406030204" pitchFamily="18" charset="0"/>
+                      </a:rPr>
+                      <m:t>→</m:t>
+                    </m:r>
+                    <m:r>
+                      <a:rPr lang="en-US" sz="2800" i="1">
+                        <a:latin typeface="Cambria Math" panose="02040503050406030204" pitchFamily="18" charset="0"/>
+                      </a:rPr>
+                      <m:t>𝑖𝑓</m:t>
+                    </m:r>
+                    <m:r>
+                      <a:rPr lang="en-US" sz="2800" b="0" i="1" smtClean="0">
+                        <a:latin typeface="Cambria Math" panose="02040503050406030204" pitchFamily="18" charset="0"/>
+                      </a:rPr>
+                      <m:t> </m:t>
+                    </m:r>
+                    <m:d>
+                      <m:dPr>
+                        <m:ctrlPr>
+                          <a:rPr lang="en-US" sz="2800" b="0" i="1" smtClean="0">
+                            <a:latin typeface="Cambria Math" panose="02040503050406030204" pitchFamily="18" charset="0"/>
+                          </a:rPr>
+                        </m:ctrlPr>
+                      </m:dPr>
+                      <m:e>
+                        <m:r>
+                          <a:rPr lang="en-US" sz="2800" b="0" i="1" smtClean="0">
+                            <a:latin typeface="Cambria Math" panose="02040503050406030204" pitchFamily="18" charset="0"/>
+                          </a:rPr>
+                          <m:t>𝐸</m:t>
+                        </m:r>
+                      </m:e>
+                    </m:d>
+                    <m:r>
+                      <a:rPr lang="en-US" sz="2800" b="0" i="1" smtClean="0">
+                        <a:latin typeface="Cambria Math" panose="02040503050406030204" pitchFamily="18" charset="0"/>
+                      </a:rPr>
+                      <m:t> </m:t>
+                    </m:r>
+                    <m:r>
+                      <a:rPr lang="en-US" sz="2800" b="0" i="1" smtClean="0">
+                        <a:latin typeface="Cambria Math" panose="02040503050406030204" pitchFamily="18" charset="0"/>
+                      </a:rPr>
+                      <m:t>𝑡h𝑒𝑛</m:t>
+                    </m:r>
+                    <m:r>
+                      <a:rPr lang="en-US" sz="2800" b="0" i="1" smtClean="0">
+                        <a:latin typeface="Cambria Math" panose="02040503050406030204" pitchFamily="18" charset="0"/>
+                      </a:rPr>
+                      <m:t> </m:t>
+                    </m:r>
+                    <m:r>
+                      <a:rPr lang="en-US" sz="2800" b="0" i="1" smtClean="0">
+                        <a:latin typeface="Cambria Math" panose="02040503050406030204" pitchFamily="18" charset="0"/>
+                      </a:rPr>
+                      <m:t>𝐸</m:t>
+                    </m:r>
+                    <m:r>
+                      <a:rPr lang="en-US" sz="2800" b="0" i="1" smtClean="0">
+                        <a:latin typeface="Cambria Math" panose="02040503050406030204" pitchFamily="18" charset="0"/>
+                      </a:rPr>
+                      <m:t> </m:t>
+                    </m:r>
+                    <m:r>
+                      <a:rPr lang="en-US" sz="2800" b="0" i="1" smtClean="0">
+                        <a:latin typeface="Cambria Math" panose="02040503050406030204" pitchFamily="18" charset="0"/>
+                      </a:rPr>
+                      <m:t>𝑒𝑙𝑠𝑒</m:t>
+                    </m:r>
+                    <m:r>
+                      <a:rPr lang="en-US" sz="2800" b="0" i="1" smtClean="0">
+                        <a:latin typeface="Cambria Math" panose="02040503050406030204" pitchFamily="18" charset="0"/>
+                      </a:rPr>
+                      <m:t> </m:t>
+                    </m:r>
+                    <m:r>
+                      <a:rPr lang="en-US" sz="2800" b="0" i="1" smtClean="0">
+                        <a:latin typeface="Cambria Math" panose="02040503050406030204" pitchFamily="18" charset="0"/>
+                      </a:rPr>
+                      <m:t>𝐸</m:t>
+                    </m:r>
+                  </m:oMath>
+                </a14:m>
+                <a:endParaRPr lang="en-US" sz="2800" b="0" dirty="0" smtClean="0">
+                  <a:latin typeface="+mj-lt"/>
+                </a:endParaRPr>
+              </a:p>
+              <a:p>
+                <a:pPr marL="285750" indent="-285750">
+                  <a:buFont typeface="Arial" panose="020B0604020202020204" pitchFamily="34" charset="0"/>
+                  <a:buChar char="•"/>
+                </a:pPr>
+                <a14:m>
+                  <m:oMath xmlns:m="http://schemas.openxmlformats.org/officeDocument/2006/math">
+                    <m:r>
+                      <a:rPr lang="en-US" sz="2800" i="1">
+                        <a:latin typeface="Cambria Math" panose="02040503050406030204" pitchFamily="18" charset="0"/>
+                      </a:rPr>
+                      <m:t>𝐸</m:t>
+                    </m:r>
+                    <m:r>
+                      <a:rPr lang="en-US" sz="2800" i="1">
+                        <a:latin typeface="Cambria Math" panose="02040503050406030204" pitchFamily="18" charset="0"/>
+                      </a:rPr>
+                      <m:t>→</m:t>
+                    </m:r>
+                    <m:r>
+                      <a:rPr lang="en-US" sz="2800" b="0" i="1" smtClean="0">
+                        <a:latin typeface="Cambria Math" panose="02040503050406030204" pitchFamily="18" charset="0"/>
+                      </a:rPr>
+                      <m:t>𝑖𝑛𝑡</m:t>
+                    </m:r>
+                  </m:oMath>
+                </a14:m>
+                <a:endParaRPr lang="en-US" sz="2800" dirty="0">
+                  <a:latin typeface="+mj-lt"/>
+                </a:endParaRPr>
+              </a:p>
+            </p:txBody>
+          </p:sp>
+        </mc:Choice>
+        <mc:Fallback>
+          <p:sp>
+            <p:nvSpPr>
+              <p:cNvPr id="5" name="TextBox 4"/>
+              <p:cNvSpPr txBox="1">
+                <a:spLocks noRot="1" noChangeAspect="1" noMove="1" noResize="1" noEditPoints="1" noAdjustHandles="1" noChangeArrowheads="1" noChangeShapeType="1" noTextEdit="1"/>
+              </p:cNvSpPr>
+              <p:nvPr/>
+            </p:nvSpPr>
+            <p:spPr>
+              <a:xfrm>
+                <a:off x="1011113" y="1529865"/>
+                <a:ext cx="10691359" cy="2246769"/>
+              </a:xfrm>
+              <a:prstGeom prst="rect">
+                <a:avLst/>
+              </a:prstGeom>
+              <a:blipFill>
+                <a:blip r:embed="rId2"/>
+                <a:stretch>
+                  <a:fillRect l="-1197" t="-2710"/>
+                </a:stretch>
+              </a:blipFill>
+            </p:spPr>
+            <p:txBody>
+              <a:bodyPr/>
+              <a:lstStyle/>
+              <a:p>
+                <a:r>
+                  <a:rPr lang="en-US">
+                    <a:noFill/>
+                  </a:rPr>
+                  <a:t> </a:t>
+                </a:r>
+              </a:p>
+            </p:txBody>
+          </p:sp>
+        </mc:Fallback>
+      </mc:AlternateContent>
+    </p:spTree>
+    <p:extLst>
+      <p:ext uri="{BB962C8B-B14F-4D97-AF65-F5344CB8AC3E}">
+        <p14:creationId xmlns:p14="http://schemas.microsoft.com/office/powerpoint/2010/main" val="2073384341"/>
+      </p:ext>
+    </p:extLst>
+  </p:cSld>
+  <p:clrMapOvr>
+    <a:masterClrMapping/>
+  </p:clrMapOvr>
+  <p:timing>
+    <p:tnLst>
+      <p:par>
+        <p:cTn id="1" dur="indefinite" restart="never" nodeType="tmRoot"/>
+      </p:par>
+    </p:tnLst>
+  </p:timing>
+</p:sld>
+</file>
+
+<file path=ppt/slides/slide59.xml><?xml version="1.0" encoding="utf-8"?>
+<p:sld xmlns:a="http://schemas.openxmlformats.org/drawingml/2006/main" xmlns:r="http://schemas.openxmlformats.org/officeDocument/2006/relationships" xmlns:p="http://schemas.openxmlformats.org/presentationml/2006/main">
+  <p:cSld>
+    <p:spTree>
+      <p:nvGrpSpPr>
+        <p:cNvPr id="1" name=""/>
+        <p:cNvGrpSpPr/>
+        <p:nvPr/>
+      </p:nvGrpSpPr>
+      <p:grpSpPr>
+        <a:xfrm>
+          <a:off x="0" y="0"/>
+          <a:ext cx="0" cy="0"/>
+          <a:chOff x="0" y="0"/>
+          <a:chExt cx="0" cy="0"/>
+        </a:xfrm>
+      </p:grpSpPr>
+      <p:sp>
+        <p:nvSpPr>
+          <p:cNvPr id="4" name="TextBox 3"/>
+          <p:cNvSpPr txBox="1"/>
+          <p:nvPr/>
+        </p:nvSpPr>
+        <p:spPr>
+          <a:xfrm>
+            <a:off x="1011115" y="668215"/>
+            <a:ext cx="10137964" cy="830997"/>
+          </a:xfrm>
+          <a:prstGeom prst="rect">
+            <a:avLst/>
+          </a:prstGeom>
+          <a:noFill/>
+        </p:spPr>
+        <p:txBody>
+          <a:bodyPr wrap="square" rtlCol="0">
+            <a:spAutoFit/>
+          </a:bodyPr>
+          <a:lstStyle/>
+          <a:p>
+            <a:r>
+              <a:rPr lang="en-US" sz="4800" dirty="0" smtClean="0">
+                <a:latin typeface="+mj-lt"/>
+              </a:rPr>
+              <a:t>Left Factoring</a:t>
+            </a:r>
+            <a:endParaRPr lang="en-US" sz="4800" dirty="0">
+              <a:latin typeface="+mj-lt"/>
+            </a:endParaRPr>
+          </a:p>
+        </p:txBody>
+      </p:sp>
+      <mc:AlternateContent xmlns:mc="http://schemas.openxmlformats.org/markup-compatibility/2006">
+        <mc:Choice xmlns:a14="http://schemas.microsoft.com/office/drawing/2010/main" Requires="a14">
+          <p:sp>
+            <p:nvSpPr>
+              <p:cNvPr id="5" name="TextBox 4"/>
+              <p:cNvSpPr txBox="1"/>
+              <p:nvPr/>
+            </p:nvSpPr>
+            <p:spPr>
+              <a:xfrm>
+                <a:off x="1011113" y="1529865"/>
+                <a:ext cx="10691359" cy="4832092"/>
+              </a:xfrm>
+              <a:prstGeom prst="rect">
+                <a:avLst/>
+              </a:prstGeom>
+              <a:noFill/>
+            </p:spPr>
+            <p:txBody>
+              <a:bodyPr wrap="square" rtlCol="0">
+                <a:spAutoFit/>
+              </a:bodyPr>
+              <a:lstStyle/>
+              <a:p>
+                <a:r>
+                  <a:rPr lang="en-US" sz="2800" b="1" dirty="0" smtClean="0">
+                    <a:latin typeface="+mj-lt"/>
+                  </a:rPr>
+                  <a:t>Rewrite</a:t>
+                </a:r>
+                <a:r>
+                  <a:rPr lang="en-US" sz="2800" dirty="0" smtClean="0">
+                    <a:latin typeface="+mj-lt"/>
+                  </a:rPr>
+                  <a:t> the original CFG:</a:t>
+                </a:r>
+              </a:p>
+              <a:p>
+                <a:pPr marL="285750" indent="-285750">
+                  <a:buFont typeface="Arial" panose="020B0604020202020204" pitchFamily="34" charset="0"/>
+                  <a:buChar char="•"/>
+                </a:pPr>
+                <a14:m>
+                  <m:oMath xmlns:m="http://schemas.openxmlformats.org/officeDocument/2006/math">
+                    <m:r>
+                      <a:rPr lang="en-US" sz="2800" b="0" i="1" smtClean="0">
+                        <a:latin typeface="Cambria Math" panose="02040503050406030204" pitchFamily="18" charset="0"/>
+                      </a:rPr>
+                      <m:t>𝐸</m:t>
+                    </m:r>
+                    <m:r>
+                      <a:rPr lang="en-US" sz="2800" b="0" i="1" smtClean="0">
+                        <a:latin typeface="Cambria Math" panose="02040503050406030204" pitchFamily="18" charset="0"/>
+                      </a:rPr>
+                      <m:t>→</m:t>
+                    </m:r>
+                    <m:r>
+                      <a:rPr lang="en-US" sz="2800" b="0" i="1" smtClean="0">
+                        <a:latin typeface="Cambria Math" panose="02040503050406030204" pitchFamily="18" charset="0"/>
+                      </a:rPr>
+                      <m:t>𝑖𝑓</m:t>
+                    </m:r>
+                    <m:r>
+                      <a:rPr lang="en-US" sz="2800" b="0" i="1" smtClean="0">
+                        <a:latin typeface="Cambria Math" panose="02040503050406030204" pitchFamily="18" charset="0"/>
+                      </a:rPr>
+                      <m:t> </m:t>
+                    </m:r>
+                    <m:d>
+                      <m:dPr>
+                        <m:ctrlPr>
+                          <a:rPr lang="en-US" sz="2800" b="0" i="1" smtClean="0">
+                            <a:latin typeface="Cambria Math" panose="02040503050406030204" pitchFamily="18" charset="0"/>
+                          </a:rPr>
+                        </m:ctrlPr>
+                      </m:dPr>
+                      <m:e>
+                        <m:r>
+                          <a:rPr lang="en-US" sz="2800" b="0" i="1" smtClean="0">
+                            <a:latin typeface="Cambria Math" panose="02040503050406030204" pitchFamily="18" charset="0"/>
+                          </a:rPr>
+                          <m:t>𝐸</m:t>
+                        </m:r>
+                      </m:e>
+                    </m:d>
+                    <m:r>
+                      <a:rPr lang="en-US" sz="2800" b="0" i="1" smtClean="0">
+                        <a:latin typeface="Cambria Math" panose="02040503050406030204" pitchFamily="18" charset="0"/>
+                      </a:rPr>
+                      <m:t> </m:t>
+                    </m:r>
+                    <m:r>
+                      <a:rPr lang="en-US" sz="2800" b="0" i="1" smtClean="0">
+                        <a:latin typeface="Cambria Math" panose="02040503050406030204" pitchFamily="18" charset="0"/>
+                      </a:rPr>
+                      <m:t>𝑡h𝑒𝑛</m:t>
+                    </m:r>
+                    <m:r>
+                      <a:rPr lang="en-US" sz="2800" b="0" i="1" smtClean="0">
+                        <a:latin typeface="Cambria Math" panose="02040503050406030204" pitchFamily="18" charset="0"/>
+                      </a:rPr>
+                      <m:t> </m:t>
+                    </m:r>
+                    <m:r>
+                      <a:rPr lang="en-US" sz="2800" b="0" i="1" smtClean="0">
+                        <a:latin typeface="Cambria Math" panose="02040503050406030204" pitchFamily="18" charset="0"/>
+                      </a:rPr>
+                      <m:t>𝐸</m:t>
+                    </m:r>
+                  </m:oMath>
+                </a14:m>
+                <a:endParaRPr lang="en-US" sz="2800" b="0" i="1" dirty="0" smtClean="0">
+                  <a:latin typeface="Cambria Math" panose="02040503050406030204" pitchFamily="18" charset="0"/>
+                </a:endParaRPr>
+              </a:p>
+              <a:p>
+                <a:pPr marL="285750" indent="-285750">
+                  <a:buFont typeface="Arial" panose="020B0604020202020204" pitchFamily="34" charset="0"/>
+                  <a:buChar char="•"/>
+                </a:pPr>
+                <a14:m>
+                  <m:oMath xmlns:m="http://schemas.openxmlformats.org/officeDocument/2006/math">
+                    <m:r>
+                      <a:rPr lang="en-US" sz="2800" i="1">
+                        <a:latin typeface="Cambria Math" panose="02040503050406030204" pitchFamily="18" charset="0"/>
+                      </a:rPr>
+                      <m:t>𝐸</m:t>
+                    </m:r>
+                    <m:r>
+                      <a:rPr lang="en-US" sz="2800" i="1">
+                        <a:latin typeface="Cambria Math" panose="02040503050406030204" pitchFamily="18" charset="0"/>
+                      </a:rPr>
+                      <m:t>→</m:t>
+                    </m:r>
+                    <m:r>
+                      <a:rPr lang="en-US" sz="2800" i="1">
+                        <a:latin typeface="Cambria Math" panose="02040503050406030204" pitchFamily="18" charset="0"/>
+                      </a:rPr>
+                      <m:t>𝑖𝑓</m:t>
+                    </m:r>
+                    <m:r>
+                      <a:rPr lang="en-US" sz="2800" b="0" i="1" smtClean="0">
+                        <a:latin typeface="Cambria Math" panose="02040503050406030204" pitchFamily="18" charset="0"/>
+                      </a:rPr>
+                      <m:t> </m:t>
+                    </m:r>
+                    <m:d>
+                      <m:dPr>
+                        <m:ctrlPr>
+                          <a:rPr lang="en-US" sz="2800" b="0" i="1" smtClean="0">
+                            <a:latin typeface="Cambria Math" panose="02040503050406030204" pitchFamily="18" charset="0"/>
+                          </a:rPr>
+                        </m:ctrlPr>
+                      </m:dPr>
+                      <m:e>
+                        <m:r>
+                          <a:rPr lang="en-US" sz="2800" b="0" i="1" smtClean="0">
+                            <a:latin typeface="Cambria Math" panose="02040503050406030204" pitchFamily="18" charset="0"/>
+                          </a:rPr>
+                          <m:t>𝐸</m:t>
+                        </m:r>
+                      </m:e>
+                    </m:d>
+                    <m:r>
+                      <a:rPr lang="en-US" sz="2800" b="0" i="1" smtClean="0">
+                        <a:latin typeface="Cambria Math" panose="02040503050406030204" pitchFamily="18" charset="0"/>
+                      </a:rPr>
+                      <m:t> </m:t>
+                    </m:r>
+                    <m:r>
+                      <a:rPr lang="en-US" sz="2800" b="0" i="1" smtClean="0">
+                        <a:latin typeface="Cambria Math" panose="02040503050406030204" pitchFamily="18" charset="0"/>
+                      </a:rPr>
+                      <m:t>𝑡h𝑒𝑛</m:t>
+                    </m:r>
+                    <m:r>
+                      <a:rPr lang="en-US" sz="2800" b="0" i="1" smtClean="0">
+                        <a:latin typeface="Cambria Math" panose="02040503050406030204" pitchFamily="18" charset="0"/>
+                      </a:rPr>
+                      <m:t> </m:t>
+                    </m:r>
+                    <m:r>
+                      <a:rPr lang="en-US" sz="2800" b="0" i="1" smtClean="0">
+                        <a:latin typeface="Cambria Math" panose="02040503050406030204" pitchFamily="18" charset="0"/>
+                      </a:rPr>
+                      <m:t>𝐸</m:t>
+                    </m:r>
+                    <m:r>
+                      <a:rPr lang="en-US" sz="2800" b="0" i="1" smtClean="0">
+                        <a:latin typeface="Cambria Math" panose="02040503050406030204" pitchFamily="18" charset="0"/>
+                      </a:rPr>
+                      <m:t> </m:t>
+                    </m:r>
+                    <m:r>
+                      <a:rPr lang="en-US" sz="2800" b="0" i="1" smtClean="0">
+                        <a:latin typeface="Cambria Math" panose="02040503050406030204" pitchFamily="18" charset="0"/>
+                      </a:rPr>
+                      <m:t>𝑒𝑙𝑠𝑒</m:t>
+                    </m:r>
+                    <m:r>
+                      <a:rPr lang="en-US" sz="2800" b="0" i="1" smtClean="0">
+                        <a:latin typeface="Cambria Math" panose="02040503050406030204" pitchFamily="18" charset="0"/>
+                      </a:rPr>
+                      <m:t> </m:t>
+                    </m:r>
+                    <m:r>
+                      <a:rPr lang="en-US" sz="2800" b="0" i="1" smtClean="0">
+                        <a:latin typeface="Cambria Math" panose="02040503050406030204" pitchFamily="18" charset="0"/>
+                      </a:rPr>
+                      <m:t>𝐸</m:t>
+                    </m:r>
+                  </m:oMath>
+                </a14:m>
+                <a:endParaRPr lang="en-US" sz="2800" b="0" dirty="0" smtClean="0">
+                  <a:latin typeface="+mj-lt"/>
+                </a:endParaRPr>
+              </a:p>
+              <a:p>
+                <a:pPr marL="285750" indent="-285750">
+                  <a:buFont typeface="Arial" panose="020B0604020202020204" pitchFamily="34" charset="0"/>
+                  <a:buChar char="•"/>
+                </a:pPr>
+                <a14:m>
+                  <m:oMath xmlns:m="http://schemas.openxmlformats.org/officeDocument/2006/math">
+                    <m:r>
+                      <a:rPr lang="en-US" sz="2800" i="1">
+                        <a:latin typeface="Cambria Math" panose="02040503050406030204" pitchFamily="18" charset="0"/>
+                      </a:rPr>
+                      <m:t>𝐸</m:t>
+                    </m:r>
+                    <m:r>
+                      <a:rPr lang="en-US" sz="2800" i="1">
+                        <a:latin typeface="Cambria Math" panose="02040503050406030204" pitchFamily="18" charset="0"/>
+                      </a:rPr>
+                      <m:t>→</m:t>
+                    </m:r>
+                    <m:r>
+                      <a:rPr lang="en-US" sz="2800" b="0" i="1" smtClean="0">
+                        <a:latin typeface="Cambria Math" panose="02040503050406030204" pitchFamily="18" charset="0"/>
+                      </a:rPr>
+                      <m:t>𝑖𝑛𝑡</m:t>
+                    </m:r>
+                  </m:oMath>
+                </a14:m>
+                <a:endParaRPr lang="en-US" sz="2800" dirty="0" smtClean="0">
+                  <a:latin typeface="+mj-lt"/>
+                </a:endParaRPr>
+              </a:p>
+              <a:p>
+                <a:pPr marL="285750" indent="-285750">
+                  <a:buFont typeface="Arial" panose="020B0604020202020204" pitchFamily="34" charset="0"/>
+                  <a:buChar char="•"/>
+                </a:pPr>
+                <a:endParaRPr lang="en-US" sz="2800" dirty="0">
+                  <a:latin typeface="+mj-lt"/>
+                </a:endParaRPr>
+              </a:p>
+              <a:p>
+                <a:r>
+                  <a:rPr lang="en-US" sz="2800" dirty="0" smtClean="0">
+                    <a:latin typeface="+mj-lt"/>
+                  </a:rPr>
+                  <a:t>To the following:</a:t>
+                </a:r>
+                <a:endParaRPr lang="en-US" sz="2800" dirty="0">
+                  <a:latin typeface="+mj-lt"/>
+                </a:endParaRPr>
+              </a:p>
+              <a:p>
+                <a:pPr marL="285750" indent="-285750">
+                  <a:buFont typeface="Arial" panose="020B0604020202020204" pitchFamily="34" charset="0"/>
+                  <a:buChar char="•"/>
+                </a:pPr>
+                <a14:m>
+                  <m:oMath xmlns:m="http://schemas.openxmlformats.org/officeDocument/2006/math">
+                    <m:r>
+                      <a:rPr lang="en-US" sz="2800" i="1">
+                        <a:latin typeface="Cambria Math" panose="02040503050406030204" pitchFamily="18" charset="0"/>
+                      </a:rPr>
+                      <m:t>𝐸</m:t>
+                    </m:r>
+                    <m:r>
+                      <a:rPr lang="en-US" sz="2800" i="1">
+                        <a:latin typeface="Cambria Math" panose="02040503050406030204" pitchFamily="18" charset="0"/>
+                      </a:rPr>
+                      <m:t>→</m:t>
+                    </m:r>
+                    <m:r>
+                      <a:rPr lang="en-US" sz="2800" i="1">
+                        <a:latin typeface="Cambria Math" panose="02040503050406030204" pitchFamily="18" charset="0"/>
+                      </a:rPr>
+                      <m:t>𝑖𝑓</m:t>
+                    </m:r>
+                    <m:r>
+                      <a:rPr lang="en-US" sz="2800" i="1">
+                        <a:latin typeface="Cambria Math" panose="02040503050406030204" pitchFamily="18" charset="0"/>
+                      </a:rPr>
+                      <m:t> </m:t>
+                    </m:r>
+                    <m:d>
+                      <m:dPr>
+                        <m:ctrlPr>
+                          <a:rPr lang="en-US" sz="2800" i="1">
+                            <a:latin typeface="Cambria Math" panose="02040503050406030204" pitchFamily="18" charset="0"/>
+                          </a:rPr>
+                        </m:ctrlPr>
+                      </m:dPr>
+                      <m:e>
+                        <m:r>
+                          <a:rPr lang="en-US" sz="2800" b="0" i="1" smtClean="0">
+                            <a:latin typeface="Cambria Math" panose="02040503050406030204" pitchFamily="18" charset="0"/>
+                          </a:rPr>
+                          <m:t>𝐸</m:t>
+                        </m:r>
+                      </m:e>
+                    </m:d>
+                    <m:r>
+                      <a:rPr lang="en-US" sz="2800" i="1">
+                        <a:latin typeface="Cambria Math" panose="02040503050406030204" pitchFamily="18" charset="0"/>
+                      </a:rPr>
+                      <m:t> </m:t>
+                    </m:r>
+                    <m:r>
+                      <a:rPr lang="en-US" sz="2800" i="1">
+                        <a:latin typeface="Cambria Math" panose="02040503050406030204" pitchFamily="18" charset="0"/>
+                      </a:rPr>
+                      <m:t>𝑡h𝑒𝑛</m:t>
+                    </m:r>
+                    <m:r>
+                      <a:rPr lang="en-US" sz="2800" i="1">
+                        <a:latin typeface="Cambria Math" panose="02040503050406030204" pitchFamily="18" charset="0"/>
+                      </a:rPr>
+                      <m:t> </m:t>
+                    </m:r>
+                    <m:r>
+                      <a:rPr lang="en-US" sz="2800" b="0" i="1" smtClean="0">
+                        <a:latin typeface="Cambria Math" panose="02040503050406030204" pitchFamily="18" charset="0"/>
+                      </a:rPr>
+                      <m:t>𝐸𝑋</m:t>
+                    </m:r>
+                  </m:oMath>
+                </a14:m>
+                <a:endParaRPr lang="en-US" sz="2800" b="0" i="1" dirty="0" smtClean="0">
+                  <a:latin typeface="Cambria Math" panose="02040503050406030204" pitchFamily="18" charset="0"/>
+                </a:endParaRPr>
+              </a:p>
+              <a:p>
+                <a:pPr marL="285750" indent="-285750">
+                  <a:buFont typeface="Arial" panose="020B0604020202020204" pitchFamily="34" charset="0"/>
+                  <a:buChar char="•"/>
+                </a:pPr>
+                <a14:m>
+                  <m:oMath xmlns:m="http://schemas.openxmlformats.org/officeDocument/2006/math">
+                    <m:r>
+                      <a:rPr lang="en-US" sz="2800" b="0" i="1" smtClean="0">
+                        <a:latin typeface="Cambria Math" panose="02040503050406030204" pitchFamily="18" charset="0"/>
+                      </a:rPr>
+                      <m:t>𝑋</m:t>
+                    </m:r>
+                    <m:r>
+                      <a:rPr lang="en-US" sz="2800" i="1">
+                        <a:latin typeface="Cambria Math" panose="02040503050406030204" pitchFamily="18" charset="0"/>
+                      </a:rPr>
+                      <m:t>→</m:t>
+                    </m:r>
+                    <m:r>
+                      <a:rPr lang="en-US" sz="2800" b="0" i="1" smtClean="0">
+                        <a:latin typeface="Cambria Math" panose="02040503050406030204" pitchFamily="18" charset="0"/>
+                      </a:rPr>
+                      <m:t>𝜖</m:t>
+                    </m:r>
+                  </m:oMath>
+                </a14:m>
+                <a:endParaRPr lang="en-US" sz="2800" i="1" dirty="0">
+                  <a:latin typeface="Cambria Math" panose="02040503050406030204" pitchFamily="18" charset="0"/>
+                </a:endParaRPr>
+              </a:p>
+              <a:p>
+                <a:pPr marL="285750" indent="-285750">
+                  <a:buFont typeface="Arial" panose="020B0604020202020204" pitchFamily="34" charset="0"/>
+                  <a:buChar char="•"/>
+                </a:pPr>
+                <a14:m>
+                  <m:oMath xmlns:m="http://schemas.openxmlformats.org/officeDocument/2006/math">
+                    <m:r>
+                      <a:rPr lang="en-US" sz="2800" b="0" i="1" smtClean="0">
+                        <a:latin typeface="Cambria Math" panose="02040503050406030204" pitchFamily="18" charset="0"/>
+                      </a:rPr>
+                      <m:t>𝑋</m:t>
+                    </m:r>
+                    <m:r>
+                      <a:rPr lang="en-US" sz="2800" i="1">
+                        <a:latin typeface="Cambria Math" panose="02040503050406030204" pitchFamily="18" charset="0"/>
+                      </a:rPr>
+                      <m:t>→</m:t>
+                    </m:r>
+                    <m:r>
+                      <a:rPr lang="en-US" sz="2800" i="1">
+                        <a:latin typeface="Cambria Math" panose="02040503050406030204" pitchFamily="18" charset="0"/>
+                      </a:rPr>
+                      <m:t>𝑒𝑙𝑠𝑒</m:t>
+                    </m:r>
+                    <m:r>
+                      <a:rPr lang="en-US" sz="2800" i="1">
+                        <a:latin typeface="Cambria Math" panose="02040503050406030204" pitchFamily="18" charset="0"/>
+                      </a:rPr>
+                      <m:t> </m:t>
+                    </m:r>
+                    <m:r>
+                      <a:rPr lang="en-US" sz="2800" i="1">
+                        <a:latin typeface="Cambria Math" panose="02040503050406030204" pitchFamily="18" charset="0"/>
+                      </a:rPr>
+                      <m:t>𝐸</m:t>
+                    </m:r>
+                  </m:oMath>
+                </a14:m>
+                <a:endParaRPr lang="en-US" sz="2800" dirty="0"/>
+              </a:p>
+              <a:p>
+                <a:pPr marL="285750" indent="-285750">
+                  <a:buFont typeface="Arial" panose="020B0604020202020204" pitchFamily="34" charset="0"/>
+                  <a:buChar char="•"/>
+                </a:pPr>
+                <a14:m>
+                  <m:oMath xmlns:m="http://schemas.openxmlformats.org/officeDocument/2006/math">
+                    <m:r>
+                      <a:rPr lang="en-US" sz="2800" i="1">
+                        <a:latin typeface="Cambria Math" panose="02040503050406030204" pitchFamily="18" charset="0"/>
+                      </a:rPr>
+                      <m:t>𝐸</m:t>
+                    </m:r>
+                    <m:r>
+                      <a:rPr lang="en-US" sz="2800" i="1">
+                        <a:latin typeface="Cambria Math" panose="02040503050406030204" pitchFamily="18" charset="0"/>
+                      </a:rPr>
+                      <m:t>→</m:t>
+                    </m:r>
+                    <m:r>
+                      <a:rPr lang="en-US" sz="2800" i="1">
+                        <a:latin typeface="Cambria Math" panose="02040503050406030204" pitchFamily="18" charset="0"/>
+                      </a:rPr>
+                      <m:t>𝑖𝑛𝑡</m:t>
+                    </m:r>
+                  </m:oMath>
+                </a14:m>
+                <a:endParaRPr lang="en-US" sz="2800" dirty="0"/>
+              </a:p>
+              <a:p>
+                <a:endParaRPr lang="en-US" sz="2800" dirty="0"/>
+              </a:p>
+            </p:txBody>
+          </p:sp>
+        </mc:Choice>
+        <mc:Fallback>
+          <p:sp>
+            <p:nvSpPr>
+              <p:cNvPr id="5" name="TextBox 4"/>
+              <p:cNvSpPr txBox="1">
+                <a:spLocks noRot="1" noChangeAspect="1" noMove="1" noResize="1" noEditPoints="1" noAdjustHandles="1" noChangeArrowheads="1" noChangeShapeType="1" noTextEdit="1"/>
+              </p:cNvSpPr>
+              <p:nvPr/>
+            </p:nvSpPr>
+            <p:spPr>
+              <a:xfrm>
+                <a:off x="1011113" y="1529865"/>
+                <a:ext cx="10691359" cy="4832092"/>
+              </a:xfrm>
+              <a:prstGeom prst="rect">
+                <a:avLst/>
+              </a:prstGeom>
+              <a:blipFill>
+                <a:blip r:embed="rId2"/>
+                <a:stretch>
+                  <a:fillRect l="-1197" t="-1261"/>
+                </a:stretch>
+              </a:blipFill>
+            </p:spPr>
+            <p:txBody>
+              <a:bodyPr/>
+              <a:lstStyle/>
+              <a:p>
+                <a:r>
+                  <a:rPr lang="en-US">
+                    <a:noFill/>
+                  </a:rPr>
+                  <a:t> </a:t>
+                </a:r>
+              </a:p>
+            </p:txBody>
+          </p:sp>
+        </mc:Fallback>
+      </mc:AlternateContent>
+    </p:spTree>
+    <p:extLst>
+      <p:ext uri="{BB962C8B-B14F-4D97-AF65-F5344CB8AC3E}">
+        <p14:creationId xmlns:p14="http://schemas.microsoft.com/office/powerpoint/2010/main" val="3686095924"/>
       </p:ext>
     </p:extLst>
   </p:cSld>
@@ -25420,6 +27006,2302 @@
     <p:extLst>
       <p:ext uri="{BB962C8B-B14F-4D97-AF65-F5344CB8AC3E}">
         <p14:creationId xmlns:p14="http://schemas.microsoft.com/office/powerpoint/2010/main" val="3778534113"/>
+      </p:ext>
+    </p:extLst>
+  </p:cSld>
+  <p:clrMapOvr>
+    <a:masterClrMapping/>
+  </p:clrMapOvr>
+  <p:timing>
+    <p:tnLst>
+      <p:par>
+        <p:cTn id="1" dur="indefinite" restart="never" nodeType="tmRoot"/>
+      </p:par>
+    </p:tnLst>
+  </p:timing>
+</p:sld>
+</file>
+
+<file path=ppt/slides/slide60.xml><?xml version="1.0" encoding="utf-8"?>
+<p:sld xmlns:a="http://schemas.openxmlformats.org/drawingml/2006/main" xmlns:r="http://schemas.openxmlformats.org/officeDocument/2006/relationships" xmlns:p="http://schemas.openxmlformats.org/presentationml/2006/main">
+  <p:cSld>
+    <p:spTree>
+      <p:nvGrpSpPr>
+        <p:cNvPr id="1" name=""/>
+        <p:cNvGrpSpPr/>
+        <p:nvPr/>
+      </p:nvGrpSpPr>
+      <p:grpSpPr>
+        <a:xfrm>
+          <a:off x="0" y="0"/>
+          <a:ext cx="0" cy="0"/>
+          <a:chOff x="0" y="0"/>
+          <a:chExt cx="0" cy="0"/>
+        </a:xfrm>
+      </p:grpSpPr>
+      <p:sp>
+        <p:nvSpPr>
+          <p:cNvPr id="4" name="TextBox 3"/>
+          <p:cNvSpPr txBox="1"/>
+          <p:nvPr/>
+        </p:nvSpPr>
+        <p:spPr>
+          <a:xfrm>
+            <a:off x="1011115" y="668215"/>
+            <a:ext cx="10137964" cy="830997"/>
+          </a:xfrm>
+          <a:prstGeom prst="rect">
+            <a:avLst/>
+          </a:prstGeom>
+          <a:noFill/>
+        </p:spPr>
+        <p:txBody>
+          <a:bodyPr wrap="square" rtlCol="0">
+            <a:spAutoFit/>
+          </a:bodyPr>
+          <a:lstStyle/>
+          <a:p>
+            <a:r>
+              <a:rPr lang="en-US" sz="4800" dirty="0" err="1" smtClean="0">
+                <a:latin typeface="+mj-lt"/>
+              </a:rPr>
+              <a:t>Nullable</a:t>
+            </a:r>
+            <a:r>
+              <a:rPr lang="en-US" sz="4800" dirty="0" smtClean="0">
+                <a:latin typeface="+mj-lt"/>
+              </a:rPr>
+              <a:t> Rules</a:t>
+            </a:r>
+            <a:endParaRPr lang="en-US" sz="4800" dirty="0">
+              <a:latin typeface="+mj-lt"/>
+            </a:endParaRPr>
+          </a:p>
+        </p:txBody>
+      </p:sp>
+      <mc:AlternateContent xmlns:mc="http://schemas.openxmlformats.org/markup-compatibility/2006">
+        <mc:Choice xmlns:a14="http://schemas.microsoft.com/office/drawing/2010/main" Requires="a14">
+          <p:sp>
+            <p:nvSpPr>
+              <p:cNvPr id="5" name="TextBox 4"/>
+              <p:cNvSpPr txBox="1"/>
+              <p:nvPr/>
+            </p:nvSpPr>
+            <p:spPr>
+              <a:xfrm>
+                <a:off x="1011113" y="1529865"/>
+                <a:ext cx="10691359" cy="3108543"/>
+              </a:xfrm>
+              <a:prstGeom prst="rect">
+                <a:avLst/>
+              </a:prstGeom>
+              <a:noFill/>
+            </p:spPr>
+            <p:txBody>
+              <a:bodyPr wrap="square" rtlCol="0">
+                <a:spAutoFit/>
+              </a:bodyPr>
+              <a:lstStyle/>
+              <a:p>
+                <a:r>
+                  <a:rPr lang="en-US" sz="2800" dirty="0" smtClean="0">
+                    <a:latin typeface="+mj-lt"/>
+                  </a:rPr>
+                  <a:t>Consider the following grammar:</a:t>
+                </a:r>
+              </a:p>
+              <a:p>
+                <a:pPr marL="285750" indent="-285750">
+                  <a:buFont typeface="Arial" panose="020B0604020202020204" pitchFamily="34" charset="0"/>
+                  <a:buChar char="•"/>
+                </a:pPr>
+                <a14:m>
+                  <m:oMath xmlns:m="http://schemas.openxmlformats.org/officeDocument/2006/math">
+                    <m:r>
+                      <a:rPr lang="en-US" sz="2800" b="0" i="1" smtClean="0">
+                        <a:latin typeface="Cambria Math" panose="02040503050406030204" pitchFamily="18" charset="0"/>
+                      </a:rPr>
+                      <m:t>𝑆</m:t>
+                    </m:r>
+                    <m:r>
+                      <a:rPr lang="en-US" sz="2800" b="0" i="1" smtClean="0">
+                        <a:latin typeface="Cambria Math" panose="02040503050406030204" pitchFamily="18" charset="0"/>
+                      </a:rPr>
+                      <m:t>→</m:t>
+                    </m:r>
+                    <m:r>
+                      <a:rPr lang="en-US" sz="2800" b="0" i="1" smtClean="0">
+                        <a:latin typeface="Cambria Math" panose="02040503050406030204" pitchFamily="18" charset="0"/>
+                      </a:rPr>
+                      <m:t>𝐴𝑎𝑏</m:t>
+                    </m:r>
+                  </m:oMath>
+                </a14:m>
+                <a:endParaRPr lang="en-US" sz="2800" b="0" i="1" dirty="0" smtClean="0">
+                  <a:latin typeface="Cambria Math" panose="02040503050406030204" pitchFamily="18" charset="0"/>
+                </a:endParaRPr>
+              </a:p>
+              <a:p>
+                <a:pPr marL="285750" indent="-285750">
+                  <a:buFont typeface="Arial" panose="020B0604020202020204" pitchFamily="34" charset="0"/>
+                  <a:buChar char="•"/>
+                </a:pPr>
+                <a14:m>
+                  <m:oMath xmlns:m="http://schemas.openxmlformats.org/officeDocument/2006/math">
+                    <m:r>
+                      <a:rPr lang="en-US" sz="2800" b="0" i="1" smtClean="0">
+                        <a:latin typeface="Cambria Math" panose="02040503050406030204" pitchFamily="18" charset="0"/>
+                      </a:rPr>
+                      <m:t>𝐴</m:t>
+                    </m:r>
+                    <m:r>
+                      <a:rPr lang="en-US" sz="2800" i="1">
+                        <a:latin typeface="Cambria Math" panose="02040503050406030204" pitchFamily="18" charset="0"/>
+                      </a:rPr>
+                      <m:t>→</m:t>
+                    </m:r>
+                    <m:r>
+                      <a:rPr lang="en-US" sz="2800" i="1" smtClean="0">
+                        <a:latin typeface="Cambria Math" panose="02040503050406030204" pitchFamily="18" charset="0"/>
+                      </a:rPr>
+                      <m:t>𝑎</m:t>
+                    </m:r>
+                  </m:oMath>
+                </a14:m>
+                <a:endParaRPr lang="en-US" sz="2800" b="0" dirty="0" smtClean="0">
+                  <a:latin typeface="+mj-lt"/>
+                </a:endParaRPr>
+              </a:p>
+              <a:p>
+                <a:pPr marL="285750" indent="-285750">
+                  <a:buFont typeface="Arial" panose="020B0604020202020204" pitchFamily="34" charset="0"/>
+                  <a:buChar char="•"/>
+                </a:pPr>
+                <a14:m>
+                  <m:oMath xmlns:m="http://schemas.openxmlformats.org/officeDocument/2006/math">
+                    <m:r>
+                      <a:rPr lang="en-US" sz="2800" b="0" i="1" smtClean="0">
+                        <a:latin typeface="Cambria Math" panose="02040503050406030204" pitchFamily="18" charset="0"/>
+                      </a:rPr>
+                      <m:t>𝐴</m:t>
+                    </m:r>
+                    <m:r>
+                      <a:rPr lang="en-US" sz="2800" i="1">
+                        <a:latin typeface="Cambria Math" panose="02040503050406030204" pitchFamily="18" charset="0"/>
+                      </a:rPr>
+                      <m:t>→</m:t>
+                    </m:r>
+                    <m:r>
+                      <a:rPr lang="en-US" sz="2800" b="0" i="1" smtClean="0">
+                        <a:latin typeface="Cambria Math" panose="02040503050406030204" pitchFamily="18" charset="0"/>
+                      </a:rPr>
+                      <m:t>𝜖</m:t>
+                    </m:r>
+                  </m:oMath>
+                </a14:m>
+                <a:endParaRPr lang="en-US" sz="2800" dirty="0" smtClean="0">
+                  <a:latin typeface="+mj-lt"/>
+                </a:endParaRPr>
+              </a:p>
+              <a:p>
+                <a:pPr marL="285750" indent="-285750">
+                  <a:buFont typeface="Arial" panose="020B0604020202020204" pitchFamily="34" charset="0"/>
+                  <a:buChar char="•"/>
+                </a:pPr>
+                <a:endParaRPr lang="en-US" sz="2800" dirty="0">
+                  <a:latin typeface="+mj-lt"/>
+                </a:endParaRPr>
+              </a:p>
+              <a:p>
+                <a:r>
+                  <a:rPr lang="en-US" sz="2800" dirty="0" smtClean="0">
+                    <a:latin typeface="+mj-lt"/>
+                  </a:rPr>
+                  <a:t>No left recursion, no left factoring…</a:t>
+                </a:r>
+              </a:p>
+              <a:p>
+                <a:r>
+                  <a:rPr lang="en-US" sz="2800" dirty="0" smtClean="0">
+                    <a:latin typeface="+mj-lt"/>
+                  </a:rPr>
+                  <a:t>But can we build a predictive parser for it?</a:t>
+                </a:r>
+                <a:endParaRPr lang="en-US" sz="2800" dirty="0">
+                  <a:latin typeface="+mj-lt"/>
+                </a:endParaRPr>
+              </a:p>
+            </p:txBody>
+          </p:sp>
+        </mc:Choice>
+        <mc:Fallback>
+          <p:sp>
+            <p:nvSpPr>
+              <p:cNvPr id="5" name="TextBox 4"/>
+              <p:cNvSpPr txBox="1">
+                <a:spLocks noRot="1" noChangeAspect="1" noMove="1" noResize="1" noEditPoints="1" noAdjustHandles="1" noChangeArrowheads="1" noChangeShapeType="1" noTextEdit="1"/>
+              </p:cNvSpPr>
+              <p:nvPr/>
+            </p:nvSpPr>
+            <p:spPr>
+              <a:xfrm>
+                <a:off x="1011113" y="1529865"/>
+                <a:ext cx="10691359" cy="3108543"/>
+              </a:xfrm>
+              <a:prstGeom prst="rect">
+                <a:avLst/>
+              </a:prstGeom>
+              <a:blipFill>
+                <a:blip r:embed="rId2"/>
+                <a:stretch>
+                  <a:fillRect l="-1197" t="-1961" b="-4706"/>
+                </a:stretch>
+              </a:blipFill>
+            </p:spPr>
+            <p:txBody>
+              <a:bodyPr/>
+              <a:lstStyle/>
+              <a:p>
+                <a:r>
+                  <a:rPr lang="en-US">
+                    <a:noFill/>
+                  </a:rPr>
+                  <a:t> </a:t>
+                </a:r>
+              </a:p>
+            </p:txBody>
+          </p:sp>
+        </mc:Fallback>
+      </mc:AlternateContent>
+    </p:spTree>
+    <p:extLst>
+      <p:ext uri="{BB962C8B-B14F-4D97-AF65-F5344CB8AC3E}">
+        <p14:creationId xmlns:p14="http://schemas.microsoft.com/office/powerpoint/2010/main" val="2493919916"/>
+      </p:ext>
+    </p:extLst>
+  </p:cSld>
+  <p:clrMapOvr>
+    <a:masterClrMapping/>
+  </p:clrMapOvr>
+  <p:timing>
+    <p:tnLst>
+      <p:par>
+        <p:cTn id="1" dur="indefinite" restart="never" nodeType="tmRoot"/>
+      </p:par>
+    </p:tnLst>
+  </p:timing>
+</p:sld>
+</file>
+
+<file path=ppt/slides/slide61.xml><?xml version="1.0" encoding="utf-8"?>
+<p:sld xmlns:a="http://schemas.openxmlformats.org/drawingml/2006/main" xmlns:r="http://schemas.openxmlformats.org/officeDocument/2006/relationships" xmlns:p="http://schemas.openxmlformats.org/presentationml/2006/main">
+  <p:cSld>
+    <p:spTree>
+      <p:nvGrpSpPr>
+        <p:cNvPr id="1" name=""/>
+        <p:cNvGrpSpPr/>
+        <p:nvPr/>
+      </p:nvGrpSpPr>
+      <p:grpSpPr>
+        <a:xfrm>
+          <a:off x="0" y="0"/>
+          <a:ext cx="0" cy="0"/>
+          <a:chOff x="0" y="0"/>
+          <a:chExt cx="0" cy="0"/>
+        </a:xfrm>
+      </p:grpSpPr>
+      <p:sp>
+        <p:nvSpPr>
+          <p:cNvPr id="4" name="TextBox 3"/>
+          <p:cNvSpPr txBox="1"/>
+          <p:nvPr/>
+        </p:nvSpPr>
+        <p:spPr>
+          <a:xfrm>
+            <a:off x="1011115" y="668215"/>
+            <a:ext cx="10137964" cy="830997"/>
+          </a:xfrm>
+          <a:prstGeom prst="rect">
+            <a:avLst/>
+          </a:prstGeom>
+          <a:noFill/>
+        </p:spPr>
+        <p:txBody>
+          <a:bodyPr wrap="square" rtlCol="0">
+            <a:spAutoFit/>
+          </a:bodyPr>
+          <a:lstStyle/>
+          <a:p>
+            <a:r>
+              <a:rPr lang="en-US" sz="4800" dirty="0" err="1" smtClean="0">
+                <a:latin typeface="+mj-lt"/>
+              </a:rPr>
+              <a:t>Nullable</a:t>
+            </a:r>
+            <a:r>
+              <a:rPr lang="en-US" sz="4800" dirty="0" smtClean="0">
+                <a:latin typeface="+mj-lt"/>
+              </a:rPr>
+              <a:t> Rules</a:t>
+            </a:r>
+            <a:endParaRPr lang="en-US" sz="4800" dirty="0">
+              <a:latin typeface="+mj-lt"/>
+            </a:endParaRPr>
+          </a:p>
+        </p:txBody>
+      </p:sp>
+      <mc:AlternateContent xmlns:mc="http://schemas.openxmlformats.org/markup-compatibility/2006">
+        <mc:Choice xmlns:a14="http://schemas.microsoft.com/office/drawing/2010/main" Requires="a14">
+          <p:sp>
+            <p:nvSpPr>
+              <p:cNvPr id="5" name="TextBox 4"/>
+              <p:cNvSpPr txBox="1"/>
+              <p:nvPr/>
+            </p:nvSpPr>
+            <p:spPr>
+              <a:xfrm>
+                <a:off x="1011113" y="1529865"/>
+                <a:ext cx="10691359" cy="3970318"/>
+              </a:xfrm>
+              <a:prstGeom prst="rect">
+                <a:avLst/>
+              </a:prstGeom>
+              <a:noFill/>
+            </p:spPr>
+            <p:txBody>
+              <a:bodyPr wrap="square" rtlCol="0">
+                <a:spAutoFit/>
+              </a:bodyPr>
+              <a:lstStyle/>
+              <a:p>
+                <a:r>
+                  <a:rPr lang="en-US" sz="2800" dirty="0" smtClean="0">
+                    <a:latin typeface="+mj-lt"/>
+                  </a:rPr>
+                  <a:t>Consider the following grammar:</a:t>
+                </a:r>
+              </a:p>
+              <a:p>
+                <a:pPr marL="285750" indent="-285750">
+                  <a:buFont typeface="Arial" panose="020B0604020202020204" pitchFamily="34" charset="0"/>
+                  <a:buChar char="•"/>
+                </a:pPr>
+                <a14:m>
+                  <m:oMath xmlns:m="http://schemas.openxmlformats.org/officeDocument/2006/math">
+                    <m:r>
+                      <a:rPr lang="en-US" sz="2800" b="0" i="1" smtClean="0">
+                        <a:latin typeface="Cambria Math" panose="02040503050406030204" pitchFamily="18" charset="0"/>
+                      </a:rPr>
+                      <m:t>𝑆</m:t>
+                    </m:r>
+                    <m:r>
+                      <a:rPr lang="en-US" sz="2800" b="0" i="1" smtClean="0">
+                        <a:latin typeface="Cambria Math" panose="02040503050406030204" pitchFamily="18" charset="0"/>
+                      </a:rPr>
+                      <m:t>→</m:t>
+                    </m:r>
+                    <m:r>
+                      <a:rPr lang="en-US" sz="2800" b="0" i="1" smtClean="0">
+                        <a:latin typeface="Cambria Math" panose="02040503050406030204" pitchFamily="18" charset="0"/>
+                      </a:rPr>
+                      <m:t>𝐴𝑎𝑏</m:t>
+                    </m:r>
+                  </m:oMath>
+                </a14:m>
+                <a:endParaRPr lang="en-US" sz="2800" b="0" i="1" dirty="0" smtClean="0">
+                  <a:latin typeface="Cambria Math" panose="02040503050406030204" pitchFamily="18" charset="0"/>
+                </a:endParaRPr>
+              </a:p>
+              <a:p>
+                <a:pPr marL="285750" indent="-285750">
+                  <a:buFont typeface="Arial" panose="020B0604020202020204" pitchFamily="34" charset="0"/>
+                  <a:buChar char="•"/>
+                </a:pPr>
+                <a14:m>
+                  <m:oMath xmlns:m="http://schemas.openxmlformats.org/officeDocument/2006/math">
+                    <m:r>
+                      <a:rPr lang="en-US" sz="2800" b="0" i="1" smtClean="0">
+                        <a:latin typeface="Cambria Math" panose="02040503050406030204" pitchFamily="18" charset="0"/>
+                      </a:rPr>
+                      <m:t>𝐴</m:t>
+                    </m:r>
+                    <m:r>
+                      <a:rPr lang="en-US" sz="2800" i="1">
+                        <a:latin typeface="Cambria Math" panose="02040503050406030204" pitchFamily="18" charset="0"/>
+                      </a:rPr>
+                      <m:t>→</m:t>
+                    </m:r>
+                    <m:r>
+                      <a:rPr lang="en-US" sz="2800" i="1" smtClean="0">
+                        <a:latin typeface="Cambria Math" panose="02040503050406030204" pitchFamily="18" charset="0"/>
+                      </a:rPr>
+                      <m:t>𝑎</m:t>
+                    </m:r>
+                  </m:oMath>
+                </a14:m>
+                <a:endParaRPr lang="en-US" sz="2800" b="0" dirty="0" smtClean="0">
+                  <a:latin typeface="+mj-lt"/>
+                </a:endParaRPr>
+              </a:p>
+              <a:p>
+                <a:pPr marL="285750" indent="-285750">
+                  <a:buFont typeface="Arial" panose="020B0604020202020204" pitchFamily="34" charset="0"/>
+                  <a:buChar char="•"/>
+                </a:pPr>
+                <a14:m>
+                  <m:oMath xmlns:m="http://schemas.openxmlformats.org/officeDocument/2006/math">
+                    <m:r>
+                      <a:rPr lang="en-US" sz="2800" b="0" i="1" smtClean="0">
+                        <a:latin typeface="Cambria Math" panose="02040503050406030204" pitchFamily="18" charset="0"/>
+                      </a:rPr>
+                      <m:t>𝐴</m:t>
+                    </m:r>
+                    <m:r>
+                      <a:rPr lang="en-US" sz="2800" i="1">
+                        <a:latin typeface="Cambria Math" panose="02040503050406030204" pitchFamily="18" charset="0"/>
+                      </a:rPr>
+                      <m:t>→</m:t>
+                    </m:r>
+                    <m:r>
+                      <a:rPr lang="en-US" sz="2800" b="0" i="1" smtClean="0">
+                        <a:latin typeface="Cambria Math" panose="02040503050406030204" pitchFamily="18" charset="0"/>
+                      </a:rPr>
+                      <m:t>𝜖</m:t>
+                    </m:r>
+                  </m:oMath>
+                </a14:m>
+                <a:endParaRPr lang="en-US" sz="2800" dirty="0" smtClean="0">
+                  <a:latin typeface="+mj-lt"/>
+                </a:endParaRPr>
+              </a:p>
+              <a:p>
+                <a:pPr marL="285750" indent="-285750">
+                  <a:buFont typeface="Arial" panose="020B0604020202020204" pitchFamily="34" charset="0"/>
+                  <a:buChar char="•"/>
+                </a:pPr>
+                <a:endParaRPr lang="en-US" sz="2800" dirty="0">
+                  <a:latin typeface="+mj-lt"/>
+                </a:endParaRPr>
+              </a:p>
+              <a:p>
+                <a:r>
+                  <a:rPr lang="en-US" sz="2800" dirty="0" smtClean="0">
+                    <a:latin typeface="+mj-lt"/>
+                  </a:rPr>
+                  <a:t>No left recursion, no left factoring…</a:t>
+                </a:r>
+              </a:p>
+              <a:p>
+                <a:r>
+                  <a:rPr lang="en-US" sz="2800" dirty="0" smtClean="0">
+                    <a:latin typeface="+mj-lt"/>
+                  </a:rPr>
+                  <a:t>But can we build a predictive parser for it?</a:t>
+                </a:r>
+              </a:p>
+              <a:p>
+                <a:endParaRPr lang="en-US" sz="2800" dirty="0">
+                  <a:latin typeface="+mj-lt"/>
+                </a:endParaRPr>
+              </a:p>
+              <a:p>
+                <a:r>
+                  <a:rPr lang="en-US" sz="2800" b="1" dirty="0" smtClean="0">
+                    <a:latin typeface="+mj-lt"/>
+                  </a:rPr>
+                  <a:t>No!</a:t>
+                </a:r>
+                <a:endParaRPr lang="en-US" sz="2800" b="1" dirty="0">
+                  <a:latin typeface="+mj-lt"/>
+                </a:endParaRPr>
+              </a:p>
+            </p:txBody>
+          </p:sp>
+        </mc:Choice>
+        <mc:Fallback>
+          <p:sp>
+            <p:nvSpPr>
+              <p:cNvPr id="5" name="TextBox 4"/>
+              <p:cNvSpPr txBox="1">
+                <a:spLocks noRot="1" noChangeAspect="1" noMove="1" noResize="1" noEditPoints="1" noAdjustHandles="1" noChangeArrowheads="1" noChangeShapeType="1" noTextEdit="1"/>
+              </p:cNvSpPr>
+              <p:nvPr/>
+            </p:nvSpPr>
+            <p:spPr>
+              <a:xfrm>
+                <a:off x="1011113" y="1529865"/>
+                <a:ext cx="10691359" cy="3970318"/>
+              </a:xfrm>
+              <a:prstGeom prst="rect">
+                <a:avLst/>
+              </a:prstGeom>
+              <a:blipFill>
+                <a:blip r:embed="rId2"/>
+                <a:stretch>
+                  <a:fillRect l="-1197" t="-1536" b="-3533"/>
+                </a:stretch>
+              </a:blipFill>
+            </p:spPr>
+            <p:txBody>
+              <a:bodyPr/>
+              <a:lstStyle/>
+              <a:p>
+                <a:r>
+                  <a:rPr lang="en-US">
+                    <a:noFill/>
+                  </a:rPr>
+                  <a:t> </a:t>
+                </a:r>
+              </a:p>
+            </p:txBody>
+          </p:sp>
+        </mc:Fallback>
+      </mc:AlternateContent>
+    </p:spTree>
+    <p:extLst>
+      <p:ext uri="{BB962C8B-B14F-4D97-AF65-F5344CB8AC3E}">
+        <p14:creationId xmlns:p14="http://schemas.microsoft.com/office/powerpoint/2010/main" val="2576063565"/>
+      </p:ext>
+    </p:extLst>
+  </p:cSld>
+  <p:clrMapOvr>
+    <a:masterClrMapping/>
+  </p:clrMapOvr>
+  <p:timing>
+    <p:tnLst>
+      <p:par>
+        <p:cTn id="1" dur="indefinite" restart="never" nodeType="tmRoot"/>
+      </p:par>
+    </p:tnLst>
+  </p:timing>
+</p:sld>
+</file>
+
+<file path=ppt/slides/slide62.xml><?xml version="1.0" encoding="utf-8"?>
+<p:sld xmlns:a="http://schemas.openxmlformats.org/drawingml/2006/main" xmlns:r="http://schemas.openxmlformats.org/officeDocument/2006/relationships" xmlns:p="http://schemas.openxmlformats.org/presentationml/2006/main">
+  <p:cSld>
+    <p:spTree>
+      <p:nvGrpSpPr>
+        <p:cNvPr id="1" name=""/>
+        <p:cNvGrpSpPr/>
+        <p:nvPr/>
+      </p:nvGrpSpPr>
+      <p:grpSpPr>
+        <a:xfrm>
+          <a:off x="0" y="0"/>
+          <a:ext cx="0" cy="0"/>
+          <a:chOff x="0" y="0"/>
+          <a:chExt cx="0" cy="0"/>
+        </a:xfrm>
+      </p:grpSpPr>
+      <p:sp>
+        <p:nvSpPr>
+          <p:cNvPr id="4" name="TextBox 3"/>
+          <p:cNvSpPr txBox="1"/>
+          <p:nvPr/>
+        </p:nvSpPr>
+        <p:spPr>
+          <a:xfrm>
+            <a:off x="1011115" y="668215"/>
+            <a:ext cx="10137964" cy="830997"/>
+          </a:xfrm>
+          <a:prstGeom prst="rect">
+            <a:avLst/>
+          </a:prstGeom>
+          <a:noFill/>
+        </p:spPr>
+        <p:txBody>
+          <a:bodyPr wrap="square" rtlCol="0">
+            <a:spAutoFit/>
+          </a:bodyPr>
+          <a:lstStyle/>
+          <a:p>
+            <a:r>
+              <a:rPr lang="en-US" sz="4800" dirty="0" err="1" smtClean="0">
+                <a:latin typeface="+mj-lt"/>
+              </a:rPr>
+              <a:t>Nullable</a:t>
+            </a:r>
+            <a:r>
+              <a:rPr lang="en-US" sz="4800" dirty="0" smtClean="0">
+                <a:latin typeface="+mj-lt"/>
+              </a:rPr>
+              <a:t> Rules</a:t>
+            </a:r>
+            <a:endParaRPr lang="en-US" sz="4800" dirty="0">
+              <a:latin typeface="+mj-lt"/>
+            </a:endParaRPr>
+          </a:p>
+        </p:txBody>
+      </p:sp>
+      <mc:AlternateContent xmlns:mc="http://schemas.openxmlformats.org/markup-compatibility/2006">
+        <mc:Choice xmlns:a14="http://schemas.microsoft.com/office/drawing/2010/main" Requires="a14">
+          <p:sp>
+            <p:nvSpPr>
+              <p:cNvPr id="5" name="TextBox 4"/>
+              <p:cNvSpPr txBox="1"/>
+              <p:nvPr/>
+            </p:nvSpPr>
+            <p:spPr>
+              <a:xfrm>
+                <a:off x="1011113" y="1529865"/>
+                <a:ext cx="10691359" cy="3970318"/>
+              </a:xfrm>
+              <a:prstGeom prst="rect">
+                <a:avLst/>
+              </a:prstGeom>
+              <a:noFill/>
+            </p:spPr>
+            <p:txBody>
+              <a:bodyPr wrap="square" rtlCol="0">
+                <a:spAutoFit/>
+              </a:bodyPr>
+              <a:lstStyle/>
+              <a:p>
+                <a:r>
+                  <a:rPr lang="en-US" sz="2800" dirty="0" smtClean="0">
+                    <a:latin typeface="+mj-lt"/>
+                  </a:rPr>
+                  <a:t>Consider the following grammar:</a:t>
+                </a:r>
+              </a:p>
+              <a:p>
+                <a:pPr marL="285750" indent="-285750">
+                  <a:buFont typeface="Arial" panose="020B0604020202020204" pitchFamily="34" charset="0"/>
+                  <a:buChar char="•"/>
+                </a:pPr>
+                <a14:m>
+                  <m:oMath xmlns:m="http://schemas.openxmlformats.org/officeDocument/2006/math">
+                    <m:r>
+                      <a:rPr lang="en-US" sz="2800" b="0" i="1" smtClean="0">
+                        <a:latin typeface="+mj-lt"/>
+                      </a:rPr>
+                      <m:t>𝑆</m:t>
+                    </m:r>
+                    <m:r>
+                      <a:rPr lang="en-US" sz="2800" b="0" i="1" smtClean="0">
+                        <a:latin typeface="+mj-lt"/>
+                      </a:rPr>
+                      <m:t>→</m:t>
+                    </m:r>
+                    <m:r>
+                      <a:rPr lang="en-US" sz="2800" b="0" i="1" smtClean="0">
+                        <a:latin typeface="+mj-lt"/>
+                      </a:rPr>
+                      <m:t>𝐴𝑎𝑏</m:t>
+                    </m:r>
+                  </m:oMath>
+                </a14:m>
+                <a:endParaRPr lang="en-US" sz="2800" b="0" i="1" dirty="0" smtClean="0">
+                  <a:latin typeface="+mj-lt"/>
+                </a:endParaRPr>
+              </a:p>
+              <a:p>
+                <a:pPr marL="285750" indent="-285750">
+                  <a:buFont typeface="Arial" panose="020B0604020202020204" pitchFamily="34" charset="0"/>
+                  <a:buChar char="•"/>
+                </a:pPr>
+                <a14:m>
+                  <m:oMath xmlns:m="http://schemas.openxmlformats.org/officeDocument/2006/math">
+                    <m:r>
+                      <a:rPr lang="en-US" sz="2800" b="0" i="1" smtClean="0">
+                        <a:latin typeface="+mj-lt"/>
+                      </a:rPr>
+                      <m:t>𝐴</m:t>
+                    </m:r>
+                    <m:r>
+                      <a:rPr lang="en-US" sz="2800" i="1">
+                        <a:latin typeface="+mj-lt"/>
+                      </a:rPr>
+                      <m:t>→</m:t>
+                    </m:r>
+                    <m:r>
+                      <a:rPr lang="en-US" sz="2800" i="1" smtClean="0">
+                        <a:latin typeface="+mj-lt"/>
+                      </a:rPr>
+                      <m:t>𝑎</m:t>
+                    </m:r>
+                    <m:r>
+                      <a:rPr lang="en-US" sz="2800" b="0" i="1" smtClean="0">
+                        <a:latin typeface="+mj-lt"/>
+                      </a:rPr>
+                      <m:t> | </m:t>
+                    </m:r>
+                    <m:r>
+                      <a:rPr lang="en-US" sz="2800" b="0" i="1" smtClean="0">
+                        <a:latin typeface="+mj-lt"/>
+                      </a:rPr>
+                      <m:t>𝜖</m:t>
+                    </m:r>
+                  </m:oMath>
+                </a14:m>
+                <a:endParaRPr lang="en-US" sz="2800" b="0" dirty="0" smtClean="0">
+                  <a:latin typeface="+mj-lt"/>
+                </a:endParaRPr>
+              </a:p>
+              <a:p>
+                <a:pPr marL="285750" indent="-285750">
+                  <a:buFont typeface="Arial" panose="020B0604020202020204" pitchFamily="34" charset="0"/>
+                  <a:buChar char="•"/>
+                </a:pPr>
+                <a:endParaRPr lang="en-US" sz="2800" dirty="0">
+                  <a:latin typeface="+mj-lt"/>
+                </a:endParaRPr>
+              </a:p>
+              <a:p>
+                <a:r>
+                  <a:rPr lang="en-US" sz="2800" dirty="0" smtClean="0">
+                    <a:latin typeface="+mj-lt"/>
+                  </a:rPr>
+                  <a:t>If the first symbol is </a:t>
+                </a:r>
+                <a14:m>
+                  <m:oMath xmlns:m="http://schemas.openxmlformats.org/officeDocument/2006/math">
+                    <m:r>
+                      <a:rPr lang="en-US" sz="2800" i="1">
+                        <a:latin typeface="Cambria Math" panose="02040503050406030204" pitchFamily="18" charset="0"/>
+                      </a:rPr>
+                      <m:t>𝑎</m:t>
+                    </m:r>
+                  </m:oMath>
+                </a14:m>
+                <a:r>
+                  <a:rPr lang="en-US" sz="2800" dirty="0" smtClean="0">
+                    <a:latin typeface="+mj-lt"/>
+                  </a:rPr>
+                  <a:t>, we can’t predict the right rule:</a:t>
+                </a:r>
+              </a:p>
+              <a:p>
+                <a:pPr marL="285750" indent="-285750">
+                  <a:buFont typeface="Arial" panose="020B0604020202020204" pitchFamily="34" charset="0"/>
+                  <a:buChar char="•"/>
+                </a:pPr>
+                <a:r>
+                  <a:rPr lang="en-US" sz="2800" dirty="0" smtClean="0">
+                    <a:latin typeface="+mj-lt"/>
+                  </a:rPr>
+                  <a:t>If we choose </a:t>
+                </a:r>
+                <a14:m>
+                  <m:oMath xmlns:m="http://schemas.openxmlformats.org/officeDocument/2006/math">
+                    <m:r>
+                      <a:rPr lang="en-US" sz="2800" b="0" i="1" smtClean="0">
+                        <a:latin typeface="+mj-lt"/>
+                      </a:rPr>
+                      <m:t>𝐴</m:t>
+                    </m:r>
+                    <m:r>
+                      <a:rPr lang="en-US" sz="2800" i="1">
+                        <a:latin typeface="+mj-lt"/>
+                      </a:rPr>
+                      <m:t>→</m:t>
+                    </m:r>
+                    <m:r>
+                      <a:rPr lang="en-US" sz="2800" b="0" i="1" smtClean="0">
+                        <a:latin typeface="+mj-lt"/>
+                      </a:rPr>
+                      <m:t>𝑎</m:t>
+                    </m:r>
+                  </m:oMath>
+                </a14:m>
+                <a:r>
+                  <a:rPr lang="en-US" sz="2800" dirty="0" smtClean="0">
+                    <a:latin typeface="+mj-lt"/>
+                  </a:rPr>
+                  <a:t>, then it will fail to parse the input </a:t>
+                </a:r>
+                <a14:m>
+                  <m:oMath xmlns:m="http://schemas.openxmlformats.org/officeDocument/2006/math">
+                    <m:r>
+                      <a:rPr lang="en-US" sz="2800" i="1">
+                        <a:latin typeface="Cambria Math" panose="02040503050406030204" pitchFamily="18" charset="0"/>
+                      </a:rPr>
+                      <m:t>𝑎</m:t>
+                    </m:r>
+                    <m:r>
+                      <a:rPr lang="en-US" sz="2800" b="0" i="1" smtClean="0">
+                        <a:latin typeface="Cambria Math" panose="02040503050406030204" pitchFamily="18" charset="0"/>
+                      </a:rPr>
+                      <m:t>𝑏</m:t>
+                    </m:r>
+                  </m:oMath>
+                </a14:m>
+                <a:endParaRPr lang="en-US" sz="2800" i="1" dirty="0" smtClean="0">
+                  <a:latin typeface="+mj-lt"/>
+                </a:endParaRPr>
+              </a:p>
+              <a:p>
+                <a:pPr marL="285750" indent="-285750">
+                  <a:buFont typeface="Arial" panose="020B0604020202020204" pitchFamily="34" charset="0"/>
+                  <a:buChar char="•"/>
+                </a:pPr>
+                <a:r>
+                  <a:rPr lang="en-US" sz="2800" dirty="0">
+                    <a:latin typeface="+mj-lt"/>
+                  </a:rPr>
+                  <a:t>If </a:t>
+                </a:r>
+                <a:r>
+                  <a:rPr lang="en-US" sz="2800" dirty="0" smtClean="0">
+                    <a:latin typeface="+mj-lt"/>
+                  </a:rPr>
+                  <a:t>we </a:t>
+                </a:r>
+                <a:r>
+                  <a:rPr lang="en-US" sz="2800" dirty="0">
+                    <a:latin typeface="+mj-lt"/>
+                  </a:rPr>
+                  <a:t>choose </a:t>
+                </a:r>
+                <a14:m>
+                  <m:oMath xmlns:m="http://schemas.openxmlformats.org/officeDocument/2006/math">
+                    <m:r>
+                      <a:rPr lang="en-US" sz="2800" i="1">
+                        <a:latin typeface="+mj-lt"/>
+                      </a:rPr>
+                      <m:t>𝐴</m:t>
+                    </m:r>
+                    <m:r>
+                      <a:rPr lang="en-US" sz="2800" i="1">
+                        <a:latin typeface="+mj-lt"/>
+                      </a:rPr>
+                      <m:t>→</m:t>
+                    </m:r>
+                    <m:r>
+                      <a:rPr lang="en-US" sz="2800" b="0" i="1" smtClean="0">
+                        <a:latin typeface="+mj-lt"/>
+                      </a:rPr>
+                      <m:t>𝜖</m:t>
+                    </m:r>
+                  </m:oMath>
+                </a14:m>
+                <a:r>
+                  <a:rPr lang="en-US" sz="2800" dirty="0">
+                    <a:latin typeface="+mj-lt"/>
+                  </a:rPr>
+                  <a:t>, then </a:t>
+                </a:r>
+                <a:r>
+                  <a:rPr lang="en-US" sz="2800" dirty="0" smtClean="0">
+                    <a:latin typeface="+mj-lt"/>
+                  </a:rPr>
+                  <a:t>it will fail to parse the input </a:t>
+                </a:r>
+                <a14:m>
+                  <m:oMath xmlns:m="http://schemas.openxmlformats.org/officeDocument/2006/math">
+                    <m:r>
+                      <a:rPr lang="en-US" sz="2800" i="1">
+                        <a:latin typeface="+mj-lt"/>
+                      </a:rPr>
+                      <m:t>𝑎</m:t>
+                    </m:r>
+                    <m:r>
+                      <a:rPr lang="en-US" sz="2800" b="0" i="1" smtClean="0">
+                        <a:latin typeface="+mj-lt"/>
+                      </a:rPr>
+                      <m:t>𝑎𝑏</m:t>
+                    </m:r>
+                  </m:oMath>
+                </a14:m>
+                <a:endParaRPr lang="en-US" sz="2800" dirty="0" smtClean="0">
+                  <a:latin typeface="+mj-lt"/>
+                </a:endParaRPr>
+              </a:p>
+              <a:p>
+                <a:endParaRPr lang="en-US" sz="2800" dirty="0">
+                  <a:latin typeface="+mj-lt"/>
+                </a:endParaRPr>
+              </a:p>
+              <a:p>
+                <a:endParaRPr lang="en-US" sz="2800" b="1" dirty="0">
+                  <a:latin typeface="+mj-lt"/>
+                </a:endParaRPr>
+              </a:p>
+            </p:txBody>
+          </p:sp>
+        </mc:Choice>
+        <mc:Fallback>
+          <p:sp>
+            <p:nvSpPr>
+              <p:cNvPr id="5" name="TextBox 4"/>
+              <p:cNvSpPr txBox="1">
+                <a:spLocks noRot="1" noChangeAspect="1" noMove="1" noResize="1" noEditPoints="1" noAdjustHandles="1" noChangeArrowheads="1" noChangeShapeType="1" noTextEdit="1"/>
+              </p:cNvSpPr>
+              <p:nvPr/>
+            </p:nvSpPr>
+            <p:spPr>
+              <a:xfrm>
+                <a:off x="1011113" y="1529865"/>
+                <a:ext cx="10691359" cy="3970318"/>
+              </a:xfrm>
+              <a:prstGeom prst="rect">
+                <a:avLst/>
+              </a:prstGeom>
+              <a:blipFill>
+                <a:blip r:embed="rId2"/>
+                <a:stretch>
+                  <a:fillRect l="-1197" t="-1536"/>
+                </a:stretch>
+              </a:blipFill>
+            </p:spPr>
+            <p:txBody>
+              <a:bodyPr/>
+              <a:lstStyle/>
+              <a:p>
+                <a:r>
+                  <a:rPr lang="en-US">
+                    <a:noFill/>
+                  </a:rPr>
+                  <a:t> </a:t>
+                </a:r>
+              </a:p>
+            </p:txBody>
+          </p:sp>
+        </mc:Fallback>
+      </mc:AlternateContent>
+    </p:spTree>
+    <p:extLst>
+      <p:ext uri="{BB962C8B-B14F-4D97-AF65-F5344CB8AC3E}">
+        <p14:creationId xmlns:p14="http://schemas.microsoft.com/office/powerpoint/2010/main" val="4188538877"/>
+      </p:ext>
+    </p:extLst>
+  </p:cSld>
+  <p:clrMapOvr>
+    <a:masterClrMapping/>
+  </p:clrMapOvr>
+  <p:timing>
+    <p:tnLst>
+      <p:par>
+        <p:cTn id="1" dur="indefinite" restart="never" nodeType="tmRoot"/>
+      </p:par>
+    </p:tnLst>
+  </p:timing>
+</p:sld>
+</file>
+
+<file path=ppt/slides/slide63.xml><?xml version="1.0" encoding="utf-8"?>
+<p:sld xmlns:a="http://schemas.openxmlformats.org/drawingml/2006/main" xmlns:r="http://schemas.openxmlformats.org/officeDocument/2006/relationships" xmlns:p="http://schemas.openxmlformats.org/presentationml/2006/main">
+  <p:cSld>
+    <p:spTree>
+      <p:nvGrpSpPr>
+        <p:cNvPr id="1" name=""/>
+        <p:cNvGrpSpPr/>
+        <p:nvPr/>
+      </p:nvGrpSpPr>
+      <p:grpSpPr>
+        <a:xfrm>
+          <a:off x="0" y="0"/>
+          <a:ext cx="0" cy="0"/>
+          <a:chOff x="0" y="0"/>
+          <a:chExt cx="0" cy="0"/>
+        </a:xfrm>
+      </p:grpSpPr>
+      <p:sp>
+        <p:nvSpPr>
+          <p:cNvPr id="4" name="TextBox 3"/>
+          <p:cNvSpPr txBox="1"/>
+          <p:nvPr/>
+        </p:nvSpPr>
+        <p:spPr>
+          <a:xfrm>
+            <a:off x="1011115" y="668215"/>
+            <a:ext cx="10137964" cy="830997"/>
+          </a:xfrm>
+          <a:prstGeom prst="rect">
+            <a:avLst/>
+          </a:prstGeom>
+          <a:noFill/>
+        </p:spPr>
+        <p:txBody>
+          <a:bodyPr wrap="square" rtlCol="0">
+            <a:spAutoFit/>
+          </a:bodyPr>
+          <a:lstStyle/>
+          <a:p>
+            <a:r>
+              <a:rPr lang="en-US" sz="4800" dirty="0" err="1" smtClean="0">
+                <a:latin typeface="+mj-lt"/>
+              </a:rPr>
+              <a:t>Nullable</a:t>
+            </a:r>
+            <a:r>
+              <a:rPr lang="en-US" sz="4800" dirty="0" smtClean="0">
+                <a:latin typeface="+mj-lt"/>
+              </a:rPr>
+              <a:t> Rules</a:t>
+            </a:r>
+            <a:endParaRPr lang="en-US" sz="4800" dirty="0">
+              <a:latin typeface="+mj-lt"/>
+            </a:endParaRPr>
+          </a:p>
+        </p:txBody>
+      </p:sp>
+      <mc:AlternateContent xmlns:mc="http://schemas.openxmlformats.org/markup-compatibility/2006">
+        <mc:Choice xmlns:a14="http://schemas.microsoft.com/office/drawing/2010/main" Requires="a14">
+          <p:sp>
+            <p:nvSpPr>
+              <p:cNvPr id="5" name="TextBox 4"/>
+              <p:cNvSpPr txBox="1"/>
+              <p:nvPr/>
+            </p:nvSpPr>
+            <p:spPr>
+              <a:xfrm>
+                <a:off x="1011113" y="1529865"/>
+                <a:ext cx="10691359" cy="4401205"/>
+              </a:xfrm>
+              <a:prstGeom prst="rect">
+                <a:avLst/>
+              </a:prstGeom>
+              <a:noFill/>
+            </p:spPr>
+            <p:txBody>
+              <a:bodyPr wrap="square" rtlCol="0">
+                <a:spAutoFit/>
+              </a:bodyPr>
+              <a:lstStyle/>
+              <a:p>
+                <a:r>
+                  <a:rPr lang="en-US" sz="2800" dirty="0" smtClean="0">
+                    <a:latin typeface="+mj-lt"/>
+                  </a:rPr>
+                  <a:t>We can substitute </a:t>
+                </a:r>
+                <a14:m>
+                  <m:oMath xmlns:m="http://schemas.openxmlformats.org/officeDocument/2006/math">
+                    <m:r>
+                      <a:rPr lang="en-US" sz="2800" i="1">
+                        <a:latin typeface="Cambria Math" panose="02040503050406030204" pitchFamily="18" charset="0"/>
+                      </a:rPr>
+                      <m:t>𝐴</m:t>
+                    </m:r>
+                  </m:oMath>
+                </a14:m>
+                <a:r>
+                  <a:rPr lang="en-US" sz="2800" dirty="0" smtClean="0">
+                    <a:latin typeface="+mj-lt"/>
+                  </a:rPr>
+                  <a:t> with it’s possible alternatives</a:t>
+                </a:r>
+                <a:r>
+                  <a:rPr lang="en-US" sz="2800" dirty="0">
+                    <a:latin typeface="+mj-lt"/>
+                  </a:rPr>
+                  <a:t>.</a:t>
+                </a:r>
+                <a:endParaRPr lang="en-US" sz="2800" dirty="0" smtClean="0">
+                  <a:latin typeface="+mj-lt"/>
+                </a:endParaRPr>
+              </a:p>
+              <a:p>
+                <a:r>
+                  <a:rPr lang="en-US" sz="2800" dirty="0" smtClean="0">
+                    <a:latin typeface="+mj-lt"/>
+                  </a:rPr>
+                  <a:t>The original grammar:</a:t>
+                </a:r>
+              </a:p>
+              <a:p>
+                <a:pPr marL="285750" indent="-285750">
+                  <a:buFont typeface="Arial" panose="020B0604020202020204" pitchFamily="34" charset="0"/>
+                  <a:buChar char="•"/>
+                </a:pPr>
+                <a14:m>
+                  <m:oMath xmlns:m="http://schemas.openxmlformats.org/officeDocument/2006/math">
+                    <m:r>
+                      <a:rPr lang="en-US" sz="2800" b="0" i="1" smtClean="0">
+                        <a:latin typeface="+mj-lt"/>
+                      </a:rPr>
+                      <m:t>𝑆</m:t>
+                    </m:r>
+                    <m:r>
+                      <a:rPr lang="en-US" sz="2800" b="0" i="1" smtClean="0">
+                        <a:latin typeface="+mj-lt"/>
+                      </a:rPr>
+                      <m:t>→</m:t>
+                    </m:r>
+                    <m:r>
+                      <a:rPr lang="en-US" sz="2800" b="0" i="1" smtClean="0">
+                        <a:latin typeface="+mj-lt"/>
+                      </a:rPr>
+                      <m:t>𝐴𝑎𝑏</m:t>
+                    </m:r>
+                  </m:oMath>
+                </a14:m>
+                <a:endParaRPr lang="en-US" sz="2800" b="0" i="1" dirty="0" smtClean="0">
+                  <a:latin typeface="+mj-lt"/>
+                </a:endParaRPr>
+              </a:p>
+              <a:p>
+                <a:pPr marL="285750" indent="-285750">
+                  <a:buFont typeface="Arial" panose="020B0604020202020204" pitchFamily="34" charset="0"/>
+                  <a:buChar char="•"/>
+                </a:pPr>
+                <a14:m>
+                  <m:oMath xmlns:m="http://schemas.openxmlformats.org/officeDocument/2006/math">
+                    <m:r>
+                      <a:rPr lang="en-US" sz="2800" b="0" i="1" smtClean="0">
+                        <a:latin typeface="+mj-lt"/>
+                      </a:rPr>
+                      <m:t>𝐴</m:t>
+                    </m:r>
+                    <m:r>
+                      <a:rPr lang="en-US" sz="2800" i="1">
+                        <a:latin typeface="+mj-lt"/>
+                      </a:rPr>
+                      <m:t>→</m:t>
+                    </m:r>
+                    <m:r>
+                      <a:rPr lang="en-US" sz="2800" i="1" smtClean="0">
+                        <a:latin typeface="+mj-lt"/>
+                      </a:rPr>
+                      <m:t>𝑎</m:t>
+                    </m:r>
+                    <m:r>
+                      <a:rPr lang="en-US" sz="2800" b="0" i="1" smtClean="0">
+                        <a:latin typeface="+mj-lt"/>
+                      </a:rPr>
+                      <m:t> | </m:t>
+                    </m:r>
+                    <m:r>
+                      <a:rPr lang="en-US" sz="2800" b="0" i="1" smtClean="0">
+                        <a:latin typeface="+mj-lt"/>
+                      </a:rPr>
+                      <m:t>𝜖</m:t>
+                    </m:r>
+                  </m:oMath>
+                </a14:m>
+                <a:endParaRPr lang="en-US" sz="2800" b="0" dirty="0" smtClean="0">
+                  <a:latin typeface="+mj-lt"/>
+                </a:endParaRPr>
+              </a:p>
+              <a:p>
+                <a:pPr marL="285750" indent="-285750">
+                  <a:buFont typeface="Arial" panose="020B0604020202020204" pitchFamily="34" charset="0"/>
+                  <a:buChar char="•"/>
+                </a:pPr>
+                <a:endParaRPr lang="en-US" sz="2800" dirty="0">
+                  <a:latin typeface="+mj-lt"/>
+                </a:endParaRPr>
+              </a:p>
+              <a:p>
+                <a:r>
+                  <a:rPr lang="en-US" sz="2800" dirty="0" smtClean="0">
+                    <a:latin typeface="+mj-lt"/>
+                  </a:rPr>
+                  <a:t>After </a:t>
+                </a:r>
+                <a:r>
+                  <a:rPr lang="en-US" sz="2800" dirty="0" err="1" smtClean="0">
+                    <a:latin typeface="+mj-lt"/>
+                  </a:rPr>
+                  <a:t>substituion</a:t>
+                </a:r>
+                <a:r>
+                  <a:rPr lang="en-US" sz="2800" dirty="0" smtClean="0">
+                    <a:latin typeface="+mj-lt"/>
+                  </a:rPr>
+                  <a:t>:</a:t>
+                </a:r>
+              </a:p>
+              <a:p>
+                <a:pPr marL="285750" indent="-285750">
+                  <a:buFont typeface="Arial" panose="020B0604020202020204" pitchFamily="34" charset="0"/>
+                  <a:buChar char="•"/>
+                </a:pPr>
+                <a14:m>
+                  <m:oMath xmlns:m="http://schemas.openxmlformats.org/officeDocument/2006/math">
+                    <m:r>
+                      <a:rPr lang="en-US" sz="2800" i="1">
+                        <a:latin typeface="Cambria Math" panose="02040503050406030204" pitchFamily="18" charset="0"/>
+                      </a:rPr>
+                      <m:t>𝑆</m:t>
+                    </m:r>
+                    <m:r>
+                      <a:rPr lang="en-US" sz="2800" i="1">
+                        <a:latin typeface="Cambria Math" panose="02040503050406030204" pitchFamily="18" charset="0"/>
+                      </a:rPr>
+                      <m:t>→</m:t>
+                    </m:r>
+                    <m:r>
+                      <a:rPr lang="en-US" sz="2800" i="1">
+                        <a:latin typeface="Cambria Math" panose="02040503050406030204" pitchFamily="18" charset="0"/>
+                      </a:rPr>
+                      <m:t>𝑎𝑏</m:t>
+                    </m:r>
+                  </m:oMath>
+                </a14:m>
+                <a:endParaRPr lang="en-US" sz="2800" i="1" dirty="0" smtClean="0"/>
+              </a:p>
+              <a:p>
+                <a:pPr marL="285750" indent="-285750">
+                  <a:buFont typeface="Arial" panose="020B0604020202020204" pitchFamily="34" charset="0"/>
+                  <a:buChar char="•"/>
+                </a:pPr>
+                <a14:m>
+                  <m:oMath xmlns:m="http://schemas.openxmlformats.org/officeDocument/2006/math">
+                    <m:r>
+                      <a:rPr lang="en-US" sz="2800" i="1">
+                        <a:latin typeface="Cambria Math" panose="02040503050406030204" pitchFamily="18" charset="0"/>
+                      </a:rPr>
+                      <m:t>𝑆</m:t>
+                    </m:r>
+                    <m:r>
+                      <a:rPr lang="en-US" sz="2800" i="1">
+                        <a:latin typeface="Cambria Math" panose="02040503050406030204" pitchFamily="18" charset="0"/>
+                      </a:rPr>
+                      <m:t>→</m:t>
+                    </m:r>
+                    <m:r>
+                      <a:rPr lang="en-US" sz="2800" b="0" i="1" smtClean="0">
+                        <a:latin typeface="Cambria Math" panose="02040503050406030204" pitchFamily="18" charset="0"/>
+                      </a:rPr>
+                      <m:t>𝑎</m:t>
+                    </m:r>
+                    <m:r>
+                      <a:rPr lang="en-US" sz="2800" i="1">
+                        <a:latin typeface="Cambria Math" panose="02040503050406030204" pitchFamily="18" charset="0"/>
+                      </a:rPr>
+                      <m:t>𝑎𝑏</m:t>
+                    </m:r>
+                  </m:oMath>
+                </a14:m>
+                <a:endParaRPr lang="en-US" sz="2800" dirty="0">
+                  <a:latin typeface="+mj-lt"/>
+                </a:endParaRPr>
+              </a:p>
+              <a:p>
+                <a:endParaRPr lang="en-US" sz="2800" b="1" dirty="0" smtClean="0">
+                  <a:latin typeface="+mj-lt"/>
+                </a:endParaRPr>
+              </a:p>
+              <a:p>
+                <a:r>
+                  <a:rPr lang="en-US" sz="2800" dirty="0" smtClean="0">
+                    <a:latin typeface="+mj-lt"/>
+                  </a:rPr>
+                  <a:t>Are we done?</a:t>
+                </a:r>
+                <a:endParaRPr lang="en-US" sz="2800" dirty="0">
+                  <a:latin typeface="+mj-lt"/>
+                </a:endParaRPr>
+              </a:p>
+            </p:txBody>
+          </p:sp>
+        </mc:Choice>
+        <mc:Fallback>
+          <p:sp>
+            <p:nvSpPr>
+              <p:cNvPr id="5" name="TextBox 4"/>
+              <p:cNvSpPr txBox="1">
+                <a:spLocks noRot="1" noChangeAspect="1" noMove="1" noResize="1" noEditPoints="1" noAdjustHandles="1" noChangeArrowheads="1" noChangeShapeType="1" noTextEdit="1"/>
+              </p:cNvSpPr>
+              <p:nvPr/>
+            </p:nvSpPr>
+            <p:spPr>
+              <a:xfrm>
+                <a:off x="1011113" y="1529865"/>
+                <a:ext cx="10691359" cy="4401205"/>
+              </a:xfrm>
+              <a:prstGeom prst="rect">
+                <a:avLst/>
+              </a:prstGeom>
+              <a:blipFill>
+                <a:blip r:embed="rId2"/>
+                <a:stretch>
+                  <a:fillRect l="-1197" t="-1385" b="-3047"/>
+                </a:stretch>
+              </a:blipFill>
+            </p:spPr>
+            <p:txBody>
+              <a:bodyPr/>
+              <a:lstStyle/>
+              <a:p>
+                <a:r>
+                  <a:rPr lang="en-US">
+                    <a:noFill/>
+                  </a:rPr>
+                  <a:t> </a:t>
+                </a:r>
+              </a:p>
+            </p:txBody>
+          </p:sp>
+        </mc:Fallback>
+      </mc:AlternateContent>
+    </p:spTree>
+    <p:extLst>
+      <p:ext uri="{BB962C8B-B14F-4D97-AF65-F5344CB8AC3E}">
+        <p14:creationId xmlns:p14="http://schemas.microsoft.com/office/powerpoint/2010/main" val="1423632610"/>
+      </p:ext>
+    </p:extLst>
+  </p:cSld>
+  <p:clrMapOvr>
+    <a:masterClrMapping/>
+  </p:clrMapOvr>
+  <p:timing>
+    <p:tnLst>
+      <p:par>
+        <p:cTn id="1" dur="indefinite" restart="never" nodeType="tmRoot"/>
+      </p:par>
+    </p:tnLst>
+  </p:timing>
+</p:sld>
+</file>
+
+<file path=ppt/slides/slide64.xml><?xml version="1.0" encoding="utf-8"?>
+<p:sld xmlns:a="http://schemas.openxmlformats.org/drawingml/2006/main" xmlns:r="http://schemas.openxmlformats.org/officeDocument/2006/relationships" xmlns:p="http://schemas.openxmlformats.org/presentationml/2006/main">
+  <p:cSld>
+    <p:spTree>
+      <p:nvGrpSpPr>
+        <p:cNvPr id="1" name=""/>
+        <p:cNvGrpSpPr/>
+        <p:nvPr/>
+      </p:nvGrpSpPr>
+      <p:grpSpPr>
+        <a:xfrm>
+          <a:off x="0" y="0"/>
+          <a:ext cx="0" cy="0"/>
+          <a:chOff x="0" y="0"/>
+          <a:chExt cx="0" cy="0"/>
+        </a:xfrm>
+      </p:grpSpPr>
+      <p:sp>
+        <p:nvSpPr>
+          <p:cNvPr id="4" name="TextBox 3"/>
+          <p:cNvSpPr txBox="1"/>
+          <p:nvPr/>
+        </p:nvSpPr>
+        <p:spPr>
+          <a:xfrm>
+            <a:off x="1011115" y="668215"/>
+            <a:ext cx="10137964" cy="830997"/>
+          </a:xfrm>
+          <a:prstGeom prst="rect">
+            <a:avLst/>
+          </a:prstGeom>
+          <a:noFill/>
+        </p:spPr>
+        <p:txBody>
+          <a:bodyPr wrap="square" rtlCol="0">
+            <a:spAutoFit/>
+          </a:bodyPr>
+          <a:lstStyle/>
+          <a:p>
+            <a:r>
+              <a:rPr lang="en-US" sz="4800" dirty="0" err="1" smtClean="0">
+                <a:latin typeface="+mj-lt"/>
+              </a:rPr>
+              <a:t>Nullable</a:t>
+            </a:r>
+            <a:r>
+              <a:rPr lang="en-US" sz="4800" dirty="0" smtClean="0">
+                <a:latin typeface="+mj-lt"/>
+              </a:rPr>
+              <a:t> Rules</a:t>
+            </a:r>
+            <a:endParaRPr lang="en-US" sz="4800" dirty="0">
+              <a:latin typeface="+mj-lt"/>
+            </a:endParaRPr>
+          </a:p>
+        </p:txBody>
+      </p:sp>
+      <mc:AlternateContent xmlns:mc="http://schemas.openxmlformats.org/markup-compatibility/2006">
+        <mc:Choice xmlns:a14="http://schemas.microsoft.com/office/drawing/2010/main" Requires="a14">
+          <p:sp>
+            <p:nvSpPr>
+              <p:cNvPr id="5" name="TextBox 4"/>
+              <p:cNvSpPr txBox="1"/>
+              <p:nvPr/>
+            </p:nvSpPr>
+            <p:spPr>
+              <a:xfrm>
+                <a:off x="1011113" y="1529865"/>
+                <a:ext cx="10691359" cy="3108543"/>
+              </a:xfrm>
+              <a:prstGeom prst="rect">
+                <a:avLst/>
+              </a:prstGeom>
+              <a:noFill/>
+            </p:spPr>
+            <p:txBody>
+              <a:bodyPr wrap="square" rtlCol="0">
+                <a:spAutoFit/>
+              </a:bodyPr>
+              <a:lstStyle/>
+              <a:p>
+                <a:r>
+                  <a:rPr lang="en-US" sz="2800" dirty="0" smtClean="0">
+                    <a:latin typeface="+mj-lt"/>
+                  </a:rPr>
+                  <a:t>We need to perform left factoring:</a:t>
+                </a:r>
+                <a:endParaRPr lang="en-US" sz="2800" dirty="0">
+                  <a:latin typeface="+mj-lt"/>
+                </a:endParaRPr>
+              </a:p>
+              <a:p>
+                <a:pPr marL="285750" indent="-285750">
+                  <a:buFont typeface="Arial" panose="020B0604020202020204" pitchFamily="34" charset="0"/>
+                  <a:buChar char="•"/>
+                </a:pPr>
+                <a14:m>
+                  <m:oMath xmlns:m="http://schemas.openxmlformats.org/officeDocument/2006/math">
+                    <m:r>
+                      <a:rPr lang="en-US" sz="2800" i="1">
+                        <a:latin typeface="+mj-lt"/>
+                      </a:rPr>
+                      <m:t>𝑆</m:t>
+                    </m:r>
+                    <m:r>
+                      <a:rPr lang="en-US" sz="2800" i="1">
+                        <a:latin typeface="+mj-lt"/>
+                      </a:rPr>
+                      <m:t>→</m:t>
+                    </m:r>
+                    <m:r>
+                      <a:rPr lang="en-US" sz="2800" i="1">
+                        <a:latin typeface="+mj-lt"/>
+                      </a:rPr>
+                      <m:t>𝑎𝑏</m:t>
+                    </m:r>
+                  </m:oMath>
+                </a14:m>
+                <a:endParaRPr lang="en-US" sz="2800" i="1" dirty="0">
+                  <a:latin typeface="+mj-lt"/>
+                </a:endParaRPr>
+              </a:p>
+              <a:p>
+                <a:pPr marL="285750" indent="-285750">
+                  <a:buFont typeface="Arial" panose="020B0604020202020204" pitchFamily="34" charset="0"/>
+                  <a:buChar char="•"/>
+                </a:pPr>
+                <a14:m>
+                  <m:oMath xmlns:m="http://schemas.openxmlformats.org/officeDocument/2006/math">
+                    <m:r>
+                      <a:rPr lang="en-US" sz="2800" i="1">
+                        <a:latin typeface="+mj-lt"/>
+                      </a:rPr>
+                      <m:t>𝑆</m:t>
+                    </m:r>
+                    <m:r>
+                      <a:rPr lang="en-US" sz="2800" i="1">
+                        <a:latin typeface="+mj-lt"/>
+                      </a:rPr>
+                      <m:t>→</m:t>
+                    </m:r>
+                    <m:r>
+                      <a:rPr lang="en-US" sz="2800" i="1">
+                        <a:latin typeface="+mj-lt"/>
+                      </a:rPr>
+                      <m:t>𝑎</m:t>
+                    </m:r>
+                    <m:r>
+                      <a:rPr lang="en-US" sz="2800" i="1">
+                        <a:latin typeface="+mj-lt"/>
+                      </a:rPr>
+                      <m:t>𝑎𝑏</m:t>
+                    </m:r>
+                  </m:oMath>
+                </a14:m>
+                <a:endParaRPr lang="en-US" sz="2800" dirty="0">
+                  <a:latin typeface="+mj-lt"/>
+                </a:endParaRPr>
+              </a:p>
+              <a:p>
+                <a:pPr marL="285750" indent="-285750">
+                  <a:buFont typeface="Arial" panose="020B0604020202020204" pitchFamily="34" charset="0"/>
+                  <a:buChar char="•"/>
+                </a:pPr>
+                <a:endParaRPr lang="en-US" sz="2800" dirty="0">
+                  <a:latin typeface="+mj-lt"/>
+                </a:endParaRPr>
+              </a:p>
+              <a:p>
+                <a:r>
+                  <a:rPr lang="en-US" sz="2800" dirty="0" smtClean="0">
+                    <a:latin typeface="+mj-lt"/>
+                  </a:rPr>
+                  <a:t>After left factoring:</a:t>
+                </a:r>
+              </a:p>
+              <a:p>
+                <a:pPr marL="285750" indent="-285750">
+                  <a:buFont typeface="Arial" panose="020B0604020202020204" pitchFamily="34" charset="0"/>
+                  <a:buChar char="•"/>
+                </a:pPr>
+                <a14:m>
+                  <m:oMath xmlns:m="http://schemas.openxmlformats.org/officeDocument/2006/math">
+                    <m:r>
+                      <a:rPr lang="en-US" sz="2800" i="1">
+                        <a:latin typeface="+mj-lt"/>
+                      </a:rPr>
+                      <m:t>𝑆</m:t>
+                    </m:r>
+                    <m:r>
+                      <a:rPr lang="en-US" sz="2800" i="1">
+                        <a:latin typeface="+mj-lt"/>
+                      </a:rPr>
+                      <m:t>→</m:t>
+                    </m:r>
+                    <m:r>
+                      <a:rPr lang="en-US" sz="2800" b="0" i="1" smtClean="0">
+                        <a:latin typeface="+mj-lt"/>
+                      </a:rPr>
+                      <m:t>𝑎𝑋</m:t>
+                    </m:r>
+                  </m:oMath>
+                </a14:m>
+                <a:endParaRPr lang="en-US" sz="2800" i="1" dirty="0" smtClean="0">
+                  <a:latin typeface="+mj-lt"/>
+                </a:endParaRPr>
+              </a:p>
+              <a:p>
+                <a:pPr marL="285750" indent="-285750">
+                  <a:buFont typeface="Arial" panose="020B0604020202020204" pitchFamily="34" charset="0"/>
+                  <a:buChar char="•"/>
+                </a:pPr>
+                <a14:m>
+                  <m:oMath xmlns:m="http://schemas.openxmlformats.org/officeDocument/2006/math">
+                    <m:r>
+                      <a:rPr lang="en-US" sz="2800" b="0" i="1" smtClean="0">
+                        <a:latin typeface="+mj-lt"/>
+                      </a:rPr>
+                      <m:t>𝑋</m:t>
+                    </m:r>
+                    <m:r>
+                      <a:rPr lang="en-US" sz="2800" i="1">
+                        <a:latin typeface="+mj-lt"/>
+                      </a:rPr>
+                      <m:t>→</m:t>
+                    </m:r>
+                    <m:r>
+                      <a:rPr lang="en-US" sz="2800" b="0" i="1" smtClean="0">
+                        <a:latin typeface="+mj-lt"/>
+                      </a:rPr>
+                      <m:t>𝑏</m:t>
+                    </m:r>
+                    <m:r>
+                      <a:rPr lang="en-US" sz="2800" b="0" i="1" smtClean="0">
+                        <a:latin typeface="+mj-lt"/>
+                      </a:rPr>
+                      <m:t> | </m:t>
+                    </m:r>
+                    <m:r>
+                      <a:rPr lang="en-US" sz="2800" i="1">
+                        <a:latin typeface="+mj-lt"/>
+                      </a:rPr>
+                      <m:t>𝑎𝑏</m:t>
+                    </m:r>
+                  </m:oMath>
+                </a14:m>
+                <a:endParaRPr lang="en-US" sz="2800" dirty="0">
+                  <a:latin typeface="+mj-lt"/>
+                </a:endParaRPr>
+              </a:p>
+            </p:txBody>
+          </p:sp>
+        </mc:Choice>
+        <mc:Fallback>
+          <p:sp>
+            <p:nvSpPr>
+              <p:cNvPr id="5" name="TextBox 4"/>
+              <p:cNvSpPr txBox="1">
+                <a:spLocks noRot="1" noChangeAspect="1" noMove="1" noResize="1" noEditPoints="1" noAdjustHandles="1" noChangeArrowheads="1" noChangeShapeType="1" noTextEdit="1"/>
+              </p:cNvSpPr>
+              <p:nvPr/>
+            </p:nvSpPr>
+            <p:spPr>
+              <a:xfrm>
+                <a:off x="1011113" y="1529865"/>
+                <a:ext cx="10691359" cy="3108543"/>
+              </a:xfrm>
+              <a:prstGeom prst="rect">
+                <a:avLst/>
+              </a:prstGeom>
+              <a:blipFill>
+                <a:blip r:embed="rId2"/>
+                <a:stretch>
+                  <a:fillRect l="-1197" t="-1961"/>
+                </a:stretch>
+              </a:blipFill>
+            </p:spPr>
+            <p:txBody>
+              <a:bodyPr/>
+              <a:lstStyle/>
+              <a:p>
+                <a:r>
+                  <a:rPr lang="en-US">
+                    <a:noFill/>
+                  </a:rPr>
+                  <a:t> </a:t>
+                </a:r>
+              </a:p>
+            </p:txBody>
+          </p:sp>
+        </mc:Fallback>
+      </mc:AlternateContent>
+    </p:spTree>
+    <p:extLst>
+      <p:ext uri="{BB962C8B-B14F-4D97-AF65-F5344CB8AC3E}">
+        <p14:creationId xmlns:p14="http://schemas.microsoft.com/office/powerpoint/2010/main" val="1376797431"/>
+      </p:ext>
+    </p:extLst>
+  </p:cSld>
+  <p:clrMapOvr>
+    <a:masterClrMapping/>
+  </p:clrMapOvr>
+  <p:timing>
+    <p:tnLst>
+      <p:par>
+        <p:cTn id="1" dur="indefinite" restart="never" nodeType="tmRoot"/>
+      </p:par>
+    </p:tnLst>
+  </p:timing>
+</p:sld>
+</file>
+
+<file path=ppt/slides/slide65.xml><?xml version="1.0" encoding="utf-8"?>
+<p:sld xmlns:a="http://schemas.openxmlformats.org/drawingml/2006/main" xmlns:r="http://schemas.openxmlformats.org/officeDocument/2006/relationships" xmlns:p="http://schemas.openxmlformats.org/presentationml/2006/main">
+  <p:cSld>
+    <p:spTree>
+      <p:nvGrpSpPr>
+        <p:cNvPr id="1" name=""/>
+        <p:cNvGrpSpPr/>
+        <p:nvPr/>
+      </p:nvGrpSpPr>
+      <p:grpSpPr>
+        <a:xfrm>
+          <a:off x="0" y="0"/>
+          <a:ext cx="0" cy="0"/>
+          <a:chOff x="0" y="0"/>
+          <a:chExt cx="0" cy="0"/>
+        </a:xfrm>
+      </p:grpSpPr>
+      <p:sp>
+        <p:nvSpPr>
+          <p:cNvPr id="4" name="TextBox 3"/>
+          <p:cNvSpPr txBox="1"/>
+          <p:nvPr/>
+        </p:nvSpPr>
+        <p:spPr>
+          <a:xfrm>
+            <a:off x="1011115" y="668215"/>
+            <a:ext cx="10137964" cy="830997"/>
+          </a:xfrm>
+          <a:prstGeom prst="rect">
+            <a:avLst/>
+          </a:prstGeom>
+          <a:noFill/>
+        </p:spPr>
+        <p:txBody>
+          <a:bodyPr wrap="square" rtlCol="0">
+            <a:spAutoFit/>
+          </a:bodyPr>
+          <a:lstStyle/>
+          <a:p>
+            <a:r>
+              <a:rPr lang="en-US" sz="4800" dirty="0" smtClean="0">
+                <a:latin typeface="+mj-lt"/>
+              </a:rPr>
+              <a:t>Building an LL(1) Parser</a:t>
+            </a:r>
+            <a:endParaRPr lang="en-US" sz="4800" dirty="0">
+              <a:latin typeface="+mj-lt"/>
+            </a:endParaRPr>
+          </a:p>
+        </p:txBody>
+      </p:sp>
+      <p:sp>
+        <p:nvSpPr>
+          <p:cNvPr id="5" name="TextBox 4"/>
+          <p:cNvSpPr txBox="1"/>
+          <p:nvPr/>
+        </p:nvSpPr>
+        <p:spPr>
+          <a:xfrm>
+            <a:off x="1011113" y="1529865"/>
+            <a:ext cx="10691359" cy="1815882"/>
+          </a:xfrm>
+          <a:prstGeom prst="rect">
+            <a:avLst/>
+          </a:prstGeom>
+          <a:noFill/>
+        </p:spPr>
+        <p:txBody>
+          <a:bodyPr wrap="square" rtlCol="0">
+            <a:spAutoFit/>
+          </a:bodyPr>
+          <a:lstStyle/>
+          <a:p>
+            <a:r>
+              <a:rPr lang="en-US" sz="2800" dirty="0" smtClean="0">
+                <a:latin typeface="+mj-lt"/>
+              </a:rPr>
+              <a:t>Some of the common issues:</a:t>
+            </a:r>
+            <a:endParaRPr lang="en-US" sz="2800" dirty="0">
+              <a:latin typeface="+mj-lt"/>
+            </a:endParaRPr>
+          </a:p>
+          <a:p>
+            <a:pPr marL="285750" indent="-285750">
+              <a:buFont typeface="Arial" panose="020B0604020202020204" pitchFamily="34" charset="0"/>
+              <a:buChar char="•"/>
+            </a:pPr>
+            <a:r>
+              <a:rPr lang="en-US" sz="2800" dirty="0" smtClean="0">
+                <a:latin typeface="+mj-lt"/>
+              </a:rPr>
+              <a:t>Left recursion</a:t>
+            </a:r>
+          </a:p>
+          <a:p>
+            <a:pPr marL="285750" indent="-285750">
+              <a:buFont typeface="Arial" panose="020B0604020202020204" pitchFamily="34" charset="0"/>
+              <a:buChar char="•"/>
+            </a:pPr>
+            <a:r>
+              <a:rPr lang="en-US" sz="2800" dirty="0" smtClean="0">
+                <a:latin typeface="+mj-lt"/>
+              </a:rPr>
+              <a:t>Left factoring</a:t>
+            </a:r>
+          </a:p>
+          <a:p>
+            <a:pPr marL="285750" indent="-285750">
+              <a:buFont typeface="Arial" panose="020B0604020202020204" pitchFamily="34" charset="0"/>
+              <a:buChar char="•"/>
+            </a:pPr>
+            <a:r>
+              <a:rPr lang="en-US" sz="2800" dirty="0" err="1" smtClean="0">
+                <a:latin typeface="+mj-lt"/>
+              </a:rPr>
+              <a:t>Nullable</a:t>
+            </a:r>
+            <a:r>
+              <a:rPr lang="en-US" sz="2800" dirty="0" smtClean="0">
+                <a:latin typeface="+mj-lt"/>
+              </a:rPr>
+              <a:t> rules</a:t>
+            </a:r>
+          </a:p>
+        </p:txBody>
+      </p:sp>
+    </p:spTree>
+    <p:extLst>
+      <p:ext uri="{BB962C8B-B14F-4D97-AF65-F5344CB8AC3E}">
+        <p14:creationId xmlns:p14="http://schemas.microsoft.com/office/powerpoint/2010/main" val="4056348278"/>
+      </p:ext>
+    </p:extLst>
+  </p:cSld>
+  <p:clrMapOvr>
+    <a:masterClrMapping/>
+  </p:clrMapOvr>
+  <p:timing>
+    <p:tnLst>
+      <p:par>
+        <p:cTn id="1" dur="indefinite" restart="never" nodeType="tmRoot"/>
+      </p:par>
+    </p:tnLst>
+  </p:timing>
+</p:sld>
+</file>
+
+<file path=ppt/slides/slide66.xml><?xml version="1.0" encoding="utf-8"?>
+<p:sld xmlns:a="http://schemas.openxmlformats.org/drawingml/2006/main" xmlns:r="http://schemas.openxmlformats.org/officeDocument/2006/relationships" xmlns:p="http://schemas.openxmlformats.org/presentationml/2006/main">
+  <p:cSld>
+    <p:spTree>
+      <p:nvGrpSpPr>
+        <p:cNvPr id="1" name=""/>
+        <p:cNvGrpSpPr/>
+        <p:nvPr/>
+      </p:nvGrpSpPr>
+      <p:grpSpPr>
+        <a:xfrm>
+          <a:off x="0" y="0"/>
+          <a:ext cx="0" cy="0"/>
+          <a:chOff x="0" y="0"/>
+          <a:chExt cx="0" cy="0"/>
+        </a:xfrm>
+      </p:grpSpPr>
+      <p:sp>
+        <p:nvSpPr>
+          <p:cNvPr id="4" name="TextBox 3"/>
+          <p:cNvSpPr txBox="1"/>
+          <p:nvPr/>
+        </p:nvSpPr>
+        <p:spPr>
+          <a:xfrm>
+            <a:off x="1011115" y="668215"/>
+            <a:ext cx="10137964" cy="830997"/>
+          </a:xfrm>
+          <a:prstGeom prst="rect">
+            <a:avLst/>
+          </a:prstGeom>
+          <a:noFill/>
+        </p:spPr>
+        <p:txBody>
+          <a:bodyPr wrap="square" rtlCol="0">
+            <a:spAutoFit/>
+          </a:bodyPr>
+          <a:lstStyle/>
+          <a:p>
+            <a:r>
+              <a:rPr lang="en-US" sz="4800" dirty="0" smtClean="0">
+                <a:latin typeface="+mj-lt"/>
+              </a:rPr>
+              <a:t>LL(1) Parsing is not always possible</a:t>
+            </a:r>
+            <a:endParaRPr lang="en-US" sz="4800" dirty="0">
+              <a:latin typeface="+mj-lt"/>
+            </a:endParaRPr>
+          </a:p>
+        </p:txBody>
+      </p:sp>
+      <mc:AlternateContent xmlns:mc="http://schemas.openxmlformats.org/markup-compatibility/2006">
+        <mc:Choice xmlns:a14="http://schemas.microsoft.com/office/drawing/2010/main" Requires="a14">
+          <p:sp>
+            <p:nvSpPr>
+              <p:cNvPr id="5" name="TextBox 4"/>
+              <p:cNvSpPr txBox="1"/>
+              <p:nvPr/>
+            </p:nvSpPr>
+            <p:spPr>
+              <a:xfrm>
+                <a:off x="1011113" y="1529865"/>
+                <a:ext cx="10691359" cy="3108543"/>
+              </a:xfrm>
+              <a:prstGeom prst="rect">
+                <a:avLst/>
+              </a:prstGeom>
+              <a:noFill/>
+            </p:spPr>
+            <p:txBody>
+              <a:bodyPr wrap="square" rtlCol="0">
+                <a:spAutoFit/>
+              </a:bodyPr>
+              <a:lstStyle/>
+              <a:p>
+                <a:r>
+                  <a:rPr lang="en-US" sz="2800" dirty="0" smtClean="0">
+                    <a:latin typeface="+mj-lt"/>
+                  </a:rPr>
+                  <a:t>The following grammar can’t be fixed:</a:t>
+                </a:r>
+                <a:endParaRPr lang="en-US" sz="2800" dirty="0">
+                  <a:latin typeface="+mj-lt"/>
+                </a:endParaRPr>
+              </a:p>
+              <a:p>
+                <a:pPr marL="285750" indent="-285750">
+                  <a:buFont typeface="Arial" panose="020B0604020202020204" pitchFamily="34" charset="0"/>
+                  <a:buChar char="•"/>
+                </a:pPr>
+                <a14:m>
+                  <m:oMath xmlns:m="http://schemas.openxmlformats.org/officeDocument/2006/math">
+                    <m:r>
+                      <a:rPr lang="en-US" sz="2800" b="0" i="1" dirty="0" smtClean="0">
+                        <a:latin typeface="Cambria Math" panose="02040503050406030204" pitchFamily="18" charset="0"/>
+                      </a:rPr>
+                      <m:t>𝑆</m:t>
+                    </m:r>
+                    <m:r>
+                      <a:rPr lang="en-US" sz="2800" b="0" i="1" dirty="0" smtClean="0">
+                        <a:latin typeface="Cambria Math" panose="02040503050406030204" pitchFamily="18" charset="0"/>
+                      </a:rPr>
+                      <m:t>→</m:t>
+                    </m:r>
+                    <m:r>
+                      <a:rPr lang="en-US" sz="2800" b="0" i="1" dirty="0" smtClean="0">
+                        <a:latin typeface="Cambria Math" panose="02040503050406030204" pitchFamily="18" charset="0"/>
+                      </a:rPr>
+                      <m:t>𝐴</m:t>
+                    </m:r>
+                  </m:oMath>
+                </a14:m>
+                <a:endParaRPr lang="en-US" sz="2800" b="0" i="1" dirty="0" smtClean="0">
+                  <a:latin typeface="Cambria Math" panose="02040503050406030204" pitchFamily="18" charset="0"/>
+                </a:endParaRPr>
+              </a:p>
+              <a:p>
+                <a:pPr marL="285750" indent="-285750">
+                  <a:buFont typeface="Arial" panose="020B0604020202020204" pitchFamily="34" charset="0"/>
+                  <a:buChar char="•"/>
+                </a:pPr>
+                <a14:m>
+                  <m:oMath xmlns:m="http://schemas.openxmlformats.org/officeDocument/2006/math">
+                    <m:r>
+                      <a:rPr lang="en-US" sz="2800" i="1" dirty="0">
+                        <a:latin typeface="Cambria Math" panose="02040503050406030204" pitchFamily="18" charset="0"/>
+                      </a:rPr>
+                      <m:t>𝑆</m:t>
+                    </m:r>
+                    <m:r>
+                      <a:rPr lang="en-US" sz="2800" i="1" dirty="0">
+                        <a:latin typeface="Cambria Math" panose="02040503050406030204" pitchFamily="18" charset="0"/>
+                      </a:rPr>
+                      <m:t>→</m:t>
+                    </m:r>
+                    <m:r>
+                      <a:rPr lang="en-US" sz="2800" b="0" i="1" dirty="0" smtClean="0">
+                        <a:latin typeface="Cambria Math" panose="02040503050406030204" pitchFamily="18" charset="0"/>
+                      </a:rPr>
+                      <m:t>𝐵</m:t>
+                    </m:r>
+                  </m:oMath>
+                </a14:m>
+                <a:endParaRPr lang="en-US" sz="2800" i="1" dirty="0" smtClean="0">
+                  <a:latin typeface="Cambria Math" panose="02040503050406030204" pitchFamily="18" charset="0"/>
+                </a:endParaRPr>
+              </a:p>
+              <a:p>
+                <a:pPr marL="285750" indent="-285750">
+                  <a:buFont typeface="Arial" panose="020B0604020202020204" pitchFamily="34" charset="0"/>
+                  <a:buChar char="•"/>
+                </a:pPr>
+                <a14:m>
+                  <m:oMath xmlns:m="http://schemas.openxmlformats.org/officeDocument/2006/math">
+                    <m:r>
+                      <a:rPr lang="en-US" sz="2800" b="0" i="1" dirty="0" smtClean="0">
+                        <a:latin typeface="Cambria Math" panose="02040503050406030204" pitchFamily="18" charset="0"/>
+                      </a:rPr>
+                      <m:t>𝐴</m:t>
+                    </m:r>
+                    <m:r>
+                      <a:rPr lang="en-US" sz="2800" i="1" dirty="0">
+                        <a:latin typeface="Cambria Math" panose="02040503050406030204" pitchFamily="18" charset="0"/>
+                      </a:rPr>
+                      <m:t>→</m:t>
+                    </m:r>
+                    <m:r>
+                      <a:rPr lang="en-US" sz="2800" b="0" i="1" dirty="0" smtClean="0">
+                        <a:latin typeface="Cambria Math" panose="02040503050406030204" pitchFamily="18" charset="0"/>
+                      </a:rPr>
+                      <m:t>𝑎</m:t>
+                    </m:r>
+                    <m:r>
+                      <a:rPr lang="en-US" sz="2800" i="1" dirty="0">
+                        <a:latin typeface="Cambria Math" panose="02040503050406030204" pitchFamily="18" charset="0"/>
+                      </a:rPr>
+                      <m:t>𝐴</m:t>
+                    </m:r>
+                    <m:r>
+                      <a:rPr lang="en-US" sz="2800" b="0" i="1" dirty="0" smtClean="0">
+                        <a:latin typeface="Cambria Math" panose="02040503050406030204" pitchFamily="18" charset="0"/>
+                      </a:rPr>
+                      <m:t>𝑏</m:t>
+                    </m:r>
+                  </m:oMath>
+                </a14:m>
+                <a:endParaRPr lang="en-US" sz="2800" i="1" dirty="0" smtClean="0">
+                  <a:latin typeface="Cambria Math" panose="02040503050406030204" pitchFamily="18" charset="0"/>
+                </a:endParaRPr>
+              </a:p>
+              <a:p>
+                <a:pPr marL="285750" indent="-285750">
+                  <a:buFont typeface="Arial" panose="020B0604020202020204" pitchFamily="34" charset="0"/>
+                  <a:buChar char="•"/>
+                </a:pPr>
+                <a14:m>
+                  <m:oMath xmlns:m="http://schemas.openxmlformats.org/officeDocument/2006/math">
+                    <m:r>
+                      <a:rPr lang="en-US" sz="2800" b="0" i="1" dirty="0" smtClean="0">
+                        <a:latin typeface="Cambria Math" panose="02040503050406030204" pitchFamily="18" charset="0"/>
+                      </a:rPr>
+                      <m:t>𝐴</m:t>
+                    </m:r>
+                    <m:r>
+                      <a:rPr lang="en-US" sz="2800" i="1" dirty="0">
+                        <a:latin typeface="Cambria Math" panose="02040503050406030204" pitchFamily="18" charset="0"/>
+                      </a:rPr>
+                      <m:t>→</m:t>
+                    </m:r>
+                    <m:r>
+                      <a:rPr lang="en-US" sz="2800" b="0" i="1" dirty="0" smtClean="0">
+                        <a:latin typeface="Cambria Math" panose="02040503050406030204" pitchFamily="18" charset="0"/>
+                      </a:rPr>
+                      <m:t>𝜖</m:t>
+                    </m:r>
+                    <m:r>
+                      <a:rPr lang="en-US" sz="2800" b="0" i="1" dirty="0" smtClean="0">
+                        <a:latin typeface="Cambria Math" panose="02040503050406030204" pitchFamily="18" charset="0"/>
+                      </a:rPr>
+                      <m:t> </m:t>
+                    </m:r>
+                  </m:oMath>
+                </a14:m>
+                <a:endParaRPr lang="en-US" sz="2800" i="1" dirty="0" smtClean="0">
+                  <a:latin typeface="Cambria Math" panose="02040503050406030204" pitchFamily="18" charset="0"/>
+                </a:endParaRPr>
+              </a:p>
+              <a:p>
+                <a:pPr marL="285750" indent="-285750">
+                  <a:buFont typeface="Arial" panose="020B0604020202020204" pitchFamily="34" charset="0"/>
+                  <a:buChar char="•"/>
+                </a:pPr>
+                <a14:m>
+                  <m:oMath xmlns:m="http://schemas.openxmlformats.org/officeDocument/2006/math">
+                    <m:r>
+                      <a:rPr lang="en-US" sz="2800" b="0" i="1" dirty="0" smtClean="0">
+                        <a:latin typeface="Cambria Math" panose="02040503050406030204" pitchFamily="18" charset="0"/>
+                      </a:rPr>
+                      <m:t>𝐵</m:t>
+                    </m:r>
+                    <m:r>
+                      <a:rPr lang="en-US" sz="2800" i="1" dirty="0">
+                        <a:latin typeface="Cambria Math" panose="02040503050406030204" pitchFamily="18" charset="0"/>
+                      </a:rPr>
+                      <m:t>→</m:t>
+                    </m:r>
+                    <m:r>
+                      <a:rPr lang="en-US" sz="2800" b="0" i="1" dirty="0" smtClean="0">
+                        <a:latin typeface="Cambria Math" panose="02040503050406030204" pitchFamily="18" charset="0"/>
+                      </a:rPr>
+                      <m:t>𝑎𝐵𝑏𝑏</m:t>
+                    </m:r>
+                  </m:oMath>
+                </a14:m>
+                <a:endParaRPr lang="en-US" sz="2800" i="1" dirty="0" smtClean="0">
+                  <a:latin typeface="Cambria Math" panose="02040503050406030204" pitchFamily="18" charset="0"/>
+                </a:endParaRPr>
+              </a:p>
+              <a:p>
+                <a:pPr marL="285750" indent="-285750">
+                  <a:buFont typeface="Arial" panose="020B0604020202020204" pitchFamily="34" charset="0"/>
+                  <a:buChar char="•"/>
+                </a:pPr>
+                <a14:m>
+                  <m:oMath xmlns:m="http://schemas.openxmlformats.org/officeDocument/2006/math">
+                    <m:r>
+                      <a:rPr lang="en-US" sz="2800" b="0" i="1" dirty="0" smtClean="0">
+                        <a:latin typeface="Cambria Math" panose="02040503050406030204" pitchFamily="18" charset="0"/>
+                      </a:rPr>
+                      <m:t>𝐵</m:t>
+                    </m:r>
+                    <m:r>
+                      <a:rPr lang="en-US" sz="2800" i="1" dirty="0">
+                        <a:latin typeface="Cambria Math" panose="02040503050406030204" pitchFamily="18" charset="0"/>
+                      </a:rPr>
+                      <m:t>→</m:t>
+                    </m:r>
+                    <m:r>
+                      <a:rPr lang="en-US" sz="2800" b="0" i="1" dirty="0" smtClean="0">
+                        <a:latin typeface="Cambria Math" panose="02040503050406030204" pitchFamily="18" charset="0"/>
+                      </a:rPr>
+                      <m:t>𝜖</m:t>
+                    </m:r>
+                  </m:oMath>
+                </a14:m>
+                <a:endParaRPr lang="en-US" sz="2800" i="1" dirty="0" smtClean="0">
+                  <a:latin typeface="Cambria Math" panose="02040503050406030204" pitchFamily="18" charset="0"/>
+                </a:endParaRPr>
+              </a:p>
+            </p:txBody>
+          </p:sp>
+        </mc:Choice>
+        <mc:Fallback>
+          <p:sp>
+            <p:nvSpPr>
+              <p:cNvPr id="5" name="TextBox 4"/>
+              <p:cNvSpPr txBox="1">
+                <a:spLocks noRot="1" noChangeAspect="1" noMove="1" noResize="1" noEditPoints="1" noAdjustHandles="1" noChangeArrowheads="1" noChangeShapeType="1" noTextEdit="1"/>
+              </p:cNvSpPr>
+              <p:nvPr/>
+            </p:nvSpPr>
+            <p:spPr>
+              <a:xfrm>
+                <a:off x="1011113" y="1529865"/>
+                <a:ext cx="10691359" cy="3108543"/>
+              </a:xfrm>
+              <a:prstGeom prst="rect">
+                <a:avLst/>
+              </a:prstGeom>
+              <a:blipFill>
+                <a:blip r:embed="rId2"/>
+                <a:stretch>
+                  <a:fillRect l="-1197" t="-1961"/>
+                </a:stretch>
+              </a:blipFill>
+            </p:spPr>
+            <p:txBody>
+              <a:bodyPr/>
+              <a:lstStyle/>
+              <a:p>
+                <a:r>
+                  <a:rPr lang="en-US">
+                    <a:noFill/>
+                  </a:rPr>
+                  <a:t> </a:t>
+                </a:r>
+              </a:p>
+            </p:txBody>
+          </p:sp>
+        </mc:Fallback>
+      </mc:AlternateContent>
+    </p:spTree>
+    <p:extLst>
+      <p:ext uri="{BB962C8B-B14F-4D97-AF65-F5344CB8AC3E}">
+        <p14:creationId xmlns:p14="http://schemas.microsoft.com/office/powerpoint/2010/main" val="3446890489"/>
+      </p:ext>
+    </p:extLst>
+  </p:cSld>
+  <p:clrMapOvr>
+    <a:masterClrMapping/>
+  </p:clrMapOvr>
+  <p:timing>
+    <p:tnLst>
+      <p:par>
+        <p:cTn id="1" dur="indefinite" restart="never" nodeType="tmRoot"/>
+      </p:par>
+    </p:tnLst>
+  </p:timing>
+</p:sld>
+</file>
+
+<file path=ppt/slides/slide67.xml><?xml version="1.0" encoding="utf-8"?>
+<p:sld xmlns:a="http://schemas.openxmlformats.org/drawingml/2006/main" xmlns:r="http://schemas.openxmlformats.org/officeDocument/2006/relationships" xmlns:p="http://schemas.openxmlformats.org/presentationml/2006/main">
+  <p:cSld>
+    <p:spTree>
+      <p:nvGrpSpPr>
+        <p:cNvPr id="1" name=""/>
+        <p:cNvGrpSpPr/>
+        <p:nvPr/>
+      </p:nvGrpSpPr>
+      <p:grpSpPr>
+        <a:xfrm>
+          <a:off x="0" y="0"/>
+          <a:ext cx="0" cy="0"/>
+          <a:chOff x="0" y="0"/>
+          <a:chExt cx="0" cy="0"/>
+        </a:xfrm>
+      </p:grpSpPr>
+      <p:sp>
+        <p:nvSpPr>
+          <p:cNvPr id="4" name="TextBox 3"/>
+          <p:cNvSpPr txBox="1"/>
+          <p:nvPr/>
+        </p:nvSpPr>
+        <p:spPr>
+          <a:xfrm>
+            <a:off x="1011115" y="668215"/>
+            <a:ext cx="10137964" cy="830997"/>
+          </a:xfrm>
+          <a:prstGeom prst="rect">
+            <a:avLst/>
+          </a:prstGeom>
+          <a:noFill/>
+        </p:spPr>
+        <p:txBody>
+          <a:bodyPr wrap="square" rtlCol="0">
+            <a:spAutoFit/>
+          </a:bodyPr>
+          <a:lstStyle/>
+          <a:p>
+            <a:r>
+              <a:rPr lang="en-US" sz="4800" dirty="0" smtClean="0">
+                <a:latin typeface="+mj-lt"/>
+              </a:rPr>
+              <a:t>LL(1) Parsing: is it always desirable?</a:t>
+            </a:r>
+            <a:endParaRPr lang="en-US" sz="4800" dirty="0">
+              <a:latin typeface="+mj-lt"/>
+            </a:endParaRPr>
+          </a:p>
+        </p:txBody>
+      </p:sp>
+      <p:sp>
+        <p:nvSpPr>
+          <p:cNvPr id="5" name="TextBox 4"/>
+          <p:cNvSpPr txBox="1"/>
+          <p:nvPr/>
+        </p:nvSpPr>
+        <p:spPr>
+          <a:xfrm>
+            <a:off x="1011113" y="1529865"/>
+            <a:ext cx="10691359" cy="2677656"/>
+          </a:xfrm>
+          <a:prstGeom prst="rect">
+            <a:avLst/>
+          </a:prstGeom>
+          <a:noFill/>
+        </p:spPr>
+        <p:txBody>
+          <a:bodyPr wrap="square" rtlCol="0">
+            <a:spAutoFit/>
+          </a:bodyPr>
+          <a:lstStyle/>
+          <a:p>
+            <a:r>
+              <a:rPr lang="en-US" sz="2800" dirty="0" smtClean="0">
+                <a:latin typeface="+mj-lt"/>
+              </a:rPr>
+              <a:t>Grammars of real languages are overloaded with</a:t>
+            </a:r>
+            <a:endParaRPr lang="en-US" sz="2800" dirty="0">
+              <a:latin typeface="+mj-lt"/>
+            </a:endParaRPr>
+          </a:p>
+          <a:p>
+            <a:pPr marL="285750" indent="-285750">
+              <a:buFont typeface="Arial" panose="020B0604020202020204" pitchFamily="34" charset="0"/>
+              <a:buChar char="•"/>
+            </a:pPr>
+            <a:r>
+              <a:rPr lang="en-US" sz="2800" dirty="0" smtClean="0">
+                <a:latin typeface="+mj-lt"/>
+              </a:rPr>
+              <a:t>Left recursion</a:t>
+            </a:r>
+          </a:p>
+          <a:p>
+            <a:pPr marL="285750" indent="-285750">
+              <a:buFont typeface="Arial" panose="020B0604020202020204" pitchFamily="34" charset="0"/>
+              <a:buChar char="•"/>
+            </a:pPr>
+            <a:r>
+              <a:rPr lang="en-US" sz="2800" dirty="0" smtClean="0">
+                <a:latin typeface="+mj-lt"/>
+              </a:rPr>
+              <a:t>Left factoring</a:t>
+            </a:r>
+          </a:p>
+          <a:p>
+            <a:pPr marL="285750" indent="-285750">
+              <a:buFont typeface="Arial" panose="020B0604020202020204" pitchFamily="34" charset="0"/>
+              <a:buChar char="•"/>
+            </a:pPr>
+            <a:r>
+              <a:rPr lang="en-US" sz="2800" dirty="0" err="1" smtClean="0">
+                <a:latin typeface="+mj-lt"/>
+              </a:rPr>
+              <a:t>Nullable</a:t>
+            </a:r>
+            <a:r>
+              <a:rPr lang="en-US" sz="2800" dirty="0" smtClean="0">
+                <a:latin typeface="+mj-lt"/>
+              </a:rPr>
+              <a:t> rules</a:t>
+            </a:r>
+          </a:p>
+          <a:p>
+            <a:endParaRPr lang="en-US" sz="2800" dirty="0">
+              <a:latin typeface="+mj-lt"/>
+            </a:endParaRPr>
+          </a:p>
+          <a:p>
+            <a:r>
+              <a:rPr lang="en-US" sz="2800" dirty="0" smtClean="0">
+                <a:latin typeface="+mj-lt"/>
+              </a:rPr>
+              <a:t>Even if we can fix it, the resulting grammar may be unreadable…</a:t>
+            </a:r>
+          </a:p>
+        </p:txBody>
+      </p:sp>
+    </p:spTree>
+    <p:extLst>
+      <p:ext uri="{BB962C8B-B14F-4D97-AF65-F5344CB8AC3E}">
+        <p14:creationId xmlns:p14="http://schemas.microsoft.com/office/powerpoint/2010/main" val="3588179658"/>
       </p:ext>
     </p:extLst>
   </p:cSld>

--- a/new_slides/top_down_parsing.pptx
+++ b/new_slides/top_down_parsing.pptx
@@ -5,7 +5,7 @@
     <p:sldMasterId id="2147483897" r:id="rId1"/>
   </p:sldMasterIdLst>
   <p:notesMasterIdLst>
-    <p:notesMasterId r:id="rId75"/>
+    <p:notesMasterId r:id="rId73"/>
   </p:notesMasterIdLst>
   <p:sldIdLst>
     <p:sldId id="417" r:id="rId2"/>
@@ -27,60 +27,58 @@
     <p:sldId id="433" r:id="rId18"/>
     <p:sldId id="430" r:id="rId19"/>
     <p:sldId id="431" r:id="rId20"/>
-    <p:sldId id="434" r:id="rId21"/>
-    <p:sldId id="435" r:id="rId22"/>
-    <p:sldId id="260" r:id="rId23"/>
-    <p:sldId id="436" r:id="rId24"/>
-    <p:sldId id="437" r:id="rId25"/>
-    <p:sldId id="438" r:id="rId26"/>
-    <p:sldId id="439" r:id="rId27"/>
-    <p:sldId id="440" r:id="rId28"/>
-    <p:sldId id="441" r:id="rId29"/>
-    <p:sldId id="442" r:id="rId30"/>
-    <p:sldId id="443" r:id="rId31"/>
-    <p:sldId id="346" r:id="rId32"/>
-    <p:sldId id="445" r:id="rId33"/>
-    <p:sldId id="446" r:id="rId34"/>
-    <p:sldId id="447" r:id="rId35"/>
-    <p:sldId id="448" r:id="rId36"/>
-    <p:sldId id="449" r:id="rId37"/>
-    <p:sldId id="450" r:id="rId38"/>
-    <p:sldId id="451" r:id="rId39"/>
-    <p:sldId id="452" r:id="rId40"/>
-    <p:sldId id="453" r:id="rId41"/>
-    <p:sldId id="454" r:id="rId42"/>
-    <p:sldId id="455" r:id="rId43"/>
-    <p:sldId id="456" r:id="rId44"/>
-    <p:sldId id="457" r:id="rId45"/>
-    <p:sldId id="458" r:id="rId46"/>
-    <p:sldId id="459" r:id="rId47"/>
-    <p:sldId id="460" r:id="rId48"/>
-    <p:sldId id="461" r:id="rId49"/>
-    <p:sldId id="464" r:id="rId50"/>
-    <p:sldId id="463" r:id="rId51"/>
-    <p:sldId id="466" r:id="rId52"/>
-    <p:sldId id="486" r:id="rId53"/>
-    <p:sldId id="487" r:id="rId54"/>
-    <p:sldId id="491" r:id="rId55"/>
-    <p:sldId id="488" r:id="rId56"/>
-    <p:sldId id="489" r:id="rId57"/>
-    <p:sldId id="490" r:id="rId58"/>
-    <p:sldId id="492" r:id="rId59"/>
-    <p:sldId id="493" r:id="rId60"/>
-    <p:sldId id="467" r:id="rId61"/>
-    <p:sldId id="469" r:id="rId62"/>
-    <p:sldId id="470" r:id="rId63"/>
-    <p:sldId id="471" r:id="rId64"/>
-    <p:sldId id="473" r:id="rId65"/>
-    <p:sldId id="474" r:id="rId66"/>
-    <p:sldId id="475" r:id="rId67"/>
-    <p:sldId id="476" r:id="rId68"/>
-    <p:sldId id="477" r:id="rId69"/>
-    <p:sldId id="478" r:id="rId70"/>
-    <p:sldId id="479" r:id="rId71"/>
-    <p:sldId id="480" r:id="rId72"/>
-    <p:sldId id="481" r:id="rId73"/>
-    <p:sldId id="482" r:id="rId74"/>
+    <p:sldId id="260" r:id="rId21"/>
+    <p:sldId id="436" r:id="rId22"/>
+    <p:sldId id="437" r:id="rId23"/>
+    <p:sldId id="438" r:id="rId24"/>
+    <p:sldId id="439" r:id="rId25"/>
+    <p:sldId id="440" r:id="rId26"/>
+    <p:sldId id="441" r:id="rId27"/>
+    <p:sldId id="442" r:id="rId28"/>
+    <p:sldId id="443" r:id="rId29"/>
+    <p:sldId id="346" r:id="rId30"/>
+    <p:sldId id="445" r:id="rId31"/>
+    <p:sldId id="446" r:id="rId32"/>
+    <p:sldId id="447" r:id="rId33"/>
+    <p:sldId id="448" r:id="rId34"/>
+    <p:sldId id="449" r:id="rId35"/>
+    <p:sldId id="450" r:id="rId36"/>
+    <p:sldId id="451" r:id="rId37"/>
+    <p:sldId id="452" r:id="rId38"/>
+    <p:sldId id="453" r:id="rId39"/>
+    <p:sldId id="454" r:id="rId40"/>
+    <p:sldId id="455" r:id="rId41"/>
+    <p:sldId id="456" r:id="rId42"/>
+    <p:sldId id="457" r:id="rId43"/>
+    <p:sldId id="458" r:id="rId44"/>
+    <p:sldId id="459" r:id="rId45"/>
+    <p:sldId id="460" r:id="rId46"/>
+    <p:sldId id="461" r:id="rId47"/>
+    <p:sldId id="464" r:id="rId48"/>
+    <p:sldId id="463" r:id="rId49"/>
+    <p:sldId id="466" r:id="rId50"/>
+    <p:sldId id="486" r:id="rId51"/>
+    <p:sldId id="487" r:id="rId52"/>
+    <p:sldId id="491" r:id="rId53"/>
+    <p:sldId id="488" r:id="rId54"/>
+    <p:sldId id="489" r:id="rId55"/>
+    <p:sldId id="490" r:id="rId56"/>
+    <p:sldId id="492" r:id="rId57"/>
+    <p:sldId id="493" r:id="rId58"/>
+    <p:sldId id="467" r:id="rId59"/>
+    <p:sldId id="469" r:id="rId60"/>
+    <p:sldId id="470" r:id="rId61"/>
+    <p:sldId id="471" r:id="rId62"/>
+    <p:sldId id="473" r:id="rId63"/>
+    <p:sldId id="474" r:id="rId64"/>
+    <p:sldId id="475" r:id="rId65"/>
+    <p:sldId id="476" r:id="rId66"/>
+    <p:sldId id="477" r:id="rId67"/>
+    <p:sldId id="478" r:id="rId68"/>
+    <p:sldId id="479" r:id="rId69"/>
+    <p:sldId id="480" r:id="rId70"/>
+    <p:sldId id="481" r:id="rId71"/>
+    <p:sldId id="482" r:id="rId72"/>
   </p:sldIdLst>
   <p:sldSz cx="12192000" cy="6858000"/>
   <p:notesSz cx="6858000" cy="9144000"/>
@@ -1377,90 +1375,6 @@
 </p:notes>
 </file>
 
-<file path=ppt/notesSlides/notesSlide19.xml><?xml version="1.0" encoding="utf-8"?>
-<p:notes xmlns:a="http://schemas.openxmlformats.org/drawingml/2006/main" xmlns:r="http://schemas.openxmlformats.org/officeDocument/2006/relationships" xmlns:p="http://schemas.openxmlformats.org/presentationml/2006/main">
-  <p:cSld>
-    <p:spTree>
-      <p:nvGrpSpPr>
-        <p:cNvPr id="1" name=""/>
-        <p:cNvGrpSpPr/>
-        <p:nvPr/>
-      </p:nvGrpSpPr>
-      <p:grpSpPr>
-        <a:xfrm>
-          <a:off x="0" y="0"/>
-          <a:ext cx="0" cy="0"/>
-          <a:chOff x="0" y="0"/>
-          <a:chExt cx="0" cy="0"/>
-        </a:xfrm>
-      </p:grpSpPr>
-      <p:sp>
-        <p:nvSpPr>
-          <p:cNvPr id="2" name="Slide Image Placeholder 1"/>
-          <p:cNvSpPr>
-            <a:spLocks noGrp="1" noRot="1" noChangeAspect="1"/>
-          </p:cNvSpPr>
-          <p:nvPr>
-            <p:ph type="sldImg"/>
-          </p:nvPr>
-        </p:nvSpPr>
-        <p:spPr/>
-      </p:sp>
-      <p:sp>
-        <p:nvSpPr>
-          <p:cNvPr id="3" name="Notes Placeholder 2"/>
-          <p:cNvSpPr>
-            <a:spLocks noGrp="1"/>
-          </p:cNvSpPr>
-          <p:nvPr>
-            <p:ph type="body" idx="1"/>
-          </p:nvPr>
-        </p:nvSpPr>
-        <p:spPr/>
-        <p:txBody>
-          <a:bodyPr/>
-          <a:lstStyle/>
-          <a:p>
-            <a:endParaRPr lang="en-US" dirty="0"/>
-          </a:p>
-        </p:txBody>
-      </p:sp>
-      <p:sp>
-        <p:nvSpPr>
-          <p:cNvPr id="4" name="Slide Number Placeholder 3"/>
-          <p:cNvSpPr>
-            <a:spLocks noGrp="1"/>
-          </p:cNvSpPr>
-          <p:nvPr>
-            <p:ph type="sldNum" sz="quarter" idx="10"/>
-          </p:nvPr>
-        </p:nvSpPr>
-        <p:spPr/>
-        <p:txBody>
-          <a:bodyPr/>
-          <a:lstStyle/>
-          <a:p>
-            <a:fld id="{5EC95FEE-7BD5-4386-98BE-4A9F100A6576}" type="slidenum">
-              <a:rPr lang="en-US" smtClean="0"/>
-              <a:t>20</a:t>
-            </a:fld>
-            <a:endParaRPr lang="en-US"/>
-          </a:p>
-        </p:txBody>
-      </p:sp>
-    </p:spTree>
-    <p:extLst>
-      <p:ext uri="{BB962C8B-B14F-4D97-AF65-F5344CB8AC3E}">
-        <p14:creationId xmlns:p14="http://schemas.microsoft.com/office/powerpoint/2010/main" val="121536601"/>
-      </p:ext>
-    </p:extLst>
-  </p:cSld>
-  <p:clrMapOvr>
-    <a:masterClrMapping/>
-  </p:clrMapOvr>
-</p:notes>
-</file>
-
 <file path=ppt/notesSlides/notesSlide2.xml><?xml version="1.0" encoding="utf-8"?>
 <p:notes xmlns:a="http://schemas.openxmlformats.org/drawingml/2006/main" xmlns:r="http://schemas.openxmlformats.org/officeDocument/2006/relationships" xmlns:p="http://schemas.openxmlformats.org/presentationml/2006/main">
   <p:cSld>
@@ -1536,90 +1450,6 @@
     <p:extLst>
       <p:ext uri="{BB962C8B-B14F-4D97-AF65-F5344CB8AC3E}">
         <p14:creationId xmlns:p14="http://schemas.microsoft.com/office/powerpoint/2010/main" val="3921335152"/>
-      </p:ext>
-    </p:extLst>
-  </p:cSld>
-  <p:clrMapOvr>
-    <a:masterClrMapping/>
-  </p:clrMapOvr>
-</p:notes>
-</file>
-
-<file path=ppt/notesSlides/notesSlide20.xml><?xml version="1.0" encoding="utf-8"?>
-<p:notes xmlns:a="http://schemas.openxmlformats.org/drawingml/2006/main" xmlns:r="http://schemas.openxmlformats.org/officeDocument/2006/relationships" xmlns:p="http://schemas.openxmlformats.org/presentationml/2006/main">
-  <p:cSld>
-    <p:spTree>
-      <p:nvGrpSpPr>
-        <p:cNvPr id="1" name=""/>
-        <p:cNvGrpSpPr/>
-        <p:nvPr/>
-      </p:nvGrpSpPr>
-      <p:grpSpPr>
-        <a:xfrm>
-          <a:off x="0" y="0"/>
-          <a:ext cx="0" cy="0"/>
-          <a:chOff x="0" y="0"/>
-          <a:chExt cx="0" cy="0"/>
-        </a:xfrm>
-      </p:grpSpPr>
-      <p:sp>
-        <p:nvSpPr>
-          <p:cNvPr id="2" name="Slide Image Placeholder 1"/>
-          <p:cNvSpPr>
-            <a:spLocks noGrp="1" noRot="1" noChangeAspect="1"/>
-          </p:cNvSpPr>
-          <p:nvPr>
-            <p:ph type="sldImg"/>
-          </p:nvPr>
-        </p:nvSpPr>
-        <p:spPr/>
-      </p:sp>
-      <p:sp>
-        <p:nvSpPr>
-          <p:cNvPr id="3" name="Notes Placeholder 2"/>
-          <p:cNvSpPr>
-            <a:spLocks noGrp="1"/>
-          </p:cNvSpPr>
-          <p:nvPr>
-            <p:ph type="body" idx="1"/>
-          </p:nvPr>
-        </p:nvSpPr>
-        <p:spPr/>
-        <p:txBody>
-          <a:bodyPr/>
-          <a:lstStyle/>
-          <a:p>
-            <a:endParaRPr lang="en-US" dirty="0"/>
-          </a:p>
-        </p:txBody>
-      </p:sp>
-      <p:sp>
-        <p:nvSpPr>
-          <p:cNvPr id="4" name="Slide Number Placeholder 3"/>
-          <p:cNvSpPr>
-            <a:spLocks noGrp="1"/>
-          </p:cNvSpPr>
-          <p:nvPr>
-            <p:ph type="sldNum" sz="quarter" idx="10"/>
-          </p:nvPr>
-        </p:nvSpPr>
-        <p:spPr/>
-        <p:txBody>
-          <a:bodyPr/>
-          <a:lstStyle/>
-          <a:p>
-            <a:fld id="{5EC95FEE-7BD5-4386-98BE-4A9F100A6576}" type="slidenum">
-              <a:rPr lang="en-US" smtClean="0"/>
-              <a:t>21</a:t>
-            </a:fld>
-            <a:endParaRPr lang="en-US"/>
-          </a:p>
-        </p:txBody>
-      </p:sp>
-    </p:spTree>
-    <p:extLst>
-      <p:ext uri="{BB962C8B-B14F-4D97-AF65-F5344CB8AC3E}">
-        <p14:creationId xmlns:p14="http://schemas.microsoft.com/office/powerpoint/2010/main" val="556950361"/>
       </p:ext>
     </p:extLst>
   </p:cSld>
@@ -9145,7 +8975,7 @@
               <a:rPr lang="en-US" sz="4800" dirty="0" smtClean="0">
                 <a:latin typeface="+mj-lt"/>
               </a:rPr>
-              <a:t>Examples</a:t>
+              <a:t>Language of Balanced Parentheses</a:t>
             </a:r>
             <a:endParaRPr lang="en-US" sz="4800" dirty="0">
               <a:latin typeface="+mj-lt"/>
@@ -9155,115 +8985,63 @@
       </p:sp>
       <p:sp>
         <p:nvSpPr>
-          <p:cNvPr id="2" name="Rounded Rectangle 1"/>
-          <p:cNvSpPr/>
+          <p:cNvPr id="5" name="TextBox 4"/>
+          <p:cNvSpPr txBox="1"/>
           <p:nvPr/>
         </p:nvSpPr>
         <p:spPr>
           <a:xfrm>
-            <a:off x="3906982" y="1884216"/>
-            <a:ext cx="4027054" cy="1681018"/>
+            <a:off x="1011115" y="1529866"/>
+            <a:ext cx="10137964" cy="1815882"/>
           </a:xfrm>
-          <a:prstGeom prst="roundRect">
+          <a:prstGeom prst="rect">
             <a:avLst/>
           </a:prstGeom>
-          <a:solidFill>
-            <a:schemeClr val="accent1">
-              <a:lumMod val="20000"/>
-              <a:lumOff val="80000"/>
-            </a:schemeClr>
-          </a:solidFill>
+          <a:noFill/>
         </p:spPr>
-        <p:style>
-          <a:lnRef idx="2">
-            <a:schemeClr val="accent1">
-              <a:shade val="50000"/>
-            </a:schemeClr>
-          </a:lnRef>
-          <a:fillRef idx="1">
-            <a:schemeClr val="accent1"/>
-          </a:fillRef>
-          <a:effectRef idx="0">
-            <a:schemeClr val="accent1"/>
-          </a:effectRef>
-          <a:fontRef idx="minor">
-            <a:schemeClr val="lt1"/>
-          </a:fontRef>
-        </p:style>
         <p:txBody>
-          <a:bodyPr rtlCol="0" anchor="ctr"/>
+          <a:bodyPr wrap="square" rtlCol="0">
+            <a:spAutoFit/>
+          </a:bodyPr>
           <a:lstStyle/>
           <a:p>
             <a:r>
-              <a:rPr lang="en-US" sz="2400" b="1" dirty="0">
-                <a:solidFill>
-                  <a:schemeClr val="tx1"/>
-                </a:solidFill>
-                <a:latin typeface="Courier New" panose="02070309020205020404" pitchFamily="49" charset="0"/>
-                <a:cs typeface="Courier New" panose="02070309020205020404" pitchFamily="49" charset="0"/>
-              </a:rPr>
-              <a:t>void f</a:t>
-            </a:r>
-            <a:r>
-              <a:rPr lang="en-US" sz="2400" b="1" dirty="0" smtClean="0">
-                <a:solidFill>
-                  <a:schemeClr val="tx1"/>
-                </a:solidFill>
-                <a:latin typeface="Courier New" panose="02070309020205020404" pitchFamily="49" charset="0"/>
-                <a:cs typeface="Courier New" panose="02070309020205020404" pitchFamily="49" charset="0"/>
-              </a:rPr>
-              <a:t>() </a:t>
-            </a:r>
-            <a:r>
-              <a:rPr lang="en-US" sz="2400" b="1" dirty="0">
-                <a:solidFill>
-                  <a:schemeClr val="tx1"/>
-                </a:solidFill>
-                <a:latin typeface="Courier New" panose="02070309020205020404" pitchFamily="49" charset="0"/>
-                <a:cs typeface="Courier New" panose="02070309020205020404" pitchFamily="49" charset="0"/>
-              </a:rPr>
-              <a:t>{</a:t>
-            </a:r>
-          </a:p>
-          <a:p>
-            <a:r>
-              <a:rPr lang="en-US" sz="2400" b="1" dirty="0">
-                <a:solidFill>
-                  <a:schemeClr val="tx1"/>
-                </a:solidFill>
-                <a:latin typeface="Courier New" panose="02070309020205020404" pitchFamily="49" charset="0"/>
-                <a:cs typeface="Courier New" panose="02070309020205020404" pitchFamily="49" charset="0"/>
-              </a:rPr>
-              <a:t>	</a:t>
-            </a:r>
-            <a:r>
-              <a:rPr lang="en-US" sz="2400" b="1" dirty="0" smtClean="0">
-                <a:solidFill>
-                  <a:schemeClr val="tx1"/>
-                </a:solidFill>
-                <a:latin typeface="Courier New" panose="02070309020205020404" pitchFamily="49" charset="0"/>
-                <a:cs typeface="Courier New" panose="02070309020205020404" pitchFamily="49" charset="0"/>
-              </a:rPr>
-              <a:t> g()++;</a:t>
-            </a:r>
-            <a:endParaRPr lang="en-US" sz="2400" b="1" dirty="0">
-              <a:solidFill>
-                <a:schemeClr val="tx1"/>
-              </a:solidFill>
-              <a:latin typeface="Courier New" panose="02070309020205020404" pitchFamily="49" charset="0"/>
-              <a:cs typeface="Courier New" panose="02070309020205020404" pitchFamily="49" charset="0"/>
-            </a:endParaRPr>
-          </a:p>
-          <a:p>
-            <a:r>
-              <a:rPr lang="en-US" sz="2400" b="1" dirty="0">
-                <a:solidFill>
-                  <a:schemeClr val="tx1"/>
-                </a:solidFill>
-                <a:latin typeface="Courier New" panose="02070309020205020404" pitchFamily="49" charset="0"/>
-                <a:cs typeface="Courier New" panose="02070309020205020404" pitchFamily="49" charset="0"/>
-              </a:rPr>
-              <a:t>}</a:t>
+              <a:rPr lang="en-US" sz="2800" dirty="0" smtClean="0">
+                <a:latin typeface="+mj-lt"/>
+              </a:rPr>
+              <a:t>Contains string of the form:</a:t>
+            </a:r>
+          </a:p>
+          <a:p>
+            <a:pPr marL="742950" lvl="1" indent="-285750">
+              <a:buFont typeface="Arial" panose="020B0604020202020204" pitchFamily="34" charset="0"/>
+              <a:buChar char="•"/>
+            </a:pPr>
+            <a:r>
+              <a:rPr lang="en-US" sz="2800" dirty="0" smtClean="0">
+                <a:latin typeface="+mj-lt"/>
+              </a:rPr>
+              <a:t>8, (1), (((03))), …</a:t>
+            </a:r>
+          </a:p>
+          <a:p>
+            <a:r>
+              <a:rPr lang="en-US" sz="2800" dirty="0" smtClean="0">
+                <a:latin typeface="+mj-lt"/>
+              </a:rPr>
+              <a:t>Not allowing:</a:t>
+            </a:r>
+          </a:p>
+          <a:p>
+            <a:pPr marL="742950" lvl="1" indent="-285750">
+              <a:buFont typeface="Arial" panose="020B0604020202020204" pitchFamily="34" charset="0"/>
+              <a:buChar char="•"/>
+            </a:pPr>
+            <a:r>
+              <a:rPr lang="en-US" sz="2800" dirty="0" smtClean="0">
+                <a:latin typeface="+mj-lt"/>
+              </a:rPr>
+              <a:t>((1), 8()</a:t>
             </a:r>
           </a:p>
         </p:txBody>
@@ -9271,7 +9049,7 @@
     </p:spTree>
     <p:extLst>
       <p:ext uri="{BB962C8B-B14F-4D97-AF65-F5344CB8AC3E}">
-        <p14:creationId xmlns:p14="http://schemas.microsoft.com/office/powerpoint/2010/main" val="824302942"/>
+        <p14:creationId xmlns:p14="http://schemas.microsoft.com/office/powerpoint/2010/main" val="1536831882"/>
       </p:ext>
     </p:extLst>
   </p:cSld>
@@ -9331,338 +9109,6 @@
               <a:rPr lang="en-US" sz="4800" dirty="0" smtClean="0">
                 <a:latin typeface="+mj-lt"/>
               </a:rPr>
-              <a:t>Examples</a:t>
-            </a:r>
-            <a:endParaRPr lang="en-US" sz="4800" dirty="0">
-              <a:latin typeface="+mj-lt"/>
-            </a:endParaRPr>
-          </a:p>
-        </p:txBody>
-      </p:sp>
-      <p:sp>
-        <p:nvSpPr>
-          <p:cNvPr id="6" name="TextBox 5"/>
-          <p:cNvSpPr txBox="1"/>
-          <p:nvPr/>
-        </p:nvSpPr>
-        <p:spPr>
-          <a:xfrm>
-            <a:off x="4692071" y="3870037"/>
-            <a:ext cx="2253673" cy="1938992"/>
-          </a:xfrm>
-          <a:prstGeom prst="rect">
-            <a:avLst/>
-          </a:prstGeom>
-          <a:noFill/>
-        </p:spPr>
-        <p:txBody>
-          <a:bodyPr wrap="square" rtlCol="0">
-            <a:spAutoFit/>
-          </a:bodyPr>
-          <a:lstStyle/>
-          <a:p>
-            <a:pPr algn="ctr"/>
-            <a:r>
-              <a:rPr lang="en-US" sz="6000" b="1" dirty="0" smtClean="0">
-                <a:solidFill>
-                  <a:srgbClr val="00B050"/>
-                </a:solidFill>
-                <a:latin typeface="+mj-lt"/>
-                <a:cs typeface="Courier New" panose="02070309020205020404" pitchFamily="49" charset="0"/>
-              </a:rPr>
-              <a:t>Valid</a:t>
-            </a:r>
-          </a:p>
-          <a:p>
-            <a:pPr marL="457200" indent="-457200">
-              <a:buFont typeface="Arial" panose="020B0604020202020204" pitchFamily="34" charset="0"/>
-              <a:buChar char="•"/>
-            </a:pPr>
-            <a:endParaRPr lang="en-US" sz="6000" b="1" dirty="0" smtClean="0">
-              <a:solidFill>
-                <a:srgbClr val="00B050"/>
-              </a:solidFill>
-              <a:latin typeface="+mj-lt"/>
-              <a:cs typeface="Courier New" panose="02070309020205020404" pitchFamily="49" charset="0"/>
-            </a:endParaRPr>
-          </a:p>
-        </p:txBody>
-      </p:sp>
-      <p:sp>
-        <p:nvSpPr>
-          <p:cNvPr id="2" name="Rounded Rectangle 1"/>
-          <p:cNvSpPr/>
-          <p:nvPr/>
-        </p:nvSpPr>
-        <p:spPr>
-          <a:xfrm>
-            <a:off x="3906982" y="1884216"/>
-            <a:ext cx="4027054" cy="1681018"/>
-          </a:xfrm>
-          <a:prstGeom prst="roundRect">
-            <a:avLst/>
-          </a:prstGeom>
-          <a:solidFill>
-            <a:schemeClr val="accent1">
-              <a:lumMod val="20000"/>
-              <a:lumOff val="80000"/>
-            </a:schemeClr>
-          </a:solidFill>
-        </p:spPr>
-        <p:style>
-          <a:lnRef idx="2">
-            <a:schemeClr val="accent1">
-              <a:shade val="50000"/>
-            </a:schemeClr>
-          </a:lnRef>
-          <a:fillRef idx="1">
-            <a:schemeClr val="accent1"/>
-          </a:fillRef>
-          <a:effectRef idx="0">
-            <a:schemeClr val="accent1"/>
-          </a:effectRef>
-          <a:fontRef idx="minor">
-            <a:schemeClr val="lt1"/>
-          </a:fontRef>
-        </p:style>
-        <p:txBody>
-          <a:bodyPr rtlCol="0" anchor="ctr"/>
-          <a:lstStyle/>
-          <a:p>
-            <a:r>
-              <a:rPr lang="en-US" sz="2400" b="1" dirty="0">
-                <a:solidFill>
-                  <a:schemeClr val="tx1"/>
-                </a:solidFill>
-                <a:latin typeface="Courier New" panose="02070309020205020404" pitchFamily="49" charset="0"/>
-                <a:cs typeface="Courier New" panose="02070309020205020404" pitchFamily="49" charset="0"/>
-              </a:rPr>
-              <a:t>void f() {</a:t>
-            </a:r>
-          </a:p>
-          <a:p>
-            <a:r>
-              <a:rPr lang="en-US" sz="2400" b="1" dirty="0">
-                <a:solidFill>
-                  <a:schemeClr val="tx1"/>
-                </a:solidFill>
-                <a:latin typeface="Courier New" panose="02070309020205020404" pitchFamily="49" charset="0"/>
-                <a:cs typeface="Courier New" panose="02070309020205020404" pitchFamily="49" charset="0"/>
-              </a:rPr>
-              <a:t>	 g()++;</a:t>
-            </a:r>
-          </a:p>
-          <a:p>
-            <a:r>
-              <a:rPr lang="en-US" sz="2400" b="1" dirty="0">
-                <a:solidFill>
-                  <a:schemeClr val="tx1"/>
-                </a:solidFill>
-                <a:latin typeface="Courier New" panose="02070309020205020404" pitchFamily="49" charset="0"/>
-                <a:cs typeface="Courier New" panose="02070309020205020404" pitchFamily="49" charset="0"/>
-              </a:rPr>
-              <a:t>}</a:t>
-            </a:r>
-          </a:p>
-        </p:txBody>
-      </p:sp>
-    </p:spTree>
-    <p:extLst>
-      <p:ext uri="{BB962C8B-B14F-4D97-AF65-F5344CB8AC3E}">
-        <p14:creationId xmlns:p14="http://schemas.microsoft.com/office/powerpoint/2010/main" val="3563599033"/>
-      </p:ext>
-    </p:extLst>
-  </p:cSld>
-  <p:clrMapOvr>
-    <a:masterClrMapping/>
-  </p:clrMapOvr>
-  <p:timing>
-    <p:tnLst>
-      <p:par>
-        <p:cTn id="1" dur="indefinite" restart="never" nodeType="tmRoot"/>
-      </p:par>
-    </p:tnLst>
-  </p:timing>
-</p:sld>
-</file>
-
-<file path=ppt/slides/slide22.xml><?xml version="1.0" encoding="utf-8"?>
-<p:sld xmlns:a="http://schemas.openxmlformats.org/drawingml/2006/main" xmlns:r="http://schemas.openxmlformats.org/officeDocument/2006/relationships" xmlns:p="http://schemas.openxmlformats.org/presentationml/2006/main">
-  <p:cSld>
-    <p:spTree>
-      <p:nvGrpSpPr>
-        <p:cNvPr id="1" name=""/>
-        <p:cNvGrpSpPr/>
-        <p:nvPr/>
-      </p:nvGrpSpPr>
-      <p:grpSpPr>
-        <a:xfrm>
-          <a:off x="0" y="0"/>
-          <a:ext cx="0" cy="0"/>
-          <a:chOff x="0" y="0"/>
-          <a:chExt cx="0" cy="0"/>
-        </a:xfrm>
-      </p:grpSpPr>
-      <p:sp>
-        <p:nvSpPr>
-          <p:cNvPr id="4" name="TextBox 3"/>
-          <p:cNvSpPr txBox="1"/>
-          <p:nvPr/>
-        </p:nvSpPr>
-        <p:spPr>
-          <a:xfrm>
-            <a:off x="1011115" y="668215"/>
-            <a:ext cx="10137964" cy="830997"/>
-          </a:xfrm>
-          <a:prstGeom prst="rect">
-            <a:avLst/>
-          </a:prstGeom>
-          <a:noFill/>
-        </p:spPr>
-        <p:txBody>
-          <a:bodyPr wrap="square" rtlCol="0">
-            <a:spAutoFit/>
-          </a:bodyPr>
-          <a:lstStyle/>
-          <a:p>
-            <a:r>
-              <a:rPr lang="en-US" sz="4800" dirty="0" smtClean="0">
-                <a:latin typeface="+mj-lt"/>
-              </a:rPr>
-              <a:t>Language of Balanced Parentheses</a:t>
-            </a:r>
-            <a:endParaRPr lang="en-US" sz="4800" dirty="0">
-              <a:latin typeface="+mj-lt"/>
-            </a:endParaRPr>
-          </a:p>
-        </p:txBody>
-      </p:sp>
-      <p:sp>
-        <p:nvSpPr>
-          <p:cNvPr id="5" name="TextBox 4"/>
-          <p:cNvSpPr txBox="1"/>
-          <p:nvPr/>
-        </p:nvSpPr>
-        <p:spPr>
-          <a:xfrm>
-            <a:off x="1011115" y="1529866"/>
-            <a:ext cx="10137964" cy="1815882"/>
-          </a:xfrm>
-          <a:prstGeom prst="rect">
-            <a:avLst/>
-          </a:prstGeom>
-          <a:noFill/>
-        </p:spPr>
-        <p:txBody>
-          <a:bodyPr wrap="square" rtlCol="0">
-            <a:spAutoFit/>
-          </a:bodyPr>
-          <a:lstStyle/>
-          <a:p>
-            <a:r>
-              <a:rPr lang="en-US" sz="2800" dirty="0" smtClean="0">
-                <a:latin typeface="+mj-lt"/>
-              </a:rPr>
-              <a:t>Contains string of the form:</a:t>
-            </a:r>
-          </a:p>
-          <a:p>
-            <a:pPr marL="742950" lvl="1" indent="-285750">
-              <a:buFont typeface="Arial" panose="020B0604020202020204" pitchFamily="34" charset="0"/>
-              <a:buChar char="•"/>
-            </a:pPr>
-            <a:r>
-              <a:rPr lang="en-US" sz="2800" dirty="0" smtClean="0">
-                <a:latin typeface="+mj-lt"/>
-              </a:rPr>
-              <a:t>8, (1), (((03))), …</a:t>
-            </a:r>
-          </a:p>
-          <a:p>
-            <a:r>
-              <a:rPr lang="en-US" sz="2800" dirty="0" smtClean="0">
-                <a:latin typeface="+mj-lt"/>
-              </a:rPr>
-              <a:t>Not allowing:</a:t>
-            </a:r>
-          </a:p>
-          <a:p>
-            <a:pPr marL="742950" lvl="1" indent="-285750">
-              <a:buFont typeface="Arial" panose="020B0604020202020204" pitchFamily="34" charset="0"/>
-              <a:buChar char="•"/>
-            </a:pPr>
-            <a:r>
-              <a:rPr lang="en-US" sz="2800" dirty="0" smtClean="0">
-                <a:latin typeface="+mj-lt"/>
-              </a:rPr>
-              <a:t>((1), 8()</a:t>
-            </a:r>
-          </a:p>
-        </p:txBody>
-      </p:sp>
-    </p:spTree>
-    <p:extLst>
-      <p:ext uri="{BB962C8B-B14F-4D97-AF65-F5344CB8AC3E}">
-        <p14:creationId xmlns:p14="http://schemas.microsoft.com/office/powerpoint/2010/main" val="1536831882"/>
-      </p:ext>
-    </p:extLst>
-  </p:cSld>
-  <p:clrMapOvr>
-    <a:masterClrMapping/>
-  </p:clrMapOvr>
-  <p:timing>
-    <p:tnLst>
-      <p:par>
-        <p:cTn id="1" dur="indefinite" restart="never" nodeType="tmRoot"/>
-      </p:par>
-    </p:tnLst>
-  </p:timing>
-</p:sld>
-</file>
-
-<file path=ppt/slides/slide23.xml><?xml version="1.0" encoding="utf-8"?>
-<p:sld xmlns:a="http://schemas.openxmlformats.org/drawingml/2006/main" xmlns:r="http://schemas.openxmlformats.org/officeDocument/2006/relationships" xmlns:p="http://schemas.openxmlformats.org/presentationml/2006/main">
-  <p:cSld>
-    <p:spTree>
-      <p:nvGrpSpPr>
-        <p:cNvPr id="1" name=""/>
-        <p:cNvGrpSpPr/>
-        <p:nvPr/>
-      </p:nvGrpSpPr>
-      <p:grpSpPr>
-        <a:xfrm>
-          <a:off x="0" y="0"/>
-          <a:ext cx="0" cy="0"/>
-          <a:chOff x="0" y="0"/>
-          <a:chExt cx="0" cy="0"/>
-        </a:xfrm>
-      </p:grpSpPr>
-      <p:sp>
-        <p:nvSpPr>
-          <p:cNvPr id="4" name="TextBox 3"/>
-          <p:cNvSpPr txBox="1"/>
-          <p:nvPr/>
-        </p:nvSpPr>
-        <p:spPr>
-          <a:xfrm>
-            <a:off x="1011115" y="668215"/>
-            <a:ext cx="10137964" cy="830997"/>
-          </a:xfrm>
-          <a:prstGeom prst="rect">
-            <a:avLst/>
-          </a:prstGeom>
-          <a:noFill/>
-        </p:spPr>
-        <p:txBody>
-          <a:bodyPr wrap="square" rtlCol="0">
-            <a:spAutoFit/>
-          </a:bodyPr>
-          <a:lstStyle/>
-          <a:p>
-            <a:r>
-              <a:rPr lang="en-US" sz="4800" dirty="0" smtClean="0">
-                <a:latin typeface="+mj-lt"/>
-              </a:rPr>
               <a:t>Language of Balanced Parentheses</a:t>
             </a:r>
             <a:endParaRPr lang="en-US" sz="4800" dirty="0">
@@ -9778,7 +9224,7 @@
 </p:sld>
 </file>
 
-<file path=ppt/slides/slide24.xml><?xml version="1.0" encoding="utf-8"?>
+<file path=ppt/slides/slide22.xml><?xml version="1.0" encoding="utf-8"?>
 <p:sld xmlns:a="http://schemas.openxmlformats.org/drawingml/2006/main" xmlns:r="http://schemas.openxmlformats.org/officeDocument/2006/relationships" xmlns:p="http://schemas.openxmlformats.org/presentationml/2006/main">
   <p:cSld>
     <p:spTree>
@@ -10090,7 +9536,7 @@
 </p:sld>
 </file>
 
-<file path=ppt/slides/slide25.xml><?xml version="1.0" encoding="utf-8"?>
+<file path=ppt/slides/slide23.xml><?xml version="1.0" encoding="utf-8"?>
 <p:sld xmlns:a="http://schemas.openxmlformats.org/drawingml/2006/main" xmlns:r="http://schemas.openxmlformats.org/officeDocument/2006/relationships" xmlns:p="http://schemas.openxmlformats.org/presentationml/2006/main">
   <p:cSld>
     <p:spTree>
@@ -10652,7 +10098,7 @@
 </p:sld>
 </file>
 
-<file path=ppt/slides/slide26.xml><?xml version="1.0" encoding="utf-8"?>
+<file path=ppt/slides/slide24.xml><?xml version="1.0" encoding="utf-8"?>
 <p:sld xmlns:a="http://schemas.openxmlformats.org/drawingml/2006/main" xmlns:r="http://schemas.openxmlformats.org/officeDocument/2006/relationships" xmlns:p="http://schemas.openxmlformats.org/presentationml/2006/main">
   <p:cSld>
     <p:spTree>
@@ -10873,7 +10319,7 @@
 </p:sld>
 </file>
 
-<file path=ppt/slides/slide27.xml><?xml version="1.0" encoding="utf-8"?>
+<file path=ppt/slides/slide25.xml><?xml version="1.0" encoding="utf-8"?>
 <p:sld xmlns:a="http://schemas.openxmlformats.org/drawingml/2006/main" xmlns:r="http://schemas.openxmlformats.org/officeDocument/2006/relationships" xmlns:p="http://schemas.openxmlformats.org/presentationml/2006/main">
   <p:cSld>
     <p:spTree>
@@ -11155,7 +10601,7 @@
 </p:sld>
 </file>
 
-<file path=ppt/slides/slide28.xml><?xml version="1.0" encoding="utf-8"?>
+<file path=ppt/slides/slide26.xml><?xml version="1.0" encoding="utf-8"?>
 <p:sld xmlns:a="http://schemas.openxmlformats.org/drawingml/2006/main" xmlns:r="http://schemas.openxmlformats.org/officeDocument/2006/relationships" xmlns:p="http://schemas.openxmlformats.org/presentationml/2006/main">
   <p:cSld>
     <p:spTree>
@@ -11269,7 +10715,7 @@
 </p:sld>
 </file>
 
-<file path=ppt/slides/slide29.xml><?xml version="1.0" encoding="utf-8"?>
+<file path=ppt/slides/slide27.xml><?xml version="1.0" encoding="utf-8"?>
 <p:sld xmlns:a="http://schemas.openxmlformats.org/drawingml/2006/main" xmlns:r="http://schemas.openxmlformats.org/officeDocument/2006/relationships" xmlns:p="http://schemas.openxmlformats.org/presentationml/2006/main">
   <p:cSld>
     <p:spTree>
@@ -11497,6 +10943,320 @@
 </p:sld>
 </file>
 
+<file path=ppt/slides/slide28.xml><?xml version="1.0" encoding="utf-8"?>
+<p:sld xmlns:a="http://schemas.openxmlformats.org/drawingml/2006/main" xmlns:r="http://schemas.openxmlformats.org/officeDocument/2006/relationships" xmlns:p="http://schemas.openxmlformats.org/presentationml/2006/main">
+  <p:cSld>
+    <p:spTree>
+      <p:nvGrpSpPr>
+        <p:cNvPr id="1" name=""/>
+        <p:cNvGrpSpPr/>
+        <p:nvPr/>
+      </p:nvGrpSpPr>
+      <p:grpSpPr>
+        <a:xfrm>
+          <a:off x="0" y="0"/>
+          <a:ext cx="0" cy="0"/>
+          <a:chOff x="0" y="0"/>
+          <a:chExt cx="0" cy="0"/>
+        </a:xfrm>
+      </p:grpSpPr>
+      <p:sp>
+        <p:nvSpPr>
+          <p:cNvPr id="4" name="TextBox 3"/>
+          <p:cNvSpPr txBox="1"/>
+          <p:nvPr/>
+        </p:nvSpPr>
+        <p:spPr>
+          <a:xfrm>
+            <a:off x="1011115" y="668215"/>
+            <a:ext cx="10137964" cy="830997"/>
+          </a:xfrm>
+          <a:prstGeom prst="rect">
+            <a:avLst/>
+          </a:prstGeom>
+          <a:noFill/>
+        </p:spPr>
+        <p:txBody>
+          <a:bodyPr wrap="square" rtlCol="0">
+            <a:spAutoFit/>
+          </a:bodyPr>
+          <a:lstStyle/>
+          <a:p>
+            <a:r>
+              <a:rPr lang="en-US" sz="4800" dirty="0" smtClean="0">
+                <a:latin typeface="+mj-lt"/>
+              </a:rPr>
+              <a:t>Context Free Grammar: Questions</a:t>
+            </a:r>
+            <a:endParaRPr lang="en-US" sz="4800" dirty="0">
+              <a:latin typeface="+mj-lt"/>
+            </a:endParaRPr>
+          </a:p>
+        </p:txBody>
+      </p:sp>
+      <p:sp>
+        <p:nvSpPr>
+          <p:cNvPr id="5" name="TextBox 4"/>
+          <p:cNvSpPr txBox="1"/>
+          <p:nvPr/>
+        </p:nvSpPr>
+        <p:spPr>
+          <a:xfrm>
+            <a:off x="1011115" y="1529866"/>
+            <a:ext cx="10137964" cy="954107"/>
+          </a:xfrm>
+          <a:prstGeom prst="rect">
+            <a:avLst/>
+          </a:prstGeom>
+          <a:noFill/>
+        </p:spPr>
+        <p:txBody>
+          <a:bodyPr wrap="square" rtlCol="0">
+            <a:spAutoFit/>
+          </a:bodyPr>
+          <a:lstStyle/>
+          <a:p>
+            <a:r>
+              <a:rPr lang="en-US" sz="2800" dirty="0">
+                <a:latin typeface="+mj-lt"/>
+              </a:rPr>
+              <a:t>Are there languages </a:t>
+            </a:r>
+            <a:r>
+              <a:rPr lang="en-US" sz="2800" dirty="0" smtClean="0">
+                <a:latin typeface="+mj-lt"/>
+              </a:rPr>
+              <a:t>which </a:t>
+            </a:r>
+            <a:r>
+              <a:rPr lang="en-US" sz="2800" b="1" dirty="0" smtClean="0">
+                <a:latin typeface="+mj-lt"/>
+              </a:rPr>
+              <a:t>has </a:t>
+            </a:r>
+            <a:r>
+              <a:rPr lang="en-US" sz="2800" b="1" dirty="0">
+                <a:latin typeface="+mj-lt"/>
+              </a:rPr>
+              <a:t>no </a:t>
+            </a:r>
+            <a:r>
+              <a:rPr lang="en-US" sz="2800" b="1" dirty="0" smtClean="0">
+                <a:latin typeface="+mj-lt"/>
+              </a:rPr>
+              <a:t>CFG</a:t>
+            </a:r>
+            <a:r>
+              <a:rPr lang="en-US" sz="2800" dirty="0" smtClean="0">
+                <a:latin typeface="+mj-lt"/>
+              </a:rPr>
+              <a:t>? </a:t>
+            </a:r>
+            <a:r>
+              <a:rPr lang="en-US" sz="2800" b="1" dirty="0" smtClean="0">
+                <a:solidFill>
+                  <a:srgbClr val="00B050"/>
+                </a:solidFill>
+                <a:latin typeface="+mj-lt"/>
+              </a:rPr>
+              <a:t>Yes</a:t>
+            </a:r>
+          </a:p>
+          <a:p>
+            <a:r>
+              <a:rPr lang="en-US" sz="2800" dirty="0">
+                <a:latin typeface="+mj-lt"/>
+              </a:rPr>
+              <a:t>Is it possible to have </a:t>
+            </a:r>
+            <a:r>
+              <a:rPr lang="en-US" sz="2800" b="1" dirty="0">
+                <a:latin typeface="+mj-lt"/>
+              </a:rPr>
+              <a:t>multiple</a:t>
+            </a:r>
+            <a:r>
+              <a:rPr lang="en-US" sz="2800" dirty="0">
+                <a:latin typeface="+mj-lt"/>
+              </a:rPr>
+              <a:t> CFG describing the </a:t>
+            </a:r>
+            <a:r>
+              <a:rPr lang="en-US" sz="2800" dirty="0" smtClean="0">
+                <a:latin typeface="+mj-lt"/>
+              </a:rPr>
+              <a:t>same? </a:t>
+            </a:r>
+            <a:r>
+              <a:rPr lang="en-US" sz="2800" b="1" dirty="0" smtClean="0">
+                <a:solidFill>
+                  <a:srgbClr val="00B050"/>
+                </a:solidFill>
+                <a:latin typeface="+mj-lt"/>
+              </a:rPr>
+              <a:t>Yes</a:t>
+            </a:r>
+          </a:p>
+        </p:txBody>
+      </p:sp>
+    </p:spTree>
+    <p:extLst>
+      <p:ext uri="{BB962C8B-B14F-4D97-AF65-F5344CB8AC3E}">
+        <p14:creationId xmlns:p14="http://schemas.microsoft.com/office/powerpoint/2010/main" val="3075564707"/>
+      </p:ext>
+    </p:extLst>
+  </p:cSld>
+  <p:clrMapOvr>
+    <a:masterClrMapping/>
+  </p:clrMapOvr>
+  <p:timing>
+    <p:tnLst>
+      <p:par>
+        <p:cTn id="1" dur="indefinite" restart="never" nodeType="tmRoot"/>
+      </p:par>
+    </p:tnLst>
+  </p:timing>
+</p:sld>
+</file>
+
+<file path=ppt/slides/slide29.xml><?xml version="1.0" encoding="utf-8"?>
+<p:sld xmlns:a="http://schemas.openxmlformats.org/drawingml/2006/main" xmlns:r="http://schemas.openxmlformats.org/officeDocument/2006/relationships" xmlns:p="http://schemas.openxmlformats.org/presentationml/2006/main">
+  <p:cSld>
+    <p:spTree>
+      <p:nvGrpSpPr>
+        <p:cNvPr id="1" name=""/>
+        <p:cNvGrpSpPr/>
+        <p:nvPr/>
+      </p:nvGrpSpPr>
+      <p:grpSpPr>
+        <a:xfrm>
+          <a:off x="0" y="0"/>
+          <a:ext cx="0" cy="0"/>
+          <a:chOff x="0" y="0"/>
+          <a:chExt cx="0" cy="0"/>
+        </a:xfrm>
+      </p:grpSpPr>
+      <p:sp>
+        <p:nvSpPr>
+          <p:cNvPr id="4" name="TextBox 3"/>
+          <p:cNvSpPr txBox="1"/>
+          <p:nvPr/>
+        </p:nvSpPr>
+        <p:spPr>
+          <a:xfrm>
+            <a:off x="1011115" y="668215"/>
+            <a:ext cx="10137964" cy="830997"/>
+          </a:xfrm>
+          <a:prstGeom prst="rect">
+            <a:avLst/>
+          </a:prstGeom>
+          <a:noFill/>
+        </p:spPr>
+        <p:txBody>
+          <a:bodyPr wrap="square" rtlCol="0">
+            <a:spAutoFit/>
+          </a:bodyPr>
+          <a:lstStyle/>
+          <a:p>
+            <a:r>
+              <a:rPr lang="en-US" sz="4800" dirty="0" smtClean="0">
+                <a:latin typeface="+mj-lt"/>
+              </a:rPr>
+              <a:t>Predictive Parser: Definition</a:t>
+            </a:r>
+            <a:endParaRPr lang="en-US" sz="4800" dirty="0">
+              <a:latin typeface="+mj-lt"/>
+            </a:endParaRPr>
+          </a:p>
+        </p:txBody>
+      </p:sp>
+      <p:sp>
+        <p:nvSpPr>
+          <p:cNvPr id="5" name="TextBox 4"/>
+          <p:cNvSpPr txBox="1"/>
+          <p:nvPr/>
+        </p:nvSpPr>
+        <p:spPr>
+          <a:xfrm>
+            <a:off x="1011115" y="1529866"/>
+            <a:ext cx="10137964" cy="1815882"/>
+          </a:xfrm>
+          <a:prstGeom prst="rect">
+            <a:avLst/>
+          </a:prstGeom>
+          <a:noFill/>
+        </p:spPr>
+        <p:txBody>
+          <a:bodyPr wrap="square" rtlCol="0">
+            <a:spAutoFit/>
+          </a:bodyPr>
+          <a:lstStyle/>
+          <a:p>
+            <a:r>
+              <a:rPr lang="en-US" sz="2800" dirty="0" smtClean="0">
+                <a:latin typeface="+mj-lt"/>
+              </a:rPr>
+              <a:t>Some languages has a predictive parser:</a:t>
+            </a:r>
+          </a:p>
+          <a:p>
+            <a:pPr marL="285750" indent="-285750">
+              <a:buFont typeface="Arial" panose="020B0604020202020204" pitchFamily="34" charset="0"/>
+              <a:buChar char="•"/>
+            </a:pPr>
+            <a:r>
+              <a:rPr lang="en-US" sz="2800" dirty="0" smtClean="0">
+                <a:latin typeface="+mj-lt"/>
+              </a:rPr>
+              <a:t>We determine the production rule according to the current token</a:t>
+            </a:r>
+          </a:p>
+          <a:p>
+            <a:pPr marL="285750" indent="-285750">
+              <a:buFont typeface="Arial" panose="020B0604020202020204" pitchFamily="34" charset="0"/>
+              <a:buChar char="•"/>
+            </a:pPr>
+            <a:r>
+              <a:rPr lang="en-US" sz="2800" dirty="0" smtClean="0">
+                <a:latin typeface="+mj-lt"/>
+              </a:rPr>
+              <a:t>We begin we the start symbol</a:t>
+            </a:r>
+          </a:p>
+          <a:p>
+            <a:pPr marL="742950" lvl="1" indent="-285750">
+              <a:buFont typeface="Arial" panose="020B0604020202020204" pitchFamily="34" charset="0"/>
+              <a:buChar char="•"/>
+            </a:pPr>
+            <a:r>
+              <a:rPr lang="en-US" sz="2800" dirty="0" smtClean="0">
+                <a:latin typeface="+mj-lt"/>
+              </a:rPr>
+              <a:t>From the top…</a:t>
+            </a:r>
+          </a:p>
+        </p:txBody>
+      </p:sp>
+    </p:spTree>
+    <p:extLst>
+      <p:ext uri="{BB962C8B-B14F-4D97-AF65-F5344CB8AC3E}">
+        <p14:creationId xmlns:p14="http://schemas.microsoft.com/office/powerpoint/2010/main" val="710575467"/>
+      </p:ext>
+    </p:extLst>
+  </p:cSld>
+  <p:clrMapOvr>
+    <a:masterClrMapping/>
+  </p:clrMapOvr>
+  <p:timing>
+    <p:tnLst>
+      <p:par>
+        <p:cTn id="1" dur="indefinite" restart="never" nodeType="tmRoot"/>
+      </p:par>
+    </p:tnLst>
+  </p:timing>
+</p:sld>
+</file>
+
 <file path=ppt/slides/slide3.xml><?xml version="1.0" encoding="utf-8"?>
 <p:sld xmlns:a="http://schemas.openxmlformats.org/drawingml/2006/main" xmlns:r="http://schemas.openxmlformats.org/officeDocument/2006/relationships" xmlns:p="http://schemas.openxmlformats.org/presentationml/2006/main">
   <p:cSld>
@@ -11733,320 +11493,6 @@
 </file>
 
 <file path=ppt/slides/slide30.xml><?xml version="1.0" encoding="utf-8"?>
-<p:sld xmlns:a="http://schemas.openxmlformats.org/drawingml/2006/main" xmlns:r="http://schemas.openxmlformats.org/officeDocument/2006/relationships" xmlns:p="http://schemas.openxmlformats.org/presentationml/2006/main">
-  <p:cSld>
-    <p:spTree>
-      <p:nvGrpSpPr>
-        <p:cNvPr id="1" name=""/>
-        <p:cNvGrpSpPr/>
-        <p:nvPr/>
-      </p:nvGrpSpPr>
-      <p:grpSpPr>
-        <a:xfrm>
-          <a:off x="0" y="0"/>
-          <a:ext cx="0" cy="0"/>
-          <a:chOff x="0" y="0"/>
-          <a:chExt cx="0" cy="0"/>
-        </a:xfrm>
-      </p:grpSpPr>
-      <p:sp>
-        <p:nvSpPr>
-          <p:cNvPr id="4" name="TextBox 3"/>
-          <p:cNvSpPr txBox="1"/>
-          <p:nvPr/>
-        </p:nvSpPr>
-        <p:spPr>
-          <a:xfrm>
-            <a:off x="1011115" y="668215"/>
-            <a:ext cx="10137964" cy="830997"/>
-          </a:xfrm>
-          <a:prstGeom prst="rect">
-            <a:avLst/>
-          </a:prstGeom>
-          <a:noFill/>
-        </p:spPr>
-        <p:txBody>
-          <a:bodyPr wrap="square" rtlCol="0">
-            <a:spAutoFit/>
-          </a:bodyPr>
-          <a:lstStyle/>
-          <a:p>
-            <a:r>
-              <a:rPr lang="en-US" sz="4800" dirty="0" smtClean="0">
-                <a:latin typeface="+mj-lt"/>
-              </a:rPr>
-              <a:t>Context Free Grammar: Questions</a:t>
-            </a:r>
-            <a:endParaRPr lang="en-US" sz="4800" dirty="0">
-              <a:latin typeface="+mj-lt"/>
-            </a:endParaRPr>
-          </a:p>
-        </p:txBody>
-      </p:sp>
-      <p:sp>
-        <p:nvSpPr>
-          <p:cNvPr id="5" name="TextBox 4"/>
-          <p:cNvSpPr txBox="1"/>
-          <p:nvPr/>
-        </p:nvSpPr>
-        <p:spPr>
-          <a:xfrm>
-            <a:off x="1011115" y="1529866"/>
-            <a:ext cx="10137964" cy="954107"/>
-          </a:xfrm>
-          <a:prstGeom prst="rect">
-            <a:avLst/>
-          </a:prstGeom>
-          <a:noFill/>
-        </p:spPr>
-        <p:txBody>
-          <a:bodyPr wrap="square" rtlCol="0">
-            <a:spAutoFit/>
-          </a:bodyPr>
-          <a:lstStyle/>
-          <a:p>
-            <a:r>
-              <a:rPr lang="en-US" sz="2800" dirty="0">
-                <a:latin typeface="+mj-lt"/>
-              </a:rPr>
-              <a:t>Are there languages </a:t>
-            </a:r>
-            <a:r>
-              <a:rPr lang="en-US" sz="2800" dirty="0" smtClean="0">
-                <a:latin typeface="+mj-lt"/>
-              </a:rPr>
-              <a:t>which </a:t>
-            </a:r>
-            <a:r>
-              <a:rPr lang="en-US" sz="2800" b="1" dirty="0" smtClean="0">
-                <a:latin typeface="+mj-lt"/>
-              </a:rPr>
-              <a:t>has </a:t>
-            </a:r>
-            <a:r>
-              <a:rPr lang="en-US" sz="2800" b="1" dirty="0">
-                <a:latin typeface="+mj-lt"/>
-              </a:rPr>
-              <a:t>no </a:t>
-            </a:r>
-            <a:r>
-              <a:rPr lang="en-US" sz="2800" b="1" dirty="0" smtClean="0">
-                <a:latin typeface="+mj-lt"/>
-              </a:rPr>
-              <a:t>CFG</a:t>
-            </a:r>
-            <a:r>
-              <a:rPr lang="en-US" sz="2800" dirty="0" smtClean="0">
-                <a:latin typeface="+mj-lt"/>
-              </a:rPr>
-              <a:t>? </a:t>
-            </a:r>
-            <a:r>
-              <a:rPr lang="en-US" sz="2800" b="1" dirty="0" smtClean="0">
-                <a:solidFill>
-                  <a:srgbClr val="00B050"/>
-                </a:solidFill>
-                <a:latin typeface="+mj-lt"/>
-              </a:rPr>
-              <a:t>Yes</a:t>
-            </a:r>
-          </a:p>
-          <a:p>
-            <a:r>
-              <a:rPr lang="en-US" sz="2800" dirty="0">
-                <a:latin typeface="+mj-lt"/>
-              </a:rPr>
-              <a:t>Is it possible to have </a:t>
-            </a:r>
-            <a:r>
-              <a:rPr lang="en-US" sz="2800" b="1" dirty="0">
-                <a:latin typeface="+mj-lt"/>
-              </a:rPr>
-              <a:t>multiple</a:t>
-            </a:r>
-            <a:r>
-              <a:rPr lang="en-US" sz="2800" dirty="0">
-                <a:latin typeface="+mj-lt"/>
-              </a:rPr>
-              <a:t> CFG describing the </a:t>
-            </a:r>
-            <a:r>
-              <a:rPr lang="en-US" sz="2800" dirty="0" smtClean="0">
-                <a:latin typeface="+mj-lt"/>
-              </a:rPr>
-              <a:t>same? </a:t>
-            </a:r>
-            <a:r>
-              <a:rPr lang="en-US" sz="2800" b="1" dirty="0" smtClean="0">
-                <a:solidFill>
-                  <a:srgbClr val="00B050"/>
-                </a:solidFill>
-                <a:latin typeface="+mj-lt"/>
-              </a:rPr>
-              <a:t>Yes</a:t>
-            </a:r>
-          </a:p>
-        </p:txBody>
-      </p:sp>
-    </p:spTree>
-    <p:extLst>
-      <p:ext uri="{BB962C8B-B14F-4D97-AF65-F5344CB8AC3E}">
-        <p14:creationId xmlns:p14="http://schemas.microsoft.com/office/powerpoint/2010/main" val="3075564707"/>
-      </p:ext>
-    </p:extLst>
-  </p:cSld>
-  <p:clrMapOvr>
-    <a:masterClrMapping/>
-  </p:clrMapOvr>
-  <p:timing>
-    <p:tnLst>
-      <p:par>
-        <p:cTn id="1" dur="indefinite" restart="never" nodeType="tmRoot"/>
-      </p:par>
-    </p:tnLst>
-  </p:timing>
-</p:sld>
-</file>
-
-<file path=ppt/slides/slide31.xml><?xml version="1.0" encoding="utf-8"?>
-<p:sld xmlns:a="http://schemas.openxmlformats.org/drawingml/2006/main" xmlns:r="http://schemas.openxmlformats.org/officeDocument/2006/relationships" xmlns:p="http://schemas.openxmlformats.org/presentationml/2006/main">
-  <p:cSld>
-    <p:spTree>
-      <p:nvGrpSpPr>
-        <p:cNvPr id="1" name=""/>
-        <p:cNvGrpSpPr/>
-        <p:nvPr/>
-      </p:nvGrpSpPr>
-      <p:grpSpPr>
-        <a:xfrm>
-          <a:off x="0" y="0"/>
-          <a:ext cx="0" cy="0"/>
-          <a:chOff x="0" y="0"/>
-          <a:chExt cx="0" cy="0"/>
-        </a:xfrm>
-      </p:grpSpPr>
-      <p:sp>
-        <p:nvSpPr>
-          <p:cNvPr id="4" name="TextBox 3"/>
-          <p:cNvSpPr txBox="1"/>
-          <p:nvPr/>
-        </p:nvSpPr>
-        <p:spPr>
-          <a:xfrm>
-            <a:off x="1011115" y="668215"/>
-            <a:ext cx="10137964" cy="830997"/>
-          </a:xfrm>
-          <a:prstGeom prst="rect">
-            <a:avLst/>
-          </a:prstGeom>
-          <a:noFill/>
-        </p:spPr>
-        <p:txBody>
-          <a:bodyPr wrap="square" rtlCol="0">
-            <a:spAutoFit/>
-          </a:bodyPr>
-          <a:lstStyle/>
-          <a:p>
-            <a:r>
-              <a:rPr lang="en-US" sz="4800" dirty="0" smtClean="0">
-                <a:latin typeface="+mj-lt"/>
-              </a:rPr>
-              <a:t>Predictive Parser: Definition</a:t>
-            </a:r>
-            <a:endParaRPr lang="en-US" sz="4800" dirty="0">
-              <a:latin typeface="+mj-lt"/>
-            </a:endParaRPr>
-          </a:p>
-        </p:txBody>
-      </p:sp>
-      <p:sp>
-        <p:nvSpPr>
-          <p:cNvPr id="5" name="TextBox 4"/>
-          <p:cNvSpPr txBox="1"/>
-          <p:nvPr/>
-        </p:nvSpPr>
-        <p:spPr>
-          <a:xfrm>
-            <a:off x="1011115" y="1529866"/>
-            <a:ext cx="10137964" cy="1815882"/>
-          </a:xfrm>
-          <a:prstGeom prst="rect">
-            <a:avLst/>
-          </a:prstGeom>
-          <a:noFill/>
-        </p:spPr>
-        <p:txBody>
-          <a:bodyPr wrap="square" rtlCol="0">
-            <a:spAutoFit/>
-          </a:bodyPr>
-          <a:lstStyle/>
-          <a:p>
-            <a:r>
-              <a:rPr lang="en-US" sz="2800" dirty="0" smtClean="0">
-                <a:latin typeface="+mj-lt"/>
-              </a:rPr>
-              <a:t>Some languages has a predictive parser:</a:t>
-            </a:r>
-          </a:p>
-          <a:p>
-            <a:pPr marL="285750" indent="-285750">
-              <a:buFont typeface="Arial" panose="020B0604020202020204" pitchFamily="34" charset="0"/>
-              <a:buChar char="•"/>
-            </a:pPr>
-            <a:r>
-              <a:rPr lang="en-US" sz="2800" dirty="0" smtClean="0">
-                <a:latin typeface="+mj-lt"/>
-              </a:rPr>
-              <a:t>We determine the production rule according to the current token</a:t>
-            </a:r>
-          </a:p>
-          <a:p>
-            <a:pPr marL="285750" indent="-285750">
-              <a:buFont typeface="Arial" panose="020B0604020202020204" pitchFamily="34" charset="0"/>
-              <a:buChar char="•"/>
-            </a:pPr>
-            <a:r>
-              <a:rPr lang="en-US" sz="2800" dirty="0" smtClean="0">
-                <a:latin typeface="+mj-lt"/>
-              </a:rPr>
-              <a:t>We begin we the start symbol</a:t>
-            </a:r>
-          </a:p>
-          <a:p>
-            <a:pPr marL="742950" lvl="1" indent="-285750">
-              <a:buFont typeface="Arial" panose="020B0604020202020204" pitchFamily="34" charset="0"/>
-              <a:buChar char="•"/>
-            </a:pPr>
-            <a:r>
-              <a:rPr lang="en-US" sz="2800" dirty="0" smtClean="0">
-                <a:latin typeface="+mj-lt"/>
-              </a:rPr>
-              <a:t>From the top…</a:t>
-            </a:r>
-          </a:p>
-        </p:txBody>
-      </p:sp>
-    </p:spTree>
-    <p:extLst>
-      <p:ext uri="{BB962C8B-B14F-4D97-AF65-F5344CB8AC3E}">
-        <p14:creationId xmlns:p14="http://schemas.microsoft.com/office/powerpoint/2010/main" val="710575467"/>
-      </p:ext>
-    </p:extLst>
-  </p:cSld>
-  <p:clrMapOvr>
-    <a:masterClrMapping/>
-  </p:clrMapOvr>
-  <p:timing>
-    <p:tnLst>
-      <p:par>
-        <p:cTn id="1" dur="indefinite" restart="never" nodeType="tmRoot"/>
-      </p:par>
-    </p:tnLst>
-  </p:timing>
-</p:sld>
-</file>
-
-<file path=ppt/slides/slide32.xml><?xml version="1.0" encoding="utf-8"?>
 <p:sld xmlns:a="http://schemas.openxmlformats.org/drawingml/2006/main" xmlns:r="http://schemas.openxmlformats.org/officeDocument/2006/relationships" xmlns:p="http://schemas.openxmlformats.org/presentationml/2006/main">
   <p:cSld>
     <p:spTree>
@@ -12291,6 +11737,822 @@
 </p:sld>
 </file>
 
+<file path=ppt/slides/slide31.xml><?xml version="1.0" encoding="utf-8"?>
+<p:sld xmlns:a="http://schemas.openxmlformats.org/drawingml/2006/main" xmlns:r="http://schemas.openxmlformats.org/officeDocument/2006/relationships" xmlns:p="http://schemas.openxmlformats.org/presentationml/2006/main">
+  <p:cSld>
+    <p:spTree>
+      <p:nvGrpSpPr>
+        <p:cNvPr id="1" name=""/>
+        <p:cNvGrpSpPr/>
+        <p:nvPr/>
+      </p:nvGrpSpPr>
+      <p:grpSpPr>
+        <a:xfrm>
+          <a:off x="0" y="0"/>
+          <a:ext cx="0" cy="0"/>
+          <a:chOff x="0" y="0"/>
+          <a:chExt cx="0" cy="0"/>
+        </a:xfrm>
+      </p:grpSpPr>
+      <p:sp>
+        <p:nvSpPr>
+          <p:cNvPr id="4" name="TextBox 3"/>
+          <p:cNvSpPr txBox="1"/>
+          <p:nvPr/>
+        </p:nvSpPr>
+        <p:spPr>
+          <a:xfrm>
+            <a:off x="1011115" y="668215"/>
+            <a:ext cx="10137964" cy="830997"/>
+          </a:xfrm>
+          <a:prstGeom prst="rect">
+            <a:avLst/>
+          </a:prstGeom>
+          <a:noFill/>
+        </p:spPr>
+        <p:txBody>
+          <a:bodyPr wrap="square" rtlCol="0">
+            <a:spAutoFit/>
+          </a:bodyPr>
+          <a:lstStyle/>
+          <a:p>
+            <a:r>
+              <a:rPr lang="en-US" sz="4800" dirty="0" smtClean="0">
+                <a:latin typeface="+mj-lt"/>
+              </a:rPr>
+              <a:t>Predictive Parser: Example</a:t>
+            </a:r>
+            <a:endParaRPr lang="en-US" sz="4800" dirty="0">
+              <a:latin typeface="+mj-lt"/>
+            </a:endParaRPr>
+          </a:p>
+        </p:txBody>
+      </p:sp>
+      <p:sp>
+        <p:nvSpPr>
+          <p:cNvPr id="5" name="TextBox 4"/>
+          <p:cNvSpPr txBox="1"/>
+          <p:nvPr/>
+        </p:nvSpPr>
+        <p:spPr>
+          <a:xfrm>
+            <a:off x="1011115" y="1538178"/>
+            <a:ext cx="4699729" cy="4832092"/>
+          </a:xfrm>
+          <a:prstGeom prst="rect">
+            <a:avLst/>
+          </a:prstGeom>
+          <a:noFill/>
+        </p:spPr>
+        <p:txBody>
+          <a:bodyPr wrap="square" rtlCol="0">
+            <a:spAutoFit/>
+          </a:bodyPr>
+          <a:lstStyle/>
+          <a:p>
+            <a:r>
+              <a:rPr lang="en-US" sz="2200" dirty="0">
+                <a:latin typeface="Courier New" panose="02070309020205020404" pitchFamily="49" charset="0"/>
+                <a:cs typeface="Courier New" panose="02070309020205020404" pitchFamily="49" charset="0"/>
+              </a:rPr>
+              <a:t>v</a:t>
+            </a:r>
+            <a:r>
+              <a:rPr lang="en-US" sz="2200" dirty="0" smtClean="0">
+                <a:latin typeface="Courier New" panose="02070309020205020404" pitchFamily="49" charset="0"/>
+                <a:cs typeface="Courier New" panose="02070309020205020404" pitchFamily="49" charset="0"/>
+              </a:rPr>
+              <a:t>oid </a:t>
+            </a:r>
+            <a:r>
+              <a:rPr lang="en-US" sz="2200" dirty="0" err="1" smtClean="0">
+                <a:latin typeface="Courier New" panose="02070309020205020404" pitchFamily="49" charset="0"/>
+                <a:cs typeface="Courier New" panose="02070309020205020404" pitchFamily="49" charset="0"/>
+              </a:rPr>
+              <a:t>parse_S</a:t>
+            </a:r>
+            <a:r>
+              <a:rPr lang="en-US" sz="2200" dirty="0" smtClean="0">
+                <a:latin typeface="Courier New" panose="02070309020205020404" pitchFamily="49" charset="0"/>
+                <a:cs typeface="Courier New" panose="02070309020205020404" pitchFamily="49" charset="0"/>
+              </a:rPr>
+              <a:t>() {</a:t>
+            </a:r>
+          </a:p>
+          <a:p>
+            <a:r>
+              <a:rPr lang="en-US" sz="2200" dirty="0">
+                <a:latin typeface="Courier New" panose="02070309020205020404" pitchFamily="49" charset="0"/>
+                <a:cs typeface="Courier New" panose="02070309020205020404" pitchFamily="49" charset="0"/>
+              </a:rPr>
+              <a:t> </a:t>
+            </a:r>
+            <a:r>
+              <a:rPr lang="en-US" sz="2200" dirty="0" smtClean="0">
+                <a:latin typeface="Courier New" panose="02070309020205020404" pitchFamily="49" charset="0"/>
+                <a:cs typeface="Courier New" panose="02070309020205020404" pitchFamily="49" charset="0"/>
+              </a:rPr>
+              <a:t> switch (token) {</a:t>
+            </a:r>
+          </a:p>
+          <a:p>
+            <a:r>
+              <a:rPr lang="en-US" sz="2200" dirty="0" smtClean="0">
+                <a:latin typeface="Courier New" panose="02070309020205020404" pitchFamily="49" charset="0"/>
+                <a:cs typeface="Courier New" panose="02070309020205020404" pitchFamily="49" charset="0"/>
+              </a:rPr>
+              <a:t>  case INT:</a:t>
+            </a:r>
+          </a:p>
+          <a:p>
+            <a:r>
+              <a:rPr lang="en-US" sz="2200" dirty="0" smtClean="0">
+                <a:latin typeface="Courier New" panose="02070309020205020404" pitchFamily="49" charset="0"/>
+                <a:cs typeface="Courier New" panose="02070309020205020404" pitchFamily="49" charset="0"/>
+              </a:rPr>
+              <a:t>    </a:t>
+            </a:r>
+            <a:r>
+              <a:rPr lang="en-US" sz="2200" b="1" dirty="0" err="1" smtClean="0">
+                <a:latin typeface="Courier New" panose="02070309020205020404" pitchFamily="49" charset="0"/>
+                <a:cs typeface="Courier New" panose="02070309020205020404" pitchFamily="49" charset="0"/>
+              </a:rPr>
+              <a:t>parse_token</a:t>
+            </a:r>
+            <a:r>
+              <a:rPr lang="en-US" sz="2200" dirty="0" smtClean="0">
+                <a:latin typeface="Courier New" panose="02070309020205020404" pitchFamily="49" charset="0"/>
+                <a:cs typeface="Courier New" panose="02070309020205020404" pitchFamily="49" charset="0"/>
+              </a:rPr>
+              <a:t>(INT);</a:t>
+            </a:r>
+          </a:p>
+          <a:p>
+            <a:r>
+              <a:rPr lang="en-US" sz="2200" dirty="0">
+                <a:latin typeface="Courier New" panose="02070309020205020404" pitchFamily="49" charset="0"/>
+                <a:cs typeface="Courier New" panose="02070309020205020404" pitchFamily="49" charset="0"/>
+              </a:rPr>
+              <a:t> </a:t>
+            </a:r>
+            <a:r>
+              <a:rPr lang="en-US" sz="2200" dirty="0" smtClean="0">
+                <a:latin typeface="Courier New" panose="02070309020205020404" pitchFamily="49" charset="0"/>
+                <a:cs typeface="Courier New" panose="02070309020205020404" pitchFamily="49" charset="0"/>
+              </a:rPr>
+              <a:t>   break;</a:t>
+            </a:r>
+          </a:p>
+          <a:p>
+            <a:r>
+              <a:rPr lang="en-US" sz="2200" dirty="0">
+                <a:latin typeface="Courier New" panose="02070309020205020404" pitchFamily="49" charset="0"/>
+                <a:cs typeface="Courier New" panose="02070309020205020404" pitchFamily="49" charset="0"/>
+              </a:rPr>
+              <a:t> </a:t>
+            </a:r>
+            <a:r>
+              <a:rPr lang="en-US" sz="2200" dirty="0" smtClean="0">
+                <a:latin typeface="Courier New" panose="02070309020205020404" pitchFamily="49" charset="0"/>
+                <a:cs typeface="Courier New" panose="02070309020205020404" pitchFamily="49" charset="0"/>
+              </a:rPr>
+              <a:t> case L_PAREN:</a:t>
+            </a:r>
+          </a:p>
+          <a:p>
+            <a:r>
+              <a:rPr lang="en-US" sz="2200" dirty="0" smtClean="0">
+                <a:latin typeface="Courier New" panose="02070309020205020404" pitchFamily="49" charset="0"/>
+                <a:cs typeface="Courier New" panose="02070309020205020404" pitchFamily="49" charset="0"/>
+              </a:rPr>
+              <a:t>    </a:t>
+            </a:r>
+            <a:r>
+              <a:rPr lang="en-US" sz="2200" b="1" dirty="0" err="1" smtClean="0">
+                <a:latin typeface="Courier New" panose="02070309020205020404" pitchFamily="49" charset="0"/>
+                <a:cs typeface="Courier New" panose="02070309020205020404" pitchFamily="49" charset="0"/>
+              </a:rPr>
+              <a:t>parse_token</a:t>
+            </a:r>
+            <a:r>
+              <a:rPr lang="en-US" sz="2200" dirty="0" smtClean="0">
+                <a:latin typeface="Courier New" panose="02070309020205020404" pitchFamily="49" charset="0"/>
+                <a:cs typeface="Courier New" panose="02070309020205020404" pitchFamily="49" charset="0"/>
+              </a:rPr>
+              <a:t>(L_PAREN);</a:t>
+            </a:r>
+          </a:p>
+          <a:p>
+            <a:r>
+              <a:rPr lang="en-US" sz="2200" dirty="0" smtClean="0">
+                <a:latin typeface="Courier New" panose="02070309020205020404" pitchFamily="49" charset="0"/>
+                <a:cs typeface="Courier New" panose="02070309020205020404" pitchFamily="49" charset="0"/>
+              </a:rPr>
+              <a:t>    </a:t>
+            </a:r>
+            <a:r>
+              <a:rPr lang="en-US" sz="2200" b="1" dirty="0" err="1" smtClean="0">
+                <a:latin typeface="Courier New" panose="02070309020205020404" pitchFamily="49" charset="0"/>
+                <a:cs typeface="Courier New" panose="02070309020205020404" pitchFamily="49" charset="0"/>
+              </a:rPr>
+              <a:t>parse_S</a:t>
+            </a:r>
+            <a:r>
+              <a:rPr lang="en-US" sz="2200" dirty="0" smtClean="0">
+                <a:latin typeface="Courier New" panose="02070309020205020404" pitchFamily="49" charset="0"/>
+                <a:cs typeface="Courier New" panose="02070309020205020404" pitchFamily="49" charset="0"/>
+              </a:rPr>
+              <a:t>();</a:t>
+            </a:r>
+          </a:p>
+          <a:p>
+            <a:r>
+              <a:rPr lang="en-US" sz="2200" dirty="0" smtClean="0">
+                <a:latin typeface="Courier New" panose="02070309020205020404" pitchFamily="49" charset="0"/>
+                <a:cs typeface="Courier New" panose="02070309020205020404" pitchFamily="49" charset="0"/>
+              </a:rPr>
+              <a:t>    </a:t>
+            </a:r>
+            <a:r>
+              <a:rPr lang="en-US" sz="2200" b="1" dirty="0" err="1" smtClean="0">
+                <a:latin typeface="Courier New" panose="02070309020205020404" pitchFamily="49" charset="0"/>
+                <a:cs typeface="Courier New" panose="02070309020205020404" pitchFamily="49" charset="0"/>
+              </a:rPr>
+              <a:t>parse_token</a:t>
+            </a:r>
+            <a:r>
+              <a:rPr lang="en-US" sz="2200" dirty="0" smtClean="0">
+                <a:latin typeface="Courier New" panose="02070309020205020404" pitchFamily="49" charset="0"/>
+                <a:cs typeface="Courier New" panose="02070309020205020404" pitchFamily="49" charset="0"/>
+              </a:rPr>
+              <a:t>(R_PAREN);</a:t>
+            </a:r>
+          </a:p>
+          <a:p>
+            <a:r>
+              <a:rPr lang="en-US" sz="2200" dirty="0">
+                <a:latin typeface="Courier New" panose="02070309020205020404" pitchFamily="49" charset="0"/>
+                <a:cs typeface="Courier New" panose="02070309020205020404" pitchFamily="49" charset="0"/>
+              </a:rPr>
+              <a:t> </a:t>
+            </a:r>
+            <a:r>
+              <a:rPr lang="en-US" sz="2200" dirty="0" smtClean="0">
+                <a:latin typeface="Courier New" panose="02070309020205020404" pitchFamily="49" charset="0"/>
+                <a:cs typeface="Courier New" panose="02070309020205020404" pitchFamily="49" charset="0"/>
+              </a:rPr>
+              <a:t>   break</a:t>
+            </a:r>
+          </a:p>
+          <a:p>
+            <a:r>
+              <a:rPr lang="en-US" sz="2200" dirty="0">
+                <a:latin typeface="Courier New" panose="02070309020205020404" pitchFamily="49" charset="0"/>
+                <a:cs typeface="Courier New" panose="02070309020205020404" pitchFamily="49" charset="0"/>
+              </a:rPr>
+              <a:t> </a:t>
+            </a:r>
+            <a:r>
+              <a:rPr lang="en-US" sz="2200" dirty="0" smtClean="0">
+                <a:latin typeface="Courier New" panose="02070309020205020404" pitchFamily="49" charset="0"/>
+                <a:cs typeface="Courier New" panose="02070309020205020404" pitchFamily="49" charset="0"/>
+              </a:rPr>
+              <a:t> default:</a:t>
+            </a:r>
+          </a:p>
+          <a:p>
+            <a:r>
+              <a:rPr lang="en-US" sz="2200" dirty="0">
+                <a:latin typeface="Courier New" panose="02070309020205020404" pitchFamily="49" charset="0"/>
+                <a:cs typeface="Courier New" panose="02070309020205020404" pitchFamily="49" charset="0"/>
+              </a:rPr>
+              <a:t> </a:t>
+            </a:r>
+            <a:r>
+              <a:rPr lang="en-US" sz="2200" dirty="0" smtClean="0">
+                <a:latin typeface="Courier New" panose="02070309020205020404" pitchFamily="49" charset="0"/>
+                <a:cs typeface="Courier New" panose="02070309020205020404" pitchFamily="49" charset="0"/>
+              </a:rPr>
+              <a:t>   </a:t>
+            </a:r>
+            <a:r>
+              <a:rPr lang="en-US" sz="2200" b="1" dirty="0" smtClean="0">
+                <a:solidFill>
+                  <a:srgbClr val="C00000"/>
+                </a:solidFill>
+                <a:latin typeface="Courier New" panose="02070309020205020404" pitchFamily="49" charset="0"/>
+                <a:cs typeface="Courier New" panose="02070309020205020404" pitchFamily="49" charset="0"/>
+              </a:rPr>
+              <a:t>// error</a:t>
+            </a:r>
+            <a:endParaRPr lang="en-US" sz="2200" b="1" dirty="0">
+              <a:solidFill>
+                <a:srgbClr val="C00000"/>
+              </a:solidFill>
+              <a:latin typeface="Courier New" panose="02070309020205020404" pitchFamily="49" charset="0"/>
+              <a:cs typeface="Courier New" panose="02070309020205020404" pitchFamily="49" charset="0"/>
+            </a:endParaRPr>
+          </a:p>
+          <a:p>
+            <a:r>
+              <a:rPr lang="en-US" sz="2200" dirty="0" smtClean="0">
+                <a:latin typeface="Courier New" panose="02070309020205020404" pitchFamily="49" charset="0"/>
+                <a:cs typeface="Courier New" panose="02070309020205020404" pitchFamily="49" charset="0"/>
+              </a:rPr>
+              <a:t>  }</a:t>
+            </a:r>
+            <a:endParaRPr lang="en-US" sz="2200" dirty="0">
+              <a:latin typeface="Courier New" panose="02070309020205020404" pitchFamily="49" charset="0"/>
+              <a:cs typeface="Courier New" panose="02070309020205020404" pitchFamily="49" charset="0"/>
+            </a:endParaRPr>
+          </a:p>
+          <a:p>
+            <a:r>
+              <a:rPr lang="en-US" sz="2200" dirty="0" smtClean="0">
+                <a:latin typeface="Courier New" panose="02070309020205020404" pitchFamily="49" charset="0"/>
+                <a:cs typeface="Courier New" panose="02070309020205020404" pitchFamily="49" charset="0"/>
+              </a:rPr>
+              <a:t>}</a:t>
+            </a:r>
+            <a:endParaRPr lang="en-US" sz="2200" dirty="0">
+              <a:latin typeface="Courier New" panose="02070309020205020404" pitchFamily="49" charset="0"/>
+              <a:cs typeface="Courier New" panose="02070309020205020404" pitchFamily="49" charset="0"/>
+            </a:endParaRPr>
+          </a:p>
+        </p:txBody>
+      </p:sp>
+      <p:sp>
+        <p:nvSpPr>
+          <p:cNvPr id="6" name="TextBox 5"/>
+          <p:cNvSpPr txBox="1"/>
+          <p:nvPr/>
+        </p:nvSpPr>
+        <p:spPr>
+          <a:xfrm>
+            <a:off x="5885143" y="1540776"/>
+            <a:ext cx="5661234" cy="2462213"/>
+          </a:xfrm>
+          <a:prstGeom prst="rect">
+            <a:avLst/>
+          </a:prstGeom>
+          <a:noFill/>
+        </p:spPr>
+        <p:txBody>
+          <a:bodyPr wrap="square" rtlCol="0">
+            <a:spAutoFit/>
+          </a:bodyPr>
+          <a:lstStyle/>
+          <a:p>
+            <a:r>
+              <a:rPr lang="en-US" sz="2200" dirty="0">
+                <a:latin typeface="Courier New" panose="02070309020205020404" pitchFamily="49" charset="0"/>
+                <a:cs typeface="Courier New" panose="02070309020205020404" pitchFamily="49" charset="0"/>
+              </a:rPr>
+              <a:t>v</a:t>
+            </a:r>
+            <a:r>
+              <a:rPr lang="en-US" sz="2200" dirty="0" smtClean="0">
+                <a:latin typeface="Courier New" panose="02070309020205020404" pitchFamily="49" charset="0"/>
+                <a:cs typeface="Courier New" panose="02070309020205020404" pitchFamily="49" charset="0"/>
+              </a:rPr>
+              <a:t>oid </a:t>
+            </a:r>
+            <a:r>
+              <a:rPr lang="en-US" sz="2200" dirty="0" err="1" smtClean="0">
+                <a:latin typeface="Courier New" panose="02070309020205020404" pitchFamily="49" charset="0"/>
+                <a:cs typeface="Courier New" panose="02070309020205020404" pitchFamily="49" charset="0"/>
+              </a:rPr>
+              <a:t>parse_token</a:t>
+            </a:r>
+            <a:r>
+              <a:rPr lang="en-US" sz="2200" dirty="0" smtClean="0">
+                <a:latin typeface="Courier New" panose="02070309020205020404" pitchFamily="49" charset="0"/>
+                <a:cs typeface="Courier New" panose="02070309020205020404" pitchFamily="49" charset="0"/>
+              </a:rPr>
+              <a:t>(</a:t>
+            </a:r>
+            <a:r>
+              <a:rPr lang="en-US" sz="2200" dirty="0" err="1" smtClean="0">
+                <a:latin typeface="Courier New" panose="02070309020205020404" pitchFamily="49" charset="0"/>
+                <a:cs typeface="Courier New" panose="02070309020205020404" pitchFamily="49" charset="0"/>
+              </a:rPr>
+              <a:t>int</a:t>
+            </a:r>
+            <a:r>
+              <a:rPr lang="en-US" sz="2200" dirty="0" smtClean="0">
+                <a:latin typeface="Courier New" panose="02070309020205020404" pitchFamily="49" charset="0"/>
+                <a:cs typeface="Courier New" panose="02070309020205020404" pitchFamily="49" charset="0"/>
+              </a:rPr>
+              <a:t> expected) {</a:t>
+            </a:r>
+          </a:p>
+          <a:p>
+            <a:r>
+              <a:rPr lang="en-US" sz="2200" dirty="0">
+                <a:latin typeface="Courier New" panose="02070309020205020404" pitchFamily="49" charset="0"/>
+                <a:cs typeface="Courier New" panose="02070309020205020404" pitchFamily="49" charset="0"/>
+              </a:rPr>
+              <a:t> </a:t>
+            </a:r>
+            <a:r>
+              <a:rPr lang="en-US" sz="2200" dirty="0" smtClean="0">
+                <a:latin typeface="Courier New" panose="02070309020205020404" pitchFamily="49" charset="0"/>
+                <a:cs typeface="Courier New" panose="02070309020205020404" pitchFamily="49" charset="0"/>
+              </a:rPr>
+              <a:t> if (token == </a:t>
+            </a:r>
+            <a:r>
+              <a:rPr lang="en-US" sz="2200" dirty="0">
+                <a:latin typeface="Courier New" panose="02070309020205020404" pitchFamily="49" charset="0"/>
+                <a:cs typeface="Courier New" panose="02070309020205020404" pitchFamily="49" charset="0"/>
+              </a:rPr>
+              <a:t>expected</a:t>
+            </a:r>
+            <a:r>
+              <a:rPr lang="en-US" sz="2200" dirty="0" smtClean="0">
+                <a:latin typeface="Courier New" panose="02070309020205020404" pitchFamily="49" charset="0"/>
+                <a:cs typeface="Courier New" panose="02070309020205020404" pitchFamily="49" charset="0"/>
+              </a:rPr>
+              <a:t>) {</a:t>
+            </a:r>
+          </a:p>
+          <a:p>
+            <a:r>
+              <a:rPr lang="en-US" sz="2200" dirty="0" smtClean="0">
+                <a:latin typeface="Courier New" panose="02070309020205020404" pitchFamily="49" charset="0"/>
+                <a:cs typeface="Courier New" panose="02070309020205020404" pitchFamily="49" charset="0"/>
+              </a:rPr>
+              <a:t>	token = </a:t>
+            </a:r>
+            <a:r>
+              <a:rPr lang="en-US" sz="2200" dirty="0" err="1" smtClean="0">
+                <a:latin typeface="Courier New" panose="02070309020205020404" pitchFamily="49" charset="0"/>
+                <a:cs typeface="Courier New" panose="02070309020205020404" pitchFamily="49" charset="0"/>
+              </a:rPr>
+              <a:t>lexer.next_token</a:t>
+            </a:r>
+            <a:r>
+              <a:rPr lang="en-US" sz="2200" dirty="0" smtClean="0">
+                <a:latin typeface="Courier New" panose="02070309020205020404" pitchFamily="49" charset="0"/>
+                <a:cs typeface="Courier New" panose="02070309020205020404" pitchFamily="49" charset="0"/>
+              </a:rPr>
+              <a:t>();</a:t>
+            </a:r>
+            <a:endParaRPr lang="en-US" sz="2200" dirty="0">
+              <a:latin typeface="Courier New" panose="02070309020205020404" pitchFamily="49" charset="0"/>
+              <a:cs typeface="Courier New" panose="02070309020205020404" pitchFamily="49" charset="0"/>
+            </a:endParaRPr>
+          </a:p>
+          <a:p>
+            <a:r>
+              <a:rPr lang="en-US" sz="2200" dirty="0" smtClean="0">
+                <a:latin typeface="Courier New" panose="02070309020205020404" pitchFamily="49" charset="0"/>
+                <a:cs typeface="Courier New" panose="02070309020205020404" pitchFamily="49" charset="0"/>
+              </a:rPr>
+              <a:t>  } else {</a:t>
+            </a:r>
+          </a:p>
+          <a:p>
+            <a:r>
+              <a:rPr lang="en-US" sz="2200" dirty="0">
+                <a:latin typeface="Courier New" panose="02070309020205020404" pitchFamily="49" charset="0"/>
+                <a:cs typeface="Courier New" panose="02070309020205020404" pitchFamily="49" charset="0"/>
+              </a:rPr>
+              <a:t> </a:t>
+            </a:r>
+            <a:r>
+              <a:rPr lang="en-US" sz="2200" dirty="0" smtClean="0">
+                <a:latin typeface="Courier New" panose="02070309020205020404" pitchFamily="49" charset="0"/>
+                <a:cs typeface="Courier New" panose="02070309020205020404" pitchFamily="49" charset="0"/>
+              </a:rPr>
+              <a:t>   </a:t>
+            </a:r>
+            <a:r>
+              <a:rPr lang="en-US" sz="2200" b="1" dirty="0" smtClean="0">
+                <a:solidFill>
+                  <a:srgbClr val="C00000"/>
+                </a:solidFill>
+                <a:latin typeface="Courier New" panose="02070309020205020404" pitchFamily="49" charset="0"/>
+                <a:cs typeface="Courier New" panose="02070309020205020404" pitchFamily="49" charset="0"/>
+              </a:rPr>
+              <a:t>// error</a:t>
+            </a:r>
+            <a:endParaRPr lang="en-US" sz="2200" b="1" dirty="0">
+              <a:solidFill>
+                <a:srgbClr val="C00000"/>
+              </a:solidFill>
+              <a:latin typeface="Courier New" panose="02070309020205020404" pitchFamily="49" charset="0"/>
+              <a:cs typeface="Courier New" panose="02070309020205020404" pitchFamily="49" charset="0"/>
+            </a:endParaRPr>
+          </a:p>
+          <a:p>
+            <a:r>
+              <a:rPr lang="en-US" sz="2200" dirty="0" smtClean="0">
+                <a:latin typeface="Courier New" panose="02070309020205020404" pitchFamily="49" charset="0"/>
+                <a:cs typeface="Courier New" panose="02070309020205020404" pitchFamily="49" charset="0"/>
+              </a:rPr>
+              <a:t>  }</a:t>
+            </a:r>
+            <a:endParaRPr lang="en-US" sz="2200" dirty="0">
+              <a:latin typeface="Courier New" panose="02070309020205020404" pitchFamily="49" charset="0"/>
+              <a:cs typeface="Courier New" panose="02070309020205020404" pitchFamily="49" charset="0"/>
+            </a:endParaRPr>
+          </a:p>
+          <a:p>
+            <a:r>
+              <a:rPr lang="en-US" sz="2200" dirty="0" smtClean="0">
+                <a:latin typeface="Courier New" panose="02070309020205020404" pitchFamily="49" charset="0"/>
+                <a:cs typeface="Courier New" panose="02070309020205020404" pitchFamily="49" charset="0"/>
+              </a:rPr>
+              <a:t>}</a:t>
+            </a:r>
+            <a:endParaRPr lang="en-US" sz="2200" dirty="0">
+              <a:latin typeface="Courier New" panose="02070309020205020404" pitchFamily="49" charset="0"/>
+              <a:cs typeface="Courier New" panose="02070309020205020404" pitchFamily="49" charset="0"/>
+            </a:endParaRPr>
+          </a:p>
+        </p:txBody>
+      </p:sp>
+    </p:spTree>
+    <p:extLst>
+      <p:ext uri="{BB962C8B-B14F-4D97-AF65-F5344CB8AC3E}">
+        <p14:creationId xmlns:p14="http://schemas.microsoft.com/office/powerpoint/2010/main" val="3838363085"/>
+      </p:ext>
+    </p:extLst>
+  </p:cSld>
+  <p:clrMapOvr>
+    <a:masterClrMapping/>
+  </p:clrMapOvr>
+  <p:timing>
+    <p:tnLst>
+      <p:par>
+        <p:cTn id="1" dur="indefinite" restart="never" nodeType="tmRoot"/>
+      </p:par>
+    </p:tnLst>
+  </p:timing>
+</p:sld>
+</file>
+
+<file path=ppt/slides/slide32.xml><?xml version="1.0" encoding="utf-8"?>
+<p:sld xmlns:a="http://schemas.openxmlformats.org/drawingml/2006/main" xmlns:r="http://schemas.openxmlformats.org/officeDocument/2006/relationships" xmlns:p="http://schemas.openxmlformats.org/presentationml/2006/main">
+  <p:cSld>
+    <p:spTree>
+      <p:nvGrpSpPr>
+        <p:cNvPr id="1" name=""/>
+        <p:cNvGrpSpPr/>
+        <p:nvPr/>
+      </p:nvGrpSpPr>
+      <p:grpSpPr>
+        <a:xfrm>
+          <a:off x="0" y="0"/>
+          <a:ext cx="0" cy="0"/>
+          <a:chOff x="0" y="0"/>
+          <a:chExt cx="0" cy="0"/>
+        </a:xfrm>
+      </p:grpSpPr>
+      <p:sp>
+        <p:nvSpPr>
+          <p:cNvPr id="4" name="TextBox 3"/>
+          <p:cNvSpPr txBox="1"/>
+          <p:nvPr/>
+        </p:nvSpPr>
+        <p:spPr>
+          <a:xfrm>
+            <a:off x="1011115" y="668215"/>
+            <a:ext cx="10137964" cy="830997"/>
+          </a:xfrm>
+          <a:prstGeom prst="rect">
+            <a:avLst/>
+          </a:prstGeom>
+          <a:noFill/>
+        </p:spPr>
+        <p:txBody>
+          <a:bodyPr wrap="square" rtlCol="0">
+            <a:spAutoFit/>
+          </a:bodyPr>
+          <a:lstStyle/>
+          <a:p>
+            <a:r>
+              <a:rPr lang="en-US" sz="4800" dirty="0" smtClean="0">
+                <a:latin typeface="+mj-lt"/>
+              </a:rPr>
+              <a:t>Predictive Parser: Example</a:t>
+            </a:r>
+            <a:endParaRPr lang="en-US" sz="4800" dirty="0">
+              <a:latin typeface="+mj-lt"/>
+            </a:endParaRPr>
+          </a:p>
+        </p:txBody>
+      </p:sp>
+      <p:sp>
+        <p:nvSpPr>
+          <p:cNvPr id="5" name="TextBox 4"/>
+          <p:cNvSpPr txBox="1"/>
+          <p:nvPr/>
+        </p:nvSpPr>
+        <p:spPr>
+          <a:xfrm>
+            <a:off x="1011115" y="1529866"/>
+            <a:ext cx="10137964" cy="3108543"/>
+          </a:xfrm>
+          <a:prstGeom prst="rect">
+            <a:avLst/>
+          </a:prstGeom>
+          <a:noFill/>
+        </p:spPr>
+        <p:txBody>
+          <a:bodyPr wrap="square" rtlCol="0">
+            <a:spAutoFit/>
+          </a:bodyPr>
+          <a:lstStyle/>
+          <a:p>
+            <a:r>
+              <a:rPr lang="en-US" sz="2800" dirty="0" smtClean="0">
+                <a:latin typeface="+mj-lt"/>
+              </a:rPr>
+              <a:t>What happens for the input (7)?</a:t>
+            </a:r>
+          </a:p>
+          <a:p>
+            <a:r>
+              <a:rPr lang="en-US" sz="2800" dirty="0" smtClean="0">
+                <a:latin typeface="+mj-lt"/>
+              </a:rPr>
+              <a:t>Call trace:</a:t>
+            </a:r>
+          </a:p>
+          <a:p>
+            <a:pPr marL="742950" lvl="1" indent="-285750">
+              <a:buFont typeface="Arial" panose="020B0604020202020204" pitchFamily="34" charset="0"/>
+              <a:buChar char="•"/>
+            </a:pPr>
+            <a:r>
+              <a:rPr lang="en-US" sz="2800" dirty="0" err="1" smtClean="0">
+                <a:latin typeface="+mj-lt"/>
+              </a:rPr>
+              <a:t>parse_S</a:t>
+            </a:r>
+            <a:endParaRPr lang="en-US" sz="2800" dirty="0" smtClean="0">
+              <a:latin typeface="+mj-lt"/>
+            </a:endParaRPr>
+          </a:p>
+          <a:p>
+            <a:pPr marL="1200150" lvl="2" indent="-285750">
+              <a:buFont typeface="Arial" panose="020B0604020202020204" pitchFamily="34" charset="0"/>
+              <a:buChar char="•"/>
+            </a:pPr>
+            <a:r>
+              <a:rPr lang="en-US" sz="2800" dirty="0" err="1" smtClean="0">
+                <a:latin typeface="+mj-lt"/>
+              </a:rPr>
+              <a:t>parse_token</a:t>
+            </a:r>
+            <a:r>
+              <a:rPr lang="en-US" sz="2800" dirty="0" smtClean="0">
+                <a:latin typeface="+mj-lt"/>
+              </a:rPr>
+              <a:t> </a:t>
+            </a:r>
+            <a:r>
+              <a:rPr lang="en-US" sz="2800" b="1" dirty="0">
+                <a:solidFill>
+                  <a:srgbClr val="0070C0"/>
+                </a:solidFill>
+                <a:latin typeface="+mj-lt"/>
+              </a:rPr>
+              <a:t>// match with </a:t>
+            </a:r>
+            <a:r>
+              <a:rPr lang="en-US" sz="2800" b="1" dirty="0" smtClean="0">
+                <a:solidFill>
+                  <a:srgbClr val="0070C0"/>
+                </a:solidFill>
+                <a:latin typeface="+mj-lt"/>
+              </a:rPr>
+              <a:t>‘(‘</a:t>
+            </a:r>
+            <a:endParaRPr lang="en-US" sz="2800" dirty="0" smtClean="0">
+              <a:latin typeface="+mj-lt"/>
+            </a:endParaRPr>
+          </a:p>
+          <a:p>
+            <a:pPr marL="1200150" lvl="2" indent="-285750">
+              <a:buFont typeface="Arial" panose="020B0604020202020204" pitchFamily="34" charset="0"/>
+              <a:buChar char="•"/>
+            </a:pPr>
+            <a:r>
+              <a:rPr lang="en-US" sz="2800" dirty="0" err="1" smtClean="0">
+                <a:latin typeface="+mj-lt"/>
+              </a:rPr>
+              <a:t>parse_S</a:t>
+            </a:r>
+            <a:endParaRPr lang="en-US" sz="2800" dirty="0" smtClean="0">
+              <a:latin typeface="+mj-lt"/>
+            </a:endParaRPr>
+          </a:p>
+          <a:p>
+            <a:pPr marL="1657350" lvl="3" indent="-285750">
+              <a:buFont typeface="Arial" panose="020B0604020202020204" pitchFamily="34" charset="0"/>
+              <a:buChar char="•"/>
+            </a:pPr>
+            <a:r>
+              <a:rPr lang="en-US" sz="2800" dirty="0" err="1" smtClean="0">
+                <a:latin typeface="+mj-lt"/>
+              </a:rPr>
+              <a:t>parse_token</a:t>
+            </a:r>
+            <a:r>
+              <a:rPr lang="en-US" sz="2800" dirty="0" smtClean="0">
+                <a:latin typeface="+mj-lt"/>
+              </a:rPr>
+              <a:t> </a:t>
+            </a:r>
+            <a:r>
+              <a:rPr lang="en-US" sz="2800" b="1" dirty="0">
+                <a:solidFill>
+                  <a:srgbClr val="0070C0"/>
+                </a:solidFill>
+                <a:latin typeface="+mj-lt"/>
+              </a:rPr>
+              <a:t>// match with </a:t>
+            </a:r>
+            <a:r>
+              <a:rPr lang="en-US" sz="2800" b="1" dirty="0" smtClean="0">
+                <a:solidFill>
+                  <a:srgbClr val="0070C0"/>
+                </a:solidFill>
+                <a:latin typeface="+mj-lt"/>
+              </a:rPr>
+              <a:t>‘7‘</a:t>
+            </a:r>
+            <a:endParaRPr lang="en-US" sz="2800" dirty="0" smtClean="0">
+              <a:latin typeface="+mj-lt"/>
+            </a:endParaRPr>
+          </a:p>
+          <a:p>
+            <a:pPr marL="1200150" lvl="2" indent="-285750">
+              <a:buFont typeface="Arial" panose="020B0604020202020204" pitchFamily="34" charset="0"/>
+              <a:buChar char="•"/>
+            </a:pPr>
+            <a:r>
+              <a:rPr lang="en-US" sz="2800" dirty="0" err="1" smtClean="0">
+                <a:latin typeface="+mj-lt"/>
+              </a:rPr>
+              <a:t>parse_token</a:t>
+            </a:r>
+            <a:r>
+              <a:rPr lang="en-US" sz="2800" dirty="0" smtClean="0">
+                <a:latin typeface="+mj-lt"/>
+              </a:rPr>
+              <a:t> </a:t>
+            </a:r>
+            <a:r>
+              <a:rPr lang="en-US" sz="2800" b="1" dirty="0">
+                <a:solidFill>
+                  <a:srgbClr val="0070C0"/>
+                </a:solidFill>
+                <a:latin typeface="+mj-lt"/>
+              </a:rPr>
+              <a:t>// match with </a:t>
+            </a:r>
+            <a:r>
+              <a:rPr lang="en-US" sz="2800" b="1" dirty="0" smtClean="0">
+                <a:solidFill>
+                  <a:srgbClr val="0070C0"/>
+                </a:solidFill>
+                <a:latin typeface="+mj-lt"/>
+              </a:rPr>
+              <a:t>‘)‘</a:t>
+            </a:r>
+            <a:endParaRPr lang="en-US" sz="2800" b="1" dirty="0">
+              <a:solidFill>
+                <a:srgbClr val="0070C0"/>
+              </a:solidFill>
+              <a:latin typeface="+mj-lt"/>
+            </a:endParaRPr>
+          </a:p>
+        </p:txBody>
+      </p:sp>
+    </p:spTree>
+    <p:extLst>
+      <p:ext uri="{BB962C8B-B14F-4D97-AF65-F5344CB8AC3E}">
+        <p14:creationId xmlns:p14="http://schemas.microsoft.com/office/powerpoint/2010/main" val="625074091"/>
+      </p:ext>
+    </p:extLst>
+  </p:cSld>
+  <p:clrMapOvr>
+    <a:masterClrMapping/>
+  </p:clrMapOvr>
+  <p:timing>
+    <p:tnLst>
+      <p:par>
+        <p:cTn id="1" dur="indefinite" restart="never" nodeType="tmRoot"/>
+      </p:par>
+    </p:tnLst>
+  </p:timing>
+</p:sld>
+</file>
+
 <file path=ppt/slides/slide33.xml><?xml version="1.0" encoding="utf-8"?>
 <p:sld xmlns:a="http://schemas.openxmlformats.org/drawingml/2006/main" xmlns:r="http://schemas.openxmlformats.org/officeDocument/2006/relationships" xmlns:p="http://schemas.openxmlformats.org/presentationml/2006/main">
   <p:cSld>
@@ -12350,8 +12612,8 @@
         </p:nvSpPr>
         <p:spPr>
           <a:xfrm>
-            <a:off x="1011115" y="1538178"/>
-            <a:ext cx="4699729" cy="4832092"/>
+            <a:off x="1011115" y="1529866"/>
+            <a:ext cx="10137964" cy="4401205"/>
           </a:xfrm>
           <a:prstGeom prst="rect">
             <a:avLst/>
@@ -12365,472 +12627,212 @@
           <a:lstStyle/>
           <a:p>
             <a:r>
-              <a:rPr lang="en-US" sz="2200" dirty="0">
-                <a:latin typeface="Courier New" panose="02070309020205020404" pitchFamily="49" charset="0"/>
-                <a:cs typeface="Courier New" panose="02070309020205020404" pitchFamily="49" charset="0"/>
-              </a:rPr>
-              <a:t>v</a:t>
-            </a:r>
-            <a:r>
-              <a:rPr lang="en-US" sz="2200" dirty="0" smtClean="0">
-                <a:latin typeface="Courier New" panose="02070309020205020404" pitchFamily="49" charset="0"/>
-                <a:cs typeface="Courier New" panose="02070309020205020404" pitchFamily="49" charset="0"/>
-              </a:rPr>
-              <a:t>oid </a:t>
-            </a:r>
-            <a:r>
-              <a:rPr lang="en-US" sz="2200" dirty="0" err="1" smtClean="0">
-                <a:latin typeface="Courier New" panose="02070309020205020404" pitchFamily="49" charset="0"/>
-                <a:cs typeface="Courier New" panose="02070309020205020404" pitchFamily="49" charset="0"/>
+              <a:rPr lang="en-US" sz="2800" dirty="0" smtClean="0">
+                <a:latin typeface="+mj-lt"/>
+              </a:rPr>
+              <a:t>What happens for the input ((7)?</a:t>
+            </a:r>
+          </a:p>
+          <a:p>
+            <a:r>
+              <a:rPr lang="en-US" sz="2800" dirty="0" smtClean="0">
+                <a:latin typeface="+mj-lt"/>
+              </a:rPr>
+              <a:t>Call trace:</a:t>
+            </a:r>
+          </a:p>
+          <a:p>
+            <a:pPr marL="742950" lvl="1" indent="-285750">
+              <a:buFont typeface="Arial" panose="020B0604020202020204" pitchFamily="34" charset="0"/>
+              <a:buChar char="•"/>
+            </a:pPr>
+            <a:r>
+              <a:rPr lang="en-US" sz="2800" dirty="0" err="1" smtClean="0">
+                <a:latin typeface="+mj-lt"/>
               </a:rPr>
               <a:t>parse_S</a:t>
             </a:r>
-            <a:r>
-              <a:rPr lang="en-US" sz="2200" dirty="0" smtClean="0">
-                <a:latin typeface="Courier New" panose="02070309020205020404" pitchFamily="49" charset="0"/>
-                <a:cs typeface="Courier New" panose="02070309020205020404" pitchFamily="49" charset="0"/>
-              </a:rPr>
-              <a:t>() {</a:t>
-            </a:r>
-          </a:p>
-          <a:p>
-            <a:r>
-              <a:rPr lang="en-US" sz="2200" dirty="0">
-                <a:latin typeface="Courier New" panose="02070309020205020404" pitchFamily="49" charset="0"/>
-                <a:cs typeface="Courier New" panose="02070309020205020404" pitchFamily="49" charset="0"/>
+            <a:endParaRPr lang="en-US" sz="2800" dirty="0" smtClean="0">
+              <a:latin typeface="+mj-lt"/>
+            </a:endParaRPr>
+          </a:p>
+          <a:p>
+            <a:pPr marL="1200150" lvl="2" indent="-285750">
+              <a:buFont typeface="Arial" panose="020B0604020202020204" pitchFamily="34" charset="0"/>
+              <a:buChar char="•"/>
+            </a:pPr>
+            <a:r>
+              <a:rPr lang="en-US" sz="2800" dirty="0" err="1" smtClean="0">
+                <a:latin typeface="+mj-lt"/>
+              </a:rPr>
+              <a:t>parse_token</a:t>
+            </a:r>
+            <a:r>
+              <a:rPr lang="en-US" sz="2800" dirty="0" smtClean="0">
+                <a:latin typeface="+mj-lt"/>
               </a:rPr>
               <a:t> </a:t>
             </a:r>
             <a:r>
-              <a:rPr lang="en-US" sz="2200" dirty="0" smtClean="0">
-                <a:latin typeface="Courier New" panose="02070309020205020404" pitchFamily="49" charset="0"/>
-                <a:cs typeface="Courier New" panose="02070309020205020404" pitchFamily="49" charset="0"/>
-              </a:rPr>
-              <a:t> switch (token) {</a:t>
-            </a:r>
-          </a:p>
-          <a:p>
-            <a:r>
-              <a:rPr lang="en-US" sz="2200" dirty="0" smtClean="0">
-                <a:latin typeface="Courier New" panose="02070309020205020404" pitchFamily="49" charset="0"/>
-                <a:cs typeface="Courier New" panose="02070309020205020404" pitchFamily="49" charset="0"/>
-              </a:rPr>
-              <a:t>  case INT:</a:t>
-            </a:r>
-          </a:p>
-          <a:p>
-            <a:r>
-              <a:rPr lang="en-US" sz="2200" dirty="0" smtClean="0">
-                <a:latin typeface="Courier New" panose="02070309020205020404" pitchFamily="49" charset="0"/>
-                <a:cs typeface="Courier New" panose="02070309020205020404" pitchFamily="49" charset="0"/>
-              </a:rPr>
-              <a:t>    </a:t>
-            </a:r>
-            <a:r>
-              <a:rPr lang="en-US" sz="2200" b="1" dirty="0" err="1" smtClean="0">
-                <a:latin typeface="Courier New" panose="02070309020205020404" pitchFamily="49" charset="0"/>
-                <a:cs typeface="Courier New" panose="02070309020205020404" pitchFamily="49" charset="0"/>
+              <a:rPr lang="en-US" sz="2800" b="1" dirty="0" smtClean="0">
+                <a:solidFill>
+                  <a:srgbClr val="0070C0"/>
+                </a:solidFill>
+                <a:latin typeface="+mj-lt"/>
+              </a:rPr>
+              <a:t>// match with ‘(‘</a:t>
+            </a:r>
+          </a:p>
+          <a:p>
+            <a:pPr marL="1200150" lvl="2" indent="-285750">
+              <a:buFont typeface="Arial" panose="020B0604020202020204" pitchFamily="34" charset="0"/>
+              <a:buChar char="•"/>
+            </a:pPr>
+            <a:r>
+              <a:rPr lang="en-US" sz="2800" dirty="0" err="1" smtClean="0">
+                <a:latin typeface="+mj-lt"/>
+              </a:rPr>
+              <a:t>parse_S</a:t>
+            </a:r>
+            <a:endParaRPr lang="en-US" sz="2800" dirty="0" smtClean="0">
+              <a:latin typeface="+mj-lt"/>
+            </a:endParaRPr>
+          </a:p>
+          <a:p>
+            <a:pPr marL="1657350" lvl="3" indent="-285750">
+              <a:buFont typeface="Arial" panose="020B0604020202020204" pitchFamily="34" charset="0"/>
+              <a:buChar char="•"/>
+            </a:pPr>
+            <a:r>
+              <a:rPr lang="en-US" sz="2800" dirty="0" err="1" smtClean="0">
+                <a:latin typeface="+mj-lt"/>
               </a:rPr>
               <a:t>parse_token</a:t>
             </a:r>
             <a:r>
-              <a:rPr lang="en-US" sz="2200" dirty="0" smtClean="0">
-                <a:latin typeface="Courier New" panose="02070309020205020404" pitchFamily="49" charset="0"/>
-                <a:cs typeface="Courier New" panose="02070309020205020404" pitchFamily="49" charset="0"/>
-              </a:rPr>
-              <a:t>(INT);</a:t>
-            </a:r>
-          </a:p>
-          <a:p>
-            <a:r>
-              <a:rPr lang="en-US" sz="2200" dirty="0">
-                <a:latin typeface="Courier New" panose="02070309020205020404" pitchFamily="49" charset="0"/>
-                <a:cs typeface="Courier New" panose="02070309020205020404" pitchFamily="49" charset="0"/>
+              <a:rPr lang="en-US" sz="2800" dirty="0" smtClean="0">
+                <a:latin typeface="+mj-lt"/>
               </a:rPr>
               <a:t> </a:t>
             </a:r>
             <a:r>
-              <a:rPr lang="en-US" sz="2200" dirty="0" smtClean="0">
-                <a:latin typeface="Courier New" panose="02070309020205020404" pitchFamily="49" charset="0"/>
-                <a:cs typeface="Courier New" panose="02070309020205020404" pitchFamily="49" charset="0"/>
-              </a:rPr>
-              <a:t>   break;</a:t>
-            </a:r>
-          </a:p>
-          <a:p>
-            <a:r>
-              <a:rPr lang="en-US" sz="2200" dirty="0">
-                <a:latin typeface="Courier New" panose="02070309020205020404" pitchFamily="49" charset="0"/>
-                <a:cs typeface="Courier New" panose="02070309020205020404" pitchFamily="49" charset="0"/>
+              <a:rPr lang="en-US" sz="2800" b="1" dirty="0" smtClean="0">
+                <a:solidFill>
+                  <a:srgbClr val="0070C0"/>
+                </a:solidFill>
+                <a:latin typeface="+mj-lt"/>
+              </a:rPr>
+              <a:t>// match with ‘(‘</a:t>
+            </a:r>
+          </a:p>
+          <a:p>
+            <a:pPr marL="1657350" lvl="3" indent="-285750">
+              <a:buFont typeface="Arial" panose="020B0604020202020204" pitchFamily="34" charset="0"/>
+              <a:buChar char="•"/>
+            </a:pPr>
+            <a:r>
+              <a:rPr lang="en-US" sz="2800" dirty="0" err="1">
+                <a:latin typeface="+mj-lt"/>
+              </a:rPr>
+              <a:t>p</a:t>
+            </a:r>
+            <a:r>
+              <a:rPr lang="en-US" sz="2800" dirty="0" err="1" smtClean="0">
+                <a:latin typeface="+mj-lt"/>
+              </a:rPr>
+              <a:t>arse_S</a:t>
+            </a:r>
+            <a:endParaRPr lang="en-US" sz="2800" dirty="0" smtClean="0">
+              <a:latin typeface="+mj-lt"/>
+            </a:endParaRPr>
+          </a:p>
+          <a:p>
+            <a:pPr marL="2114550" lvl="4" indent="-285750">
+              <a:buFont typeface="Arial" panose="020B0604020202020204" pitchFamily="34" charset="0"/>
+              <a:buChar char="•"/>
+            </a:pPr>
+            <a:r>
+              <a:rPr lang="en-US" sz="2800" dirty="0" err="1" smtClean="0">
+                <a:latin typeface="+mj-lt"/>
+              </a:rPr>
+              <a:t>parse_token</a:t>
+            </a:r>
+            <a:r>
+              <a:rPr lang="en-US" sz="2800" dirty="0" smtClean="0">
+                <a:latin typeface="+mj-lt"/>
               </a:rPr>
               <a:t> </a:t>
             </a:r>
             <a:r>
-              <a:rPr lang="en-US" sz="2200" dirty="0" smtClean="0">
-                <a:latin typeface="Courier New" panose="02070309020205020404" pitchFamily="49" charset="0"/>
-                <a:cs typeface="Courier New" panose="02070309020205020404" pitchFamily="49" charset="0"/>
-              </a:rPr>
-              <a:t> case L_PAREN:</a:t>
-            </a:r>
-          </a:p>
-          <a:p>
-            <a:r>
-              <a:rPr lang="en-US" sz="2200" dirty="0" smtClean="0">
-                <a:latin typeface="Courier New" panose="02070309020205020404" pitchFamily="49" charset="0"/>
-                <a:cs typeface="Courier New" panose="02070309020205020404" pitchFamily="49" charset="0"/>
-              </a:rPr>
-              <a:t>    </a:t>
-            </a:r>
-            <a:r>
-              <a:rPr lang="en-US" sz="2200" b="1" dirty="0" err="1" smtClean="0">
-                <a:latin typeface="Courier New" panose="02070309020205020404" pitchFamily="49" charset="0"/>
-                <a:cs typeface="Courier New" panose="02070309020205020404" pitchFamily="49" charset="0"/>
+              <a:rPr lang="en-US" sz="2800" b="1" dirty="0" smtClean="0">
+                <a:solidFill>
+                  <a:srgbClr val="0070C0"/>
+                </a:solidFill>
+                <a:latin typeface="+mj-lt"/>
+              </a:rPr>
+              <a:t>// match with ‘7’</a:t>
+            </a:r>
+          </a:p>
+          <a:p>
+            <a:pPr marL="1657350" lvl="3" indent="-285750">
+              <a:buFont typeface="Arial" panose="020B0604020202020204" pitchFamily="34" charset="0"/>
+              <a:buChar char="•"/>
+            </a:pPr>
+            <a:r>
+              <a:rPr lang="en-US" sz="2800" dirty="0" err="1" smtClean="0">
+                <a:latin typeface="+mj-lt"/>
               </a:rPr>
               <a:t>parse_token</a:t>
             </a:r>
             <a:r>
-              <a:rPr lang="en-US" sz="2200" dirty="0" smtClean="0">
-                <a:latin typeface="Courier New" panose="02070309020205020404" pitchFamily="49" charset="0"/>
-                <a:cs typeface="Courier New" panose="02070309020205020404" pitchFamily="49" charset="0"/>
-              </a:rPr>
-              <a:t>(L_PAREN);</a:t>
-            </a:r>
-          </a:p>
-          <a:p>
-            <a:r>
-              <a:rPr lang="en-US" sz="2200" dirty="0" smtClean="0">
-                <a:latin typeface="Courier New" panose="02070309020205020404" pitchFamily="49" charset="0"/>
-                <a:cs typeface="Courier New" panose="02070309020205020404" pitchFamily="49" charset="0"/>
-              </a:rPr>
-              <a:t>    </a:t>
-            </a:r>
-            <a:r>
-              <a:rPr lang="en-US" sz="2200" b="1" dirty="0" err="1" smtClean="0">
-                <a:latin typeface="Courier New" panose="02070309020205020404" pitchFamily="49" charset="0"/>
-                <a:cs typeface="Courier New" panose="02070309020205020404" pitchFamily="49" charset="0"/>
-              </a:rPr>
-              <a:t>parse_S</a:t>
-            </a:r>
-            <a:r>
-              <a:rPr lang="en-US" sz="2200" dirty="0" smtClean="0">
-                <a:latin typeface="Courier New" panose="02070309020205020404" pitchFamily="49" charset="0"/>
-                <a:cs typeface="Courier New" panose="02070309020205020404" pitchFamily="49" charset="0"/>
-              </a:rPr>
-              <a:t>();</a:t>
-            </a:r>
-          </a:p>
-          <a:p>
-            <a:r>
-              <a:rPr lang="en-US" sz="2200" dirty="0" smtClean="0">
-                <a:latin typeface="Courier New" panose="02070309020205020404" pitchFamily="49" charset="0"/>
-                <a:cs typeface="Courier New" panose="02070309020205020404" pitchFamily="49" charset="0"/>
-              </a:rPr>
-              <a:t>    </a:t>
-            </a:r>
-            <a:r>
-              <a:rPr lang="en-US" sz="2200" b="1" dirty="0" err="1" smtClean="0">
-                <a:latin typeface="Courier New" panose="02070309020205020404" pitchFamily="49" charset="0"/>
-                <a:cs typeface="Courier New" panose="02070309020205020404" pitchFamily="49" charset="0"/>
+              <a:rPr lang="en-US" sz="2800" dirty="0" smtClean="0">
+                <a:latin typeface="+mj-lt"/>
+              </a:rPr>
+              <a:t> </a:t>
+            </a:r>
+            <a:r>
+              <a:rPr lang="en-US" sz="2800" b="1" dirty="0" smtClean="0">
+                <a:solidFill>
+                  <a:srgbClr val="0070C0"/>
+                </a:solidFill>
+                <a:latin typeface="+mj-lt"/>
+              </a:rPr>
+              <a:t>// match with ‘)’</a:t>
+            </a:r>
+          </a:p>
+          <a:p>
+            <a:pPr marL="1200150" lvl="2" indent="-285750">
+              <a:buFont typeface="Arial" panose="020B0604020202020204" pitchFamily="34" charset="0"/>
+              <a:buChar char="•"/>
+            </a:pPr>
+            <a:r>
+              <a:rPr lang="en-US" sz="2800" dirty="0" err="1" smtClean="0">
+                <a:latin typeface="+mj-lt"/>
               </a:rPr>
               <a:t>parse_token</a:t>
             </a:r>
             <a:r>
-              <a:rPr lang="en-US" sz="2200" dirty="0" smtClean="0">
-                <a:latin typeface="Courier New" panose="02070309020205020404" pitchFamily="49" charset="0"/>
-                <a:cs typeface="Courier New" panose="02070309020205020404" pitchFamily="49" charset="0"/>
-              </a:rPr>
-              <a:t>(R_PAREN);</a:t>
-            </a:r>
-          </a:p>
-          <a:p>
-            <a:r>
-              <a:rPr lang="en-US" sz="2200" dirty="0">
-                <a:latin typeface="Courier New" panose="02070309020205020404" pitchFamily="49" charset="0"/>
-                <a:cs typeface="Courier New" panose="02070309020205020404" pitchFamily="49" charset="0"/>
+              <a:rPr lang="en-US" sz="2800" dirty="0" smtClean="0">
+                <a:latin typeface="+mj-lt"/>
               </a:rPr>
               <a:t> </a:t>
             </a:r>
             <a:r>
-              <a:rPr lang="en-US" sz="2200" dirty="0" smtClean="0">
-                <a:latin typeface="Courier New" panose="02070309020205020404" pitchFamily="49" charset="0"/>
-                <a:cs typeface="Courier New" panose="02070309020205020404" pitchFamily="49" charset="0"/>
-              </a:rPr>
-              <a:t>   break</a:t>
-            </a:r>
-          </a:p>
-          <a:p>
-            <a:r>
-              <a:rPr lang="en-US" sz="2200" dirty="0">
-                <a:latin typeface="Courier New" panose="02070309020205020404" pitchFamily="49" charset="0"/>
-                <a:cs typeface="Courier New" panose="02070309020205020404" pitchFamily="49" charset="0"/>
-              </a:rPr>
-              <a:t> </a:t>
-            </a:r>
-            <a:r>
-              <a:rPr lang="en-US" sz="2200" dirty="0" smtClean="0">
-                <a:latin typeface="Courier New" panose="02070309020205020404" pitchFamily="49" charset="0"/>
-                <a:cs typeface="Courier New" panose="02070309020205020404" pitchFamily="49" charset="0"/>
-              </a:rPr>
-              <a:t> default:</a:t>
-            </a:r>
-          </a:p>
-          <a:p>
-            <a:r>
-              <a:rPr lang="en-US" sz="2200" dirty="0">
-                <a:latin typeface="Courier New" panose="02070309020205020404" pitchFamily="49" charset="0"/>
-                <a:cs typeface="Courier New" panose="02070309020205020404" pitchFamily="49" charset="0"/>
-              </a:rPr>
-              <a:t> </a:t>
-            </a:r>
-            <a:r>
-              <a:rPr lang="en-US" sz="2200" dirty="0" smtClean="0">
-                <a:latin typeface="Courier New" panose="02070309020205020404" pitchFamily="49" charset="0"/>
-                <a:cs typeface="Courier New" panose="02070309020205020404" pitchFamily="49" charset="0"/>
-              </a:rPr>
-              <a:t>   </a:t>
-            </a:r>
-            <a:r>
-              <a:rPr lang="en-US" sz="2200" b="1" dirty="0" smtClean="0">
+              <a:rPr lang="en-US" sz="2800" b="1" dirty="0" smtClean="0">
                 <a:solidFill>
                   <a:srgbClr val="C00000"/>
                 </a:solidFill>
-                <a:latin typeface="Courier New" panose="02070309020205020404" pitchFamily="49" charset="0"/>
-                <a:cs typeface="Courier New" panose="02070309020205020404" pitchFamily="49" charset="0"/>
-              </a:rPr>
-              <a:t>// error</a:t>
-            </a:r>
-            <a:endParaRPr lang="en-US" sz="2200" b="1" dirty="0">
-              <a:solidFill>
-                <a:srgbClr val="C00000"/>
-              </a:solidFill>
-              <a:latin typeface="Courier New" panose="02070309020205020404" pitchFamily="49" charset="0"/>
-              <a:cs typeface="Courier New" panose="02070309020205020404" pitchFamily="49" charset="0"/>
-            </a:endParaRPr>
-          </a:p>
-          <a:p>
-            <a:r>
-              <a:rPr lang="en-US" sz="2200" dirty="0" smtClean="0">
-                <a:latin typeface="Courier New" panose="02070309020205020404" pitchFamily="49" charset="0"/>
-                <a:cs typeface="Courier New" panose="02070309020205020404" pitchFamily="49" charset="0"/>
-              </a:rPr>
-              <a:t>  }</a:t>
-            </a:r>
-            <a:endParaRPr lang="en-US" sz="2200" dirty="0">
-              <a:latin typeface="Courier New" panose="02070309020205020404" pitchFamily="49" charset="0"/>
-              <a:cs typeface="Courier New" panose="02070309020205020404" pitchFamily="49" charset="0"/>
-            </a:endParaRPr>
-          </a:p>
-          <a:p>
-            <a:r>
-              <a:rPr lang="en-US" sz="2200" dirty="0" smtClean="0">
-                <a:latin typeface="Courier New" panose="02070309020205020404" pitchFamily="49" charset="0"/>
-                <a:cs typeface="Courier New" panose="02070309020205020404" pitchFamily="49" charset="0"/>
-              </a:rPr>
-              <a:t>}</a:t>
-            </a:r>
-            <a:endParaRPr lang="en-US" sz="2200" dirty="0">
-              <a:latin typeface="Courier New" panose="02070309020205020404" pitchFamily="49" charset="0"/>
-              <a:cs typeface="Courier New" panose="02070309020205020404" pitchFamily="49" charset="0"/>
-            </a:endParaRPr>
-          </a:p>
-        </p:txBody>
-      </p:sp>
-      <p:sp>
-        <p:nvSpPr>
-          <p:cNvPr id="6" name="TextBox 5"/>
-          <p:cNvSpPr txBox="1"/>
-          <p:nvPr/>
-        </p:nvSpPr>
-        <p:spPr>
-          <a:xfrm>
-            <a:off x="5885143" y="1540776"/>
-            <a:ext cx="5661234" cy="2462213"/>
-          </a:xfrm>
-          <a:prstGeom prst="rect">
-            <a:avLst/>
-          </a:prstGeom>
-          <a:noFill/>
-        </p:spPr>
-        <p:txBody>
-          <a:bodyPr wrap="square" rtlCol="0">
-            <a:spAutoFit/>
-          </a:bodyPr>
-          <a:lstStyle/>
-          <a:p>
-            <a:r>
-              <a:rPr lang="en-US" sz="2200" dirty="0">
-                <a:latin typeface="Courier New" panose="02070309020205020404" pitchFamily="49" charset="0"/>
-                <a:cs typeface="Courier New" panose="02070309020205020404" pitchFamily="49" charset="0"/>
-              </a:rPr>
-              <a:t>v</a:t>
-            </a:r>
-            <a:r>
-              <a:rPr lang="en-US" sz="2200" dirty="0" smtClean="0">
-                <a:latin typeface="Courier New" panose="02070309020205020404" pitchFamily="49" charset="0"/>
-                <a:cs typeface="Courier New" panose="02070309020205020404" pitchFamily="49" charset="0"/>
-              </a:rPr>
-              <a:t>oid </a:t>
-            </a:r>
-            <a:r>
-              <a:rPr lang="en-US" sz="2200" dirty="0" err="1" smtClean="0">
-                <a:latin typeface="Courier New" panose="02070309020205020404" pitchFamily="49" charset="0"/>
-                <a:cs typeface="Courier New" panose="02070309020205020404" pitchFamily="49" charset="0"/>
-              </a:rPr>
-              <a:t>parse_token</a:t>
-            </a:r>
-            <a:r>
-              <a:rPr lang="en-US" sz="2200" dirty="0" smtClean="0">
-                <a:latin typeface="Courier New" panose="02070309020205020404" pitchFamily="49" charset="0"/>
-                <a:cs typeface="Courier New" panose="02070309020205020404" pitchFamily="49" charset="0"/>
-              </a:rPr>
-              <a:t>(</a:t>
-            </a:r>
-            <a:r>
-              <a:rPr lang="en-US" sz="2200" dirty="0" err="1" smtClean="0">
-                <a:latin typeface="Courier New" panose="02070309020205020404" pitchFamily="49" charset="0"/>
-                <a:cs typeface="Courier New" panose="02070309020205020404" pitchFamily="49" charset="0"/>
-              </a:rPr>
-              <a:t>int</a:t>
-            </a:r>
-            <a:r>
-              <a:rPr lang="en-US" sz="2200" dirty="0" smtClean="0">
-                <a:latin typeface="Courier New" panose="02070309020205020404" pitchFamily="49" charset="0"/>
-                <a:cs typeface="Courier New" panose="02070309020205020404" pitchFamily="49" charset="0"/>
-              </a:rPr>
-              <a:t> expected) {</a:t>
-            </a:r>
-          </a:p>
-          <a:p>
-            <a:r>
-              <a:rPr lang="en-US" sz="2200" dirty="0">
-                <a:latin typeface="Courier New" panose="02070309020205020404" pitchFamily="49" charset="0"/>
-                <a:cs typeface="Courier New" panose="02070309020205020404" pitchFamily="49" charset="0"/>
-              </a:rPr>
-              <a:t> </a:t>
-            </a:r>
-            <a:r>
-              <a:rPr lang="en-US" sz="2200" dirty="0" smtClean="0">
-                <a:latin typeface="Courier New" panose="02070309020205020404" pitchFamily="49" charset="0"/>
-                <a:cs typeface="Courier New" panose="02070309020205020404" pitchFamily="49" charset="0"/>
-              </a:rPr>
-              <a:t> if (token == </a:t>
-            </a:r>
-            <a:r>
-              <a:rPr lang="en-US" sz="2200" dirty="0">
-                <a:latin typeface="Courier New" panose="02070309020205020404" pitchFamily="49" charset="0"/>
-                <a:cs typeface="Courier New" panose="02070309020205020404" pitchFamily="49" charset="0"/>
-              </a:rPr>
-              <a:t>expected</a:t>
-            </a:r>
-            <a:r>
-              <a:rPr lang="en-US" sz="2200" dirty="0" smtClean="0">
-                <a:latin typeface="Courier New" panose="02070309020205020404" pitchFamily="49" charset="0"/>
-                <a:cs typeface="Courier New" panose="02070309020205020404" pitchFamily="49" charset="0"/>
-              </a:rPr>
-              <a:t>) {</a:t>
-            </a:r>
-          </a:p>
-          <a:p>
-            <a:r>
-              <a:rPr lang="en-US" sz="2200" dirty="0" smtClean="0">
-                <a:latin typeface="Courier New" panose="02070309020205020404" pitchFamily="49" charset="0"/>
-                <a:cs typeface="Courier New" panose="02070309020205020404" pitchFamily="49" charset="0"/>
-              </a:rPr>
-              <a:t>	token = </a:t>
-            </a:r>
-            <a:r>
-              <a:rPr lang="en-US" sz="2200" dirty="0" err="1" smtClean="0">
-                <a:latin typeface="Courier New" panose="02070309020205020404" pitchFamily="49" charset="0"/>
-                <a:cs typeface="Courier New" panose="02070309020205020404" pitchFamily="49" charset="0"/>
-              </a:rPr>
-              <a:t>lexer.next_token</a:t>
-            </a:r>
-            <a:r>
-              <a:rPr lang="en-US" sz="2200" dirty="0" smtClean="0">
-                <a:latin typeface="Courier New" panose="02070309020205020404" pitchFamily="49" charset="0"/>
-                <a:cs typeface="Courier New" panose="02070309020205020404" pitchFamily="49" charset="0"/>
-              </a:rPr>
-              <a:t>();</a:t>
-            </a:r>
-            <a:endParaRPr lang="en-US" sz="2200" dirty="0">
-              <a:latin typeface="Courier New" panose="02070309020205020404" pitchFamily="49" charset="0"/>
-              <a:cs typeface="Courier New" panose="02070309020205020404" pitchFamily="49" charset="0"/>
-            </a:endParaRPr>
-          </a:p>
-          <a:p>
-            <a:r>
-              <a:rPr lang="en-US" sz="2200" dirty="0" smtClean="0">
-                <a:latin typeface="Courier New" panose="02070309020205020404" pitchFamily="49" charset="0"/>
-                <a:cs typeface="Courier New" panose="02070309020205020404" pitchFamily="49" charset="0"/>
-              </a:rPr>
-              <a:t>  } else {</a:t>
-            </a:r>
-          </a:p>
-          <a:p>
-            <a:r>
-              <a:rPr lang="en-US" sz="2200" dirty="0">
-                <a:latin typeface="Courier New" panose="02070309020205020404" pitchFamily="49" charset="0"/>
-                <a:cs typeface="Courier New" panose="02070309020205020404" pitchFamily="49" charset="0"/>
-              </a:rPr>
-              <a:t> </a:t>
-            </a:r>
-            <a:r>
-              <a:rPr lang="en-US" sz="2200" dirty="0" smtClean="0">
-                <a:latin typeface="Courier New" panose="02070309020205020404" pitchFamily="49" charset="0"/>
-                <a:cs typeface="Courier New" panose="02070309020205020404" pitchFamily="49" charset="0"/>
-              </a:rPr>
-              <a:t>   </a:t>
-            </a:r>
-            <a:r>
-              <a:rPr lang="en-US" sz="2200" b="1" dirty="0" smtClean="0">
-                <a:solidFill>
-                  <a:srgbClr val="C00000"/>
-                </a:solidFill>
-                <a:latin typeface="Courier New" panose="02070309020205020404" pitchFamily="49" charset="0"/>
-                <a:cs typeface="Courier New" panose="02070309020205020404" pitchFamily="49" charset="0"/>
-              </a:rPr>
-              <a:t>// error</a:t>
-            </a:r>
-            <a:endParaRPr lang="en-US" sz="2200" b="1" dirty="0">
-              <a:solidFill>
-                <a:srgbClr val="C00000"/>
-              </a:solidFill>
-              <a:latin typeface="Courier New" panose="02070309020205020404" pitchFamily="49" charset="0"/>
-              <a:cs typeface="Courier New" panose="02070309020205020404" pitchFamily="49" charset="0"/>
-            </a:endParaRPr>
-          </a:p>
-          <a:p>
-            <a:r>
-              <a:rPr lang="en-US" sz="2200" dirty="0" smtClean="0">
-                <a:latin typeface="Courier New" panose="02070309020205020404" pitchFamily="49" charset="0"/>
-                <a:cs typeface="Courier New" panose="02070309020205020404" pitchFamily="49" charset="0"/>
-              </a:rPr>
-              <a:t>  }</a:t>
-            </a:r>
-            <a:endParaRPr lang="en-US" sz="2200" dirty="0">
-              <a:latin typeface="Courier New" panose="02070309020205020404" pitchFamily="49" charset="0"/>
-              <a:cs typeface="Courier New" panose="02070309020205020404" pitchFamily="49" charset="0"/>
-            </a:endParaRPr>
-          </a:p>
-          <a:p>
-            <a:r>
-              <a:rPr lang="en-US" sz="2200" dirty="0" smtClean="0">
-                <a:latin typeface="Courier New" panose="02070309020205020404" pitchFamily="49" charset="0"/>
-                <a:cs typeface="Courier New" panose="02070309020205020404" pitchFamily="49" charset="0"/>
-              </a:rPr>
-              <a:t>}</a:t>
-            </a:r>
-            <a:endParaRPr lang="en-US" sz="2200" dirty="0">
-              <a:latin typeface="Courier New" panose="02070309020205020404" pitchFamily="49" charset="0"/>
-              <a:cs typeface="Courier New" panose="02070309020205020404" pitchFamily="49" charset="0"/>
-            </a:endParaRPr>
+                <a:latin typeface="+mj-lt"/>
+              </a:rPr>
+              <a:t>// error, expecting ‘)’</a:t>
+            </a:r>
           </a:p>
         </p:txBody>
       </p:sp>
     </p:spTree>
     <p:extLst>
       <p:ext uri="{BB962C8B-B14F-4D97-AF65-F5344CB8AC3E}">
-        <p14:creationId xmlns:p14="http://schemas.microsoft.com/office/powerpoint/2010/main" val="3838363085"/>
+        <p14:creationId xmlns:p14="http://schemas.microsoft.com/office/powerpoint/2010/main" val="1391777694"/>
       </p:ext>
     </p:extLst>
   </p:cSld>
@@ -12890,562 +12892,6 @@
               <a:rPr lang="en-US" sz="4800" dirty="0" smtClean="0">
                 <a:latin typeface="+mj-lt"/>
               </a:rPr>
-              <a:t>Predictive Parser: Example</a:t>
-            </a:r>
-            <a:endParaRPr lang="en-US" sz="4800" dirty="0">
-              <a:latin typeface="+mj-lt"/>
-            </a:endParaRPr>
-          </a:p>
-        </p:txBody>
-      </p:sp>
-      <p:sp>
-        <p:nvSpPr>
-          <p:cNvPr id="5" name="TextBox 4"/>
-          <p:cNvSpPr txBox="1"/>
-          <p:nvPr/>
-        </p:nvSpPr>
-        <p:spPr>
-          <a:xfrm>
-            <a:off x="1011115" y="1529866"/>
-            <a:ext cx="10137964" cy="3108543"/>
-          </a:xfrm>
-          <a:prstGeom prst="rect">
-            <a:avLst/>
-          </a:prstGeom>
-          <a:noFill/>
-        </p:spPr>
-        <p:txBody>
-          <a:bodyPr wrap="square" rtlCol="0">
-            <a:spAutoFit/>
-          </a:bodyPr>
-          <a:lstStyle/>
-          <a:p>
-            <a:r>
-              <a:rPr lang="en-US" sz="2800" dirty="0" smtClean="0">
-                <a:latin typeface="+mj-lt"/>
-              </a:rPr>
-              <a:t>What happens for the input (7)?</a:t>
-            </a:r>
-          </a:p>
-          <a:p>
-            <a:r>
-              <a:rPr lang="en-US" sz="2800" dirty="0" smtClean="0">
-                <a:latin typeface="+mj-lt"/>
-              </a:rPr>
-              <a:t>Call trace:</a:t>
-            </a:r>
-          </a:p>
-          <a:p>
-            <a:pPr marL="742950" lvl="1" indent="-285750">
-              <a:buFont typeface="Arial" panose="020B0604020202020204" pitchFamily="34" charset="0"/>
-              <a:buChar char="•"/>
-            </a:pPr>
-            <a:r>
-              <a:rPr lang="en-US" sz="2800" dirty="0" err="1" smtClean="0">
-                <a:latin typeface="+mj-lt"/>
-              </a:rPr>
-              <a:t>parse_S</a:t>
-            </a:r>
-            <a:endParaRPr lang="en-US" sz="2800" dirty="0" smtClean="0">
-              <a:latin typeface="+mj-lt"/>
-            </a:endParaRPr>
-          </a:p>
-          <a:p>
-            <a:pPr marL="1200150" lvl="2" indent="-285750">
-              <a:buFont typeface="Arial" panose="020B0604020202020204" pitchFamily="34" charset="0"/>
-              <a:buChar char="•"/>
-            </a:pPr>
-            <a:r>
-              <a:rPr lang="en-US" sz="2800" dirty="0" err="1" smtClean="0">
-                <a:latin typeface="+mj-lt"/>
-              </a:rPr>
-              <a:t>parse_token</a:t>
-            </a:r>
-            <a:r>
-              <a:rPr lang="en-US" sz="2800" dirty="0" smtClean="0">
-                <a:latin typeface="+mj-lt"/>
-              </a:rPr>
-              <a:t> </a:t>
-            </a:r>
-            <a:r>
-              <a:rPr lang="en-US" sz="2800" b="1" dirty="0">
-                <a:solidFill>
-                  <a:srgbClr val="0070C0"/>
-                </a:solidFill>
-                <a:latin typeface="+mj-lt"/>
-              </a:rPr>
-              <a:t>// match with </a:t>
-            </a:r>
-            <a:r>
-              <a:rPr lang="en-US" sz="2800" b="1" dirty="0" smtClean="0">
-                <a:solidFill>
-                  <a:srgbClr val="0070C0"/>
-                </a:solidFill>
-                <a:latin typeface="+mj-lt"/>
-              </a:rPr>
-              <a:t>‘(‘</a:t>
-            </a:r>
-            <a:endParaRPr lang="en-US" sz="2800" dirty="0" smtClean="0">
-              <a:latin typeface="+mj-lt"/>
-            </a:endParaRPr>
-          </a:p>
-          <a:p>
-            <a:pPr marL="1200150" lvl="2" indent="-285750">
-              <a:buFont typeface="Arial" panose="020B0604020202020204" pitchFamily="34" charset="0"/>
-              <a:buChar char="•"/>
-            </a:pPr>
-            <a:r>
-              <a:rPr lang="en-US" sz="2800" dirty="0" err="1" smtClean="0">
-                <a:latin typeface="+mj-lt"/>
-              </a:rPr>
-              <a:t>parse_S</a:t>
-            </a:r>
-            <a:endParaRPr lang="en-US" sz="2800" dirty="0" smtClean="0">
-              <a:latin typeface="+mj-lt"/>
-            </a:endParaRPr>
-          </a:p>
-          <a:p>
-            <a:pPr marL="1657350" lvl="3" indent="-285750">
-              <a:buFont typeface="Arial" panose="020B0604020202020204" pitchFamily="34" charset="0"/>
-              <a:buChar char="•"/>
-            </a:pPr>
-            <a:r>
-              <a:rPr lang="en-US" sz="2800" dirty="0" err="1" smtClean="0">
-                <a:latin typeface="+mj-lt"/>
-              </a:rPr>
-              <a:t>parse_token</a:t>
-            </a:r>
-            <a:r>
-              <a:rPr lang="en-US" sz="2800" dirty="0" smtClean="0">
-                <a:latin typeface="+mj-lt"/>
-              </a:rPr>
-              <a:t> </a:t>
-            </a:r>
-            <a:r>
-              <a:rPr lang="en-US" sz="2800" b="1" dirty="0">
-                <a:solidFill>
-                  <a:srgbClr val="0070C0"/>
-                </a:solidFill>
-                <a:latin typeface="+mj-lt"/>
-              </a:rPr>
-              <a:t>// match with </a:t>
-            </a:r>
-            <a:r>
-              <a:rPr lang="en-US" sz="2800" b="1" dirty="0" smtClean="0">
-                <a:solidFill>
-                  <a:srgbClr val="0070C0"/>
-                </a:solidFill>
-                <a:latin typeface="+mj-lt"/>
-              </a:rPr>
-              <a:t>‘7‘</a:t>
-            </a:r>
-            <a:endParaRPr lang="en-US" sz="2800" dirty="0" smtClean="0">
-              <a:latin typeface="+mj-lt"/>
-            </a:endParaRPr>
-          </a:p>
-          <a:p>
-            <a:pPr marL="1200150" lvl="2" indent="-285750">
-              <a:buFont typeface="Arial" panose="020B0604020202020204" pitchFamily="34" charset="0"/>
-              <a:buChar char="•"/>
-            </a:pPr>
-            <a:r>
-              <a:rPr lang="en-US" sz="2800" dirty="0" err="1" smtClean="0">
-                <a:latin typeface="+mj-lt"/>
-              </a:rPr>
-              <a:t>parse_token</a:t>
-            </a:r>
-            <a:r>
-              <a:rPr lang="en-US" sz="2800" dirty="0" smtClean="0">
-                <a:latin typeface="+mj-lt"/>
-              </a:rPr>
-              <a:t> </a:t>
-            </a:r>
-            <a:r>
-              <a:rPr lang="en-US" sz="2800" b="1" dirty="0">
-                <a:solidFill>
-                  <a:srgbClr val="0070C0"/>
-                </a:solidFill>
-                <a:latin typeface="+mj-lt"/>
-              </a:rPr>
-              <a:t>// match with </a:t>
-            </a:r>
-            <a:r>
-              <a:rPr lang="en-US" sz="2800" b="1" dirty="0" smtClean="0">
-                <a:solidFill>
-                  <a:srgbClr val="0070C0"/>
-                </a:solidFill>
-                <a:latin typeface="+mj-lt"/>
-              </a:rPr>
-              <a:t>‘)‘</a:t>
-            </a:r>
-            <a:endParaRPr lang="en-US" sz="2800" b="1" dirty="0">
-              <a:solidFill>
-                <a:srgbClr val="0070C0"/>
-              </a:solidFill>
-              <a:latin typeface="+mj-lt"/>
-            </a:endParaRPr>
-          </a:p>
-        </p:txBody>
-      </p:sp>
-    </p:spTree>
-    <p:extLst>
-      <p:ext uri="{BB962C8B-B14F-4D97-AF65-F5344CB8AC3E}">
-        <p14:creationId xmlns:p14="http://schemas.microsoft.com/office/powerpoint/2010/main" val="625074091"/>
-      </p:ext>
-    </p:extLst>
-  </p:cSld>
-  <p:clrMapOvr>
-    <a:masterClrMapping/>
-  </p:clrMapOvr>
-  <p:timing>
-    <p:tnLst>
-      <p:par>
-        <p:cTn id="1" dur="indefinite" restart="never" nodeType="tmRoot"/>
-      </p:par>
-    </p:tnLst>
-  </p:timing>
-</p:sld>
-</file>
-
-<file path=ppt/slides/slide35.xml><?xml version="1.0" encoding="utf-8"?>
-<p:sld xmlns:a="http://schemas.openxmlformats.org/drawingml/2006/main" xmlns:r="http://schemas.openxmlformats.org/officeDocument/2006/relationships" xmlns:p="http://schemas.openxmlformats.org/presentationml/2006/main">
-  <p:cSld>
-    <p:spTree>
-      <p:nvGrpSpPr>
-        <p:cNvPr id="1" name=""/>
-        <p:cNvGrpSpPr/>
-        <p:nvPr/>
-      </p:nvGrpSpPr>
-      <p:grpSpPr>
-        <a:xfrm>
-          <a:off x="0" y="0"/>
-          <a:ext cx="0" cy="0"/>
-          <a:chOff x="0" y="0"/>
-          <a:chExt cx="0" cy="0"/>
-        </a:xfrm>
-      </p:grpSpPr>
-      <p:sp>
-        <p:nvSpPr>
-          <p:cNvPr id="4" name="TextBox 3"/>
-          <p:cNvSpPr txBox="1"/>
-          <p:nvPr/>
-        </p:nvSpPr>
-        <p:spPr>
-          <a:xfrm>
-            <a:off x="1011115" y="668215"/>
-            <a:ext cx="10137964" cy="830997"/>
-          </a:xfrm>
-          <a:prstGeom prst="rect">
-            <a:avLst/>
-          </a:prstGeom>
-          <a:noFill/>
-        </p:spPr>
-        <p:txBody>
-          <a:bodyPr wrap="square" rtlCol="0">
-            <a:spAutoFit/>
-          </a:bodyPr>
-          <a:lstStyle/>
-          <a:p>
-            <a:r>
-              <a:rPr lang="en-US" sz="4800" dirty="0" smtClean="0">
-                <a:latin typeface="+mj-lt"/>
-              </a:rPr>
-              <a:t>Predictive Parser: Example</a:t>
-            </a:r>
-            <a:endParaRPr lang="en-US" sz="4800" dirty="0">
-              <a:latin typeface="+mj-lt"/>
-            </a:endParaRPr>
-          </a:p>
-        </p:txBody>
-      </p:sp>
-      <p:sp>
-        <p:nvSpPr>
-          <p:cNvPr id="5" name="TextBox 4"/>
-          <p:cNvSpPr txBox="1"/>
-          <p:nvPr/>
-        </p:nvSpPr>
-        <p:spPr>
-          <a:xfrm>
-            <a:off x="1011115" y="1529866"/>
-            <a:ext cx="10137964" cy="4401205"/>
-          </a:xfrm>
-          <a:prstGeom prst="rect">
-            <a:avLst/>
-          </a:prstGeom>
-          <a:noFill/>
-        </p:spPr>
-        <p:txBody>
-          <a:bodyPr wrap="square" rtlCol="0">
-            <a:spAutoFit/>
-          </a:bodyPr>
-          <a:lstStyle/>
-          <a:p>
-            <a:r>
-              <a:rPr lang="en-US" sz="2800" dirty="0" smtClean="0">
-                <a:latin typeface="+mj-lt"/>
-              </a:rPr>
-              <a:t>What happens for the input ((7)?</a:t>
-            </a:r>
-          </a:p>
-          <a:p>
-            <a:r>
-              <a:rPr lang="en-US" sz="2800" dirty="0" smtClean="0">
-                <a:latin typeface="+mj-lt"/>
-              </a:rPr>
-              <a:t>Call trace:</a:t>
-            </a:r>
-          </a:p>
-          <a:p>
-            <a:pPr marL="742950" lvl="1" indent="-285750">
-              <a:buFont typeface="Arial" panose="020B0604020202020204" pitchFamily="34" charset="0"/>
-              <a:buChar char="•"/>
-            </a:pPr>
-            <a:r>
-              <a:rPr lang="en-US" sz="2800" dirty="0" err="1" smtClean="0">
-                <a:latin typeface="+mj-lt"/>
-              </a:rPr>
-              <a:t>parse_S</a:t>
-            </a:r>
-            <a:endParaRPr lang="en-US" sz="2800" dirty="0" smtClean="0">
-              <a:latin typeface="+mj-lt"/>
-            </a:endParaRPr>
-          </a:p>
-          <a:p>
-            <a:pPr marL="1200150" lvl="2" indent="-285750">
-              <a:buFont typeface="Arial" panose="020B0604020202020204" pitchFamily="34" charset="0"/>
-              <a:buChar char="•"/>
-            </a:pPr>
-            <a:r>
-              <a:rPr lang="en-US" sz="2800" dirty="0" err="1" smtClean="0">
-                <a:latin typeface="+mj-lt"/>
-              </a:rPr>
-              <a:t>parse_token</a:t>
-            </a:r>
-            <a:r>
-              <a:rPr lang="en-US" sz="2800" dirty="0" smtClean="0">
-                <a:latin typeface="+mj-lt"/>
-              </a:rPr>
-              <a:t> </a:t>
-            </a:r>
-            <a:r>
-              <a:rPr lang="en-US" sz="2800" b="1" dirty="0" smtClean="0">
-                <a:solidFill>
-                  <a:srgbClr val="0070C0"/>
-                </a:solidFill>
-                <a:latin typeface="+mj-lt"/>
-              </a:rPr>
-              <a:t>// match with ‘(‘</a:t>
-            </a:r>
-          </a:p>
-          <a:p>
-            <a:pPr marL="1200150" lvl="2" indent="-285750">
-              <a:buFont typeface="Arial" panose="020B0604020202020204" pitchFamily="34" charset="0"/>
-              <a:buChar char="•"/>
-            </a:pPr>
-            <a:r>
-              <a:rPr lang="en-US" sz="2800" dirty="0" err="1" smtClean="0">
-                <a:latin typeface="+mj-lt"/>
-              </a:rPr>
-              <a:t>parse_S</a:t>
-            </a:r>
-            <a:endParaRPr lang="en-US" sz="2800" dirty="0" smtClean="0">
-              <a:latin typeface="+mj-lt"/>
-            </a:endParaRPr>
-          </a:p>
-          <a:p>
-            <a:pPr marL="1657350" lvl="3" indent="-285750">
-              <a:buFont typeface="Arial" panose="020B0604020202020204" pitchFamily="34" charset="0"/>
-              <a:buChar char="•"/>
-            </a:pPr>
-            <a:r>
-              <a:rPr lang="en-US" sz="2800" dirty="0" err="1" smtClean="0">
-                <a:latin typeface="+mj-lt"/>
-              </a:rPr>
-              <a:t>parse_token</a:t>
-            </a:r>
-            <a:r>
-              <a:rPr lang="en-US" sz="2800" dirty="0" smtClean="0">
-                <a:latin typeface="+mj-lt"/>
-              </a:rPr>
-              <a:t> </a:t>
-            </a:r>
-            <a:r>
-              <a:rPr lang="en-US" sz="2800" b="1" dirty="0" smtClean="0">
-                <a:solidFill>
-                  <a:srgbClr val="0070C0"/>
-                </a:solidFill>
-                <a:latin typeface="+mj-lt"/>
-              </a:rPr>
-              <a:t>// match with ‘(‘</a:t>
-            </a:r>
-          </a:p>
-          <a:p>
-            <a:pPr marL="1657350" lvl="3" indent="-285750">
-              <a:buFont typeface="Arial" panose="020B0604020202020204" pitchFamily="34" charset="0"/>
-              <a:buChar char="•"/>
-            </a:pPr>
-            <a:r>
-              <a:rPr lang="en-US" sz="2800" dirty="0" err="1">
-                <a:latin typeface="+mj-lt"/>
-              </a:rPr>
-              <a:t>p</a:t>
-            </a:r>
-            <a:r>
-              <a:rPr lang="en-US" sz="2800" dirty="0" err="1" smtClean="0">
-                <a:latin typeface="+mj-lt"/>
-              </a:rPr>
-              <a:t>arse_S</a:t>
-            </a:r>
-            <a:endParaRPr lang="en-US" sz="2800" dirty="0" smtClean="0">
-              <a:latin typeface="+mj-lt"/>
-            </a:endParaRPr>
-          </a:p>
-          <a:p>
-            <a:pPr marL="2114550" lvl="4" indent="-285750">
-              <a:buFont typeface="Arial" panose="020B0604020202020204" pitchFamily="34" charset="0"/>
-              <a:buChar char="•"/>
-            </a:pPr>
-            <a:r>
-              <a:rPr lang="en-US" sz="2800" dirty="0" err="1" smtClean="0">
-                <a:latin typeface="+mj-lt"/>
-              </a:rPr>
-              <a:t>parse_token</a:t>
-            </a:r>
-            <a:r>
-              <a:rPr lang="en-US" sz="2800" dirty="0" smtClean="0">
-                <a:latin typeface="+mj-lt"/>
-              </a:rPr>
-              <a:t> </a:t>
-            </a:r>
-            <a:r>
-              <a:rPr lang="en-US" sz="2800" b="1" dirty="0" smtClean="0">
-                <a:solidFill>
-                  <a:srgbClr val="0070C0"/>
-                </a:solidFill>
-                <a:latin typeface="+mj-lt"/>
-              </a:rPr>
-              <a:t>// match with ‘7’</a:t>
-            </a:r>
-          </a:p>
-          <a:p>
-            <a:pPr marL="1657350" lvl="3" indent="-285750">
-              <a:buFont typeface="Arial" panose="020B0604020202020204" pitchFamily="34" charset="0"/>
-              <a:buChar char="•"/>
-            </a:pPr>
-            <a:r>
-              <a:rPr lang="en-US" sz="2800" dirty="0" err="1" smtClean="0">
-                <a:latin typeface="+mj-lt"/>
-              </a:rPr>
-              <a:t>parse_token</a:t>
-            </a:r>
-            <a:r>
-              <a:rPr lang="en-US" sz="2800" dirty="0" smtClean="0">
-                <a:latin typeface="+mj-lt"/>
-              </a:rPr>
-              <a:t> </a:t>
-            </a:r>
-            <a:r>
-              <a:rPr lang="en-US" sz="2800" b="1" dirty="0" smtClean="0">
-                <a:solidFill>
-                  <a:srgbClr val="0070C0"/>
-                </a:solidFill>
-                <a:latin typeface="+mj-lt"/>
-              </a:rPr>
-              <a:t>// match with ‘)’</a:t>
-            </a:r>
-          </a:p>
-          <a:p>
-            <a:pPr marL="1200150" lvl="2" indent="-285750">
-              <a:buFont typeface="Arial" panose="020B0604020202020204" pitchFamily="34" charset="0"/>
-              <a:buChar char="•"/>
-            </a:pPr>
-            <a:r>
-              <a:rPr lang="en-US" sz="2800" dirty="0" err="1" smtClean="0">
-                <a:latin typeface="+mj-lt"/>
-              </a:rPr>
-              <a:t>parse_token</a:t>
-            </a:r>
-            <a:r>
-              <a:rPr lang="en-US" sz="2800" dirty="0" smtClean="0">
-                <a:latin typeface="+mj-lt"/>
-              </a:rPr>
-              <a:t> </a:t>
-            </a:r>
-            <a:r>
-              <a:rPr lang="en-US" sz="2800" b="1" dirty="0" smtClean="0">
-                <a:solidFill>
-                  <a:srgbClr val="C00000"/>
-                </a:solidFill>
-                <a:latin typeface="+mj-lt"/>
-              </a:rPr>
-              <a:t>// error, expecting ‘)’</a:t>
-            </a:r>
-          </a:p>
-        </p:txBody>
-      </p:sp>
-    </p:spTree>
-    <p:extLst>
-      <p:ext uri="{BB962C8B-B14F-4D97-AF65-F5344CB8AC3E}">
-        <p14:creationId xmlns:p14="http://schemas.microsoft.com/office/powerpoint/2010/main" val="1391777694"/>
-      </p:ext>
-    </p:extLst>
-  </p:cSld>
-  <p:clrMapOvr>
-    <a:masterClrMapping/>
-  </p:clrMapOvr>
-  <p:timing>
-    <p:tnLst>
-      <p:par>
-        <p:cTn id="1" dur="indefinite" restart="never" nodeType="tmRoot"/>
-      </p:par>
-    </p:tnLst>
-  </p:timing>
-</p:sld>
-</file>
-
-<file path=ppt/slides/slide36.xml><?xml version="1.0" encoding="utf-8"?>
-<p:sld xmlns:a="http://schemas.openxmlformats.org/drawingml/2006/main" xmlns:r="http://schemas.openxmlformats.org/officeDocument/2006/relationships" xmlns:p="http://schemas.openxmlformats.org/presentationml/2006/main">
-  <p:cSld>
-    <p:spTree>
-      <p:nvGrpSpPr>
-        <p:cNvPr id="1" name=""/>
-        <p:cNvGrpSpPr/>
-        <p:nvPr/>
-      </p:nvGrpSpPr>
-      <p:grpSpPr>
-        <a:xfrm>
-          <a:off x="0" y="0"/>
-          <a:ext cx="0" cy="0"/>
-          <a:chOff x="0" y="0"/>
-          <a:chExt cx="0" cy="0"/>
-        </a:xfrm>
-      </p:grpSpPr>
-      <p:sp>
-        <p:nvSpPr>
-          <p:cNvPr id="4" name="TextBox 3"/>
-          <p:cNvSpPr txBox="1"/>
-          <p:nvPr/>
-        </p:nvSpPr>
-        <p:spPr>
-          <a:xfrm>
-            <a:off x="1011115" y="668215"/>
-            <a:ext cx="10137964" cy="830997"/>
-          </a:xfrm>
-          <a:prstGeom prst="rect">
-            <a:avLst/>
-          </a:prstGeom>
-          <a:noFill/>
-        </p:spPr>
-        <p:txBody>
-          <a:bodyPr wrap="square" rtlCol="0">
-            <a:spAutoFit/>
-          </a:bodyPr>
-          <a:lstStyle/>
-          <a:p>
-            <a:r>
-              <a:rPr lang="en-US" sz="4800" dirty="0" smtClean="0">
-                <a:latin typeface="+mj-lt"/>
-              </a:rPr>
               <a:t>Language of Balanced Parentheses 2</a:t>
             </a:r>
             <a:endParaRPr lang="en-US" sz="4800" dirty="0">
@@ -13585,7 +13031,7 @@
 </p:sld>
 </file>
 
-<file path=ppt/slides/slide37.xml><?xml version="1.0" encoding="utf-8"?>
+<file path=ppt/slides/slide35.xml><?xml version="1.0" encoding="utf-8"?>
 <p:sld xmlns:a="http://schemas.openxmlformats.org/drawingml/2006/main" xmlns:r="http://schemas.openxmlformats.org/officeDocument/2006/relationships" xmlns:p="http://schemas.openxmlformats.org/presentationml/2006/main">
   <p:cSld>
     <p:spTree>
@@ -13910,7 +13356,7 @@
 </p:sld>
 </file>
 
-<file path=ppt/slides/slide38.xml><?xml version="1.0" encoding="utf-8"?>
+<file path=ppt/slides/slide36.xml><?xml version="1.0" encoding="utf-8"?>
 <p:sld xmlns:a="http://schemas.openxmlformats.org/drawingml/2006/main" xmlns:r="http://schemas.openxmlformats.org/officeDocument/2006/relationships" xmlns:p="http://schemas.openxmlformats.org/presentationml/2006/main">
   <p:cSld>
     <p:spTree>
@@ -14715,7 +14161,7 @@
 </p:sld>
 </file>
 
-<file path=ppt/slides/slide39.xml><?xml version="1.0" encoding="utf-8"?>
+<file path=ppt/slides/slide37.xml><?xml version="1.0" encoding="utf-8"?>
 <p:sld xmlns:a="http://schemas.openxmlformats.org/drawingml/2006/main" xmlns:r="http://schemas.openxmlformats.org/officeDocument/2006/relationships" xmlns:p="http://schemas.openxmlformats.org/presentationml/2006/main">
   <p:cSld>
     <p:spTree>
@@ -14865,193 +14311,7 @@
 </p:sld>
 </file>
 
-<file path=ppt/slides/slide4.xml><?xml version="1.0" encoding="utf-8"?>
-<p:sld xmlns:a="http://schemas.openxmlformats.org/drawingml/2006/main" xmlns:r="http://schemas.openxmlformats.org/officeDocument/2006/relationships" xmlns:p="http://schemas.openxmlformats.org/presentationml/2006/main">
-  <p:cSld>
-    <p:spTree>
-      <p:nvGrpSpPr>
-        <p:cNvPr id="1" name=""/>
-        <p:cNvGrpSpPr/>
-        <p:nvPr/>
-      </p:nvGrpSpPr>
-      <p:grpSpPr>
-        <a:xfrm>
-          <a:off x="0" y="0"/>
-          <a:ext cx="0" cy="0"/>
-          <a:chOff x="0" y="0"/>
-          <a:chExt cx="0" cy="0"/>
-        </a:xfrm>
-      </p:grpSpPr>
-      <p:sp>
-        <p:nvSpPr>
-          <p:cNvPr id="4" name="TextBox 3"/>
-          <p:cNvSpPr txBox="1"/>
-          <p:nvPr/>
-        </p:nvSpPr>
-        <p:spPr>
-          <a:xfrm>
-            <a:off x="1011115" y="668215"/>
-            <a:ext cx="10137964" cy="830997"/>
-          </a:xfrm>
-          <a:prstGeom prst="rect">
-            <a:avLst/>
-          </a:prstGeom>
-          <a:noFill/>
-        </p:spPr>
-        <p:txBody>
-          <a:bodyPr wrap="square" rtlCol="0">
-            <a:spAutoFit/>
-          </a:bodyPr>
-          <a:lstStyle/>
-          <a:p>
-            <a:r>
-              <a:rPr lang="en-US" sz="4800" dirty="0" smtClean="0">
-                <a:latin typeface="+mj-lt"/>
-              </a:rPr>
-              <a:t>Examples</a:t>
-            </a:r>
-            <a:endParaRPr lang="en-US" sz="4800" dirty="0">
-              <a:latin typeface="+mj-lt"/>
-            </a:endParaRPr>
-          </a:p>
-        </p:txBody>
-      </p:sp>
-      <p:sp>
-        <p:nvSpPr>
-          <p:cNvPr id="2" name="Rounded Rectangle 1"/>
-          <p:cNvSpPr/>
-          <p:nvPr/>
-        </p:nvSpPr>
-        <p:spPr>
-          <a:xfrm>
-            <a:off x="3906982" y="1884216"/>
-            <a:ext cx="4027054" cy="1681018"/>
-          </a:xfrm>
-          <a:prstGeom prst="roundRect">
-            <a:avLst/>
-          </a:prstGeom>
-          <a:solidFill>
-            <a:schemeClr val="accent1">
-              <a:lumMod val="20000"/>
-              <a:lumOff val="80000"/>
-            </a:schemeClr>
-          </a:solidFill>
-        </p:spPr>
-        <p:style>
-          <a:lnRef idx="2">
-            <a:schemeClr val="accent1">
-              <a:shade val="50000"/>
-            </a:schemeClr>
-          </a:lnRef>
-          <a:fillRef idx="1">
-            <a:schemeClr val="accent1"/>
-          </a:fillRef>
-          <a:effectRef idx="0">
-            <a:schemeClr val="accent1"/>
-          </a:effectRef>
-          <a:fontRef idx="minor">
-            <a:schemeClr val="lt1"/>
-          </a:fontRef>
-        </p:style>
-        <p:txBody>
-          <a:bodyPr rtlCol="0" anchor="ctr"/>
-          <a:lstStyle/>
-          <a:p>
-            <a:r>
-              <a:rPr lang="en-US" sz="2400" b="1" dirty="0">
-                <a:solidFill>
-                  <a:schemeClr val="tx1"/>
-                </a:solidFill>
-                <a:latin typeface="Courier New" panose="02070309020205020404" pitchFamily="49" charset="0"/>
-                <a:cs typeface="Courier New" panose="02070309020205020404" pitchFamily="49" charset="0"/>
-              </a:rPr>
-              <a:t>void f(</a:t>
-            </a:r>
-            <a:r>
-              <a:rPr lang="en-US" sz="2400" b="1" dirty="0" err="1">
-                <a:solidFill>
-                  <a:schemeClr val="tx1"/>
-                </a:solidFill>
-                <a:latin typeface="Courier New" panose="02070309020205020404" pitchFamily="49" charset="0"/>
-                <a:cs typeface="Courier New" panose="02070309020205020404" pitchFamily="49" charset="0"/>
-              </a:rPr>
-              <a:t>int</a:t>
-            </a:r>
-            <a:r>
-              <a:rPr lang="en-US" sz="2400" b="1" dirty="0">
-                <a:solidFill>
-                  <a:schemeClr val="tx1"/>
-                </a:solidFill>
-                <a:latin typeface="Courier New" panose="02070309020205020404" pitchFamily="49" charset="0"/>
-                <a:cs typeface="Courier New" panose="02070309020205020404" pitchFamily="49" charset="0"/>
-              </a:rPr>
-              <a:t> a) {</a:t>
-            </a:r>
-          </a:p>
-          <a:p>
-            <a:r>
-              <a:rPr lang="en-US" sz="2400" b="1" dirty="0">
-                <a:solidFill>
-                  <a:schemeClr val="tx1"/>
-                </a:solidFill>
-                <a:latin typeface="Courier New" panose="02070309020205020404" pitchFamily="49" charset="0"/>
-                <a:cs typeface="Courier New" panose="02070309020205020404" pitchFamily="49" charset="0"/>
-              </a:rPr>
-              <a:t>	((((8</a:t>
-            </a:r>
-            <a:r>
-              <a:rPr lang="en-US" sz="2400" b="1" dirty="0" smtClean="0">
-                <a:solidFill>
-                  <a:schemeClr val="tx1"/>
-                </a:solidFill>
-                <a:latin typeface="Courier New" panose="02070309020205020404" pitchFamily="49" charset="0"/>
-                <a:cs typeface="Courier New" panose="02070309020205020404" pitchFamily="49" charset="0"/>
-              </a:rPr>
-              <a:t>);</a:t>
-            </a:r>
-            <a:endParaRPr lang="en-US" sz="2400" b="1" dirty="0">
-              <a:solidFill>
-                <a:schemeClr val="tx1"/>
-              </a:solidFill>
-              <a:latin typeface="Courier New" panose="02070309020205020404" pitchFamily="49" charset="0"/>
-              <a:cs typeface="Courier New" panose="02070309020205020404" pitchFamily="49" charset="0"/>
-            </a:endParaRPr>
-          </a:p>
-          <a:p>
-            <a:r>
-              <a:rPr lang="en-US" sz="2400" b="1" dirty="0">
-                <a:solidFill>
-                  <a:schemeClr val="tx1"/>
-                </a:solidFill>
-                <a:latin typeface="Courier New" panose="02070309020205020404" pitchFamily="49" charset="0"/>
-                <a:cs typeface="Courier New" panose="02070309020205020404" pitchFamily="49" charset="0"/>
-              </a:rPr>
-              <a:t>}</a:t>
-            </a:r>
-          </a:p>
-        </p:txBody>
-      </p:sp>
-    </p:spTree>
-    <p:extLst>
-      <p:ext uri="{BB962C8B-B14F-4D97-AF65-F5344CB8AC3E}">
-        <p14:creationId xmlns:p14="http://schemas.microsoft.com/office/powerpoint/2010/main" val="2740879380"/>
-      </p:ext>
-    </p:extLst>
-  </p:cSld>
-  <p:clrMapOvr>
-    <a:masterClrMapping/>
-  </p:clrMapOvr>
-  <p:timing>
-    <p:tnLst>
-      <p:par>
-        <p:cTn id="1" dur="indefinite" restart="never" nodeType="tmRoot"/>
-      </p:par>
-    </p:tnLst>
-  </p:timing>
-</p:sld>
-</file>
-
-<file path=ppt/slides/slide40.xml><?xml version="1.0" encoding="utf-8"?>
+<file path=ppt/slides/slide38.xml><?xml version="1.0" encoding="utf-8"?>
 <p:sld xmlns:a="http://schemas.openxmlformats.org/drawingml/2006/main" xmlns:r="http://schemas.openxmlformats.org/officeDocument/2006/relationships" xmlns:p="http://schemas.openxmlformats.org/presentationml/2006/main">
   <p:cSld>
     <p:spTree>
@@ -15428,7 +14688,7 @@
 </p:sld>
 </file>
 
-<file path=ppt/slides/slide41.xml><?xml version="1.0" encoding="utf-8"?>
+<file path=ppt/slides/slide39.xml><?xml version="1.0" encoding="utf-8"?>
 <p:sld xmlns:a="http://schemas.openxmlformats.org/drawingml/2006/main" xmlns:r="http://schemas.openxmlformats.org/officeDocument/2006/relationships" xmlns:p="http://schemas.openxmlformats.org/presentationml/2006/main">
   <p:cSld>
     <p:spTree>
@@ -15813,7 +15073,193 @@
 </p:sld>
 </file>
 
-<file path=ppt/slides/slide42.xml><?xml version="1.0" encoding="utf-8"?>
+<file path=ppt/slides/slide4.xml><?xml version="1.0" encoding="utf-8"?>
+<p:sld xmlns:a="http://schemas.openxmlformats.org/drawingml/2006/main" xmlns:r="http://schemas.openxmlformats.org/officeDocument/2006/relationships" xmlns:p="http://schemas.openxmlformats.org/presentationml/2006/main">
+  <p:cSld>
+    <p:spTree>
+      <p:nvGrpSpPr>
+        <p:cNvPr id="1" name=""/>
+        <p:cNvGrpSpPr/>
+        <p:nvPr/>
+      </p:nvGrpSpPr>
+      <p:grpSpPr>
+        <a:xfrm>
+          <a:off x="0" y="0"/>
+          <a:ext cx="0" cy="0"/>
+          <a:chOff x="0" y="0"/>
+          <a:chExt cx="0" cy="0"/>
+        </a:xfrm>
+      </p:grpSpPr>
+      <p:sp>
+        <p:nvSpPr>
+          <p:cNvPr id="4" name="TextBox 3"/>
+          <p:cNvSpPr txBox="1"/>
+          <p:nvPr/>
+        </p:nvSpPr>
+        <p:spPr>
+          <a:xfrm>
+            <a:off x="1011115" y="668215"/>
+            <a:ext cx="10137964" cy="830997"/>
+          </a:xfrm>
+          <a:prstGeom prst="rect">
+            <a:avLst/>
+          </a:prstGeom>
+          <a:noFill/>
+        </p:spPr>
+        <p:txBody>
+          <a:bodyPr wrap="square" rtlCol="0">
+            <a:spAutoFit/>
+          </a:bodyPr>
+          <a:lstStyle/>
+          <a:p>
+            <a:r>
+              <a:rPr lang="en-US" sz="4800" dirty="0" smtClean="0">
+                <a:latin typeface="+mj-lt"/>
+              </a:rPr>
+              <a:t>Examples</a:t>
+            </a:r>
+            <a:endParaRPr lang="en-US" sz="4800" dirty="0">
+              <a:latin typeface="+mj-lt"/>
+            </a:endParaRPr>
+          </a:p>
+        </p:txBody>
+      </p:sp>
+      <p:sp>
+        <p:nvSpPr>
+          <p:cNvPr id="2" name="Rounded Rectangle 1"/>
+          <p:cNvSpPr/>
+          <p:nvPr/>
+        </p:nvSpPr>
+        <p:spPr>
+          <a:xfrm>
+            <a:off x="3906982" y="1884216"/>
+            <a:ext cx="4027054" cy="1681018"/>
+          </a:xfrm>
+          <a:prstGeom prst="roundRect">
+            <a:avLst/>
+          </a:prstGeom>
+          <a:solidFill>
+            <a:schemeClr val="accent1">
+              <a:lumMod val="20000"/>
+              <a:lumOff val="80000"/>
+            </a:schemeClr>
+          </a:solidFill>
+        </p:spPr>
+        <p:style>
+          <a:lnRef idx="2">
+            <a:schemeClr val="accent1">
+              <a:shade val="50000"/>
+            </a:schemeClr>
+          </a:lnRef>
+          <a:fillRef idx="1">
+            <a:schemeClr val="accent1"/>
+          </a:fillRef>
+          <a:effectRef idx="0">
+            <a:schemeClr val="accent1"/>
+          </a:effectRef>
+          <a:fontRef idx="minor">
+            <a:schemeClr val="lt1"/>
+          </a:fontRef>
+        </p:style>
+        <p:txBody>
+          <a:bodyPr rtlCol="0" anchor="ctr"/>
+          <a:lstStyle/>
+          <a:p>
+            <a:r>
+              <a:rPr lang="en-US" sz="2400" b="1" dirty="0">
+                <a:solidFill>
+                  <a:schemeClr val="tx1"/>
+                </a:solidFill>
+                <a:latin typeface="Courier New" panose="02070309020205020404" pitchFamily="49" charset="0"/>
+                <a:cs typeface="Courier New" panose="02070309020205020404" pitchFamily="49" charset="0"/>
+              </a:rPr>
+              <a:t>void f(</a:t>
+            </a:r>
+            <a:r>
+              <a:rPr lang="en-US" sz="2400" b="1" dirty="0" err="1">
+                <a:solidFill>
+                  <a:schemeClr val="tx1"/>
+                </a:solidFill>
+                <a:latin typeface="Courier New" panose="02070309020205020404" pitchFamily="49" charset="0"/>
+                <a:cs typeface="Courier New" panose="02070309020205020404" pitchFamily="49" charset="0"/>
+              </a:rPr>
+              <a:t>int</a:t>
+            </a:r>
+            <a:r>
+              <a:rPr lang="en-US" sz="2400" b="1" dirty="0">
+                <a:solidFill>
+                  <a:schemeClr val="tx1"/>
+                </a:solidFill>
+                <a:latin typeface="Courier New" panose="02070309020205020404" pitchFamily="49" charset="0"/>
+                <a:cs typeface="Courier New" panose="02070309020205020404" pitchFamily="49" charset="0"/>
+              </a:rPr>
+              <a:t> a) {</a:t>
+            </a:r>
+          </a:p>
+          <a:p>
+            <a:r>
+              <a:rPr lang="en-US" sz="2400" b="1" dirty="0">
+                <a:solidFill>
+                  <a:schemeClr val="tx1"/>
+                </a:solidFill>
+                <a:latin typeface="Courier New" panose="02070309020205020404" pitchFamily="49" charset="0"/>
+                <a:cs typeface="Courier New" panose="02070309020205020404" pitchFamily="49" charset="0"/>
+              </a:rPr>
+              <a:t>	((((8</a:t>
+            </a:r>
+            <a:r>
+              <a:rPr lang="en-US" sz="2400" b="1" dirty="0" smtClean="0">
+                <a:solidFill>
+                  <a:schemeClr val="tx1"/>
+                </a:solidFill>
+                <a:latin typeface="Courier New" panose="02070309020205020404" pitchFamily="49" charset="0"/>
+                <a:cs typeface="Courier New" panose="02070309020205020404" pitchFamily="49" charset="0"/>
+              </a:rPr>
+              <a:t>);</a:t>
+            </a:r>
+            <a:endParaRPr lang="en-US" sz="2400" b="1" dirty="0">
+              <a:solidFill>
+                <a:schemeClr val="tx1"/>
+              </a:solidFill>
+              <a:latin typeface="Courier New" panose="02070309020205020404" pitchFamily="49" charset="0"/>
+              <a:cs typeface="Courier New" panose="02070309020205020404" pitchFamily="49" charset="0"/>
+            </a:endParaRPr>
+          </a:p>
+          <a:p>
+            <a:r>
+              <a:rPr lang="en-US" sz="2400" b="1" dirty="0">
+                <a:solidFill>
+                  <a:schemeClr val="tx1"/>
+                </a:solidFill>
+                <a:latin typeface="Courier New" panose="02070309020205020404" pitchFamily="49" charset="0"/>
+                <a:cs typeface="Courier New" panose="02070309020205020404" pitchFamily="49" charset="0"/>
+              </a:rPr>
+              <a:t>}</a:t>
+            </a:r>
+          </a:p>
+        </p:txBody>
+      </p:sp>
+    </p:spTree>
+    <p:extLst>
+      <p:ext uri="{BB962C8B-B14F-4D97-AF65-F5344CB8AC3E}">
+        <p14:creationId xmlns:p14="http://schemas.microsoft.com/office/powerpoint/2010/main" val="2740879380"/>
+      </p:ext>
+    </p:extLst>
+  </p:cSld>
+  <p:clrMapOvr>
+    <a:masterClrMapping/>
+  </p:clrMapOvr>
+  <p:timing>
+    <p:tnLst>
+      <p:par>
+        <p:cTn id="1" dur="indefinite" restart="never" nodeType="tmRoot"/>
+      </p:par>
+    </p:tnLst>
+  </p:timing>
+</p:sld>
+</file>
+
+<file path=ppt/slides/slide40.xml><?xml version="1.0" encoding="utf-8"?>
 <p:sld xmlns:a="http://schemas.openxmlformats.org/drawingml/2006/main" xmlns:r="http://schemas.openxmlformats.org/officeDocument/2006/relationships" xmlns:p="http://schemas.openxmlformats.org/presentationml/2006/main">
   <p:cSld>
     <p:spTree>
@@ -16076,7 +15522,7 @@
 </p:sld>
 </file>
 
-<file path=ppt/slides/slide43.xml><?xml version="1.0" encoding="utf-8"?>
+<file path=ppt/slides/slide41.xml><?xml version="1.0" encoding="utf-8"?>
 <p:sld xmlns:a="http://schemas.openxmlformats.org/drawingml/2006/main" xmlns:r="http://schemas.openxmlformats.org/officeDocument/2006/relationships" xmlns:p="http://schemas.openxmlformats.org/presentationml/2006/main">
   <p:cSld>
     <p:spTree>
@@ -16342,7 +15788,7 @@
 </p:sld>
 </file>
 
-<file path=ppt/slides/slide44.xml><?xml version="1.0" encoding="utf-8"?>
+<file path=ppt/slides/slide42.xml><?xml version="1.0" encoding="utf-8"?>
 <p:sld xmlns:a="http://schemas.openxmlformats.org/drawingml/2006/main" xmlns:r="http://schemas.openxmlformats.org/officeDocument/2006/relationships" xmlns:p="http://schemas.openxmlformats.org/presentationml/2006/main">
   <p:cSld>
     <p:spTree>
@@ -16735,7 +16181,7 @@
 </p:sld>
 </file>
 
-<file path=ppt/slides/slide45.xml><?xml version="1.0" encoding="utf-8"?>
+<file path=ppt/slides/slide43.xml><?xml version="1.0" encoding="utf-8"?>
 <p:sld xmlns:a="http://schemas.openxmlformats.org/drawingml/2006/main" xmlns:r="http://schemas.openxmlformats.org/officeDocument/2006/relationships" xmlns:p="http://schemas.openxmlformats.org/presentationml/2006/main">
   <p:cSld>
     <p:spTree>
@@ -17354,7 +16800,7 @@
 </p:sld>
 </file>
 
-<file path=ppt/slides/slide46.xml><?xml version="1.0" encoding="utf-8"?>
+<file path=ppt/slides/slide44.xml><?xml version="1.0" encoding="utf-8"?>
 <p:sld xmlns:a="http://schemas.openxmlformats.org/drawingml/2006/main" xmlns:r="http://schemas.openxmlformats.org/officeDocument/2006/relationships" xmlns:p="http://schemas.openxmlformats.org/presentationml/2006/main">
   <p:cSld>
     <p:spTree>
@@ -17792,7 +17238,7 @@
 </p:sld>
 </file>
 
-<file path=ppt/slides/slide47.xml><?xml version="1.0" encoding="utf-8"?>
+<file path=ppt/slides/slide45.xml><?xml version="1.0" encoding="utf-8"?>
 <p:sld xmlns:a="http://schemas.openxmlformats.org/drawingml/2006/main" xmlns:r="http://schemas.openxmlformats.org/officeDocument/2006/relationships" xmlns:p="http://schemas.openxmlformats.org/presentationml/2006/main">
   <p:cSld>
     <p:spTree>
@@ -18552,7 +17998,7 @@
 </p:sld>
 </file>
 
-<file path=ppt/slides/slide48.xml><?xml version="1.0" encoding="utf-8"?>
+<file path=ppt/slides/slide46.xml><?xml version="1.0" encoding="utf-8"?>
 <p:sld xmlns:a="http://schemas.openxmlformats.org/drawingml/2006/main" xmlns:r="http://schemas.openxmlformats.org/officeDocument/2006/relationships" xmlns:p="http://schemas.openxmlformats.org/presentationml/2006/main">
   <p:cSld>
     <p:spTree>
@@ -19122,7 +18568,7 @@
 </p:sld>
 </file>
 
-<file path=ppt/slides/slide49.xml><?xml version="1.0" encoding="utf-8"?>
+<file path=ppt/slides/slide47.xml><?xml version="1.0" encoding="utf-8"?>
 <p:sld xmlns:a="http://schemas.openxmlformats.org/drawingml/2006/main" xmlns:r="http://schemas.openxmlformats.org/officeDocument/2006/relationships" xmlns:p="http://schemas.openxmlformats.org/presentationml/2006/main">
   <p:cSld>
     <p:spTree>
@@ -19267,7 +18713,7 @@
 </p:sld>
 </file>
 
-<file path=ppt/slides/slide5.xml><?xml version="1.0" encoding="utf-8"?>
+<file path=ppt/slides/slide48.xml><?xml version="1.0" encoding="utf-8"?>
 <p:sld xmlns:a="http://schemas.openxmlformats.org/drawingml/2006/main" xmlns:r="http://schemas.openxmlformats.org/officeDocument/2006/relationships" xmlns:p="http://schemas.openxmlformats.org/presentationml/2006/main">
   <p:cSld>
     <p:spTree>
@@ -19310,241 +18756,6 @@
               <a:rPr lang="en-US" sz="4800" dirty="0" smtClean="0">
                 <a:latin typeface="+mj-lt"/>
               </a:rPr>
-              <a:t>Examples</a:t>
-            </a:r>
-            <a:endParaRPr lang="en-US" sz="4800" dirty="0">
-              <a:latin typeface="+mj-lt"/>
-            </a:endParaRPr>
-          </a:p>
-        </p:txBody>
-      </p:sp>
-      <p:sp>
-        <p:nvSpPr>
-          <p:cNvPr id="2" name="Rounded Rectangle 1"/>
-          <p:cNvSpPr/>
-          <p:nvPr/>
-        </p:nvSpPr>
-        <p:spPr>
-          <a:xfrm>
-            <a:off x="3906982" y="1884216"/>
-            <a:ext cx="4027054" cy="1681018"/>
-          </a:xfrm>
-          <a:prstGeom prst="roundRect">
-            <a:avLst/>
-          </a:prstGeom>
-          <a:solidFill>
-            <a:schemeClr val="accent1">
-              <a:lumMod val="20000"/>
-              <a:lumOff val="80000"/>
-            </a:schemeClr>
-          </a:solidFill>
-        </p:spPr>
-        <p:style>
-          <a:lnRef idx="2">
-            <a:schemeClr val="accent1">
-              <a:shade val="50000"/>
-            </a:schemeClr>
-          </a:lnRef>
-          <a:fillRef idx="1">
-            <a:schemeClr val="accent1"/>
-          </a:fillRef>
-          <a:effectRef idx="0">
-            <a:schemeClr val="accent1"/>
-          </a:effectRef>
-          <a:fontRef idx="minor">
-            <a:schemeClr val="lt1"/>
-          </a:fontRef>
-        </p:style>
-        <p:txBody>
-          <a:bodyPr rtlCol="0" anchor="ctr"/>
-          <a:lstStyle/>
-          <a:p>
-            <a:r>
-              <a:rPr lang="en-US" sz="2400" b="1" dirty="0">
-                <a:solidFill>
-                  <a:schemeClr val="tx1"/>
-                </a:solidFill>
-                <a:latin typeface="Courier New" panose="02070309020205020404" pitchFamily="49" charset="0"/>
-                <a:cs typeface="Courier New" panose="02070309020205020404" pitchFamily="49" charset="0"/>
-              </a:rPr>
-              <a:t>void f(</a:t>
-            </a:r>
-            <a:r>
-              <a:rPr lang="en-US" sz="2400" b="1" dirty="0" err="1">
-                <a:solidFill>
-                  <a:schemeClr val="tx1"/>
-                </a:solidFill>
-                <a:latin typeface="Courier New" panose="02070309020205020404" pitchFamily="49" charset="0"/>
-                <a:cs typeface="Courier New" panose="02070309020205020404" pitchFamily="49" charset="0"/>
-              </a:rPr>
-              <a:t>int</a:t>
-            </a:r>
-            <a:r>
-              <a:rPr lang="en-US" sz="2400" b="1" dirty="0">
-                <a:solidFill>
-                  <a:schemeClr val="tx1"/>
-                </a:solidFill>
-                <a:latin typeface="Courier New" panose="02070309020205020404" pitchFamily="49" charset="0"/>
-                <a:cs typeface="Courier New" panose="02070309020205020404" pitchFamily="49" charset="0"/>
-              </a:rPr>
-              <a:t> a) {</a:t>
-            </a:r>
-          </a:p>
-          <a:p>
-            <a:r>
-              <a:rPr lang="en-US" sz="2400" b="1" dirty="0">
-                <a:solidFill>
-                  <a:schemeClr val="tx1"/>
-                </a:solidFill>
-                <a:latin typeface="Courier New" panose="02070309020205020404" pitchFamily="49" charset="0"/>
-                <a:cs typeface="Courier New" panose="02070309020205020404" pitchFamily="49" charset="0"/>
-              </a:rPr>
-              <a:t>	</a:t>
-            </a:r>
-            <a:r>
-              <a:rPr lang="en-US" sz="2400" b="1" dirty="0" smtClean="0">
-                <a:solidFill>
-                  <a:schemeClr val="tx1"/>
-                </a:solidFill>
-                <a:latin typeface="Courier New" panose="02070309020205020404" pitchFamily="49" charset="0"/>
-                <a:cs typeface="Courier New" panose="02070309020205020404" pitchFamily="49" charset="0"/>
-              </a:rPr>
-              <a:t>((((8);</a:t>
-            </a:r>
-            <a:endParaRPr lang="en-US" sz="2400" b="1" dirty="0">
-              <a:solidFill>
-                <a:schemeClr val="tx1"/>
-              </a:solidFill>
-              <a:latin typeface="Courier New" panose="02070309020205020404" pitchFamily="49" charset="0"/>
-              <a:cs typeface="Courier New" panose="02070309020205020404" pitchFamily="49" charset="0"/>
-            </a:endParaRPr>
-          </a:p>
-          <a:p>
-            <a:r>
-              <a:rPr lang="en-US" sz="2400" b="1" dirty="0">
-                <a:solidFill>
-                  <a:schemeClr val="tx1"/>
-                </a:solidFill>
-                <a:latin typeface="Courier New" panose="02070309020205020404" pitchFamily="49" charset="0"/>
-                <a:cs typeface="Courier New" panose="02070309020205020404" pitchFamily="49" charset="0"/>
-              </a:rPr>
-              <a:t>}</a:t>
-            </a:r>
-          </a:p>
-        </p:txBody>
-      </p:sp>
-      <p:sp>
-        <p:nvSpPr>
-          <p:cNvPr id="5" name="TextBox 4"/>
-          <p:cNvSpPr txBox="1"/>
-          <p:nvPr/>
-        </p:nvSpPr>
-        <p:spPr>
-          <a:xfrm>
-            <a:off x="4692071" y="3870037"/>
-            <a:ext cx="2253673" cy="1938992"/>
-          </a:xfrm>
-          <a:prstGeom prst="rect">
-            <a:avLst/>
-          </a:prstGeom>
-          <a:noFill/>
-        </p:spPr>
-        <p:txBody>
-          <a:bodyPr wrap="square" rtlCol="0">
-            <a:spAutoFit/>
-          </a:bodyPr>
-          <a:lstStyle/>
-          <a:p>
-            <a:pPr algn="ctr"/>
-            <a:r>
-              <a:rPr lang="en-US" sz="6000" b="1" dirty="0" smtClean="0">
-                <a:solidFill>
-                  <a:srgbClr val="C00000"/>
-                </a:solidFill>
-                <a:latin typeface="+mj-lt"/>
-                <a:cs typeface="Courier New" panose="02070309020205020404" pitchFamily="49" charset="0"/>
-              </a:rPr>
-              <a:t>Invalid</a:t>
-            </a:r>
-          </a:p>
-          <a:p>
-            <a:pPr marL="457200" indent="-457200">
-              <a:buFont typeface="Arial" panose="020B0604020202020204" pitchFamily="34" charset="0"/>
-              <a:buChar char="•"/>
-            </a:pPr>
-            <a:endParaRPr lang="en-US" sz="6000" b="1" dirty="0" smtClean="0">
-              <a:solidFill>
-                <a:srgbClr val="00B050"/>
-              </a:solidFill>
-              <a:latin typeface="+mj-lt"/>
-              <a:cs typeface="Courier New" panose="02070309020205020404" pitchFamily="49" charset="0"/>
-            </a:endParaRPr>
-          </a:p>
-        </p:txBody>
-      </p:sp>
-    </p:spTree>
-    <p:extLst>
-      <p:ext uri="{BB962C8B-B14F-4D97-AF65-F5344CB8AC3E}">
-        <p14:creationId xmlns:p14="http://schemas.microsoft.com/office/powerpoint/2010/main" val="1802093900"/>
-      </p:ext>
-    </p:extLst>
-  </p:cSld>
-  <p:clrMapOvr>
-    <a:masterClrMapping/>
-  </p:clrMapOvr>
-  <p:timing>
-    <p:tnLst>
-      <p:par>
-        <p:cTn id="1" dur="indefinite" restart="never" nodeType="tmRoot"/>
-      </p:par>
-    </p:tnLst>
-  </p:timing>
-</p:sld>
-</file>
-
-<file path=ppt/slides/slide50.xml><?xml version="1.0" encoding="utf-8"?>
-<p:sld xmlns:a="http://schemas.openxmlformats.org/drawingml/2006/main" xmlns:r="http://schemas.openxmlformats.org/officeDocument/2006/relationships" xmlns:p="http://schemas.openxmlformats.org/presentationml/2006/main">
-  <p:cSld>
-    <p:spTree>
-      <p:nvGrpSpPr>
-        <p:cNvPr id="1" name=""/>
-        <p:cNvGrpSpPr/>
-        <p:nvPr/>
-      </p:nvGrpSpPr>
-      <p:grpSpPr>
-        <a:xfrm>
-          <a:off x="0" y="0"/>
-          <a:ext cx="0" cy="0"/>
-          <a:chOff x="0" y="0"/>
-          <a:chExt cx="0" cy="0"/>
-        </a:xfrm>
-      </p:grpSpPr>
-      <p:sp>
-        <p:nvSpPr>
-          <p:cNvPr id="4" name="TextBox 3"/>
-          <p:cNvSpPr txBox="1"/>
-          <p:nvPr/>
-        </p:nvSpPr>
-        <p:spPr>
-          <a:xfrm>
-            <a:off x="1011115" y="668215"/>
-            <a:ext cx="10137964" cy="830997"/>
-          </a:xfrm>
-          <a:prstGeom prst="rect">
-            <a:avLst/>
-          </a:prstGeom>
-          <a:noFill/>
-        </p:spPr>
-        <p:txBody>
-          <a:bodyPr wrap="square" rtlCol="0">
-            <a:spAutoFit/>
-          </a:bodyPr>
-          <a:lstStyle/>
-          <a:p>
-            <a:r>
-              <a:rPr lang="en-US" sz="4800" dirty="0" smtClean="0">
-                <a:latin typeface="+mj-lt"/>
-              </a:rPr>
               <a:t>LL(1)</a:t>
             </a:r>
             <a:endParaRPr lang="en-US" sz="4800" dirty="0">
@@ -19634,7 +18845,7 @@
 </p:sld>
 </file>
 
-<file path=ppt/slides/slide51.xml><?xml version="1.0" encoding="utf-8"?>
+<file path=ppt/slides/slide49.xml><?xml version="1.0" encoding="utf-8"?>
 <p:sld xmlns:a="http://schemas.openxmlformats.org/drawingml/2006/main" xmlns:r="http://schemas.openxmlformats.org/officeDocument/2006/relationships" xmlns:p="http://schemas.openxmlformats.org/presentationml/2006/main">
   <p:cSld>
     <p:spTree>
@@ -21264,7 +20475,242 @@
 </p:sld>
 </file>
 
-<file path=ppt/slides/slide52.xml><?xml version="1.0" encoding="utf-8"?>
+<file path=ppt/slides/slide5.xml><?xml version="1.0" encoding="utf-8"?>
+<p:sld xmlns:a="http://schemas.openxmlformats.org/drawingml/2006/main" xmlns:r="http://schemas.openxmlformats.org/officeDocument/2006/relationships" xmlns:p="http://schemas.openxmlformats.org/presentationml/2006/main">
+  <p:cSld>
+    <p:spTree>
+      <p:nvGrpSpPr>
+        <p:cNvPr id="1" name=""/>
+        <p:cNvGrpSpPr/>
+        <p:nvPr/>
+      </p:nvGrpSpPr>
+      <p:grpSpPr>
+        <a:xfrm>
+          <a:off x="0" y="0"/>
+          <a:ext cx="0" cy="0"/>
+          <a:chOff x="0" y="0"/>
+          <a:chExt cx="0" cy="0"/>
+        </a:xfrm>
+      </p:grpSpPr>
+      <p:sp>
+        <p:nvSpPr>
+          <p:cNvPr id="4" name="TextBox 3"/>
+          <p:cNvSpPr txBox="1"/>
+          <p:nvPr/>
+        </p:nvSpPr>
+        <p:spPr>
+          <a:xfrm>
+            <a:off x="1011115" y="668215"/>
+            <a:ext cx="10137964" cy="830997"/>
+          </a:xfrm>
+          <a:prstGeom prst="rect">
+            <a:avLst/>
+          </a:prstGeom>
+          <a:noFill/>
+        </p:spPr>
+        <p:txBody>
+          <a:bodyPr wrap="square" rtlCol="0">
+            <a:spAutoFit/>
+          </a:bodyPr>
+          <a:lstStyle/>
+          <a:p>
+            <a:r>
+              <a:rPr lang="en-US" sz="4800" dirty="0" smtClean="0">
+                <a:latin typeface="+mj-lt"/>
+              </a:rPr>
+              <a:t>Examples</a:t>
+            </a:r>
+            <a:endParaRPr lang="en-US" sz="4800" dirty="0">
+              <a:latin typeface="+mj-lt"/>
+            </a:endParaRPr>
+          </a:p>
+        </p:txBody>
+      </p:sp>
+      <p:sp>
+        <p:nvSpPr>
+          <p:cNvPr id="2" name="Rounded Rectangle 1"/>
+          <p:cNvSpPr/>
+          <p:nvPr/>
+        </p:nvSpPr>
+        <p:spPr>
+          <a:xfrm>
+            <a:off x="3906982" y="1884216"/>
+            <a:ext cx="4027054" cy="1681018"/>
+          </a:xfrm>
+          <a:prstGeom prst="roundRect">
+            <a:avLst/>
+          </a:prstGeom>
+          <a:solidFill>
+            <a:schemeClr val="accent1">
+              <a:lumMod val="20000"/>
+              <a:lumOff val="80000"/>
+            </a:schemeClr>
+          </a:solidFill>
+        </p:spPr>
+        <p:style>
+          <a:lnRef idx="2">
+            <a:schemeClr val="accent1">
+              <a:shade val="50000"/>
+            </a:schemeClr>
+          </a:lnRef>
+          <a:fillRef idx="1">
+            <a:schemeClr val="accent1"/>
+          </a:fillRef>
+          <a:effectRef idx="0">
+            <a:schemeClr val="accent1"/>
+          </a:effectRef>
+          <a:fontRef idx="minor">
+            <a:schemeClr val="lt1"/>
+          </a:fontRef>
+        </p:style>
+        <p:txBody>
+          <a:bodyPr rtlCol="0" anchor="ctr"/>
+          <a:lstStyle/>
+          <a:p>
+            <a:r>
+              <a:rPr lang="en-US" sz="2400" b="1" dirty="0">
+                <a:solidFill>
+                  <a:schemeClr val="tx1"/>
+                </a:solidFill>
+                <a:latin typeface="Courier New" panose="02070309020205020404" pitchFamily="49" charset="0"/>
+                <a:cs typeface="Courier New" panose="02070309020205020404" pitchFamily="49" charset="0"/>
+              </a:rPr>
+              <a:t>void f(</a:t>
+            </a:r>
+            <a:r>
+              <a:rPr lang="en-US" sz="2400" b="1" dirty="0" err="1">
+                <a:solidFill>
+                  <a:schemeClr val="tx1"/>
+                </a:solidFill>
+                <a:latin typeface="Courier New" panose="02070309020205020404" pitchFamily="49" charset="0"/>
+                <a:cs typeface="Courier New" panose="02070309020205020404" pitchFamily="49" charset="0"/>
+              </a:rPr>
+              <a:t>int</a:t>
+            </a:r>
+            <a:r>
+              <a:rPr lang="en-US" sz="2400" b="1" dirty="0">
+                <a:solidFill>
+                  <a:schemeClr val="tx1"/>
+                </a:solidFill>
+                <a:latin typeface="Courier New" panose="02070309020205020404" pitchFamily="49" charset="0"/>
+                <a:cs typeface="Courier New" panose="02070309020205020404" pitchFamily="49" charset="0"/>
+              </a:rPr>
+              <a:t> a) {</a:t>
+            </a:r>
+          </a:p>
+          <a:p>
+            <a:r>
+              <a:rPr lang="en-US" sz="2400" b="1" dirty="0">
+                <a:solidFill>
+                  <a:schemeClr val="tx1"/>
+                </a:solidFill>
+                <a:latin typeface="Courier New" panose="02070309020205020404" pitchFamily="49" charset="0"/>
+                <a:cs typeface="Courier New" panose="02070309020205020404" pitchFamily="49" charset="0"/>
+              </a:rPr>
+              <a:t>	</a:t>
+            </a:r>
+            <a:r>
+              <a:rPr lang="en-US" sz="2400" b="1" dirty="0" smtClean="0">
+                <a:solidFill>
+                  <a:schemeClr val="tx1"/>
+                </a:solidFill>
+                <a:latin typeface="Courier New" panose="02070309020205020404" pitchFamily="49" charset="0"/>
+                <a:cs typeface="Courier New" panose="02070309020205020404" pitchFamily="49" charset="0"/>
+              </a:rPr>
+              <a:t>((((8);</a:t>
+            </a:r>
+            <a:endParaRPr lang="en-US" sz="2400" b="1" dirty="0">
+              <a:solidFill>
+                <a:schemeClr val="tx1"/>
+              </a:solidFill>
+              <a:latin typeface="Courier New" panose="02070309020205020404" pitchFamily="49" charset="0"/>
+              <a:cs typeface="Courier New" panose="02070309020205020404" pitchFamily="49" charset="0"/>
+            </a:endParaRPr>
+          </a:p>
+          <a:p>
+            <a:r>
+              <a:rPr lang="en-US" sz="2400" b="1" dirty="0">
+                <a:solidFill>
+                  <a:schemeClr val="tx1"/>
+                </a:solidFill>
+                <a:latin typeface="Courier New" panose="02070309020205020404" pitchFamily="49" charset="0"/>
+                <a:cs typeface="Courier New" panose="02070309020205020404" pitchFamily="49" charset="0"/>
+              </a:rPr>
+              <a:t>}</a:t>
+            </a:r>
+          </a:p>
+        </p:txBody>
+      </p:sp>
+      <p:sp>
+        <p:nvSpPr>
+          <p:cNvPr id="5" name="TextBox 4"/>
+          <p:cNvSpPr txBox="1"/>
+          <p:nvPr/>
+        </p:nvSpPr>
+        <p:spPr>
+          <a:xfrm>
+            <a:off x="4692071" y="3870037"/>
+            <a:ext cx="2253673" cy="1938992"/>
+          </a:xfrm>
+          <a:prstGeom prst="rect">
+            <a:avLst/>
+          </a:prstGeom>
+          <a:noFill/>
+        </p:spPr>
+        <p:txBody>
+          <a:bodyPr wrap="square" rtlCol="0">
+            <a:spAutoFit/>
+          </a:bodyPr>
+          <a:lstStyle/>
+          <a:p>
+            <a:pPr algn="ctr"/>
+            <a:r>
+              <a:rPr lang="en-US" sz="6000" b="1" dirty="0" smtClean="0">
+                <a:solidFill>
+                  <a:srgbClr val="C00000"/>
+                </a:solidFill>
+                <a:latin typeface="+mj-lt"/>
+                <a:cs typeface="Courier New" panose="02070309020205020404" pitchFamily="49" charset="0"/>
+              </a:rPr>
+              <a:t>Invalid</a:t>
+            </a:r>
+          </a:p>
+          <a:p>
+            <a:pPr marL="457200" indent="-457200">
+              <a:buFont typeface="Arial" panose="020B0604020202020204" pitchFamily="34" charset="0"/>
+              <a:buChar char="•"/>
+            </a:pPr>
+            <a:endParaRPr lang="en-US" sz="6000" b="1" dirty="0" smtClean="0">
+              <a:solidFill>
+                <a:srgbClr val="00B050"/>
+              </a:solidFill>
+              <a:latin typeface="+mj-lt"/>
+              <a:cs typeface="Courier New" panose="02070309020205020404" pitchFamily="49" charset="0"/>
+            </a:endParaRPr>
+          </a:p>
+        </p:txBody>
+      </p:sp>
+    </p:spTree>
+    <p:extLst>
+      <p:ext uri="{BB962C8B-B14F-4D97-AF65-F5344CB8AC3E}">
+        <p14:creationId xmlns:p14="http://schemas.microsoft.com/office/powerpoint/2010/main" val="1802093900"/>
+      </p:ext>
+    </p:extLst>
+  </p:cSld>
+  <p:clrMapOvr>
+    <a:masterClrMapping/>
+  </p:clrMapOvr>
+  <p:timing>
+    <p:tnLst>
+      <p:par>
+        <p:cTn id="1" dur="indefinite" restart="never" nodeType="tmRoot"/>
+      </p:par>
+    </p:tnLst>
+  </p:timing>
+</p:sld>
+</file>
+
+<file path=ppt/slides/slide50.xml><?xml version="1.0" encoding="utf-8"?>
 <p:sld xmlns:a="http://schemas.openxmlformats.org/drawingml/2006/main" xmlns:r="http://schemas.openxmlformats.org/officeDocument/2006/relationships" xmlns:p="http://schemas.openxmlformats.org/presentationml/2006/main">
   <p:cSld>
     <p:spTree>
@@ -23058,7 +22504,7 @@
 </p:sld>
 </file>
 
-<file path=ppt/slides/slide53.xml><?xml version="1.0" encoding="utf-8"?>
+<file path=ppt/slides/slide51.xml><?xml version="1.0" encoding="utf-8"?>
 <p:sld xmlns:a="http://schemas.openxmlformats.org/drawingml/2006/main" xmlns:r="http://schemas.openxmlformats.org/officeDocument/2006/relationships" xmlns:p="http://schemas.openxmlformats.org/presentationml/2006/main">
   <p:cSld>
     <p:spTree>
@@ -24854,7 +24300,7 @@
 </p:sld>
 </file>
 
-<file path=ppt/slides/slide54.xml><?xml version="1.0" encoding="utf-8"?>
+<file path=ppt/slides/slide52.xml><?xml version="1.0" encoding="utf-8"?>
 <p:sld xmlns:a="http://schemas.openxmlformats.org/drawingml/2006/main" xmlns:r="http://schemas.openxmlformats.org/officeDocument/2006/relationships" xmlns:p="http://schemas.openxmlformats.org/presentationml/2006/main">
   <p:cSld>
     <p:spTree>
@@ -26650,7 +26096,7 @@
 </p:sld>
 </file>
 
-<file path=ppt/slides/slide55.xml><?xml version="1.0" encoding="utf-8"?>
+<file path=ppt/slides/slide53.xml><?xml version="1.0" encoding="utf-8"?>
 <p:sld xmlns:a="http://schemas.openxmlformats.org/drawingml/2006/main" xmlns:r="http://schemas.openxmlformats.org/officeDocument/2006/relationships" xmlns:p="http://schemas.openxmlformats.org/presentationml/2006/main">
   <p:cSld>
     <p:spTree>
@@ -28444,7 +27890,7 @@
 </p:sld>
 </file>
 
-<file path=ppt/slides/slide56.xml><?xml version="1.0" encoding="utf-8"?>
+<file path=ppt/slides/slide54.xml><?xml version="1.0" encoding="utf-8"?>
 <p:sld xmlns:a="http://schemas.openxmlformats.org/drawingml/2006/main" xmlns:r="http://schemas.openxmlformats.org/officeDocument/2006/relationships" xmlns:p="http://schemas.openxmlformats.org/presentationml/2006/main">
   <p:cSld>
     <p:spTree>
@@ -30238,7 +29684,7 @@
 </p:sld>
 </file>
 
-<file path=ppt/slides/slide57.xml><?xml version="1.0" encoding="utf-8"?>
+<file path=ppt/slides/slide55.xml><?xml version="1.0" encoding="utf-8"?>
 <p:sld xmlns:a="http://schemas.openxmlformats.org/drawingml/2006/main" xmlns:r="http://schemas.openxmlformats.org/officeDocument/2006/relationships" xmlns:p="http://schemas.openxmlformats.org/presentationml/2006/main">
   <p:cSld>
     <p:spTree>
@@ -32034,7 +31480,7 @@
 </p:sld>
 </file>
 
-<file path=ppt/slides/slide58.xml><?xml version="1.0" encoding="utf-8"?>
+<file path=ppt/slides/slide56.xml><?xml version="1.0" encoding="utf-8"?>
 <p:sld xmlns:a="http://schemas.openxmlformats.org/drawingml/2006/main" xmlns:r="http://schemas.openxmlformats.org/officeDocument/2006/relationships" xmlns:p="http://schemas.openxmlformats.org/presentationml/2006/main">
   <p:cSld>
     <p:spTree>
@@ -33828,7 +33274,7 @@
 </p:sld>
 </file>
 
-<file path=ppt/slides/slide59.xml><?xml version="1.0" encoding="utf-8"?>
+<file path=ppt/slides/slide57.xml><?xml version="1.0" encoding="utf-8"?>
 <p:sld xmlns:a="http://schemas.openxmlformats.org/drawingml/2006/main" xmlns:r="http://schemas.openxmlformats.org/officeDocument/2006/relationships" xmlns:p="http://schemas.openxmlformats.org/presentationml/2006/main">
   <p:cSld>
     <p:spTree>
@@ -35624,7 +35070,7 @@
 </p:sld>
 </file>
 
-<file path=ppt/slides/slide6.xml><?xml version="1.0" encoding="utf-8"?>
+<file path=ppt/slides/slide58.xml><?xml version="1.0" encoding="utf-8"?>
 <p:sld xmlns:a="http://schemas.openxmlformats.org/drawingml/2006/main" xmlns:r="http://schemas.openxmlformats.org/officeDocument/2006/relationships" xmlns:p="http://schemas.openxmlformats.org/presentationml/2006/main">
   <p:cSld>
     <p:spTree>
@@ -35667,192 +35113,6 @@
               <a:rPr lang="en-US" sz="4800" dirty="0" smtClean="0">
                 <a:latin typeface="+mj-lt"/>
               </a:rPr>
-              <a:t>Examples</a:t>
-            </a:r>
-            <a:endParaRPr lang="en-US" sz="4800" dirty="0">
-              <a:latin typeface="+mj-lt"/>
-            </a:endParaRPr>
-          </a:p>
-        </p:txBody>
-      </p:sp>
-      <p:sp>
-        <p:nvSpPr>
-          <p:cNvPr id="2" name="Rounded Rectangle 1"/>
-          <p:cNvSpPr/>
-          <p:nvPr/>
-        </p:nvSpPr>
-        <p:spPr>
-          <a:xfrm>
-            <a:off x="3906982" y="1884216"/>
-            <a:ext cx="4027054" cy="1681018"/>
-          </a:xfrm>
-          <a:prstGeom prst="roundRect">
-            <a:avLst/>
-          </a:prstGeom>
-          <a:solidFill>
-            <a:schemeClr val="accent1">
-              <a:lumMod val="20000"/>
-              <a:lumOff val="80000"/>
-            </a:schemeClr>
-          </a:solidFill>
-        </p:spPr>
-        <p:style>
-          <a:lnRef idx="2">
-            <a:schemeClr val="accent1">
-              <a:shade val="50000"/>
-            </a:schemeClr>
-          </a:lnRef>
-          <a:fillRef idx="1">
-            <a:schemeClr val="accent1"/>
-          </a:fillRef>
-          <a:effectRef idx="0">
-            <a:schemeClr val="accent1"/>
-          </a:effectRef>
-          <a:fontRef idx="minor">
-            <a:schemeClr val="lt1"/>
-          </a:fontRef>
-        </p:style>
-        <p:txBody>
-          <a:bodyPr rtlCol="0" anchor="ctr"/>
-          <a:lstStyle/>
-          <a:p>
-            <a:r>
-              <a:rPr lang="en-US" sz="2400" b="1" dirty="0">
-                <a:solidFill>
-                  <a:schemeClr val="tx1"/>
-                </a:solidFill>
-                <a:latin typeface="Courier New" panose="02070309020205020404" pitchFamily="49" charset="0"/>
-                <a:cs typeface="Courier New" panose="02070309020205020404" pitchFamily="49" charset="0"/>
-              </a:rPr>
-              <a:t>void f(</a:t>
-            </a:r>
-            <a:r>
-              <a:rPr lang="en-US" sz="2400" b="1" dirty="0" err="1">
-                <a:solidFill>
-                  <a:schemeClr val="tx1"/>
-                </a:solidFill>
-                <a:latin typeface="Courier New" panose="02070309020205020404" pitchFamily="49" charset="0"/>
-                <a:cs typeface="Courier New" panose="02070309020205020404" pitchFamily="49" charset="0"/>
-              </a:rPr>
-              <a:t>int</a:t>
-            </a:r>
-            <a:r>
-              <a:rPr lang="en-US" sz="2400" b="1" dirty="0">
-                <a:solidFill>
-                  <a:schemeClr val="tx1"/>
-                </a:solidFill>
-                <a:latin typeface="Courier New" panose="02070309020205020404" pitchFamily="49" charset="0"/>
-                <a:cs typeface="Courier New" panose="02070309020205020404" pitchFamily="49" charset="0"/>
-              </a:rPr>
-              <a:t> a) {</a:t>
-            </a:r>
-          </a:p>
-          <a:p>
-            <a:r>
-              <a:rPr lang="en-US" sz="2400" b="1" dirty="0">
-                <a:solidFill>
-                  <a:schemeClr val="tx1"/>
-                </a:solidFill>
-                <a:latin typeface="Courier New" panose="02070309020205020404" pitchFamily="49" charset="0"/>
-                <a:cs typeface="Courier New" panose="02070309020205020404" pitchFamily="49" charset="0"/>
-              </a:rPr>
-              <a:t>	</a:t>
-            </a:r>
-            <a:r>
-              <a:rPr lang="en-US" sz="2400" b="1" dirty="0" smtClean="0">
-                <a:solidFill>
-                  <a:schemeClr val="tx1"/>
-                </a:solidFill>
-                <a:latin typeface="Courier New" panose="02070309020205020404" pitchFamily="49" charset="0"/>
-                <a:cs typeface="Courier New" panose="02070309020205020404" pitchFamily="49" charset="0"/>
-              </a:rPr>
-              <a:t>5;;;;;</a:t>
-            </a:r>
-            <a:endParaRPr lang="en-US" sz="2400" b="1" dirty="0">
-              <a:solidFill>
-                <a:schemeClr val="tx1"/>
-              </a:solidFill>
-              <a:latin typeface="Courier New" panose="02070309020205020404" pitchFamily="49" charset="0"/>
-              <a:cs typeface="Courier New" panose="02070309020205020404" pitchFamily="49" charset="0"/>
-            </a:endParaRPr>
-          </a:p>
-          <a:p>
-            <a:r>
-              <a:rPr lang="en-US" sz="2400" b="1" dirty="0">
-                <a:solidFill>
-                  <a:schemeClr val="tx1"/>
-                </a:solidFill>
-                <a:latin typeface="Courier New" panose="02070309020205020404" pitchFamily="49" charset="0"/>
-                <a:cs typeface="Courier New" panose="02070309020205020404" pitchFamily="49" charset="0"/>
-              </a:rPr>
-              <a:t>}</a:t>
-            </a:r>
-          </a:p>
-        </p:txBody>
-      </p:sp>
-    </p:spTree>
-    <p:extLst>
-      <p:ext uri="{BB962C8B-B14F-4D97-AF65-F5344CB8AC3E}">
-        <p14:creationId xmlns:p14="http://schemas.microsoft.com/office/powerpoint/2010/main" val="3778534113"/>
-      </p:ext>
-    </p:extLst>
-  </p:cSld>
-  <p:clrMapOvr>
-    <a:masterClrMapping/>
-  </p:clrMapOvr>
-  <p:timing>
-    <p:tnLst>
-      <p:par>
-        <p:cTn id="1" dur="indefinite" restart="never" nodeType="tmRoot"/>
-      </p:par>
-    </p:tnLst>
-  </p:timing>
-</p:sld>
-</file>
-
-<file path=ppt/slides/slide60.xml><?xml version="1.0" encoding="utf-8"?>
-<p:sld xmlns:a="http://schemas.openxmlformats.org/drawingml/2006/main" xmlns:r="http://schemas.openxmlformats.org/officeDocument/2006/relationships" xmlns:p="http://schemas.openxmlformats.org/presentationml/2006/main">
-  <p:cSld>
-    <p:spTree>
-      <p:nvGrpSpPr>
-        <p:cNvPr id="1" name=""/>
-        <p:cNvGrpSpPr/>
-        <p:nvPr/>
-      </p:nvGrpSpPr>
-      <p:grpSpPr>
-        <a:xfrm>
-          <a:off x="0" y="0"/>
-          <a:ext cx="0" cy="0"/>
-          <a:chOff x="0" y="0"/>
-          <a:chExt cx="0" cy="0"/>
-        </a:xfrm>
-      </p:grpSpPr>
-      <p:sp>
-        <p:nvSpPr>
-          <p:cNvPr id="4" name="TextBox 3"/>
-          <p:cNvSpPr txBox="1"/>
-          <p:nvPr/>
-        </p:nvSpPr>
-        <p:spPr>
-          <a:xfrm>
-            <a:off x="1011115" y="668215"/>
-            <a:ext cx="10137964" cy="830997"/>
-          </a:xfrm>
-          <a:prstGeom prst="rect">
-            <a:avLst/>
-          </a:prstGeom>
-          <a:noFill/>
-        </p:spPr>
-        <p:txBody>
-          <a:bodyPr wrap="square" rtlCol="0">
-            <a:spAutoFit/>
-          </a:bodyPr>
-          <a:lstStyle/>
-          <a:p>
-            <a:r>
-              <a:rPr lang="en-US" sz="4800" dirty="0" smtClean="0">
-                <a:latin typeface="+mj-lt"/>
-              </a:rPr>
               <a:t>Operator Precedence</a:t>
             </a:r>
             <a:endParaRPr lang="en-US" sz="4800" dirty="0">
@@ -35945,7 +35205,7 @@
 </p:sld>
 </file>
 
-<file path=ppt/slides/slide61.xml><?xml version="1.0" encoding="utf-8"?>
+<file path=ppt/slides/slide59.xml><?xml version="1.0" encoding="utf-8"?>
 <p:sld xmlns:a="http://schemas.openxmlformats.org/drawingml/2006/main" xmlns:r="http://schemas.openxmlformats.org/officeDocument/2006/relationships" xmlns:p="http://schemas.openxmlformats.org/presentationml/2006/main">
   <p:cSld>
     <p:spTree>
@@ -36339,7 +35599,193 @@
 </p:sld>
 </file>
 
-<file path=ppt/slides/slide62.xml><?xml version="1.0" encoding="utf-8"?>
+<file path=ppt/slides/slide6.xml><?xml version="1.0" encoding="utf-8"?>
+<p:sld xmlns:a="http://schemas.openxmlformats.org/drawingml/2006/main" xmlns:r="http://schemas.openxmlformats.org/officeDocument/2006/relationships" xmlns:p="http://schemas.openxmlformats.org/presentationml/2006/main">
+  <p:cSld>
+    <p:spTree>
+      <p:nvGrpSpPr>
+        <p:cNvPr id="1" name=""/>
+        <p:cNvGrpSpPr/>
+        <p:nvPr/>
+      </p:nvGrpSpPr>
+      <p:grpSpPr>
+        <a:xfrm>
+          <a:off x="0" y="0"/>
+          <a:ext cx="0" cy="0"/>
+          <a:chOff x="0" y="0"/>
+          <a:chExt cx="0" cy="0"/>
+        </a:xfrm>
+      </p:grpSpPr>
+      <p:sp>
+        <p:nvSpPr>
+          <p:cNvPr id="4" name="TextBox 3"/>
+          <p:cNvSpPr txBox="1"/>
+          <p:nvPr/>
+        </p:nvSpPr>
+        <p:spPr>
+          <a:xfrm>
+            <a:off x="1011115" y="668215"/>
+            <a:ext cx="10137964" cy="830997"/>
+          </a:xfrm>
+          <a:prstGeom prst="rect">
+            <a:avLst/>
+          </a:prstGeom>
+          <a:noFill/>
+        </p:spPr>
+        <p:txBody>
+          <a:bodyPr wrap="square" rtlCol="0">
+            <a:spAutoFit/>
+          </a:bodyPr>
+          <a:lstStyle/>
+          <a:p>
+            <a:r>
+              <a:rPr lang="en-US" sz="4800" dirty="0" smtClean="0">
+                <a:latin typeface="+mj-lt"/>
+              </a:rPr>
+              <a:t>Examples</a:t>
+            </a:r>
+            <a:endParaRPr lang="en-US" sz="4800" dirty="0">
+              <a:latin typeface="+mj-lt"/>
+            </a:endParaRPr>
+          </a:p>
+        </p:txBody>
+      </p:sp>
+      <p:sp>
+        <p:nvSpPr>
+          <p:cNvPr id="2" name="Rounded Rectangle 1"/>
+          <p:cNvSpPr/>
+          <p:nvPr/>
+        </p:nvSpPr>
+        <p:spPr>
+          <a:xfrm>
+            <a:off x="3906982" y="1884216"/>
+            <a:ext cx="4027054" cy="1681018"/>
+          </a:xfrm>
+          <a:prstGeom prst="roundRect">
+            <a:avLst/>
+          </a:prstGeom>
+          <a:solidFill>
+            <a:schemeClr val="accent1">
+              <a:lumMod val="20000"/>
+              <a:lumOff val="80000"/>
+            </a:schemeClr>
+          </a:solidFill>
+        </p:spPr>
+        <p:style>
+          <a:lnRef idx="2">
+            <a:schemeClr val="accent1">
+              <a:shade val="50000"/>
+            </a:schemeClr>
+          </a:lnRef>
+          <a:fillRef idx="1">
+            <a:schemeClr val="accent1"/>
+          </a:fillRef>
+          <a:effectRef idx="0">
+            <a:schemeClr val="accent1"/>
+          </a:effectRef>
+          <a:fontRef idx="minor">
+            <a:schemeClr val="lt1"/>
+          </a:fontRef>
+        </p:style>
+        <p:txBody>
+          <a:bodyPr rtlCol="0" anchor="ctr"/>
+          <a:lstStyle/>
+          <a:p>
+            <a:r>
+              <a:rPr lang="en-US" sz="2400" b="1" dirty="0">
+                <a:solidFill>
+                  <a:schemeClr val="tx1"/>
+                </a:solidFill>
+                <a:latin typeface="Courier New" panose="02070309020205020404" pitchFamily="49" charset="0"/>
+                <a:cs typeface="Courier New" panose="02070309020205020404" pitchFamily="49" charset="0"/>
+              </a:rPr>
+              <a:t>void f(</a:t>
+            </a:r>
+            <a:r>
+              <a:rPr lang="en-US" sz="2400" b="1" dirty="0" err="1">
+                <a:solidFill>
+                  <a:schemeClr val="tx1"/>
+                </a:solidFill>
+                <a:latin typeface="Courier New" panose="02070309020205020404" pitchFamily="49" charset="0"/>
+                <a:cs typeface="Courier New" panose="02070309020205020404" pitchFamily="49" charset="0"/>
+              </a:rPr>
+              <a:t>int</a:t>
+            </a:r>
+            <a:r>
+              <a:rPr lang="en-US" sz="2400" b="1" dirty="0">
+                <a:solidFill>
+                  <a:schemeClr val="tx1"/>
+                </a:solidFill>
+                <a:latin typeface="Courier New" panose="02070309020205020404" pitchFamily="49" charset="0"/>
+                <a:cs typeface="Courier New" panose="02070309020205020404" pitchFamily="49" charset="0"/>
+              </a:rPr>
+              <a:t> a) {</a:t>
+            </a:r>
+          </a:p>
+          <a:p>
+            <a:r>
+              <a:rPr lang="en-US" sz="2400" b="1" dirty="0">
+                <a:solidFill>
+                  <a:schemeClr val="tx1"/>
+                </a:solidFill>
+                <a:latin typeface="Courier New" panose="02070309020205020404" pitchFamily="49" charset="0"/>
+                <a:cs typeface="Courier New" panose="02070309020205020404" pitchFamily="49" charset="0"/>
+              </a:rPr>
+              <a:t>	</a:t>
+            </a:r>
+            <a:r>
+              <a:rPr lang="en-US" sz="2400" b="1" dirty="0" smtClean="0">
+                <a:solidFill>
+                  <a:schemeClr val="tx1"/>
+                </a:solidFill>
+                <a:latin typeface="Courier New" panose="02070309020205020404" pitchFamily="49" charset="0"/>
+                <a:cs typeface="Courier New" panose="02070309020205020404" pitchFamily="49" charset="0"/>
+              </a:rPr>
+              <a:t>5;;;;;</a:t>
+            </a:r>
+            <a:endParaRPr lang="en-US" sz="2400" b="1" dirty="0">
+              <a:solidFill>
+                <a:schemeClr val="tx1"/>
+              </a:solidFill>
+              <a:latin typeface="Courier New" panose="02070309020205020404" pitchFamily="49" charset="0"/>
+              <a:cs typeface="Courier New" panose="02070309020205020404" pitchFamily="49" charset="0"/>
+            </a:endParaRPr>
+          </a:p>
+          <a:p>
+            <a:r>
+              <a:rPr lang="en-US" sz="2400" b="1" dirty="0">
+                <a:solidFill>
+                  <a:schemeClr val="tx1"/>
+                </a:solidFill>
+                <a:latin typeface="Courier New" panose="02070309020205020404" pitchFamily="49" charset="0"/>
+                <a:cs typeface="Courier New" panose="02070309020205020404" pitchFamily="49" charset="0"/>
+              </a:rPr>
+              <a:t>}</a:t>
+            </a:r>
+          </a:p>
+        </p:txBody>
+      </p:sp>
+    </p:spTree>
+    <p:extLst>
+      <p:ext uri="{BB962C8B-B14F-4D97-AF65-F5344CB8AC3E}">
+        <p14:creationId xmlns:p14="http://schemas.microsoft.com/office/powerpoint/2010/main" val="3778534113"/>
+      </p:ext>
+    </p:extLst>
+  </p:cSld>
+  <p:clrMapOvr>
+    <a:masterClrMapping/>
+  </p:clrMapOvr>
+  <p:timing>
+    <p:tnLst>
+      <p:par>
+        <p:cTn id="1" dur="indefinite" restart="never" nodeType="tmRoot"/>
+      </p:par>
+    </p:tnLst>
+  </p:timing>
+</p:sld>
+</file>
+
+<file path=ppt/slides/slide60.xml><?xml version="1.0" encoding="utf-8"?>
 <p:sld xmlns:a="http://schemas.openxmlformats.org/drawingml/2006/main" xmlns:r="http://schemas.openxmlformats.org/officeDocument/2006/relationships" xmlns:p="http://schemas.openxmlformats.org/presentationml/2006/main">
   <p:cSld>
     <p:spTree>
@@ -37177,7 +36623,7 @@
 </p:sld>
 </file>
 
-<file path=ppt/slides/slide63.xml><?xml version="1.0" encoding="utf-8"?>
+<file path=ppt/slides/slide61.xml><?xml version="1.0" encoding="utf-8"?>
 <p:sld xmlns:a="http://schemas.openxmlformats.org/drawingml/2006/main" xmlns:r="http://schemas.openxmlformats.org/officeDocument/2006/relationships" xmlns:p="http://schemas.openxmlformats.org/presentationml/2006/main">
   <p:cSld>
     <p:spTree>
@@ -38806,7 +38252,7 @@
 </p:sld>
 </file>
 
-<file path=ppt/slides/slide64.xml><?xml version="1.0" encoding="utf-8"?>
+<file path=ppt/slides/slide62.xml><?xml version="1.0" encoding="utf-8"?>
 <p:sld xmlns:a="http://schemas.openxmlformats.org/drawingml/2006/main" xmlns:r="http://schemas.openxmlformats.org/officeDocument/2006/relationships" xmlns:p="http://schemas.openxmlformats.org/presentationml/2006/main">
   <p:cSld>
     <p:spTree>
@@ -39169,7 +38615,7 @@
 </p:sld>
 </file>
 
-<file path=ppt/slides/slide65.xml><?xml version="1.0" encoding="utf-8"?>
+<file path=ppt/slides/slide63.xml><?xml version="1.0" encoding="utf-8"?>
 <p:sld xmlns:a="http://schemas.openxmlformats.org/drawingml/2006/main" xmlns:r="http://schemas.openxmlformats.org/officeDocument/2006/relationships" xmlns:p="http://schemas.openxmlformats.org/presentationml/2006/main">
   <p:cSld>
     <p:spTree>
@@ -39732,7 +39178,7 @@
 </p:sld>
 </file>
 
-<file path=ppt/slides/slide66.xml><?xml version="1.0" encoding="utf-8"?>
+<file path=ppt/slides/slide64.xml><?xml version="1.0" encoding="utf-8"?>
 <p:sld xmlns:a="http://schemas.openxmlformats.org/drawingml/2006/main" xmlns:r="http://schemas.openxmlformats.org/officeDocument/2006/relationships" xmlns:p="http://schemas.openxmlformats.org/presentationml/2006/main">
   <p:cSld>
     <p:spTree>
@@ -40003,7 +39449,7 @@
 </p:sld>
 </file>
 
-<file path=ppt/slides/slide67.xml><?xml version="1.0" encoding="utf-8"?>
+<file path=ppt/slides/slide65.xml><?xml version="1.0" encoding="utf-8"?>
 <p:sld xmlns:a="http://schemas.openxmlformats.org/drawingml/2006/main" xmlns:r="http://schemas.openxmlformats.org/officeDocument/2006/relationships" xmlns:p="http://schemas.openxmlformats.org/presentationml/2006/main">
   <p:cSld>
     <p:spTree>
@@ -40287,7 +39733,7 @@
 </p:sld>
 </file>
 
-<file path=ppt/slides/slide68.xml><?xml version="1.0" encoding="utf-8"?>
+<file path=ppt/slides/slide66.xml><?xml version="1.0" encoding="utf-8"?>
 <p:sld xmlns:a="http://schemas.openxmlformats.org/drawingml/2006/main" xmlns:r="http://schemas.openxmlformats.org/officeDocument/2006/relationships" xmlns:p="http://schemas.openxmlformats.org/presentationml/2006/main">
   <p:cSld>
     <p:spTree>
@@ -40690,7 +40136,7 @@
 </p:sld>
 </file>
 
-<file path=ppt/slides/slide69.xml><?xml version="1.0" encoding="utf-8"?>
+<file path=ppt/slides/slide67.xml><?xml version="1.0" encoding="utf-8"?>
 <p:sld xmlns:a="http://schemas.openxmlformats.org/drawingml/2006/main" xmlns:r="http://schemas.openxmlformats.org/officeDocument/2006/relationships" xmlns:p="http://schemas.openxmlformats.org/presentationml/2006/main">
   <p:cSld>
     <p:spTree>
@@ -41055,225 +40501,7 @@
 </p:sld>
 </file>
 
-<file path=ppt/slides/slide7.xml><?xml version="1.0" encoding="utf-8"?>
-<p:sld xmlns:a="http://schemas.openxmlformats.org/drawingml/2006/main" xmlns:r="http://schemas.openxmlformats.org/officeDocument/2006/relationships" xmlns:p="http://schemas.openxmlformats.org/presentationml/2006/main">
-  <p:cSld>
-    <p:spTree>
-      <p:nvGrpSpPr>
-        <p:cNvPr id="1" name=""/>
-        <p:cNvGrpSpPr/>
-        <p:nvPr/>
-      </p:nvGrpSpPr>
-      <p:grpSpPr>
-        <a:xfrm>
-          <a:off x="0" y="0"/>
-          <a:ext cx="0" cy="0"/>
-          <a:chOff x="0" y="0"/>
-          <a:chExt cx="0" cy="0"/>
-        </a:xfrm>
-      </p:grpSpPr>
-      <p:sp>
-        <p:nvSpPr>
-          <p:cNvPr id="4" name="TextBox 3"/>
-          <p:cNvSpPr txBox="1"/>
-          <p:nvPr/>
-        </p:nvSpPr>
-        <p:spPr>
-          <a:xfrm>
-            <a:off x="1011115" y="668215"/>
-            <a:ext cx="10137964" cy="830997"/>
-          </a:xfrm>
-          <a:prstGeom prst="rect">
-            <a:avLst/>
-          </a:prstGeom>
-          <a:noFill/>
-        </p:spPr>
-        <p:txBody>
-          <a:bodyPr wrap="square" rtlCol="0">
-            <a:spAutoFit/>
-          </a:bodyPr>
-          <a:lstStyle/>
-          <a:p>
-            <a:r>
-              <a:rPr lang="en-US" sz="4800" dirty="0" smtClean="0">
-                <a:latin typeface="+mj-lt"/>
-              </a:rPr>
-              <a:t>Examples</a:t>
-            </a:r>
-            <a:endParaRPr lang="en-US" sz="4800" dirty="0">
-              <a:latin typeface="+mj-lt"/>
-            </a:endParaRPr>
-          </a:p>
-        </p:txBody>
-      </p:sp>
-      <p:sp>
-        <p:nvSpPr>
-          <p:cNvPr id="6" name="TextBox 5"/>
-          <p:cNvSpPr txBox="1"/>
-          <p:nvPr/>
-        </p:nvSpPr>
-        <p:spPr>
-          <a:xfrm>
-            <a:off x="4692071" y="3870037"/>
-            <a:ext cx="2253673" cy="1938992"/>
-          </a:xfrm>
-          <a:prstGeom prst="rect">
-            <a:avLst/>
-          </a:prstGeom>
-          <a:noFill/>
-        </p:spPr>
-        <p:txBody>
-          <a:bodyPr wrap="square" rtlCol="0">
-            <a:spAutoFit/>
-          </a:bodyPr>
-          <a:lstStyle/>
-          <a:p>
-            <a:pPr algn="ctr"/>
-            <a:r>
-              <a:rPr lang="en-US" sz="6000" b="1" dirty="0" smtClean="0">
-                <a:solidFill>
-                  <a:srgbClr val="00B050"/>
-                </a:solidFill>
-                <a:latin typeface="+mj-lt"/>
-                <a:cs typeface="Courier New" panose="02070309020205020404" pitchFamily="49" charset="0"/>
-              </a:rPr>
-              <a:t>Valid</a:t>
-            </a:r>
-          </a:p>
-          <a:p>
-            <a:pPr marL="457200" indent="-457200">
-              <a:buFont typeface="Arial" panose="020B0604020202020204" pitchFamily="34" charset="0"/>
-              <a:buChar char="•"/>
-            </a:pPr>
-            <a:endParaRPr lang="en-US" sz="6000" b="1" dirty="0" smtClean="0">
-              <a:solidFill>
-                <a:srgbClr val="00B050"/>
-              </a:solidFill>
-              <a:latin typeface="+mj-lt"/>
-              <a:cs typeface="Courier New" panose="02070309020205020404" pitchFamily="49" charset="0"/>
-            </a:endParaRPr>
-          </a:p>
-        </p:txBody>
-      </p:sp>
-      <p:sp>
-        <p:nvSpPr>
-          <p:cNvPr id="2" name="Rounded Rectangle 1"/>
-          <p:cNvSpPr/>
-          <p:nvPr/>
-        </p:nvSpPr>
-        <p:spPr>
-          <a:xfrm>
-            <a:off x="3906982" y="1884216"/>
-            <a:ext cx="4027054" cy="1681018"/>
-          </a:xfrm>
-          <a:prstGeom prst="roundRect">
-            <a:avLst/>
-          </a:prstGeom>
-          <a:solidFill>
-            <a:schemeClr val="accent1">
-              <a:lumMod val="20000"/>
-              <a:lumOff val="80000"/>
-            </a:schemeClr>
-          </a:solidFill>
-        </p:spPr>
-        <p:style>
-          <a:lnRef idx="2">
-            <a:schemeClr val="accent1">
-              <a:shade val="50000"/>
-            </a:schemeClr>
-          </a:lnRef>
-          <a:fillRef idx="1">
-            <a:schemeClr val="accent1"/>
-          </a:fillRef>
-          <a:effectRef idx="0">
-            <a:schemeClr val="accent1"/>
-          </a:effectRef>
-          <a:fontRef idx="minor">
-            <a:schemeClr val="lt1"/>
-          </a:fontRef>
-        </p:style>
-        <p:txBody>
-          <a:bodyPr rtlCol="0" anchor="ctr"/>
-          <a:lstStyle/>
-          <a:p>
-            <a:r>
-              <a:rPr lang="en-US" sz="2400" b="1" dirty="0">
-                <a:solidFill>
-                  <a:schemeClr val="tx1"/>
-                </a:solidFill>
-                <a:latin typeface="Courier New" panose="02070309020205020404" pitchFamily="49" charset="0"/>
-                <a:cs typeface="Courier New" panose="02070309020205020404" pitchFamily="49" charset="0"/>
-              </a:rPr>
-              <a:t>void f(</a:t>
-            </a:r>
-            <a:r>
-              <a:rPr lang="en-US" sz="2400" b="1" dirty="0" err="1">
-                <a:solidFill>
-                  <a:schemeClr val="tx1"/>
-                </a:solidFill>
-                <a:latin typeface="Courier New" panose="02070309020205020404" pitchFamily="49" charset="0"/>
-                <a:cs typeface="Courier New" panose="02070309020205020404" pitchFamily="49" charset="0"/>
-              </a:rPr>
-              <a:t>int</a:t>
-            </a:r>
-            <a:r>
-              <a:rPr lang="en-US" sz="2400" b="1" dirty="0">
-                <a:solidFill>
-                  <a:schemeClr val="tx1"/>
-                </a:solidFill>
-                <a:latin typeface="Courier New" panose="02070309020205020404" pitchFamily="49" charset="0"/>
-                <a:cs typeface="Courier New" panose="02070309020205020404" pitchFamily="49" charset="0"/>
-              </a:rPr>
-              <a:t> a) {</a:t>
-            </a:r>
-          </a:p>
-          <a:p>
-            <a:r>
-              <a:rPr lang="en-US" sz="2400" b="1" dirty="0">
-                <a:solidFill>
-                  <a:schemeClr val="tx1"/>
-                </a:solidFill>
-                <a:latin typeface="Courier New" panose="02070309020205020404" pitchFamily="49" charset="0"/>
-                <a:cs typeface="Courier New" panose="02070309020205020404" pitchFamily="49" charset="0"/>
-              </a:rPr>
-              <a:t>	5;;;;;</a:t>
-            </a:r>
-          </a:p>
-          <a:p>
-            <a:r>
-              <a:rPr lang="en-US" sz="2400" b="1" dirty="0">
-                <a:solidFill>
-                  <a:schemeClr val="tx1"/>
-                </a:solidFill>
-                <a:latin typeface="Courier New" panose="02070309020205020404" pitchFamily="49" charset="0"/>
-                <a:cs typeface="Courier New" panose="02070309020205020404" pitchFamily="49" charset="0"/>
-              </a:rPr>
-              <a:t>}</a:t>
-            </a:r>
-          </a:p>
-        </p:txBody>
-      </p:sp>
-    </p:spTree>
-    <p:extLst>
-      <p:ext uri="{BB962C8B-B14F-4D97-AF65-F5344CB8AC3E}">
-        <p14:creationId xmlns:p14="http://schemas.microsoft.com/office/powerpoint/2010/main" val="2648835789"/>
-      </p:ext>
-    </p:extLst>
-  </p:cSld>
-  <p:clrMapOvr>
-    <a:masterClrMapping/>
-  </p:clrMapOvr>
-  <p:timing>
-    <p:tnLst>
-      <p:par>
-        <p:cTn id="1" dur="indefinite" restart="never" nodeType="tmRoot"/>
-      </p:par>
-    </p:tnLst>
-  </p:timing>
-</p:sld>
-</file>
-
-<file path=ppt/slides/slide70.xml><?xml version="1.0" encoding="utf-8"?>
+<file path=ppt/slides/slide68.xml><?xml version="1.0" encoding="utf-8"?>
 <p:sld xmlns:a="http://schemas.openxmlformats.org/drawingml/2006/main" xmlns:r="http://schemas.openxmlformats.org/officeDocument/2006/relationships" xmlns:p="http://schemas.openxmlformats.org/presentationml/2006/main">
   <p:cSld>
     <p:spTree>
@@ -41579,7 +40807,7 @@
 </p:sld>
 </file>
 
-<file path=ppt/slides/slide71.xml><?xml version="1.0" encoding="utf-8"?>
+<file path=ppt/slides/slide69.xml><?xml version="1.0" encoding="utf-8"?>
 <p:sld xmlns:a="http://schemas.openxmlformats.org/drawingml/2006/main" xmlns:r="http://schemas.openxmlformats.org/officeDocument/2006/relationships" xmlns:p="http://schemas.openxmlformats.org/presentationml/2006/main">
   <p:cSld>
     <p:spTree>
@@ -41726,7 +40954,225 @@
 </p:sld>
 </file>
 
-<file path=ppt/slides/slide72.xml><?xml version="1.0" encoding="utf-8"?>
+<file path=ppt/slides/slide7.xml><?xml version="1.0" encoding="utf-8"?>
+<p:sld xmlns:a="http://schemas.openxmlformats.org/drawingml/2006/main" xmlns:r="http://schemas.openxmlformats.org/officeDocument/2006/relationships" xmlns:p="http://schemas.openxmlformats.org/presentationml/2006/main">
+  <p:cSld>
+    <p:spTree>
+      <p:nvGrpSpPr>
+        <p:cNvPr id="1" name=""/>
+        <p:cNvGrpSpPr/>
+        <p:nvPr/>
+      </p:nvGrpSpPr>
+      <p:grpSpPr>
+        <a:xfrm>
+          <a:off x="0" y="0"/>
+          <a:ext cx="0" cy="0"/>
+          <a:chOff x="0" y="0"/>
+          <a:chExt cx="0" cy="0"/>
+        </a:xfrm>
+      </p:grpSpPr>
+      <p:sp>
+        <p:nvSpPr>
+          <p:cNvPr id="4" name="TextBox 3"/>
+          <p:cNvSpPr txBox="1"/>
+          <p:nvPr/>
+        </p:nvSpPr>
+        <p:spPr>
+          <a:xfrm>
+            <a:off x="1011115" y="668215"/>
+            <a:ext cx="10137964" cy="830997"/>
+          </a:xfrm>
+          <a:prstGeom prst="rect">
+            <a:avLst/>
+          </a:prstGeom>
+          <a:noFill/>
+        </p:spPr>
+        <p:txBody>
+          <a:bodyPr wrap="square" rtlCol="0">
+            <a:spAutoFit/>
+          </a:bodyPr>
+          <a:lstStyle/>
+          <a:p>
+            <a:r>
+              <a:rPr lang="en-US" sz="4800" dirty="0" smtClean="0">
+                <a:latin typeface="+mj-lt"/>
+              </a:rPr>
+              <a:t>Examples</a:t>
+            </a:r>
+            <a:endParaRPr lang="en-US" sz="4800" dirty="0">
+              <a:latin typeface="+mj-lt"/>
+            </a:endParaRPr>
+          </a:p>
+        </p:txBody>
+      </p:sp>
+      <p:sp>
+        <p:nvSpPr>
+          <p:cNvPr id="6" name="TextBox 5"/>
+          <p:cNvSpPr txBox="1"/>
+          <p:nvPr/>
+        </p:nvSpPr>
+        <p:spPr>
+          <a:xfrm>
+            <a:off x="4692071" y="3870037"/>
+            <a:ext cx="2253673" cy="1938992"/>
+          </a:xfrm>
+          <a:prstGeom prst="rect">
+            <a:avLst/>
+          </a:prstGeom>
+          <a:noFill/>
+        </p:spPr>
+        <p:txBody>
+          <a:bodyPr wrap="square" rtlCol="0">
+            <a:spAutoFit/>
+          </a:bodyPr>
+          <a:lstStyle/>
+          <a:p>
+            <a:pPr algn="ctr"/>
+            <a:r>
+              <a:rPr lang="en-US" sz="6000" b="1" dirty="0" smtClean="0">
+                <a:solidFill>
+                  <a:srgbClr val="00B050"/>
+                </a:solidFill>
+                <a:latin typeface="+mj-lt"/>
+                <a:cs typeface="Courier New" panose="02070309020205020404" pitchFamily="49" charset="0"/>
+              </a:rPr>
+              <a:t>Valid</a:t>
+            </a:r>
+          </a:p>
+          <a:p>
+            <a:pPr marL="457200" indent="-457200">
+              <a:buFont typeface="Arial" panose="020B0604020202020204" pitchFamily="34" charset="0"/>
+              <a:buChar char="•"/>
+            </a:pPr>
+            <a:endParaRPr lang="en-US" sz="6000" b="1" dirty="0" smtClean="0">
+              <a:solidFill>
+                <a:srgbClr val="00B050"/>
+              </a:solidFill>
+              <a:latin typeface="+mj-lt"/>
+              <a:cs typeface="Courier New" panose="02070309020205020404" pitchFamily="49" charset="0"/>
+            </a:endParaRPr>
+          </a:p>
+        </p:txBody>
+      </p:sp>
+      <p:sp>
+        <p:nvSpPr>
+          <p:cNvPr id="2" name="Rounded Rectangle 1"/>
+          <p:cNvSpPr/>
+          <p:nvPr/>
+        </p:nvSpPr>
+        <p:spPr>
+          <a:xfrm>
+            <a:off x="3906982" y="1884216"/>
+            <a:ext cx="4027054" cy="1681018"/>
+          </a:xfrm>
+          <a:prstGeom prst="roundRect">
+            <a:avLst/>
+          </a:prstGeom>
+          <a:solidFill>
+            <a:schemeClr val="accent1">
+              <a:lumMod val="20000"/>
+              <a:lumOff val="80000"/>
+            </a:schemeClr>
+          </a:solidFill>
+        </p:spPr>
+        <p:style>
+          <a:lnRef idx="2">
+            <a:schemeClr val="accent1">
+              <a:shade val="50000"/>
+            </a:schemeClr>
+          </a:lnRef>
+          <a:fillRef idx="1">
+            <a:schemeClr val="accent1"/>
+          </a:fillRef>
+          <a:effectRef idx="0">
+            <a:schemeClr val="accent1"/>
+          </a:effectRef>
+          <a:fontRef idx="minor">
+            <a:schemeClr val="lt1"/>
+          </a:fontRef>
+        </p:style>
+        <p:txBody>
+          <a:bodyPr rtlCol="0" anchor="ctr"/>
+          <a:lstStyle/>
+          <a:p>
+            <a:r>
+              <a:rPr lang="en-US" sz="2400" b="1" dirty="0">
+                <a:solidFill>
+                  <a:schemeClr val="tx1"/>
+                </a:solidFill>
+                <a:latin typeface="Courier New" panose="02070309020205020404" pitchFamily="49" charset="0"/>
+                <a:cs typeface="Courier New" panose="02070309020205020404" pitchFamily="49" charset="0"/>
+              </a:rPr>
+              <a:t>void f(</a:t>
+            </a:r>
+            <a:r>
+              <a:rPr lang="en-US" sz="2400" b="1" dirty="0" err="1">
+                <a:solidFill>
+                  <a:schemeClr val="tx1"/>
+                </a:solidFill>
+                <a:latin typeface="Courier New" panose="02070309020205020404" pitchFamily="49" charset="0"/>
+                <a:cs typeface="Courier New" panose="02070309020205020404" pitchFamily="49" charset="0"/>
+              </a:rPr>
+              <a:t>int</a:t>
+            </a:r>
+            <a:r>
+              <a:rPr lang="en-US" sz="2400" b="1" dirty="0">
+                <a:solidFill>
+                  <a:schemeClr val="tx1"/>
+                </a:solidFill>
+                <a:latin typeface="Courier New" panose="02070309020205020404" pitchFamily="49" charset="0"/>
+                <a:cs typeface="Courier New" panose="02070309020205020404" pitchFamily="49" charset="0"/>
+              </a:rPr>
+              <a:t> a) {</a:t>
+            </a:r>
+          </a:p>
+          <a:p>
+            <a:r>
+              <a:rPr lang="en-US" sz="2400" b="1" dirty="0">
+                <a:solidFill>
+                  <a:schemeClr val="tx1"/>
+                </a:solidFill>
+                <a:latin typeface="Courier New" panose="02070309020205020404" pitchFamily="49" charset="0"/>
+                <a:cs typeface="Courier New" panose="02070309020205020404" pitchFamily="49" charset="0"/>
+              </a:rPr>
+              <a:t>	5;;;;;</a:t>
+            </a:r>
+          </a:p>
+          <a:p>
+            <a:r>
+              <a:rPr lang="en-US" sz="2400" b="1" dirty="0">
+                <a:solidFill>
+                  <a:schemeClr val="tx1"/>
+                </a:solidFill>
+                <a:latin typeface="Courier New" panose="02070309020205020404" pitchFamily="49" charset="0"/>
+                <a:cs typeface="Courier New" panose="02070309020205020404" pitchFamily="49" charset="0"/>
+              </a:rPr>
+              <a:t>}</a:t>
+            </a:r>
+          </a:p>
+        </p:txBody>
+      </p:sp>
+    </p:spTree>
+    <p:extLst>
+      <p:ext uri="{BB962C8B-B14F-4D97-AF65-F5344CB8AC3E}">
+        <p14:creationId xmlns:p14="http://schemas.microsoft.com/office/powerpoint/2010/main" val="2648835789"/>
+      </p:ext>
+    </p:extLst>
+  </p:cSld>
+  <p:clrMapOvr>
+    <a:masterClrMapping/>
+  </p:clrMapOvr>
+  <p:timing>
+    <p:tnLst>
+      <p:par>
+        <p:cTn id="1" dur="indefinite" restart="never" nodeType="tmRoot"/>
+      </p:par>
+    </p:tnLst>
+  </p:timing>
+</p:sld>
+</file>
+
+<file path=ppt/slides/slide70.xml><?xml version="1.0" encoding="utf-8"?>
 <p:sld xmlns:a="http://schemas.openxmlformats.org/drawingml/2006/main" xmlns:r="http://schemas.openxmlformats.org/officeDocument/2006/relationships" xmlns:p="http://schemas.openxmlformats.org/presentationml/2006/main">
   <p:cSld>
     <p:spTree>
@@ -42077,7 +41523,7 @@
 </p:sld>
 </file>
 
-<file path=ppt/slides/slide73.xml><?xml version="1.0" encoding="utf-8"?>
+<file path=ppt/slides/slide71.xml><?xml version="1.0" encoding="utf-8"?>
 <p:sld xmlns:a="http://schemas.openxmlformats.org/drawingml/2006/main" xmlns:r="http://schemas.openxmlformats.org/officeDocument/2006/relationships" xmlns:p="http://schemas.openxmlformats.org/presentationml/2006/main">
   <p:cSld>
     <p:spTree>

--- a/new_slides/top_down_parsing.pptx
+++ b/new_slides/top_down_parsing.pptx
@@ -10678,7 +10678,19 @@
               <a:rPr lang="en-US" sz="2800" dirty="0" smtClean="0">
                 <a:latin typeface="+mj-lt"/>
               </a:rPr>
-              <a:t>Is the language of </a:t>
+              <a:t>Does</a:t>
+            </a:r>
+            <a:r>
+              <a:rPr lang="en-US" sz="2800" dirty="0" smtClean="0">
+                <a:latin typeface="+mj-lt"/>
+              </a:rPr>
+              <a:t> </a:t>
+            </a:r>
+            <a:r>
+              <a:rPr lang="en-US" sz="2800" dirty="0" smtClean="0">
+                <a:latin typeface="+mj-lt"/>
+              </a:rPr>
+              <a:t>the language of </a:t>
             </a:r>
             <a:r>
               <a:rPr lang="en-US" sz="2800" b="1" dirty="0" smtClean="0">
@@ -10690,7 +10702,19 @@
               <a:rPr lang="en-US" sz="2800" dirty="0" smtClean="0">
                 <a:latin typeface="+mj-lt"/>
               </a:rPr>
-              <a:t> has a CFG?</a:t>
+              <a:t> </a:t>
+            </a:r>
+            <a:r>
+              <a:rPr lang="en-US" sz="2800" dirty="0" smtClean="0">
+                <a:latin typeface="+mj-lt"/>
+              </a:rPr>
+              <a:t>have </a:t>
+            </a:r>
+            <a:r>
+              <a:rPr lang="en-US" sz="2800" dirty="0" smtClean="0">
+                <a:latin typeface="+mj-lt"/>
+              </a:rPr>
+              <a:t>a CFG?</a:t>
             </a:r>
           </a:p>
         </p:txBody>
@@ -10794,7 +10818,7 @@
                   <a:rPr lang="en-US" sz="2800" dirty="0" smtClean="0">
                     <a:latin typeface="+mj-lt"/>
                   </a:rPr>
-                  <a:t>Is the language of </a:t>
+                  <a:t>Does the language of </a:t>
                 </a:r>
                 <a:r>
                   <a:rPr lang="en-US" sz="2800" b="1" dirty="0" smtClean="0">
@@ -10806,7 +10830,19 @@
                   <a:rPr lang="en-US" sz="2800" dirty="0" smtClean="0">
                     <a:latin typeface="+mj-lt"/>
                   </a:rPr>
-                  <a:t> has a CFG?</a:t>
+                  <a:t> </a:t>
+                </a:r>
+                <a:r>
+                  <a:rPr lang="en-US" sz="2800" dirty="0" smtClean="0">
+                    <a:latin typeface="+mj-lt"/>
+                  </a:rPr>
+                  <a:t>have </a:t>
+                </a:r>
+                <a:r>
+                  <a:rPr lang="en-US" sz="2800" dirty="0" smtClean="0">
+                    <a:latin typeface="+mj-lt"/>
+                  </a:rPr>
+                  <a:t>a CFG?</a:t>
                 </a:r>
               </a:p>
               <a:p>
@@ -11003,7 +11039,7 @@
         <p:spPr>
           <a:xfrm>
             <a:off x="1011115" y="1529866"/>
-            <a:ext cx="10137964" cy="954107"/>
+            <a:ext cx="10435510" cy="954107"/>
           </a:xfrm>
           <a:prstGeom prst="rect">
             <a:avLst/>
@@ -11032,7 +11068,7 @@
               <a:rPr lang="en-US" sz="2800" b="1" dirty="0" smtClean="0">
                 <a:latin typeface="+mj-lt"/>
               </a:rPr>
-              <a:t>has </a:t>
+              <a:t>have </a:t>
             </a:r>
             <a:r>
               <a:rPr lang="en-US" sz="2800" b="1" dirty="0">
@@ -11064,28 +11100,40 @@
           </a:p>
           <a:p>
             <a:r>
+              <a:rPr lang="en-US" sz="2800" dirty="0" smtClean="0">
+                <a:latin typeface="+mj-lt"/>
+              </a:rPr>
+              <a:t>Can we have </a:t>
+            </a:r>
+            <a:r>
+              <a:rPr lang="en-US" sz="2800" b="1" dirty="0">
+                <a:latin typeface="+mj-lt"/>
+              </a:rPr>
+              <a:t>multiple</a:t>
+            </a:r>
+            <a:r>
               <a:rPr lang="en-US" sz="2800" dirty="0">
                 <a:latin typeface="+mj-lt"/>
               </a:rPr>
-              <a:t>Is it possible to have </a:t>
-            </a:r>
-            <a:r>
-              <a:rPr lang="en-US" sz="2800" b="1" dirty="0">
+              <a:t> </a:t>
+            </a:r>
+            <a:r>
+              <a:rPr lang="en-US" sz="2800" dirty="0" smtClean="0">
                 <a:latin typeface="+mj-lt"/>
               </a:rPr>
-              <a:t>multiple</a:t>
+              <a:t>CFG’s </a:t>
             </a:r>
             <a:r>
               <a:rPr lang="en-US" sz="2800" dirty="0">
                 <a:latin typeface="+mj-lt"/>
               </a:rPr>
-              <a:t> CFG describing the </a:t>
+              <a:t>describing the </a:t>
             </a:r>
             <a:r>
               <a:rPr lang="en-US" sz="2800" dirty="0" smtClean="0">
                 <a:latin typeface="+mj-lt"/>
               </a:rPr>
-              <a:t>same? </a:t>
+              <a:t>same language? </a:t>
             </a:r>
             <a:r>
               <a:rPr lang="en-US" sz="2800" b="1" dirty="0" smtClean="0">
@@ -19227,1234 +19275,6 @@
           </p:sp>
         </mc:Fallback>
       </mc:AlternateContent>
-      <p:sp>
-        <p:nvSpPr>
-          <p:cNvPr id="26" name="Oval 25"/>
-          <p:cNvSpPr/>
-          <p:nvPr/>
-        </p:nvSpPr>
-        <p:spPr>
-          <a:xfrm>
-            <a:off x="8167709" y="925246"/>
-            <a:ext cx="631767" cy="683087"/>
-          </a:xfrm>
-          <a:prstGeom prst="ellipse">
-            <a:avLst/>
-          </a:prstGeom>
-          <a:solidFill>
-            <a:schemeClr val="accent1">
-              <a:alpha val="40000"/>
-            </a:schemeClr>
-          </a:solidFill>
-        </p:spPr>
-        <p:style>
-          <a:lnRef idx="2">
-            <a:schemeClr val="accent1">
-              <a:shade val="50000"/>
-            </a:schemeClr>
-          </a:lnRef>
-          <a:fillRef idx="1">
-            <a:schemeClr val="accent1"/>
-          </a:fillRef>
-          <a:effectRef idx="0">
-            <a:schemeClr val="accent1"/>
-          </a:effectRef>
-          <a:fontRef idx="minor">
-            <a:schemeClr val="lt1"/>
-          </a:fontRef>
-        </p:style>
-        <p:txBody>
-          <a:bodyPr rtlCol="0" anchor="ctr"/>
-          <a:lstStyle/>
-          <a:p>
-            <a:pPr algn="ctr"/>
-            <a:r>
-              <a:rPr lang="en-US" sz="2800" b="1" dirty="0" smtClean="0">
-                <a:solidFill>
-                  <a:schemeClr val="accent3"/>
-                </a:solidFill>
-              </a:rPr>
-              <a:t>S</a:t>
-            </a:r>
-            <a:endParaRPr lang="en-US" sz="2800" b="1" dirty="0">
-              <a:solidFill>
-                <a:schemeClr val="accent3"/>
-              </a:solidFill>
-            </a:endParaRPr>
-          </a:p>
-        </p:txBody>
-      </p:sp>
-      <p:sp>
-        <p:nvSpPr>
-          <p:cNvPr id="27" name="Oval 26"/>
-          <p:cNvSpPr/>
-          <p:nvPr/>
-        </p:nvSpPr>
-        <p:spPr>
-          <a:xfrm>
-            <a:off x="7605214" y="1717726"/>
-            <a:ext cx="631767" cy="683087"/>
-          </a:xfrm>
-          <a:prstGeom prst="ellipse">
-            <a:avLst/>
-          </a:prstGeom>
-          <a:solidFill>
-            <a:schemeClr val="accent1">
-              <a:alpha val="40000"/>
-            </a:schemeClr>
-          </a:solidFill>
-        </p:spPr>
-        <p:style>
-          <a:lnRef idx="2">
-            <a:schemeClr val="accent1">
-              <a:shade val="50000"/>
-            </a:schemeClr>
-          </a:lnRef>
-          <a:fillRef idx="1">
-            <a:schemeClr val="accent1"/>
-          </a:fillRef>
-          <a:effectRef idx="0">
-            <a:schemeClr val="accent1"/>
-          </a:effectRef>
-          <a:fontRef idx="minor">
-            <a:schemeClr val="lt1"/>
-          </a:fontRef>
-        </p:style>
-        <p:txBody>
-          <a:bodyPr rtlCol="0" anchor="ctr"/>
-          <a:lstStyle/>
-          <a:p>
-            <a:pPr algn="ctr"/>
-            <a:r>
-              <a:rPr lang="en-US" sz="2800" b="1" dirty="0" smtClean="0">
-                <a:solidFill>
-                  <a:schemeClr val="accent3"/>
-                </a:solidFill>
-              </a:rPr>
-              <a:t>8</a:t>
-            </a:r>
-            <a:endParaRPr lang="en-US" sz="2800" b="1" dirty="0">
-              <a:solidFill>
-                <a:schemeClr val="accent3"/>
-              </a:solidFill>
-            </a:endParaRPr>
-          </a:p>
-        </p:txBody>
-      </p:sp>
-      <p:sp>
-        <p:nvSpPr>
-          <p:cNvPr id="28" name="Oval 27"/>
-          <p:cNvSpPr/>
-          <p:nvPr/>
-        </p:nvSpPr>
-        <p:spPr>
-          <a:xfrm>
-            <a:off x="8720830" y="1712366"/>
-            <a:ext cx="631767" cy="683087"/>
-          </a:xfrm>
-          <a:prstGeom prst="ellipse">
-            <a:avLst/>
-          </a:prstGeom>
-          <a:solidFill>
-            <a:schemeClr val="accent1">
-              <a:alpha val="40000"/>
-            </a:schemeClr>
-          </a:solidFill>
-        </p:spPr>
-        <p:style>
-          <a:lnRef idx="2">
-            <a:schemeClr val="accent1">
-              <a:shade val="50000"/>
-            </a:schemeClr>
-          </a:lnRef>
-          <a:fillRef idx="1">
-            <a:schemeClr val="accent1"/>
-          </a:fillRef>
-          <a:effectRef idx="0">
-            <a:schemeClr val="accent1"/>
-          </a:effectRef>
-          <a:fontRef idx="minor">
-            <a:schemeClr val="lt1"/>
-          </a:fontRef>
-        </p:style>
-        <p:txBody>
-          <a:bodyPr rtlCol="0" anchor="ctr"/>
-          <a:lstStyle/>
-          <a:p>
-            <a:pPr algn="ctr"/>
-            <a:r>
-              <a:rPr lang="en-US" sz="2800" b="1" dirty="0" smtClean="0">
-                <a:solidFill>
-                  <a:schemeClr val="accent3"/>
-                </a:solidFill>
-              </a:rPr>
-              <a:t>T</a:t>
-            </a:r>
-            <a:endParaRPr lang="en-US" sz="2800" b="1" dirty="0">
-              <a:solidFill>
-                <a:schemeClr val="accent3"/>
-              </a:solidFill>
-            </a:endParaRPr>
-          </a:p>
-        </p:txBody>
-      </p:sp>
-      <p:cxnSp>
-        <p:nvCxnSpPr>
-          <p:cNvPr id="30" name="Straight Arrow Connector 29"/>
-          <p:cNvCxnSpPr>
-            <a:stCxn id="26" idx="3"/>
-            <a:endCxn id="27" idx="0"/>
-          </p:cNvCxnSpPr>
-          <p:nvPr/>
-        </p:nvCxnSpPr>
-        <p:spPr>
-          <a:xfrm flipH="1">
-            <a:off x="7921098" y="1508297"/>
-            <a:ext cx="339131" cy="209429"/>
-          </a:xfrm>
-          <a:prstGeom prst="straightConnector1">
-            <a:avLst/>
-          </a:prstGeom>
-          <a:ln w="19050">
-            <a:solidFill>
-              <a:schemeClr val="tx1"/>
-            </a:solidFill>
-            <a:prstDash val="solid"/>
-            <a:headEnd type="none" w="med" len="med"/>
-            <a:tailEnd type="none" w="med" len="med"/>
-          </a:ln>
-        </p:spPr>
-        <p:style>
-          <a:lnRef idx="1">
-            <a:schemeClr val="accent1"/>
-          </a:lnRef>
-          <a:fillRef idx="0">
-            <a:schemeClr val="accent1"/>
-          </a:fillRef>
-          <a:effectRef idx="0">
-            <a:schemeClr val="accent1"/>
-          </a:effectRef>
-          <a:fontRef idx="minor">
-            <a:schemeClr val="tx1"/>
-          </a:fontRef>
-        </p:style>
-      </p:cxnSp>
-      <p:cxnSp>
-        <p:nvCxnSpPr>
-          <p:cNvPr id="31" name="Straight Arrow Connector 30"/>
-          <p:cNvCxnSpPr>
-            <a:stCxn id="26" idx="5"/>
-            <a:endCxn id="28" idx="0"/>
-          </p:cNvCxnSpPr>
-          <p:nvPr/>
-        </p:nvCxnSpPr>
-        <p:spPr>
-          <a:xfrm>
-            <a:off x="8706956" y="1508297"/>
-            <a:ext cx="329758" cy="204069"/>
-          </a:xfrm>
-          <a:prstGeom prst="straightConnector1">
-            <a:avLst/>
-          </a:prstGeom>
-          <a:ln w="19050">
-            <a:solidFill>
-              <a:schemeClr val="tx1"/>
-            </a:solidFill>
-            <a:prstDash val="solid"/>
-            <a:headEnd type="none" w="med" len="med"/>
-            <a:tailEnd type="none" w="med" len="med"/>
-          </a:ln>
-        </p:spPr>
-        <p:style>
-          <a:lnRef idx="1">
-            <a:schemeClr val="accent1"/>
-          </a:lnRef>
-          <a:fillRef idx="0">
-            <a:schemeClr val="accent1"/>
-          </a:fillRef>
-          <a:effectRef idx="0">
-            <a:schemeClr val="accent1"/>
-          </a:effectRef>
-          <a:fontRef idx="minor">
-            <a:schemeClr val="tx1"/>
-          </a:fontRef>
-        </p:style>
-      </p:cxnSp>
-      <p:sp>
-        <p:nvSpPr>
-          <p:cNvPr id="36" name="Oval 35"/>
-          <p:cNvSpPr/>
-          <p:nvPr/>
-        </p:nvSpPr>
-        <p:spPr>
-          <a:xfrm>
-            <a:off x="7893050" y="2582431"/>
-            <a:ext cx="631767" cy="683087"/>
-          </a:xfrm>
-          <a:prstGeom prst="ellipse">
-            <a:avLst/>
-          </a:prstGeom>
-          <a:solidFill>
-            <a:schemeClr val="accent1">
-              <a:alpha val="40000"/>
-            </a:schemeClr>
-          </a:solidFill>
-        </p:spPr>
-        <p:style>
-          <a:lnRef idx="2">
-            <a:schemeClr val="accent1">
-              <a:shade val="50000"/>
-            </a:schemeClr>
-          </a:lnRef>
-          <a:fillRef idx="1">
-            <a:schemeClr val="accent1"/>
-          </a:fillRef>
-          <a:effectRef idx="0">
-            <a:schemeClr val="accent1"/>
-          </a:effectRef>
-          <a:fontRef idx="minor">
-            <a:schemeClr val="lt1"/>
-          </a:fontRef>
-        </p:style>
-        <p:txBody>
-          <a:bodyPr rtlCol="0" anchor="ctr"/>
-          <a:lstStyle/>
-          <a:p>
-            <a:pPr algn="ctr"/>
-            <a:r>
-              <a:rPr lang="en-US" sz="2800" b="1" dirty="0" smtClean="0">
-                <a:solidFill>
-                  <a:schemeClr val="accent3"/>
-                </a:solidFill>
-              </a:rPr>
-              <a:t>*</a:t>
-            </a:r>
-            <a:endParaRPr lang="en-US" sz="2800" b="1" dirty="0">
-              <a:solidFill>
-                <a:schemeClr val="accent3"/>
-              </a:solidFill>
-            </a:endParaRPr>
-          </a:p>
-        </p:txBody>
-      </p:sp>
-      <p:sp>
-        <p:nvSpPr>
-          <p:cNvPr id="37" name="Oval 36"/>
-          <p:cNvSpPr/>
-          <p:nvPr/>
-        </p:nvSpPr>
-        <p:spPr>
-          <a:xfrm>
-            <a:off x="8720828" y="2590559"/>
-            <a:ext cx="631767" cy="683087"/>
-          </a:xfrm>
-          <a:prstGeom prst="ellipse">
-            <a:avLst/>
-          </a:prstGeom>
-          <a:solidFill>
-            <a:schemeClr val="accent1">
-              <a:alpha val="40000"/>
-            </a:schemeClr>
-          </a:solidFill>
-        </p:spPr>
-        <p:style>
-          <a:lnRef idx="2">
-            <a:schemeClr val="accent1">
-              <a:shade val="50000"/>
-            </a:schemeClr>
-          </a:lnRef>
-          <a:fillRef idx="1">
-            <a:schemeClr val="accent1"/>
-          </a:fillRef>
-          <a:effectRef idx="0">
-            <a:schemeClr val="accent1"/>
-          </a:effectRef>
-          <a:fontRef idx="minor">
-            <a:schemeClr val="lt1"/>
-          </a:fontRef>
-        </p:style>
-        <p:txBody>
-          <a:bodyPr rtlCol="0" anchor="ctr"/>
-          <a:lstStyle/>
-          <a:p>
-            <a:pPr algn="ctr"/>
-            <a:r>
-              <a:rPr lang="en-US" sz="2800" b="1" dirty="0" smtClean="0">
-                <a:solidFill>
-                  <a:schemeClr val="accent3"/>
-                </a:solidFill>
-              </a:rPr>
-              <a:t>S</a:t>
-            </a:r>
-            <a:endParaRPr lang="en-US" sz="2800" b="1" dirty="0">
-              <a:solidFill>
-                <a:schemeClr val="accent3"/>
-              </a:solidFill>
-            </a:endParaRPr>
-          </a:p>
-        </p:txBody>
-      </p:sp>
-      <p:sp>
-        <p:nvSpPr>
-          <p:cNvPr id="38" name="Oval 37"/>
-          <p:cNvSpPr/>
-          <p:nvPr/>
-        </p:nvSpPr>
-        <p:spPr>
-          <a:xfrm>
-            <a:off x="9573604" y="2601825"/>
-            <a:ext cx="631767" cy="683087"/>
-          </a:xfrm>
-          <a:prstGeom prst="ellipse">
-            <a:avLst/>
-          </a:prstGeom>
-          <a:solidFill>
-            <a:schemeClr val="accent1">
-              <a:alpha val="40000"/>
-            </a:schemeClr>
-          </a:solidFill>
-        </p:spPr>
-        <p:style>
-          <a:lnRef idx="2">
-            <a:schemeClr val="accent1">
-              <a:shade val="50000"/>
-            </a:schemeClr>
-          </a:lnRef>
-          <a:fillRef idx="1">
-            <a:schemeClr val="accent1"/>
-          </a:fillRef>
-          <a:effectRef idx="0">
-            <a:schemeClr val="accent1"/>
-          </a:effectRef>
-          <a:fontRef idx="minor">
-            <a:schemeClr val="lt1"/>
-          </a:fontRef>
-        </p:style>
-        <p:txBody>
-          <a:bodyPr rtlCol="0" anchor="ctr"/>
-          <a:lstStyle/>
-          <a:p>
-            <a:pPr algn="ctr"/>
-            <a:r>
-              <a:rPr lang="en-US" sz="2800" b="1" dirty="0" smtClean="0">
-                <a:solidFill>
-                  <a:schemeClr val="accent3"/>
-                </a:solidFill>
-              </a:rPr>
-              <a:t>T</a:t>
-            </a:r>
-            <a:endParaRPr lang="en-US" sz="2800" b="1" dirty="0">
-              <a:solidFill>
-                <a:schemeClr val="accent3"/>
-              </a:solidFill>
-            </a:endParaRPr>
-          </a:p>
-        </p:txBody>
-      </p:sp>
-      <p:cxnSp>
-        <p:nvCxnSpPr>
-          <p:cNvPr id="39" name="Straight Arrow Connector 38"/>
-          <p:cNvCxnSpPr>
-            <a:stCxn id="28" idx="3"/>
-            <a:endCxn id="36" idx="0"/>
-          </p:cNvCxnSpPr>
-          <p:nvPr/>
-        </p:nvCxnSpPr>
-        <p:spPr>
-          <a:xfrm flipH="1">
-            <a:off x="8208934" y="2295417"/>
-            <a:ext cx="604416" cy="287014"/>
-          </a:xfrm>
-          <a:prstGeom prst="straightConnector1">
-            <a:avLst/>
-          </a:prstGeom>
-          <a:ln w="19050">
-            <a:solidFill>
-              <a:schemeClr val="tx1"/>
-            </a:solidFill>
-            <a:prstDash val="solid"/>
-            <a:headEnd type="none" w="med" len="med"/>
-            <a:tailEnd type="none" w="med" len="med"/>
-          </a:ln>
-        </p:spPr>
-        <p:style>
-          <a:lnRef idx="1">
-            <a:schemeClr val="accent1"/>
-          </a:lnRef>
-          <a:fillRef idx="0">
-            <a:schemeClr val="accent1"/>
-          </a:fillRef>
-          <a:effectRef idx="0">
-            <a:schemeClr val="accent1"/>
-          </a:effectRef>
-          <a:fontRef idx="minor">
-            <a:schemeClr val="tx1"/>
-          </a:fontRef>
-        </p:style>
-      </p:cxnSp>
-      <p:cxnSp>
-        <p:nvCxnSpPr>
-          <p:cNvPr id="42" name="Straight Arrow Connector 41"/>
-          <p:cNvCxnSpPr>
-            <a:stCxn id="28" idx="5"/>
-            <a:endCxn id="38" idx="0"/>
-          </p:cNvCxnSpPr>
-          <p:nvPr/>
-        </p:nvCxnSpPr>
-        <p:spPr>
-          <a:xfrm>
-            <a:off x="9260077" y="2295417"/>
-            <a:ext cx="629411" cy="306408"/>
-          </a:xfrm>
-          <a:prstGeom prst="straightConnector1">
-            <a:avLst/>
-          </a:prstGeom>
-          <a:ln w="19050">
-            <a:solidFill>
-              <a:schemeClr val="tx1"/>
-            </a:solidFill>
-            <a:prstDash val="solid"/>
-            <a:headEnd type="none" w="med" len="med"/>
-            <a:tailEnd type="none" w="med" len="med"/>
-          </a:ln>
-        </p:spPr>
-        <p:style>
-          <a:lnRef idx="1">
-            <a:schemeClr val="accent1"/>
-          </a:lnRef>
-          <a:fillRef idx="0">
-            <a:schemeClr val="accent1"/>
-          </a:fillRef>
-          <a:effectRef idx="0">
-            <a:schemeClr val="accent1"/>
-          </a:effectRef>
-          <a:fontRef idx="minor">
-            <a:schemeClr val="tx1"/>
-          </a:fontRef>
-        </p:style>
-      </p:cxnSp>
-      <p:cxnSp>
-        <p:nvCxnSpPr>
-          <p:cNvPr id="45" name="Straight Arrow Connector 44"/>
-          <p:cNvCxnSpPr>
-            <a:stCxn id="28" idx="4"/>
-            <a:endCxn id="37" idx="0"/>
-          </p:cNvCxnSpPr>
-          <p:nvPr/>
-        </p:nvCxnSpPr>
-        <p:spPr>
-          <a:xfrm flipH="1">
-            <a:off x="9036712" y="2395453"/>
-            <a:ext cx="2" cy="195106"/>
-          </a:xfrm>
-          <a:prstGeom prst="straightConnector1">
-            <a:avLst/>
-          </a:prstGeom>
-          <a:ln w="28575">
-            <a:solidFill>
-              <a:schemeClr val="tx1"/>
-            </a:solidFill>
-            <a:prstDash val="solid"/>
-            <a:headEnd type="none" w="med" len="med"/>
-            <a:tailEnd type="none" w="med" len="med"/>
-          </a:ln>
-        </p:spPr>
-        <p:style>
-          <a:lnRef idx="1">
-            <a:schemeClr val="accent1"/>
-          </a:lnRef>
-          <a:fillRef idx="0">
-            <a:schemeClr val="accent1"/>
-          </a:fillRef>
-          <a:effectRef idx="0">
-            <a:schemeClr val="accent1"/>
-          </a:effectRef>
-          <a:fontRef idx="minor">
-            <a:schemeClr val="tx1"/>
-          </a:fontRef>
-        </p:style>
-      </p:cxnSp>
-      <p:sp>
-        <p:nvSpPr>
-          <p:cNvPr id="48" name="Oval 47"/>
-          <p:cNvSpPr/>
-          <p:nvPr/>
-        </p:nvSpPr>
-        <p:spPr>
-          <a:xfrm>
-            <a:off x="8248061" y="3441229"/>
-            <a:ext cx="631767" cy="683087"/>
-          </a:xfrm>
-          <a:prstGeom prst="ellipse">
-            <a:avLst/>
-          </a:prstGeom>
-          <a:solidFill>
-            <a:schemeClr val="accent1">
-              <a:alpha val="40000"/>
-            </a:schemeClr>
-          </a:solidFill>
-        </p:spPr>
-        <p:style>
-          <a:lnRef idx="2">
-            <a:schemeClr val="accent1">
-              <a:shade val="50000"/>
-            </a:schemeClr>
-          </a:lnRef>
-          <a:fillRef idx="1">
-            <a:schemeClr val="accent1"/>
-          </a:fillRef>
-          <a:effectRef idx="0">
-            <a:schemeClr val="accent1"/>
-          </a:effectRef>
-          <a:fontRef idx="minor">
-            <a:schemeClr val="lt1"/>
-          </a:fontRef>
-        </p:style>
-        <p:txBody>
-          <a:bodyPr rtlCol="0" anchor="ctr"/>
-          <a:lstStyle/>
-          <a:p>
-            <a:pPr algn="ctr"/>
-            <a:r>
-              <a:rPr lang="en-US" sz="2800" b="1" dirty="0" smtClean="0">
-                <a:solidFill>
-                  <a:schemeClr val="accent3"/>
-                </a:solidFill>
-              </a:rPr>
-              <a:t>4</a:t>
-            </a:r>
-            <a:endParaRPr lang="en-US" sz="2800" b="1" dirty="0">
-              <a:solidFill>
-                <a:schemeClr val="accent3"/>
-              </a:solidFill>
-            </a:endParaRPr>
-          </a:p>
-        </p:txBody>
-      </p:sp>
-      <p:sp>
-        <p:nvSpPr>
-          <p:cNvPr id="49" name="Oval 48"/>
-          <p:cNvSpPr/>
-          <p:nvPr/>
-        </p:nvSpPr>
-        <p:spPr>
-          <a:xfrm>
-            <a:off x="9192807" y="3452495"/>
-            <a:ext cx="631767" cy="683087"/>
-          </a:xfrm>
-          <a:prstGeom prst="ellipse">
-            <a:avLst/>
-          </a:prstGeom>
-          <a:solidFill>
-            <a:schemeClr val="accent1">
-              <a:alpha val="40000"/>
-            </a:schemeClr>
-          </a:solidFill>
-        </p:spPr>
-        <p:style>
-          <a:lnRef idx="2">
-            <a:schemeClr val="accent1">
-              <a:shade val="50000"/>
-            </a:schemeClr>
-          </a:lnRef>
-          <a:fillRef idx="1">
-            <a:schemeClr val="accent1"/>
-          </a:fillRef>
-          <a:effectRef idx="0">
-            <a:schemeClr val="accent1"/>
-          </a:effectRef>
-          <a:fontRef idx="minor">
-            <a:schemeClr val="lt1"/>
-          </a:fontRef>
-        </p:style>
-        <p:txBody>
-          <a:bodyPr rtlCol="0" anchor="ctr"/>
-          <a:lstStyle/>
-          <a:p>
-            <a:pPr algn="ctr"/>
-            <a:r>
-              <a:rPr lang="en-US" sz="2800" b="1" dirty="0" smtClean="0">
-                <a:solidFill>
-                  <a:schemeClr val="accent3"/>
-                </a:solidFill>
-              </a:rPr>
-              <a:t>T</a:t>
-            </a:r>
-            <a:endParaRPr lang="en-US" sz="2800" b="1" dirty="0">
-              <a:solidFill>
-                <a:schemeClr val="accent3"/>
-              </a:solidFill>
-            </a:endParaRPr>
-          </a:p>
-        </p:txBody>
-      </p:sp>
-      <p:cxnSp>
-        <p:nvCxnSpPr>
-          <p:cNvPr id="50" name="Straight Arrow Connector 49"/>
-          <p:cNvCxnSpPr>
-            <a:stCxn id="37" idx="3"/>
-            <a:endCxn id="48" idx="0"/>
-          </p:cNvCxnSpPr>
-          <p:nvPr/>
-        </p:nvCxnSpPr>
-        <p:spPr>
-          <a:xfrm flipH="1">
-            <a:off x="8563945" y="3173610"/>
-            <a:ext cx="249403" cy="267619"/>
-          </a:xfrm>
-          <a:prstGeom prst="straightConnector1">
-            <a:avLst/>
-          </a:prstGeom>
-          <a:ln w="19050">
-            <a:solidFill>
-              <a:schemeClr val="tx1"/>
-            </a:solidFill>
-            <a:prstDash val="solid"/>
-            <a:headEnd type="none" w="med" len="med"/>
-            <a:tailEnd type="none" w="med" len="med"/>
-          </a:ln>
-        </p:spPr>
-        <p:style>
-          <a:lnRef idx="1">
-            <a:schemeClr val="accent1"/>
-          </a:lnRef>
-          <a:fillRef idx="0">
-            <a:schemeClr val="accent1"/>
-          </a:fillRef>
-          <a:effectRef idx="0">
-            <a:schemeClr val="accent1"/>
-          </a:effectRef>
-          <a:fontRef idx="minor">
-            <a:schemeClr val="tx1"/>
-          </a:fontRef>
-        </p:style>
-      </p:cxnSp>
-      <p:cxnSp>
-        <p:nvCxnSpPr>
-          <p:cNvPr id="51" name="Straight Arrow Connector 50"/>
-          <p:cNvCxnSpPr>
-            <a:stCxn id="37" idx="5"/>
-            <a:endCxn id="49" idx="0"/>
-          </p:cNvCxnSpPr>
-          <p:nvPr/>
-        </p:nvCxnSpPr>
-        <p:spPr>
-          <a:xfrm>
-            <a:off x="9260075" y="3173610"/>
-            <a:ext cx="244921" cy="278885"/>
-          </a:xfrm>
-          <a:prstGeom prst="straightConnector1">
-            <a:avLst/>
-          </a:prstGeom>
-          <a:ln w="19050">
-            <a:solidFill>
-              <a:schemeClr val="tx1"/>
-            </a:solidFill>
-            <a:prstDash val="solid"/>
-            <a:headEnd type="none" w="med" len="med"/>
-            <a:tailEnd type="none" w="med" len="med"/>
-          </a:ln>
-        </p:spPr>
-        <p:style>
-          <a:lnRef idx="1">
-            <a:schemeClr val="accent1"/>
-          </a:lnRef>
-          <a:fillRef idx="0">
-            <a:schemeClr val="accent1"/>
-          </a:fillRef>
-          <a:effectRef idx="0">
-            <a:schemeClr val="accent1"/>
-          </a:effectRef>
-          <a:fontRef idx="minor">
-            <a:schemeClr val="tx1"/>
-          </a:fontRef>
-        </p:style>
-      </p:cxnSp>
-      <p:sp>
-        <p:nvSpPr>
-          <p:cNvPr id="61" name="Oval 60"/>
-          <p:cNvSpPr/>
-          <p:nvPr/>
-        </p:nvSpPr>
-        <p:spPr>
-          <a:xfrm>
-            <a:off x="8368723" y="4406618"/>
-            <a:ext cx="631767" cy="683087"/>
-          </a:xfrm>
-          <a:prstGeom prst="ellipse">
-            <a:avLst/>
-          </a:prstGeom>
-          <a:solidFill>
-            <a:schemeClr val="accent1">
-              <a:alpha val="40000"/>
-            </a:schemeClr>
-          </a:solidFill>
-        </p:spPr>
-        <p:style>
-          <a:lnRef idx="2">
-            <a:schemeClr val="accent1">
-              <a:shade val="50000"/>
-            </a:schemeClr>
-          </a:lnRef>
-          <a:fillRef idx="1">
-            <a:schemeClr val="accent1"/>
-          </a:fillRef>
-          <a:effectRef idx="0">
-            <a:schemeClr val="accent1"/>
-          </a:effectRef>
-          <a:fontRef idx="minor">
-            <a:schemeClr val="lt1"/>
-          </a:fontRef>
-        </p:style>
-        <p:txBody>
-          <a:bodyPr rtlCol="0" anchor="ctr"/>
-          <a:lstStyle/>
-          <a:p>
-            <a:pPr algn="ctr"/>
-            <a:r>
-              <a:rPr lang="en-US" sz="2800" b="1" dirty="0">
-                <a:solidFill>
-                  <a:schemeClr val="accent3"/>
-                </a:solidFill>
-              </a:rPr>
-              <a:t>+</a:t>
-            </a:r>
-          </a:p>
-        </p:txBody>
-      </p:sp>
-      <p:sp>
-        <p:nvSpPr>
-          <p:cNvPr id="62" name="Oval 61"/>
-          <p:cNvSpPr/>
-          <p:nvPr/>
-        </p:nvSpPr>
-        <p:spPr>
-          <a:xfrm>
-            <a:off x="9192807" y="4414746"/>
-            <a:ext cx="631767" cy="683087"/>
-          </a:xfrm>
-          <a:prstGeom prst="ellipse">
-            <a:avLst/>
-          </a:prstGeom>
-          <a:solidFill>
-            <a:schemeClr val="accent1">
-              <a:alpha val="40000"/>
-            </a:schemeClr>
-          </a:solidFill>
-        </p:spPr>
-        <p:style>
-          <a:lnRef idx="2">
-            <a:schemeClr val="accent1">
-              <a:shade val="50000"/>
-            </a:schemeClr>
-          </a:lnRef>
-          <a:fillRef idx="1">
-            <a:schemeClr val="accent1"/>
-          </a:fillRef>
-          <a:effectRef idx="0">
-            <a:schemeClr val="accent1"/>
-          </a:effectRef>
-          <a:fontRef idx="minor">
-            <a:schemeClr val="lt1"/>
-          </a:fontRef>
-        </p:style>
-        <p:txBody>
-          <a:bodyPr rtlCol="0" anchor="ctr"/>
-          <a:lstStyle/>
-          <a:p>
-            <a:pPr algn="ctr"/>
-            <a:r>
-              <a:rPr lang="en-US" sz="2800" b="1" dirty="0" smtClean="0">
-                <a:solidFill>
-                  <a:schemeClr val="accent3"/>
-                </a:solidFill>
-              </a:rPr>
-              <a:t>S</a:t>
-            </a:r>
-            <a:endParaRPr lang="en-US" sz="2800" b="1" dirty="0">
-              <a:solidFill>
-                <a:schemeClr val="accent3"/>
-              </a:solidFill>
-            </a:endParaRPr>
-          </a:p>
-        </p:txBody>
-      </p:sp>
-      <p:sp>
-        <p:nvSpPr>
-          <p:cNvPr id="63" name="Oval 62"/>
-          <p:cNvSpPr/>
-          <p:nvPr/>
-        </p:nvSpPr>
-        <p:spPr>
-          <a:xfrm>
-            <a:off x="10049277" y="4426012"/>
-            <a:ext cx="631767" cy="683087"/>
-          </a:xfrm>
-          <a:prstGeom prst="ellipse">
-            <a:avLst/>
-          </a:prstGeom>
-          <a:solidFill>
-            <a:schemeClr val="accent1">
-              <a:alpha val="40000"/>
-            </a:schemeClr>
-          </a:solidFill>
-        </p:spPr>
-        <p:style>
-          <a:lnRef idx="2">
-            <a:schemeClr val="accent1">
-              <a:shade val="50000"/>
-            </a:schemeClr>
-          </a:lnRef>
-          <a:fillRef idx="1">
-            <a:schemeClr val="accent1"/>
-          </a:fillRef>
-          <a:effectRef idx="0">
-            <a:schemeClr val="accent1"/>
-          </a:effectRef>
-          <a:fontRef idx="minor">
-            <a:schemeClr val="lt1"/>
-          </a:fontRef>
-        </p:style>
-        <p:txBody>
-          <a:bodyPr rtlCol="0" anchor="ctr"/>
-          <a:lstStyle/>
-          <a:p>
-            <a:pPr algn="ctr"/>
-            <a:r>
-              <a:rPr lang="en-US" sz="2800" b="1" dirty="0" smtClean="0">
-                <a:solidFill>
-                  <a:schemeClr val="accent3"/>
-                </a:solidFill>
-              </a:rPr>
-              <a:t>T</a:t>
-            </a:r>
-            <a:endParaRPr lang="en-US" sz="2800" b="1" dirty="0">
-              <a:solidFill>
-                <a:schemeClr val="accent3"/>
-              </a:solidFill>
-            </a:endParaRPr>
-          </a:p>
-        </p:txBody>
-      </p:sp>
-      <p:cxnSp>
-        <p:nvCxnSpPr>
-          <p:cNvPr id="64" name="Straight Arrow Connector 63"/>
-          <p:cNvCxnSpPr>
-            <a:stCxn id="49" idx="3"/>
-            <a:endCxn id="61" idx="0"/>
-          </p:cNvCxnSpPr>
-          <p:nvPr/>
-        </p:nvCxnSpPr>
-        <p:spPr>
-          <a:xfrm flipH="1">
-            <a:off x="8684607" y="4035546"/>
-            <a:ext cx="597025" cy="371072"/>
-          </a:xfrm>
-          <a:prstGeom prst="straightConnector1">
-            <a:avLst/>
-          </a:prstGeom>
-          <a:ln w="19050">
-            <a:solidFill>
-              <a:schemeClr val="tx1"/>
-            </a:solidFill>
-            <a:prstDash val="solid"/>
-            <a:headEnd type="none" w="med" len="med"/>
-            <a:tailEnd type="none" w="med" len="med"/>
-          </a:ln>
-        </p:spPr>
-        <p:style>
-          <a:lnRef idx="1">
-            <a:schemeClr val="accent1"/>
-          </a:lnRef>
-          <a:fillRef idx="0">
-            <a:schemeClr val="accent1"/>
-          </a:fillRef>
-          <a:effectRef idx="0">
-            <a:schemeClr val="accent1"/>
-          </a:effectRef>
-          <a:fontRef idx="minor">
-            <a:schemeClr val="tx1"/>
-          </a:fontRef>
-        </p:style>
-      </p:cxnSp>
-      <p:cxnSp>
-        <p:nvCxnSpPr>
-          <p:cNvPr id="65" name="Straight Arrow Connector 64"/>
-          <p:cNvCxnSpPr>
-            <a:stCxn id="49" idx="5"/>
-            <a:endCxn id="63" idx="0"/>
-          </p:cNvCxnSpPr>
-          <p:nvPr/>
-        </p:nvCxnSpPr>
-        <p:spPr>
-          <a:xfrm>
-            <a:off x="9728359" y="4035546"/>
-            <a:ext cx="636802" cy="390466"/>
-          </a:xfrm>
-          <a:prstGeom prst="straightConnector1">
-            <a:avLst/>
-          </a:prstGeom>
-          <a:ln w="19050">
-            <a:solidFill>
-              <a:schemeClr val="tx1"/>
-            </a:solidFill>
-            <a:prstDash val="solid"/>
-            <a:headEnd type="none" w="med" len="med"/>
-            <a:tailEnd type="none" w="med" len="med"/>
-          </a:ln>
-        </p:spPr>
-        <p:style>
-          <a:lnRef idx="1">
-            <a:schemeClr val="accent1"/>
-          </a:lnRef>
-          <a:fillRef idx="0">
-            <a:schemeClr val="accent1"/>
-          </a:fillRef>
-          <a:effectRef idx="0">
-            <a:schemeClr val="accent1"/>
-          </a:effectRef>
-          <a:fontRef idx="minor">
-            <a:schemeClr val="tx1"/>
-          </a:fontRef>
-        </p:style>
-      </p:cxnSp>
-      <p:cxnSp>
-        <p:nvCxnSpPr>
-          <p:cNvPr id="66" name="Straight Arrow Connector 65"/>
-          <p:cNvCxnSpPr>
-            <a:stCxn id="49" idx="4"/>
-            <a:endCxn id="62" idx="0"/>
-          </p:cNvCxnSpPr>
-          <p:nvPr/>
-        </p:nvCxnSpPr>
-        <p:spPr>
-          <a:xfrm>
-            <a:off x="9504996" y="4135582"/>
-            <a:ext cx="7389" cy="279164"/>
-          </a:xfrm>
-          <a:prstGeom prst="straightConnector1">
-            <a:avLst/>
-          </a:prstGeom>
-          <a:ln w="19050">
-            <a:solidFill>
-              <a:schemeClr val="tx1"/>
-            </a:solidFill>
-            <a:prstDash val="solid"/>
-            <a:headEnd type="none" w="med" len="med"/>
-            <a:tailEnd type="none" w="med" len="med"/>
-          </a:ln>
-        </p:spPr>
-        <p:style>
-          <a:lnRef idx="1">
-            <a:schemeClr val="accent1"/>
-          </a:lnRef>
-          <a:fillRef idx="0">
-            <a:schemeClr val="accent1"/>
-          </a:fillRef>
-          <a:effectRef idx="0">
-            <a:schemeClr val="accent1"/>
-          </a:effectRef>
-          <a:fontRef idx="minor">
-            <a:schemeClr val="tx1"/>
-          </a:fontRef>
-        </p:style>
-      </p:cxnSp>
-      <p:sp>
-        <p:nvSpPr>
-          <p:cNvPr id="70" name="Oval 69"/>
-          <p:cNvSpPr/>
-          <p:nvPr/>
-        </p:nvSpPr>
-        <p:spPr>
-          <a:xfrm>
-            <a:off x="8765416" y="5281885"/>
-            <a:ext cx="631767" cy="683087"/>
-          </a:xfrm>
-          <a:prstGeom prst="ellipse">
-            <a:avLst/>
-          </a:prstGeom>
-          <a:solidFill>
-            <a:schemeClr val="accent1">
-              <a:alpha val="40000"/>
-            </a:schemeClr>
-          </a:solidFill>
-        </p:spPr>
-        <p:style>
-          <a:lnRef idx="2">
-            <a:schemeClr val="accent1">
-              <a:shade val="50000"/>
-            </a:schemeClr>
-          </a:lnRef>
-          <a:fillRef idx="1">
-            <a:schemeClr val="accent1"/>
-          </a:fillRef>
-          <a:effectRef idx="0">
-            <a:schemeClr val="accent1"/>
-          </a:effectRef>
-          <a:fontRef idx="minor">
-            <a:schemeClr val="lt1"/>
-          </a:fontRef>
-        </p:style>
-        <p:txBody>
-          <a:bodyPr rtlCol="0" anchor="ctr"/>
-          <a:lstStyle/>
-          <a:p>
-            <a:pPr algn="ctr"/>
-            <a:r>
-              <a:rPr lang="en-US" sz="2800" b="1" dirty="0" smtClean="0">
-                <a:solidFill>
-                  <a:schemeClr val="accent3"/>
-                </a:solidFill>
-              </a:rPr>
-              <a:t>3</a:t>
-            </a:r>
-            <a:endParaRPr lang="en-US" sz="2800" b="1" dirty="0">
-              <a:solidFill>
-                <a:schemeClr val="accent3"/>
-              </a:solidFill>
-            </a:endParaRPr>
-          </a:p>
-        </p:txBody>
-      </p:sp>
-      <p:sp>
-        <p:nvSpPr>
-          <p:cNvPr id="71" name="Oval 70"/>
-          <p:cNvSpPr/>
-          <p:nvPr/>
-        </p:nvSpPr>
-        <p:spPr>
-          <a:xfrm>
-            <a:off x="9641815" y="5283914"/>
-            <a:ext cx="631767" cy="683087"/>
-          </a:xfrm>
-          <a:prstGeom prst="ellipse">
-            <a:avLst/>
-          </a:prstGeom>
-          <a:solidFill>
-            <a:schemeClr val="accent1">
-              <a:alpha val="40000"/>
-            </a:schemeClr>
-          </a:solidFill>
-        </p:spPr>
-        <p:style>
-          <a:lnRef idx="2">
-            <a:schemeClr val="accent1">
-              <a:shade val="50000"/>
-            </a:schemeClr>
-          </a:lnRef>
-          <a:fillRef idx="1">
-            <a:schemeClr val="accent1"/>
-          </a:fillRef>
-          <a:effectRef idx="0">
-            <a:schemeClr val="accent1"/>
-          </a:effectRef>
-          <a:fontRef idx="minor">
-            <a:schemeClr val="lt1"/>
-          </a:fontRef>
-        </p:style>
-        <p:txBody>
-          <a:bodyPr rtlCol="0" anchor="ctr"/>
-          <a:lstStyle/>
-          <a:p>
-            <a:pPr algn="ctr"/>
-            <a:r>
-              <a:rPr lang="en-US" sz="2800" b="1" dirty="0" smtClean="0">
-                <a:solidFill>
-                  <a:schemeClr val="accent3"/>
-                </a:solidFill>
-              </a:rPr>
-              <a:t>T</a:t>
-            </a:r>
-            <a:endParaRPr lang="en-US" sz="2800" b="1" dirty="0">
-              <a:solidFill>
-                <a:schemeClr val="accent3"/>
-              </a:solidFill>
-            </a:endParaRPr>
-          </a:p>
-        </p:txBody>
-      </p:sp>
-      <p:cxnSp>
-        <p:nvCxnSpPr>
-          <p:cNvPr id="72" name="Straight Arrow Connector 71"/>
-          <p:cNvCxnSpPr>
-            <a:stCxn id="62" idx="3"/>
-            <a:endCxn id="70" idx="0"/>
-          </p:cNvCxnSpPr>
-          <p:nvPr/>
-        </p:nvCxnSpPr>
-        <p:spPr>
-          <a:xfrm flipH="1">
-            <a:off x="9081300" y="4997797"/>
-            <a:ext cx="207721" cy="284088"/>
-          </a:xfrm>
-          <a:prstGeom prst="straightConnector1">
-            <a:avLst/>
-          </a:prstGeom>
-          <a:ln w="19050">
-            <a:solidFill>
-              <a:schemeClr val="tx1"/>
-            </a:solidFill>
-            <a:prstDash val="solid"/>
-            <a:headEnd type="none" w="med" len="med"/>
-            <a:tailEnd type="none" w="med" len="med"/>
-          </a:ln>
-        </p:spPr>
-        <p:style>
-          <a:lnRef idx="1">
-            <a:schemeClr val="accent1"/>
-          </a:lnRef>
-          <a:fillRef idx="0">
-            <a:schemeClr val="accent1"/>
-          </a:fillRef>
-          <a:effectRef idx="0">
-            <a:schemeClr val="accent1"/>
-          </a:effectRef>
-          <a:fontRef idx="minor">
-            <a:schemeClr val="tx1"/>
-          </a:fontRef>
-        </p:style>
-      </p:cxnSp>
-      <p:cxnSp>
-        <p:nvCxnSpPr>
-          <p:cNvPr id="73" name="Straight Arrow Connector 72"/>
-          <p:cNvCxnSpPr>
-            <a:stCxn id="62" idx="5"/>
-            <a:endCxn id="71" idx="0"/>
-          </p:cNvCxnSpPr>
-          <p:nvPr/>
-        </p:nvCxnSpPr>
-        <p:spPr>
-          <a:xfrm>
-            <a:off x="9732054" y="4997797"/>
-            <a:ext cx="225645" cy="286117"/>
-          </a:xfrm>
-          <a:prstGeom prst="straightConnector1">
-            <a:avLst/>
-          </a:prstGeom>
-          <a:ln w="19050">
-            <a:solidFill>
-              <a:schemeClr val="tx1"/>
-            </a:solidFill>
-            <a:prstDash val="solid"/>
-            <a:headEnd type="none" w="med" len="med"/>
-            <a:tailEnd type="none" w="med" len="med"/>
-          </a:ln>
-        </p:spPr>
-        <p:style>
-          <a:lnRef idx="1">
-            <a:schemeClr val="accent1"/>
-          </a:lnRef>
-          <a:fillRef idx="0">
-            <a:schemeClr val="accent1"/>
-          </a:fillRef>
-          <a:effectRef idx="0">
-            <a:schemeClr val="accent1"/>
-          </a:effectRef>
-          <a:fontRef idx="minor">
-            <a:schemeClr val="tx1"/>
-          </a:fontRef>
-        </p:style>
-      </p:cxnSp>
     </p:spTree>
     <p:extLst>
       <p:ext uri="{BB962C8B-B14F-4D97-AF65-F5344CB8AC3E}">
@@ -21509,981 +20329,6 @@
           </a:fontRef>
         </p:style>
       </p:cxnSp>
-      <p:sp>
-        <p:nvSpPr>
-          <p:cNvPr id="36" name="Oval 35"/>
-          <p:cNvSpPr/>
-          <p:nvPr/>
-        </p:nvSpPr>
-        <p:spPr>
-          <a:xfrm>
-            <a:off x="7893050" y="2582431"/>
-            <a:ext cx="631767" cy="683087"/>
-          </a:xfrm>
-          <a:prstGeom prst="ellipse">
-            <a:avLst/>
-          </a:prstGeom>
-          <a:solidFill>
-            <a:schemeClr val="accent1">
-              <a:alpha val="40000"/>
-            </a:schemeClr>
-          </a:solidFill>
-        </p:spPr>
-        <p:style>
-          <a:lnRef idx="2">
-            <a:schemeClr val="accent1">
-              <a:shade val="50000"/>
-            </a:schemeClr>
-          </a:lnRef>
-          <a:fillRef idx="1">
-            <a:schemeClr val="accent1"/>
-          </a:fillRef>
-          <a:effectRef idx="0">
-            <a:schemeClr val="accent1"/>
-          </a:effectRef>
-          <a:fontRef idx="minor">
-            <a:schemeClr val="lt1"/>
-          </a:fontRef>
-        </p:style>
-        <p:txBody>
-          <a:bodyPr rtlCol="0" anchor="ctr"/>
-          <a:lstStyle/>
-          <a:p>
-            <a:pPr algn="ctr"/>
-            <a:r>
-              <a:rPr lang="en-US" sz="2800" b="1" dirty="0" smtClean="0">
-                <a:solidFill>
-                  <a:schemeClr val="accent3"/>
-                </a:solidFill>
-              </a:rPr>
-              <a:t>*</a:t>
-            </a:r>
-            <a:endParaRPr lang="en-US" sz="2800" b="1" dirty="0">
-              <a:solidFill>
-                <a:schemeClr val="accent3"/>
-              </a:solidFill>
-            </a:endParaRPr>
-          </a:p>
-        </p:txBody>
-      </p:sp>
-      <p:sp>
-        <p:nvSpPr>
-          <p:cNvPr id="37" name="Oval 36"/>
-          <p:cNvSpPr/>
-          <p:nvPr/>
-        </p:nvSpPr>
-        <p:spPr>
-          <a:xfrm>
-            <a:off x="8720828" y="2590559"/>
-            <a:ext cx="631767" cy="683087"/>
-          </a:xfrm>
-          <a:prstGeom prst="ellipse">
-            <a:avLst/>
-          </a:prstGeom>
-          <a:solidFill>
-            <a:schemeClr val="accent1">
-              <a:alpha val="40000"/>
-            </a:schemeClr>
-          </a:solidFill>
-        </p:spPr>
-        <p:style>
-          <a:lnRef idx="2">
-            <a:schemeClr val="accent1">
-              <a:shade val="50000"/>
-            </a:schemeClr>
-          </a:lnRef>
-          <a:fillRef idx="1">
-            <a:schemeClr val="accent1"/>
-          </a:fillRef>
-          <a:effectRef idx="0">
-            <a:schemeClr val="accent1"/>
-          </a:effectRef>
-          <a:fontRef idx="minor">
-            <a:schemeClr val="lt1"/>
-          </a:fontRef>
-        </p:style>
-        <p:txBody>
-          <a:bodyPr rtlCol="0" anchor="ctr"/>
-          <a:lstStyle/>
-          <a:p>
-            <a:pPr algn="ctr"/>
-            <a:r>
-              <a:rPr lang="en-US" sz="2800" b="1" dirty="0" smtClean="0">
-                <a:solidFill>
-                  <a:schemeClr val="accent3"/>
-                </a:solidFill>
-              </a:rPr>
-              <a:t>S</a:t>
-            </a:r>
-            <a:endParaRPr lang="en-US" sz="2800" b="1" dirty="0">
-              <a:solidFill>
-                <a:schemeClr val="accent3"/>
-              </a:solidFill>
-            </a:endParaRPr>
-          </a:p>
-        </p:txBody>
-      </p:sp>
-      <p:sp>
-        <p:nvSpPr>
-          <p:cNvPr id="38" name="Oval 37"/>
-          <p:cNvSpPr/>
-          <p:nvPr/>
-        </p:nvSpPr>
-        <p:spPr>
-          <a:xfrm>
-            <a:off x="9573604" y="2601825"/>
-            <a:ext cx="631767" cy="683087"/>
-          </a:xfrm>
-          <a:prstGeom prst="ellipse">
-            <a:avLst/>
-          </a:prstGeom>
-          <a:solidFill>
-            <a:schemeClr val="accent1">
-              <a:alpha val="40000"/>
-            </a:schemeClr>
-          </a:solidFill>
-        </p:spPr>
-        <p:style>
-          <a:lnRef idx="2">
-            <a:schemeClr val="accent1">
-              <a:shade val="50000"/>
-            </a:schemeClr>
-          </a:lnRef>
-          <a:fillRef idx="1">
-            <a:schemeClr val="accent1"/>
-          </a:fillRef>
-          <a:effectRef idx="0">
-            <a:schemeClr val="accent1"/>
-          </a:effectRef>
-          <a:fontRef idx="minor">
-            <a:schemeClr val="lt1"/>
-          </a:fontRef>
-        </p:style>
-        <p:txBody>
-          <a:bodyPr rtlCol="0" anchor="ctr"/>
-          <a:lstStyle/>
-          <a:p>
-            <a:pPr algn="ctr"/>
-            <a:r>
-              <a:rPr lang="en-US" sz="2800" b="1" dirty="0" smtClean="0">
-                <a:solidFill>
-                  <a:schemeClr val="accent3"/>
-                </a:solidFill>
-              </a:rPr>
-              <a:t>T</a:t>
-            </a:r>
-            <a:endParaRPr lang="en-US" sz="2800" b="1" dirty="0">
-              <a:solidFill>
-                <a:schemeClr val="accent3"/>
-              </a:solidFill>
-            </a:endParaRPr>
-          </a:p>
-        </p:txBody>
-      </p:sp>
-      <p:cxnSp>
-        <p:nvCxnSpPr>
-          <p:cNvPr id="39" name="Straight Arrow Connector 38"/>
-          <p:cNvCxnSpPr>
-            <a:stCxn id="28" idx="3"/>
-            <a:endCxn id="36" idx="0"/>
-          </p:cNvCxnSpPr>
-          <p:nvPr/>
-        </p:nvCxnSpPr>
-        <p:spPr>
-          <a:xfrm flipH="1">
-            <a:off x="8208934" y="2295417"/>
-            <a:ext cx="604416" cy="287014"/>
-          </a:xfrm>
-          <a:prstGeom prst="straightConnector1">
-            <a:avLst/>
-          </a:prstGeom>
-          <a:ln w="19050">
-            <a:solidFill>
-              <a:schemeClr val="tx1"/>
-            </a:solidFill>
-            <a:prstDash val="solid"/>
-            <a:headEnd type="none" w="med" len="med"/>
-            <a:tailEnd type="none" w="med" len="med"/>
-          </a:ln>
-        </p:spPr>
-        <p:style>
-          <a:lnRef idx="1">
-            <a:schemeClr val="accent1"/>
-          </a:lnRef>
-          <a:fillRef idx="0">
-            <a:schemeClr val="accent1"/>
-          </a:fillRef>
-          <a:effectRef idx="0">
-            <a:schemeClr val="accent1"/>
-          </a:effectRef>
-          <a:fontRef idx="minor">
-            <a:schemeClr val="tx1"/>
-          </a:fontRef>
-        </p:style>
-      </p:cxnSp>
-      <p:cxnSp>
-        <p:nvCxnSpPr>
-          <p:cNvPr id="42" name="Straight Arrow Connector 41"/>
-          <p:cNvCxnSpPr>
-            <a:stCxn id="28" idx="5"/>
-            <a:endCxn id="38" idx="0"/>
-          </p:cNvCxnSpPr>
-          <p:nvPr/>
-        </p:nvCxnSpPr>
-        <p:spPr>
-          <a:xfrm>
-            <a:off x="9260077" y="2295417"/>
-            <a:ext cx="629411" cy="306408"/>
-          </a:xfrm>
-          <a:prstGeom prst="straightConnector1">
-            <a:avLst/>
-          </a:prstGeom>
-          <a:ln w="19050">
-            <a:solidFill>
-              <a:schemeClr val="tx1"/>
-            </a:solidFill>
-            <a:prstDash val="solid"/>
-            <a:headEnd type="none" w="med" len="med"/>
-            <a:tailEnd type="none" w="med" len="med"/>
-          </a:ln>
-        </p:spPr>
-        <p:style>
-          <a:lnRef idx="1">
-            <a:schemeClr val="accent1"/>
-          </a:lnRef>
-          <a:fillRef idx="0">
-            <a:schemeClr val="accent1"/>
-          </a:fillRef>
-          <a:effectRef idx="0">
-            <a:schemeClr val="accent1"/>
-          </a:effectRef>
-          <a:fontRef idx="minor">
-            <a:schemeClr val="tx1"/>
-          </a:fontRef>
-        </p:style>
-      </p:cxnSp>
-      <p:cxnSp>
-        <p:nvCxnSpPr>
-          <p:cNvPr id="45" name="Straight Arrow Connector 44"/>
-          <p:cNvCxnSpPr>
-            <a:stCxn id="28" idx="4"/>
-            <a:endCxn id="37" idx="0"/>
-          </p:cNvCxnSpPr>
-          <p:nvPr/>
-        </p:nvCxnSpPr>
-        <p:spPr>
-          <a:xfrm flipH="1">
-            <a:off x="9036712" y="2395453"/>
-            <a:ext cx="2" cy="195106"/>
-          </a:xfrm>
-          <a:prstGeom prst="straightConnector1">
-            <a:avLst/>
-          </a:prstGeom>
-          <a:ln w="28575">
-            <a:solidFill>
-              <a:schemeClr val="tx1"/>
-            </a:solidFill>
-            <a:prstDash val="solid"/>
-            <a:headEnd type="none" w="med" len="med"/>
-            <a:tailEnd type="none" w="med" len="med"/>
-          </a:ln>
-        </p:spPr>
-        <p:style>
-          <a:lnRef idx="1">
-            <a:schemeClr val="accent1"/>
-          </a:lnRef>
-          <a:fillRef idx="0">
-            <a:schemeClr val="accent1"/>
-          </a:fillRef>
-          <a:effectRef idx="0">
-            <a:schemeClr val="accent1"/>
-          </a:effectRef>
-          <a:fontRef idx="minor">
-            <a:schemeClr val="tx1"/>
-          </a:fontRef>
-        </p:style>
-      </p:cxnSp>
-      <p:sp>
-        <p:nvSpPr>
-          <p:cNvPr id="48" name="Oval 47"/>
-          <p:cNvSpPr/>
-          <p:nvPr/>
-        </p:nvSpPr>
-        <p:spPr>
-          <a:xfrm>
-            <a:off x="8248061" y="3441229"/>
-            <a:ext cx="631767" cy="683087"/>
-          </a:xfrm>
-          <a:prstGeom prst="ellipse">
-            <a:avLst/>
-          </a:prstGeom>
-          <a:solidFill>
-            <a:schemeClr val="accent1">
-              <a:alpha val="40000"/>
-            </a:schemeClr>
-          </a:solidFill>
-        </p:spPr>
-        <p:style>
-          <a:lnRef idx="2">
-            <a:schemeClr val="accent1">
-              <a:shade val="50000"/>
-            </a:schemeClr>
-          </a:lnRef>
-          <a:fillRef idx="1">
-            <a:schemeClr val="accent1"/>
-          </a:fillRef>
-          <a:effectRef idx="0">
-            <a:schemeClr val="accent1"/>
-          </a:effectRef>
-          <a:fontRef idx="minor">
-            <a:schemeClr val="lt1"/>
-          </a:fontRef>
-        </p:style>
-        <p:txBody>
-          <a:bodyPr rtlCol="0" anchor="ctr"/>
-          <a:lstStyle/>
-          <a:p>
-            <a:pPr algn="ctr"/>
-            <a:r>
-              <a:rPr lang="en-US" sz="2800" b="1" dirty="0" smtClean="0">
-                <a:solidFill>
-                  <a:schemeClr val="accent3"/>
-                </a:solidFill>
-              </a:rPr>
-              <a:t>4</a:t>
-            </a:r>
-            <a:endParaRPr lang="en-US" sz="2800" b="1" dirty="0">
-              <a:solidFill>
-                <a:schemeClr val="accent3"/>
-              </a:solidFill>
-            </a:endParaRPr>
-          </a:p>
-        </p:txBody>
-      </p:sp>
-      <p:sp>
-        <p:nvSpPr>
-          <p:cNvPr id="49" name="Oval 48"/>
-          <p:cNvSpPr/>
-          <p:nvPr/>
-        </p:nvSpPr>
-        <p:spPr>
-          <a:xfrm>
-            <a:off x="9192807" y="3452495"/>
-            <a:ext cx="631767" cy="683087"/>
-          </a:xfrm>
-          <a:prstGeom prst="ellipse">
-            <a:avLst/>
-          </a:prstGeom>
-          <a:solidFill>
-            <a:schemeClr val="accent1">
-              <a:alpha val="40000"/>
-            </a:schemeClr>
-          </a:solidFill>
-        </p:spPr>
-        <p:style>
-          <a:lnRef idx="2">
-            <a:schemeClr val="accent1">
-              <a:shade val="50000"/>
-            </a:schemeClr>
-          </a:lnRef>
-          <a:fillRef idx="1">
-            <a:schemeClr val="accent1"/>
-          </a:fillRef>
-          <a:effectRef idx="0">
-            <a:schemeClr val="accent1"/>
-          </a:effectRef>
-          <a:fontRef idx="minor">
-            <a:schemeClr val="lt1"/>
-          </a:fontRef>
-        </p:style>
-        <p:txBody>
-          <a:bodyPr rtlCol="0" anchor="ctr"/>
-          <a:lstStyle/>
-          <a:p>
-            <a:pPr algn="ctr"/>
-            <a:r>
-              <a:rPr lang="en-US" sz="2800" b="1" dirty="0" smtClean="0">
-                <a:solidFill>
-                  <a:schemeClr val="accent3"/>
-                </a:solidFill>
-              </a:rPr>
-              <a:t>T</a:t>
-            </a:r>
-            <a:endParaRPr lang="en-US" sz="2800" b="1" dirty="0">
-              <a:solidFill>
-                <a:schemeClr val="accent3"/>
-              </a:solidFill>
-            </a:endParaRPr>
-          </a:p>
-        </p:txBody>
-      </p:sp>
-      <p:cxnSp>
-        <p:nvCxnSpPr>
-          <p:cNvPr id="50" name="Straight Arrow Connector 49"/>
-          <p:cNvCxnSpPr>
-            <a:stCxn id="37" idx="3"/>
-            <a:endCxn id="48" idx="0"/>
-          </p:cNvCxnSpPr>
-          <p:nvPr/>
-        </p:nvCxnSpPr>
-        <p:spPr>
-          <a:xfrm flipH="1">
-            <a:off x="8563945" y="3173610"/>
-            <a:ext cx="249403" cy="267619"/>
-          </a:xfrm>
-          <a:prstGeom prst="straightConnector1">
-            <a:avLst/>
-          </a:prstGeom>
-          <a:ln w="19050">
-            <a:solidFill>
-              <a:schemeClr val="tx1"/>
-            </a:solidFill>
-            <a:prstDash val="solid"/>
-            <a:headEnd type="none" w="med" len="med"/>
-            <a:tailEnd type="none" w="med" len="med"/>
-          </a:ln>
-        </p:spPr>
-        <p:style>
-          <a:lnRef idx="1">
-            <a:schemeClr val="accent1"/>
-          </a:lnRef>
-          <a:fillRef idx="0">
-            <a:schemeClr val="accent1"/>
-          </a:fillRef>
-          <a:effectRef idx="0">
-            <a:schemeClr val="accent1"/>
-          </a:effectRef>
-          <a:fontRef idx="minor">
-            <a:schemeClr val="tx1"/>
-          </a:fontRef>
-        </p:style>
-      </p:cxnSp>
-      <p:cxnSp>
-        <p:nvCxnSpPr>
-          <p:cNvPr id="51" name="Straight Arrow Connector 50"/>
-          <p:cNvCxnSpPr>
-            <a:stCxn id="37" idx="5"/>
-            <a:endCxn id="49" idx="0"/>
-          </p:cNvCxnSpPr>
-          <p:nvPr/>
-        </p:nvCxnSpPr>
-        <p:spPr>
-          <a:xfrm>
-            <a:off x="9260075" y="3173610"/>
-            <a:ext cx="244921" cy="278885"/>
-          </a:xfrm>
-          <a:prstGeom prst="straightConnector1">
-            <a:avLst/>
-          </a:prstGeom>
-          <a:ln w="19050">
-            <a:solidFill>
-              <a:schemeClr val="tx1"/>
-            </a:solidFill>
-            <a:prstDash val="solid"/>
-            <a:headEnd type="none" w="med" len="med"/>
-            <a:tailEnd type="none" w="med" len="med"/>
-          </a:ln>
-        </p:spPr>
-        <p:style>
-          <a:lnRef idx="1">
-            <a:schemeClr val="accent1"/>
-          </a:lnRef>
-          <a:fillRef idx="0">
-            <a:schemeClr val="accent1"/>
-          </a:fillRef>
-          <a:effectRef idx="0">
-            <a:schemeClr val="accent1"/>
-          </a:effectRef>
-          <a:fontRef idx="minor">
-            <a:schemeClr val="tx1"/>
-          </a:fontRef>
-        </p:style>
-      </p:cxnSp>
-      <p:sp>
-        <p:nvSpPr>
-          <p:cNvPr id="61" name="Oval 60"/>
-          <p:cNvSpPr/>
-          <p:nvPr/>
-        </p:nvSpPr>
-        <p:spPr>
-          <a:xfrm>
-            <a:off x="8368723" y="4406618"/>
-            <a:ext cx="631767" cy="683087"/>
-          </a:xfrm>
-          <a:prstGeom prst="ellipse">
-            <a:avLst/>
-          </a:prstGeom>
-          <a:solidFill>
-            <a:schemeClr val="accent1">
-              <a:alpha val="40000"/>
-            </a:schemeClr>
-          </a:solidFill>
-        </p:spPr>
-        <p:style>
-          <a:lnRef idx="2">
-            <a:schemeClr val="accent1">
-              <a:shade val="50000"/>
-            </a:schemeClr>
-          </a:lnRef>
-          <a:fillRef idx="1">
-            <a:schemeClr val="accent1"/>
-          </a:fillRef>
-          <a:effectRef idx="0">
-            <a:schemeClr val="accent1"/>
-          </a:effectRef>
-          <a:fontRef idx="minor">
-            <a:schemeClr val="lt1"/>
-          </a:fontRef>
-        </p:style>
-        <p:txBody>
-          <a:bodyPr rtlCol="0" anchor="ctr"/>
-          <a:lstStyle/>
-          <a:p>
-            <a:pPr algn="ctr"/>
-            <a:r>
-              <a:rPr lang="en-US" sz="2800" b="1" dirty="0">
-                <a:solidFill>
-                  <a:schemeClr val="accent3"/>
-                </a:solidFill>
-              </a:rPr>
-              <a:t>+</a:t>
-            </a:r>
-          </a:p>
-        </p:txBody>
-      </p:sp>
-      <p:sp>
-        <p:nvSpPr>
-          <p:cNvPr id="62" name="Oval 61"/>
-          <p:cNvSpPr/>
-          <p:nvPr/>
-        </p:nvSpPr>
-        <p:spPr>
-          <a:xfrm>
-            <a:off x="9192807" y="4414746"/>
-            <a:ext cx="631767" cy="683087"/>
-          </a:xfrm>
-          <a:prstGeom prst="ellipse">
-            <a:avLst/>
-          </a:prstGeom>
-          <a:solidFill>
-            <a:schemeClr val="accent1">
-              <a:alpha val="40000"/>
-            </a:schemeClr>
-          </a:solidFill>
-        </p:spPr>
-        <p:style>
-          <a:lnRef idx="2">
-            <a:schemeClr val="accent1">
-              <a:shade val="50000"/>
-            </a:schemeClr>
-          </a:lnRef>
-          <a:fillRef idx="1">
-            <a:schemeClr val="accent1"/>
-          </a:fillRef>
-          <a:effectRef idx="0">
-            <a:schemeClr val="accent1"/>
-          </a:effectRef>
-          <a:fontRef idx="minor">
-            <a:schemeClr val="lt1"/>
-          </a:fontRef>
-        </p:style>
-        <p:txBody>
-          <a:bodyPr rtlCol="0" anchor="ctr"/>
-          <a:lstStyle/>
-          <a:p>
-            <a:pPr algn="ctr"/>
-            <a:r>
-              <a:rPr lang="en-US" sz="2800" b="1" dirty="0" smtClean="0">
-                <a:solidFill>
-                  <a:schemeClr val="accent3"/>
-                </a:solidFill>
-              </a:rPr>
-              <a:t>S</a:t>
-            </a:r>
-            <a:endParaRPr lang="en-US" sz="2800" b="1" dirty="0">
-              <a:solidFill>
-                <a:schemeClr val="accent3"/>
-              </a:solidFill>
-            </a:endParaRPr>
-          </a:p>
-        </p:txBody>
-      </p:sp>
-      <p:sp>
-        <p:nvSpPr>
-          <p:cNvPr id="63" name="Oval 62"/>
-          <p:cNvSpPr/>
-          <p:nvPr/>
-        </p:nvSpPr>
-        <p:spPr>
-          <a:xfrm>
-            <a:off x="10049277" y="4426012"/>
-            <a:ext cx="631767" cy="683087"/>
-          </a:xfrm>
-          <a:prstGeom prst="ellipse">
-            <a:avLst/>
-          </a:prstGeom>
-          <a:solidFill>
-            <a:schemeClr val="accent1">
-              <a:alpha val="40000"/>
-            </a:schemeClr>
-          </a:solidFill>
-        </p:spPr>
-        <p:style>
-          <a:lnRef idx="2">
-            <a:schemeClr val="accent1">
-              <a:shade val="50000"/>
-            </a:schemeClr>
-          </a:lnRef>
-          <a:fillRef idx="1">
-            <a:schemeClr val="accent1"/>
-          </a:fillRef>
-          <a:effectRef idx="0">
-            <a:schemeClr val="accent1"/>
-          </a:effectRef>
-          <a:fontRef idx="minor">
-            <a:schemeClr val="lt1"/>
-          </a:fontRef>
-        </p:style>
-        <p:txBody>
-          <a:bodyPr rtlCol="0" anchor="ctr"/>
-          <a:lstStyle/>
-          <a:p>
-            <a:pPr algn="ctr"/>
-            <a:r>
-              <a:rPr lang="en-US" sz="2800" b="1" dirty="0" smtClean="0">
-                <a:solidFill>
-                  <a:schemeClr val="accent3"/>
-                </a:solidFill>
-              </a:rPr>
-              <a:t>T</a:t>
-            </a:r>
-            <a:endParaRPr lang="en-US" sz="2800" b="1" dirty="0">
-              <a:solidFill>
-                <a:schemeClr val="accent3"/>
-              </a:solidFill>
-            </a:endParaRPr>
-          </a:p>
-        </p:txBody>
-      </p:sp>
-      <p:cxnSp>
-        <p:nvCxnSpPr>
-          <p:cNvPr id="64" name="Straight Arrow Connector 63"/>
-          <p:cNvCxnSpPr>
-            <a:stCxn id="49" idx="3"/>
-            <a:endCxn id="61" idx="0"/>
-          </p:cNvCxnSpPr>
-          <p:nvPr/>
-        </p:nvCxnSpPr>
-        <p:spPr>
-          <a:xfrm flipH="1">
-            <a:off x="8684607" y="4035546"/>
-            <a:ext cx="597025" cy="371072"/>
-          </a:xfrm>
-          <a:prstGeom prst="straightConnector1">
-            <a:avLst/>
-          </a:prstGeom>
-          <a:ln w="19050">
-            <a:solidFill>
-              <a:schemeClr val="tx1"/>
-            </a:solidFill>
-            <a:prstDash val="solid"/>
-            <a:headEnd type="none" w="med" len="med"/>
-            <a:tailEnd type="none" w="med" len="med"/>
-          </a:ln>
-        </p:spPr>
-        <p:style>
-          <a:lnRef idx="1">
-            <a:schemeClr val="accent1"/>
-          </a:lnRef>
-          <a:fillRef idx="0">
-            <a:schemeClr val="accent1"/>
-          </a:fillRef>
-          <a:effectRef idx="0">
-            <a:schemeClr val="accent1"/>
-          </a:effectRef>
-          <a:fontRef idx="minor">
-            <a:schemeClr val="tx1"/>
-          </a:fontRef>
-        </p:style>
-      </p:cxnSp>
-      <p:cxnSp>
-        <p:nvCxnSpPr>
-          <p:cNvPr id="65" name="Straight Arrow Connector 64"/>
-          <p:cNvCxnSpPr>
-            <a:stCxn id="49" idx="5"/>
-            <a:endCxn id="63" idx="0"/>
-          </p:cNvCxnSpPr>
-          <p:nvPr/>
-        </p:nvCxnSpPr>
-        <p:spPr>
-          <a:xfrm>
-            <a:off x="9728359" y="4035546"/>
-            <a:ext cx="636802" cy="390466"/>
-          </a:xfrm>
-          <a:prstGeom prst="straightConnector1">
-            <a:avLst/>
-          </a:prstGeom>
-          <a:ln w="19050">
-            <a:solidFill>
-              <a:schemeClr val="tx1"/>
-            </a:solidFill>
-            <a:prstDash val="solid"/>
-            <a:headEnd type="none" w="med" len="med"/>
-            <a:tailEnd type="none" w="med" len="med"/>
-          </a:ln>
-        </p:spPr>
-        <p:style>
-          <a:lnRef idx="1">
-            <a:schemeClr val="accent1"/>
-          </a:lnRef>
-          <a:fillRef idx="0">
-            <a:schemeClr val="accent1"/>
-          </a:fillRef>
-          <a:effectRef idx="0">
-            <a:schemeClr val="accent1"/>
-          </a:effectRef>
-          <a:fontRef idx="minor">
-            <a:schemeClr val="tx1"/>
-          </a:fontRef>
-        </p:style>
-      </p:cxnSp>
-      <p:cxnSp>
-        <p:nvCxnSpPr>
-          <p:cNvPr id="66" name="Straight Arrow Connector 65"/>
-          <p:cNvCxnSpPr>
-            <a:stCxn id="49" idx="4"/>
-            <a:endCxn id="62" idx="0"/>
-          </p:cNvCxnSpPr>
-          <p:nvPr/>
-        </p:nvCxnSpPr>
-        <p:spPr>
-          <a:xfrm>
-            <a:off x="9504996" y="4135582"/>
-            <a:ext cx="7389" cy="279164"/>
-          </a:xfrm>
-          <a:prstGeom prst="straightConnector1">
-            <a:avLst/>
-          </a:prstGeom>
-          <a:ln w="19050">
-            <a:solidFill>
-              <a:schemeClr val="tx1"/>
-            </a:solidFill>
-            <a:prstDash val="solid"/>
-            <a:headEnd type="none" w="med" len="med"/>
-            <a:tailEnd type="none" w="med" len="med"/>
-          </a:ln>
-        </p:spPr>
-        <p:style>
-          <a:lnRef idx="1">
-            <a:schemeClr val="accent1"/>
-          </a:lnRef>
-          <a:fillRef idx="0">
-            <a:schemeClr val="accent1"/>
-          </a:fillRef>
-          <a:effectRef idx="0">
-            <a:schemeClr val="accent1"/>
-          </a:effectRef>
-          <a:fontRef idx="minor">
-            <a:schemeClr val="tx1"/>
-          </a:fontRef>
-        </p:style>
-      </p:cxnSp>
-      <p:sp>
-        <p:nvSpPr>
-          <p:cNvPr id="70" name="Oval 69"/>
-          <p:cNvSpPr/>
-          <p:nvPr/>
-        </p:nvSpPr>
-        <p:spPr>
-          <a:xfrm>
-            <a:off x="8765416" y="5281885"/>
-            <a:ext cx="631767" cy="683087"/>
-          </a:xfrm>
-          <a:prstGeom prst="ellipse">
-            <a:avLst/>
-          </a:prstGeom>
-          <a:solidFill>
-            <a:schemeClr val="accent1">
-              <a:alpha val="40000"/>
-            </a:schemeClr>
-          </a:solidFill>
-        </p:spPr>
-        <p:style>
-          <a:lnRef idx="2">
-            <a:schemeClr val="accent1">
-              <a:shade val="50000"/>
-            </a:schemeClr>
-          </a:lnRef>
-          <a:fillRef idx="1">
-            <a:schemeClr val="accent1"/>
-          </a:fillRef>
-          <a:effectRef idx="0">
-            <a:schemeClr val="accent1"/>
-          </a:effectRef>
-          <a:fontRef idx="minor">
-            <a:schemeClr val="lt1"/>
-          </a:fontRef>
-        </p:style>
-        <p:txBody>
-          <a:bodyPr rtlCol="0" anchor="ctr"/>
-          <a:lstStyle/>
-          <a:p>
-            <a:pPr algn="ctr"/>
-            <a:r>
-              <a:rPr lang="en-US" sz="2800" b="1" dirty="0" smtClean="0">
-                <a:solidFill>
-                  <a:schemeClr val="accent3"/>
-                </a:solidFill>
-              </a:rPr>
-              <a:t>3</a:t>
-            </a:r>
-            <a:endParaRPr lang="en-US" sz="2800" b="1" dirty="0">
-              <a:solidFill>
-                <a:schemeClr val="accent3"/>
-              </a:solidFill>
-            </a:endParaRPr>
-          </a:p>
-        </p:txBody>
-      </p:sp>
-      <p:sp>
-        <p:nvSpPr>
-          <p:cNvPr id="71" name="Oval 70"/>
-          <p:cNvSpPr/>
-          <p:nvPr/>
-        </p:nvSpPr>
-        <p:spPr>
-          <a:xfrm>
-            <a:off x="9641815" y="5283914"/>
-            <a:ext cx="631767" cy="683087"/>
-          </a:xfrm>
-          <a:prstGeom prst="ellipse">
-            <a:avLst/>
-          </a:prstGeom>
-          <a:solidFill>
-            <a:schemeClr val="accent1">
-              <a:alpha val="40000"/>
-            </a:schemeClr>
-          </a:solidFill>
-        </p:spPr>
-        <p:style>
-          <a:lnRef idx="2">
-            <a:schemeClr val="accent1">
-              <a:shade val="50000"/>
-            </a:schemeClr>
-          </a:lnRef>
-          <a:fillRef idx="1">
-            <a:schemeClr val="accent1"/>
-          </a:fillRef>
-          <a:effectRef idx="0">
-            <a:schemeClr val="accent1"/>
-          </a:effectRef>
-          <a:fontRef idx="minor">
-            <a:schemeClr val="lt1"/>
-          </a:fontRef>
-        </p:style>
-        <p:txBody>
-          <a:bodyPr rtlCol="0" anchor="ctr"/>
-          <a:lstStyle/>
-          <a:p>
-            <a:pPr algn="ctr"/>
-            <a:r>
-              <a:rPr lang="en-US" sz="2800" b="1" dirty="0" smtClean="0">
-                <a:solidFill>
-                  <a:schemeClr val="accent3"/>
-                </a:solidFill>
-              </a:rPr>
-              <a:t>T</a:t>
-            </a:r>
-            <a:endParaRPr lang="en-US" sz="2800" b="1" dirty="0">
-              <a:solidFill>
-                <a:schemeClr val="accent3"/>
-              </a:solidFill>
-            </a:endParaRPr>
-          </a:p>
-        </p:txBody>
-      </p:sp>
-      <p:cxnSp>
-        <p:nvCxnSpPr>
-          <p:cNvPr id="72" name="Straight Arrow Connector 71"/>
-          <p:cNvCxnSpPr>
-            <a:stCxn id="62" idx="3"/>
-            <a:endCxn id="70" idx="0"/>
-          </p:cNvCxnSpPr>
-          <p:nvPr/>
-        </p:nvCxnSpPr>
-        <p:spPr>
-          <a:xfrm flipH="1">
-            <a:off x="9081300" y="4997797"/>
-            <a:ext cx="207721" cy="284088"/>
-          </a:xfrm>
-          <a:prstGeom prst="straightConnector1">
-            <a:avLst/>
-          </a:prstGeom>
-          <a:ln w="19050">
-            <a:solidFill>
-              <a:schemeClr val="tx1"/>
-            </a:solidFill>
-            <a:prstDash val="solid"/>
-            <a:headEnd type="none" w="med" len="med"/>
-            <a:tailEnd type="none" w="med" len="med"/>
-          </a:ln>
-        </p:spPr>
-        <p:style>
-          <a:lnRef idx="1">
-            <a:schemeClr val="accent1"/>
-          </a:lnRef>
-          <a:fillRef idx="0">
-            <a:schemeClr val="accent1"/>
-          </a:fillRef>
-          <a:effectRef idx="0">
-            <a:schemeClr val="accent1"/>
-          </a:effectRef>
-          <a:fontRef idx="minor">
-            <a:schemeClr val="tx1"/>
-          </a:fontRef>
-        </p:style>
-      </p:cxnSp>
-      <p:cxnSp>
-        <p:nvCxnSpPr>
-          <p:cNvPr id="73" name="Straight Arrow Connector 72"/>
-          <p:cNvCxnSpPr>
-            <a:stCxn id="62" idx="5"/>
-            <a:endCxn id="71" idx="0"/>
-          </p:cNvCxnSpPr>
-          <p:nvPr/>
-        </p:nvCxnSpPr>
-        <p:spPr>
-          <a:xfrm>
-            <a:off x="9732054" y="4997797"/>
-            <a:ext cx="225645" cy="286117"/>
-          </a:xfrm>
-          <a:prstGeom prst="straightConnector1">
-            <a:avLst/>
-          </a:prstGeom>
-          <a:ln w="19050">
-            <a:solidFill>
-              <a:schemeClr val="tx1"/>
-            </a:solidFill>
-            <a:prstDash val="solid"/>
-            <a:headEnd type="none" w="med" len="med"/>
-            <a:tailEnd type="none" w="med" len="med"/>
-          </a:ln>
-        </p:spPr>
-        <p:style>
-          <a:lnRef idx="1">
-            <a:schemeClr val="accent1"/>
-          </a:lnRef>
-          <a:fillRef idx="0">
-            <a:schemeClr val="accent1"/>
-          </a:fillRef>
-          <a:effectRef idx="0">
-            <a:schemeClr val="accent1"/>
-          </a:effectRef>
-          <a:fontRef idx="minor">
-            <a:schemeClr val="tx1"/>
-          </a:fontRef>
-        </p:style>
-      </p:cxnSp>
     </p:spTree>
     <p:extLst>
       <p:ext uri="{BB962C8B-B14F-4D97-AF65-F5344CB8AC3E}">
@@ -23599,687 +21444,6 @@
           </a:fontRef>
         </p:style>
       </p:cxnSp>
-      <p:sp>
-        <p:nvSpPr>
-          <p:cNvPr id="48" name="Oval 47"/>
-          <p:cNvSpPr/>
-          <p:nvPr/>
-        </p:nvSpPr>
-        <p:spPr>
-          <a:xfrm>
-            <a:off x="8248061" y="3441229"/>
-            <a:ext cx="631767" cy="683087"/>
-          </a:xfrm>
-          <a:prstGeom prst="ellipse">
-            <a:avLst/>
-          </a:prstGeom>
-          <a:solidFill>
-            <a:schemeClr val="accent1">
-              <a:alpha val="40000"/>
-            </a:schemeClr>
-          </a:solidFill>
-        </p:spPr>
-        <p:style>
-          <a:lnRef idx="2">
-            <a:schemeClr val="accent1">
-              <a:shade val="50000"/>
-            </a:schemeClr>
-          </a:lnRef>
-          <a:fillRef idx="1">
-            <a:schemeClr val="accent1"/>
-          </a:fillRef>
-          <a:effectRef idx="0">
-            <a:schemeClr val="accent1"/>
-          </a:effectRef>
-          <a:fontRef idx="minor">
-            <a:schemeClr val="lt1"/>
-          </a:fontRef>
-        </p:style>
-        <p:txBody>
-          <a:bodyPr rtlCol="0" anchor="ctr"/>
-          <a:lstStyle/>
-          <a:p>
-            <a:pPr algn="ctr"/>
-            <a:r>
-              <a:rPr lang="en-US" sz="2800" b="1" dirty="0" smtClean="0">
-                <a:solidFill>
-                  <a:schemeClr val="accent3"/>
-                </a:solidFill>
-              </a:rPr>
-              <a:t>4</a:t>
-            </a:r>
-            <a:endParaRPr lang="en-US" sz="2800" b="1" dirty="0">
-              <a:solidFill>
-                <a:schemeClr val="accent3"/>
-              </a:solidFill>
-            </a:endParaRPr>
-          </a:p>
-        </p:txBody>
-      </p:sp>
-      <p:sp>
-        <p:nvSpPr>
-          <p:cNvPr id="49" name="Oval 48"/>
-          <p:cNvSpPr/>
-          <p:nvPr/>
-        </p:nvSpPr>
-        <p:spPr>
-          <a:xfrm>
-            <a:off x="9192807" y="3452495"/>
-            <a:ext cx="631767" cy="683087"/>
-          </a:xfrm>
-          <a:prstGeom prst="ellipse">
-            <a:avLst/>
-          </a:prstGeom>
-          <a:solidFill>
-            <a:schemeClr val="accent1">
-              <a:alpha val="40000"/>
-            </a:schemeClr>
-          </a:solidFill>
-        </p:spPr>
-        <p:style>
-          <a:lnRef idx="2">
-            <a:schemeClr val="accent1">
-              <a:shade val="50000"/>
-            </a:schemeClr>
-          </a:lnRef>
-          <a:fillRef idx="1">
-            <a:schemeClr val="accent1"/>
-          </a:fillRef>
-          <a:effectRef idx="0">
-            <a:schemeClr val="accent1"/>
-          </a:effectRef>
-          <a:fontRef idx="minor">
-            <a:schemeClr val="lt1"/>
-          </a:fontRef>
-        </p:style>
-        <p:txBody>
-          <a:bodyPr rtlCol="0" anchor="ctr"/>
-          <a:lstStyle/>
-          <a:p>
-            <a:pPr algn="ctr"/>
-            <a:r>
-              <a:rPr lang="en-US" sz="2800" b="1" dirty="0" smtClean="0">
-                <a:solidFill>
-                  <a:schemeClr val="accent3"/>
-                </a:solidFill>
-              </a:rPr>
-              <a:t>T</a:t>
-            </a:r>
-            <a:endParaRPr lang="en-US" sz="2800" b="1" dirty="0">
-              <a:solidFill>
-                <a:schemeClr val="accent3"/>
-              </a:solidFill>
-            </a:endParaRPr>
-          </a:p>
-        </p:txBody>
-      </p:sp>
-      <p:cxnSp>
-        <p:nvCxnSpPr>
-          <p:cNvPr id="50" name="Straight Arrow Connector 49"/>
-          <p:cNvCxnSpPr>
-            <a:stCxn id="37" idx="3"/>
-            <a:endCxn id="48" idx="0"/>
-          </p:cNvCxnSpPr>
-          <p:nvPr/>
-        </p:nvCxnSpPr>
-        <p:spPr>
-          <a:xfrm flipH="1">
-            <a:off x="8563945" y="3173610"/>
-            <a:ext cx="249403" cy="267619"/>
-          </a:xfrm>
-          <a:prstGeom prst="straightConnector1">
-            <a:avLst/>
-          </a:prstGeom>
-          <a:ln w="19050">
-            <a:solidFill>
-              <a:schemeClr val="tx1"/>
-            </a:solidFill>
-            <a:prstDash val="solid"/>
-            <a:headEnd type="none" w="med" len="med"/>
-            <a:tailEnd type="none" w="med" len="med"/>
-          </a:ln>
-        </p:spPr>
-        <p:style>
-          <a:lnRef idx="1">
-            <a:schemeClr val="accent1"/>
-          </a:lnRef>
-          <a:fillRef idx="0">
-            <a:schemeClr val="accent1"/>
-          </a:fillRef>
-          <a:effectRef idx="0">
-            <a:schemeClr val="accent1"/>
-          </a:effectRef>
-          <a:fontRef idx="minor">
-            <a:schemeClr val="tx1"/>
-          </a:fontRef>
-        </p:style>
-      </p:cxnSp>
-      <p:cxnSp>
-        <p:nvCxnSpPr>
-          <p:cNvPr id="51" name="Straight Arrow Connector 50"/>
-          <p:cNvCxnSpPr>
-            <a:stCxn id="37" idx="5"/>
-            <a:endCxn id="49" idx="0"/>
-          </p:cNvCxnSpPr>
-          <p:nvPr/>
-        </p:nvCxnSpPr>
-        <p:spPr>
-          <a:xfrm>
-            <a:off x="9260075" y="3173610"/>
-            <a:ext cx="244921" cy="278885"/>
-          </a:xfrm>
-          <a:prstGeom prst="straightConnector1">
-            <a:avLst/>
-          </a:prstGeom>
-          <a:ln w="19050">
-            <a:solidFill>
-              <a:schemeClr val="tx1"/>
-            </a:solidFill>
-            <a:prstDash val="solid"/>
-            <a:headEnd type="none" w="med" len="med"/>
-            <a:tailEnd type="none" w="med" len="med"/>
-          </a:ln>
-        </p:spPr>
-        <p:style>
-          <a:lnRef idx="1">
-            <a:schemeClr val="accent1"/>
-          </a:lnRef>
-          <a:fillRef idx="0">
-            <a:schemeClr val="accent1"/>
-          </a:fillRef>
-          <a:effectRef idx="0">
-            <a:schemeClr val="accent1"/>
-          </a:effectRef>
-          <a:fontRef idx="minor">
-            <a:schemeClr val="tx1"/>
-          </a:fontRef>
-        </p:style>
-      </p:cxnSp>
-      <p:sp>
-        <p:nvSpPr>
-          <p:cNvPr id="61" name="Oval 60"/>
-          <p:cNvSpPr/>
-          <p:nvPr/>
-        </p:nvSpPr>
-        <p:spPr>
-          <a:xfrm>
-            <a:off x="8368723" y="4406618"/>
-            <a:ext cx="631767" cy="683087"/>
-          </a:xfrm>
-          <a:prstGeom prst="ellipse">
-            <a:avLst/>
-          </a:prstGeom>
-          <a:solidFill>
-            <a:schemeClr val="accent1">
-              <a:alpha val="40000"/>
-            </a:schemeClr>
-          </a:solidFill>
-        </p:spPr>
-        <p:style>
-          <a:lnRef idx="2">
-            <a:schemeClr val="accent1">
-              <a:shade val="50000"/>
-            </a:schemeClr>
-          </a:lnRef>
-          <a:fillRef idx="1">
-            <a:schemeClr val="accent1"/>
-          </a:fillRef>
-          <a:effectRef idx="0">
-            <a:schemeClr val="accent1"/>
-          </a:effectRef>
-          <a:fontRef idx="minor">
-            <a:schemeClr val="lt1"/>
-          </a:fontRef>
-        </p:style>
-        <p:txBody>
-          <a:bodyPr rtlCol="0" anchor="ctr"/>
-          <a:lstStyle/>
-          <a:p>
-            <a:pPr algn="ctr"/>
-            <a:r>
-              <a:rPr lang="en-US" sz="2800" b="1" dirty="0">
-                <a:solidFill>
-                  <a:schemeClr val="accent3"/>
-                </a:solidFill>
-              </a:rPr>
-              <a:t>+</a:t>
-            </a:r>
-          </a:p>
-        </p:txBody>
-      </p:sp>
-      <p:sp>
-        <p:nvSpPr>
-          <p:cNvPr id="62" name="Oval 61"/>
-          <p:cNvSpPr/>
-          <p:nvPr/>
-        </p:nvSpPr>
-        <p:spPr>
-          <a:xfrm>
-            <a:off x="9192807" y="4414746"/>
-            <a:ext cx="631767" cy="683087"/>
-          </a:xfrm>
-          <a:prstGeom prst="ellipse">
-            <a:avLst/>
-          </a:prstGeom>
-          <a:solidFill>
-            <a:schemeClr val="accent1">
-              <a:alpha val="40000"/>
-            </a:schemeClr>
-          </a:solidFill>
-        </p:spPr>
-        <p:style>
-          <a:lnRef idx="2">
-            <a:schemeClr val="accent1">
-              <a:shade val="50000"/>
-            </a:schemeClr>
-          </a:lnRef>
-          <a:fillRef idx="1">
-            <a:schemeClr val="accent1"/>
-          </a:fillRef>
-          <a:effectRef idx="0">
-            <a:schemeClr val="accent1"/>
-          </a:effectRef>
-          <a:fontRef idx="minor">
-            <a:schemeClr val="lt1"/>
-          </a:fontRef>
-        </p:style>
-        <p:txBody>
-          <a:bodyPr rtlCol="0" anchor="ctr"/>
-          <a:lstStyle/>
-          <a:p>
-            <a:pPr algn="ctr"/>
-            <a:r>
-              <a:rPr lang="en-US" sz="2800" b="1" dirty="0" smtClean="0">
-                <a:solidFill>
-                  <a:schemeClr val="accent3"/>
-                </a:solidFill>
-              </a:rPr>
-              <a:t>S</a:t>
-            </a:r>
-            <a:endParaRPr lang="en-US" sz="2800" b="1" dirty="0">
-              <a:solidFill>
-                <a:schemeClr val="accent3"/>
-              </a:solidFill>
-            </a:endParaRPr>
-          </a:p>
-        </p:txBody>
-      </p:sp>
-      <p:sp>
-        <p:nvSpPr>
-          <p:cNvPr id="63" name="Oval 62"/>
-          <p:cNvSpPr/>
-          <p:nvPr/>
-        </p:nvSpPr>
-        <p:spPr>
-          <a:xfrm>
-            <a:off x="10049277" y="4426012"/>
-            <a:ext cx="631767" cy="683087"/>
-          </a:xfrm>
-          <a:prstGeom prst="ellipse">
-            <a:avLst/>
-          </a:prstGeom>
-          <a:solidFill>
-            <a:schemeClr val="accent1">
-              <a:alpha val="40000"/>
-            </a:schemeClr>
-          </a:solidFill>
-        </p:spPr>
-        <p:style>
-          <a:lnRef idx="2">
-            <a:schemeClr val="accent1">
-              <a:shade val="50000"/>
-            </a:schemeClr>
-          </a:lnRef>
-          <a:fillRef idx="1">
-            <a:schemeClr val="accent1"/>
-          </a:fillRef>
-          <a:effectRef idx="0">
-            <a:schemeClr val="accent1"/>
-          </a:effectRef>
-          <a:fontRef idx="minor">
-            <a:schemeClr val="lt1"/>
-          </a:fontRef>
-        </p:style>
-        <p:txBody>
-          <a:bodyPr rtlCol="0" anchor="ctr"/>
-          <a:lstStyle/>
-          <a:p>
-            <a:pPr algn="ctr"/>
-            <a:r>
-              <a:rPr lang="en-US" sz="2800" b="1" dirty="0" smtClean="0">
-                <a:solidFill>
-                  <a:schemeClr val="accent3"/>
-                </a:solidFill>
-              </a:rPr>
-              <a:t>T</a:t>
-            </a:r>
-            <a:endParaRPr lang="en-US" sz="2800" b="1" dirty="0">
-              <a:solidFill>
-                <a:schemeClr val="accent3"/>
-              </a:solidFill>
-            </a:endParaRPr>
-          </a:p>
-        </p:txBody>
-      </p:sp>
-      <p:cxnSp>
-        <p:nvCxnSpPr>
-          <p:cNvPr id="64" name="Straight Arrow Connector 63"/>
-          <p:cNvCxnSpPr>
-            <a:stCxn id="49" idx="3"/>
-            <a:endCxn id="61" idx="0"/>
-          </p:cNvCxnSpPr>
-          <p:nvPr/>
-        </p:nvCxnSpPr>
-        <p:spPr>
-          <a:xfrm flipH="1">
-            <a:off x="8684607" y="4035546"/>
-            <a:ext cx="597025" cy="371072"/>
-          </a:xfrm>
-          <a:prstGeom prst="straightConnector1">
-            <a:avLst/>
-          </a:prstGeom>
-          <a:ln w="19050">
-            <a:solidFill>
-              <a:schemeClr val="tx1"/>
-            </a:solidFill>
-            <a:prstDash val="solid"/>
-            <a:headEnd type="none" w="med" len="med"/>
-            <a:tailEnd type="none" w="med" len="med"/>
-          </a:ln>
-        </p:spPr>
-        <p:style>
-          <a:lnRef idx="1">
-            <a:schemeClr val="accent1"/>
-          </a:lnRef>
-          <a:fillRef idx="0">
-            <a:schemeClr val="accent1"/>
-          </a:fillRef>
-          <a:effectRef idx="0">
-            <a:schemeClr val="accent1"/>
-          </a:effectRef>
-          <a:fontRef idx="minor">
-            <a:schemeClr val="tx1"/>
-          </a:fontRef>
-        </p:style>
-      </p:cxnSp>
-      <p:cxnSp>
-        <p:nvCxnSpPr>
-          <p:cNvPr id="65" name="Straight Arrow Connector 64"/>
-          <p:cNvCxnSpPr>
-            <a:stCxn id="49" idx="5"/>
-            <a:endCxn id="63" idx="0"/>
-          </p:cNvCxnSpPr>
-          <p:nvPr/>
-        </p:nvCxnSpPr>
-        <p:spPr>
-          <a:xfrm>
-            <a:off x="9728359" y="4035546"/>
-            <a:ext cx="636802" cy="390466"/>
-          </a:xfrm>
-          <a:prstGeom prst="straightConnector1">
-            <a:avLst/>
-          </a:prstGeom>
-          <a:ln w="19050">
-            <a:solidFill>
-              <a:schemeClr val="tx1"/>
-            </a:solidFill>
-            <a:prstDash val="solid"/>
-            <a:headEnd type="none" w="med" len="med"/>
-            <a:tailEnd type="none" w="med" len="med"/>
-          </a:ln>
-        </p:spPr>
-        <p:style>
-          <a:lnRef idx="1">
-            <a:schemeClr val="accent1"/>
-          </a:lnRef>
-          <a:fillRef idx="0">
-            <a:schemeClr val="accent1"/>
-          </a:fillRef>
-          <a:effectRef idx="0">
-            <a:schemeClr val="accent1"/>
-          </a:effectRef>
-          <a:fontRef idx="minor">
-            <a:schemeClr val="tx1"/>
-          </a:fontRef>
-        </p:style>
-      </p:cxnSp>
-      <p:cxnSp>
-        <p:nvCxnSpPr>
-          <p:cNvPr id="66" name="Straight Arrow Connector 65"/>
-          <p:cNvCxnSpPr>
-            <a:stCxn id="49" idx="4"/>
-            <a:endCxn id="62" idx="0"/>
-          </p:cNvCxnSpPr>
-          <p:nvPr/>
-        </p:nvCxnSpPr>
-        <p:spPr>
-          <a:xfrm>
-            <a:off x="9504996" y="4135582"/>
-            <a:ext cx="7389" cy="279164"/>
-          </a:xfrm>
-          <a:prstGeom prst="straightConnector1">
-            <a:avLst/>
-          </a:prstGeom>
-          <a:ln w="19050">
-            <a:solidFill>
-              <a:schemeClr val="tx1"/>
-            </a:solidFill>
-            <a:prstDash val="solid"/>
-            <a:headEnd type="none" w="med" len="med"/>
-            <a:tailEnd type="none" w="med" len="med"/>
-          </a:ln>
-        </p:spPr>
-        <p:style>
-          <a:lnRef idx="1">
-            <a:schemeClr val="accent1"/>
-          </a:lnRef>
-          <a:fillRef idx="0">
-            <a:schemeClr val="accent1"/>
-          </a:fillRef>
-          <a:effectRef idx="0">
-            <a:schemeClr val="accent1"/>
-          </a:effectRef>
-          <a:fontRef idx="minor">
-            <a:schemeClr val="tx1"/>
-          </a:fontRef>
-        </p:style>
-      </p:cxnSp>
-      <p:sp>
-        <p:nvSpPr>
-          <p:cNvPr id="70" name="Oval 69"/>
-          <p:cNvSpPr/>
-          <p:nvPr/>
-        </p:nvSpPr>
-        <p:spPr>
-          <a:xfrm>
-            <a:off x="8765416" y="5281885"/>
-            <a:ext cx="631767" cy="683087"/>
-          </a:xfrm>
-          <a:prstGeom prst="ellipse">
-            <a:avLst/>
-          </a:prstGeom>
-          <a:solidFill>
-            <a:schemeClr val="accent1">
-              <a:alpha val="40000"/>
-            </a:schemeClr>
-          </a:solidFill>
-        </p:spPr>
-        <p:style>
-          <a:lnRef idx="2">
-            <a:schemeClr val="accent1">
-              <a:shade val="50000"/>
-            </a:schemeClr>
-          </a:lnRef>
-          <a:fillRef idx="1">
-            <a:schemeClr val="accent1"/>
-          </a:fillRef>
-          <a:effectRef idx="0">
-            <a:schemeClr val="accent1"/>
-          </a:effectRef>
-          <a:fontRef idx="minor">
-            <a:schemeClr val="lt1"/>
-          </a:fontRef>
-        </p:style>
-        <p:txBody>
-          <a:bodyPr rtlCol="0" anchor="ctr"/>
-          <a:lstStyle/>
-          <a:p>
-            <a:pPr algn="ctr"/>
-            <a:r>
-              <a:rPr lang="en-US" sz="2800" b="1" dirty="0" smtClean="0">
-                <a:solidFill>
-                  <a:schemeClr val="accent3"/>
-                </a:solidFill>
-              </a:rPr>
-              <a:t>3</a:t>
-            </a:r>
-            <a:endParaRPr lang="en-US" sz="2800" b="1" dirty="0">
-              <a:solidFill>
-                <a:schemeClr val="accent3"/>
-              </a:solidFill>
-            </a:endParaRPr>
-          </a:p>
-        </p:txBody>
-      </p:sp>
-      <p:sp>
-        <p:nvSpPr>
-          <p:cNvPr id="71" name="Oval 70"/>
-          <p:cNvSpPr/>
-          <p:nvPr/>
-        </p:nvSpPr>
-        <p:spPr>
-          <a:xfrm>
-            <a:off x="9641815" y="5283914"/>
-            <a:ext cx="631767" cy="683087"/>
-          </a:xfrm>
-          <a:prstGeom prst="ellipse">
-            <a:avLst/>
-          </a:prstGeom>
-          <a:solidFill>
-            <a:schemeClr val="accent1">
-              <a:alpha val="40000"/>
-            </a:schemeClr>
-          </a:solidFill>
-        </p:spPr>
-        <p:style>
-          <a:lnRef idx="2">
-            <a:schemeClr val="accent1">
-              <a:shade val="50000"/>
-            </a:schemeClr>
-          </a:lnRef>
-          <a:fillRef idx="1">
-            <a:schemeClr val="accent1"/>
-          </a:fillRef>
-          <a:effectRef idx="0">
-            <a:schemeClr val="accent1"/>
-          </a:effectRef>
-          <a:fontRef idx="minor">
-            <a:schemeClr val="lt1"/>
-          </a:fontRef>
-        </p:style>
-        <p:txBody>
-          <a:bodyPr rtlCol="0" anchor="ctr"/>
-          <a:lstStyle/>
-          <a:p>
-            <a:pPr algn="ctr"/>
-            <a:r>
-              <a:rPr lang="en-US" sz="2800" b="1" dirty="0" smtClean="0">
-                <a:solidFill>
-                  <a:schemeClr val="accent3"/>
-                </a:solidFill>
-              </a:rPr>
-              <a:t>T</a:t>
-            </a:r>
-            <a:endParaRPr lang="en-US" sz="2800" b="1" dirty="0">
-              <a:solidFill>
-                <a:schemeClr val="accent3"/>
-              </a:solidFill>
-            </a:endParaRPr>
-          </a:p>
-        </p:txBody>
-      </p:sp>
-      <p:cxnSp>
-        <p:nvCxnSpPr>
-          <p:cNvPr id="72" name="Straight Arrow Connector 71"/>
-          <p:cNvCxnSpPr>
-            <a:stCxn id="62" idx="3"/>
-            <a:endCxn id="70" idx="0"/>
-          </p:cNvCxnSpPr>
-          <p:nvPr/>
-        </p:nvCxnSpPr>
-        <p:spPr>
-          <a:xfrm flipH="1">
-            <a:off x="9081300" y="4997797"/>
-            <a:ext cx="207721" cy="284088"/>
-          </a:xfrm>
-          <a:prstGeom prst="straightConnector1">
-            <a:avLst/>
-          </a:prstGeom>
-          <a:ln w="19050">
-            <a:solidFill>
-              <a:schemeClr val="tx1"/>
-            </a:solidFill>
-            <a:prstDash val="solid"/>
-            <a:headEnd type="none" w="med" len="med"/>
-            <a:tailEnd type="none" w="med" len="med"/>
-          </a:ln>
-        </p:spPr>
-        <p:style>
-          <a:lnRef idx="1">
-            <a:schemeClr val="accent1"/>
-          </a:lnRef>
-          <a:fillRef idx="0">
-            <a:schemeClr val="accent1"/>
-          </a:fillRef>
-          <a:effectRef idx="0">
-            <a:schemeClr val="accent1"/>
-          </a:effectRef>
-          <a:fontRef idx="minor">
-            <a:schemeClr val="tx1"/>
-          </a:fontRef>
-        </p:style>
-      </p:cxnSp>
-      <p:cxnSp>
-        <p:nvCxnSpPr>
-          <p:cNvPr id="73" name="Straight Arrow Connector 72"/>
-          <p:cNvCxnSpPr>
-            <a:stCxn id="62" idx="5"/>
-            <a:endCxn id="71" idx="0"/>
-          </p:cNvCxnSpPr>
-          <p:nvPr/>
-        </p:nvCxnSpPr>
-        <p:spPr>
-          <a:xfrm>
-            <a:off x="9732054" y="4997797"/>
-            <a:ext cx="225645" cy="286117"/>
-          </a:xfrm>
-          <a:prstGeom prst="straightConnector1">
-            <a:avLst/>
-          </a:prstGeom>
-          <a:ln w="19050">
-            <a:solidFill>
-              <a:schemeClr val="tx1"/>
-            </a:solidFill>
-            <a:prstDash val="solid"/>
-            <a:headEnd type="none" w="med" len="med"/>
-            <a:tailEnd type="none" w="med" len="med"/>
-          </a:ln>
-        </p:spPr>
-        <p:style>
-          <a:lnRef idx="1">
-            <a:schemeClr val="accent1"/>
-          </a:lnRef>
-          <a:fillRef idx="0">
-            <a:schemeClr val="accent1"/>
-          </a:fillRef>
-          <a:effectRef idx="0">
-            <a:schemeClr val="accent1"/>
-          </a:effectRef>
-          <a:fontRef idx="minor">
-            <a:schemeClr val="tx1"/>
-          </a:fontRef>
-        </p:style>
-      </p:cxnSp>
     </p:spTree>
     <p:extLst>
       <p:ext uri="{BB962C8B-B14F-4D97-AF65-F5344CB8AC3E}">
@@ -25372,687 +22536,6 @@
             <a:avLst/>
           </a:prstGeom>
           <a:ln w="28575">
-            <a:solidFill>
-              <a:schemeClr val="tx1"/>
-            </a:solidFill>
-            <a:prstDash val="solid"/>
-            <a:headEnd type="none" w="med" len="med"/>
-            <a:tailEnd type="none" w="med" len="med"/>
-          </a:ln>
-        </p:spPr>
-        <p:style>
-          <a:lnRef idx="1">
-            <a:schemeClr val="accent1"/>
-          </a:lnRef>
-          <a:fillRef idx="0">
-            <a:schemeClr val="accent1"/>
-          </a:fillRef>
-          <a:effectRef idx="0">
-            <a:schemeClr val="accent1"/>
-          </a:effectRef>
-          <a:fontRef idx="minor">
-            <a:schemeClr val="tx1"/>
-          </a:fontRef>
-        </p:style>
-      </p:cxnSp>
-      <p:sp>
-        <p:nvSpPr>
-          <p:cNvPr id="48" name="Oval 47"/>
-          <p:cNvSpPr/>
-          <p:nvPr/>
-        </p:nvSpPr>
-        <p:spPr>
-          <a:xfrm>
-            <a:off x="8248061" y="3441229"/>
-            <a:ext cx="631767" cy="683087"/>
-          </a:xfrm>
-          <a:prstGeom prst="ellipse">
-            <a:avLst/>
-          </a:prstGeom>
-          <a:solidFill>
-            <a:schemeClr val="accent1">
-              <a:alpha val="40000"/>
-            </a:schemeClr>
-          </a:solidFill>
-        </p:spPr>
-        <p:style>
-          <a:lnRef idx="2">
-            <a:schemeClr val="accent1">
-              <a:shade val="50000"/>
-            </a:schemeClr>
-          </a:lnRef>
-          <a:fillRef idx="1">
-            <a:schemeClr val="accent1"/>
-          </a:fillRef>
-          <a:effectRef idx="0">
-            <a:schemeClr val="accent1"/>
-          </a:effectRef>
-          <a:fontRef idx="minor">
-            <a:schemeClr val="lt1"/>
-          </a:fontRef>
-        </p:style>
-        <p:txBody>
-          <a:bodyPr rtlCol="0" anchor="ctr"/>
-          <a:lstStyle/>
-          <a:p>
-            <a:pPr algn="ctr"/>
-            <a:r>
-              <a:rPr lang="en-US" sz="2800" b="1" dirty="0" smtClean="0">
-                <a:solidFill>
-                  <a:schemeClr val="accent3"/>
-                </a:solidFill>
-              </a:rPr>
-              <a:t>4</a:t>
-            </a:r>
-            <a:endParaRPr lang="en-US" sz="2800" b="1" dirty="0">
-              <a:solidFill>
-                <a:schemeClr val="accent3"/>
-              </a:solidFill>
-            </a:endParaRPr>
-          </a:p>
-        </p:txBody>
-      </p:sp>
-      <p:sp>
-        <p:nvSpPr>
-          <p:cNvPr id="49" name="Oval 48"/>
-          <p:cNvSpPr/>
-          <p:nvPr/>
-        </p:nvSpPr>
-        <p:spPr>
-          <a:xfrm>
-            <a:off x="9192807" y="3452495"/>
-            <a:ext cx="631767" cy="683087"/>
-          </a:xfrm>
-          <a:prstGeom prst="ellipse">
-            <a:avLst/>
-          </a:prstGeom>
-          <a:solidFill>
-            <a:schemeClr val="accent1">
-              <a:alpha val="40000"/>
-            </a:schemeClr>
-          </a:solidFill>
-        </p:spPr>
-        <p:style>
-          <a:lnRef idx="2">
-            <a:schemeClr val="accent1">
-              <a:shade val="50000"/>
-            </a:schemeClr>
-          </a:lnRef>
-          <a:fillRef idx="1">
-            <a:schemeClr val="accent1"/>
-          </a:fillRef>
-          <a:effectRef idx="0">
-            <a:schemeClr val="accent1"/>
-          </a:effectRef>
-          <a:fontRef idx="minor">
-            <a:schemeClr val="lt1"/>
-          </a:fontRef>
-        </p:style>
-        <p:txBody>
-          <a:bodyPr rtlCol="0" anchor="ctr"/>
-          <a:lstStyle/>
-          <a:p>
-            <a:pPr algn="ctr"/>
-            <a:r>
-              <a:rPr lang="en-US" sz="2800" b="1" dirty="0" smtClean="0">
-                <a:solidFill>
-                  <a:schemeClr val="accent3"/>
-                </a:solidFill>
-              </a:rPr>
-              <a:t>T</a:t>
-            </a:r>
-            <a:endParaRPr lang="en-US" sz="2800" b="1" dirty="0">
-              <a:solidFill>
-                <a:schemeClr val="accent3"/>
-              </a:solidFill>
-            </a:endParaRPr>
-          </a:p>
-        </p:txBody>
-      </p:sp>
-      <p:cxnSp>
-        <p:nvCxnSpPr>
-          <p:cNvPr id="50" name="Straight Arrow Connector 49"/>
-          <p:cNvCxnSpPr>
-            <a:stCxn id="37" idx="3"/>
-            <a:endCxn id="48" idx="0"/>
-          </p:cNvCxnSpPr>
-          <p:nvPr/>
-        </p:nvCxnSpPr>
-        <p:spPr>
-          <a:xfrm flipH="1">
-            <a:off x="8563945" y="3173610"/>
-            <a:ext cx="249403" cy="267619"/>
-          </a:xfrm>
-          <a:prstGeom prst="straightConnector1">
-            <a:avLst/>
-          </a:prstGeom>
-          <a:ln w="19050">
-            <a:solidFill>
-              <a:schemeClr val="tx1"/>
-            </a:solidFill>
-            <a:prstDash val="solid"/>
-            <a:headEnd type="none" w="med" len="med"/>
-            <a:tailEnd type="none" w="med" len="med"/>
-          </a:ln>
-        </p:spPr>
-        <p:style>
-          <a:lnRef idx="1">
-            <a:schemeClr val="accent1"/>
-          </a:lnRef>
-          <a:fillRef idx="0">
-            <a:schemeClr val="accent1"/>
-          </a:fillRef>
-          <a:effectRef idx="0">
-            <a:schemeClr val="accent1"/>
-          </a:effectRef>
-          <a:fontRef idx="minor">
-            <a:schemeClr val="tx1"/>
-          </a:fontRef>
-        </p:style>
-      </p:cxnSp>
-      <p:cxnSp>
-        <p:nvCxnSpPr>
-          <p:cNvPr id="51" name="Straight Arrow Connector 50"/>
-          <p:cNvCxnSpPr>
-            <a:stCxn id="37" idx="5"/>
-            <a:endCxn id="49" idx="0"/>
-          </p:cNvCxnSpPr>
-          <p:nvPr/>
-        </p:nvCxnSpPr>
-        <p:spPr>
-          <a:xfrm>
-            <a:off x="9260075" y="3173610"/>
-            <a:ext cx="244921" cy="278885"/>
-          </a:xfrm>
-          <a:prstGeom prst="straightConnector1">
-            <a:avLst/>
-          </a:prstGeom>
-          <a:ln w="19050">
-            <a:solidFill>
-              <a:schemeClr val="tx1"/>
-            </a:solidFill>
-            <a:prstDash val="solid"/>
-            <a:headEnd type="none" w="med" len="med"/>
-            <a:tailEnd type="none" w="med" len="med"/>
-          </a:ln>
-        </p:spPr>
-        <p:style>
-          <a:lnRef idx="1">
-            <a:schemeClr val="accent1"/>
-          </a:lnRef>
-          <a:fillRef idx="0">
-            <a:schemeClr val="accent1"/>
-          </a:fillRef>
-          <a:effectRef idx="0">
-            <a:schemeClr val="accent1"/>
-          </a:effectRef>
-          <a:fontRef idx="minor">
-            <a:schemeClr val="tx1"/>
-          </a:fontRef>
-        </p:style>
-      </p:cxnSp>
-      <p:sp>
-        <p:nvSpPr>
-          <p:cNvPr id="61" name="Oval 60"/>
-          <p:cNvSpPr/>
-          <p:nvPr/>
-        </p:nvSpPr>
-        <p:spPr>
-          <a:xfrm>
-            <a:off x="8368723" y="4406618"/>
-            <a:ext cx="631767" cy="683087"/>
-          </a:xfrm>
-          <a:prstGeom prst="ellipse">
-            <a:avLst/>
-          </a:prstGeom>
-          <a:solidFill>
-            <a:schemeClr val="accent1">
-              <a:alpha val="40000"/>
-            </a:schemeClr>
-          </a:solidFill>
-        </p:spPr>
-        <p:style>
-          <a:lnRef idx="2">
-            <a:schemeClr val="accent1">
-              <a:shade val="50000"/>
-            </a:schemeClr>
-          </a:lnRef>
-          <a:fillRef idx="1">
-            <a:schemeClr val="accent1"/>
-          </a:fillRef>
-          <a:effectRef idx="0">
-            <a:schemeClr val="accent1"/>
-          </a:effectRef>
-          <a:fontRef idx="minor">
-            <a:schemeClr val="lt1"/>
-          </a:fontRef>
-        </p:style>
-        <p:txBody>
-          <a:bodyPr rtlCol="0" anchor="ctr"/>
-          <a:lstStyle/>
-          <a:p>
-            <a:pPr algn="ctr"/>
-            <a:r>
-              <a:rPr lang="en-US" sz="2800" b="1" dirty="0">
-                <a:solidFill>
-                  <a:schemeClr val="accent3"/>
-                </a:solidFill>
-              </a:rPr>
-              <a:t>+</a:t>
-            </a:r>
-          </a:p>
-        </p:txBody>
-      </p:sp>
-      <p:sp>
-        <p:nvSpPr>
-          <p:cNvPr id="62" name="Oval 61"/>
-          <p:cNvSpPr/>
-          <p:nvPr/>
-        </p:nvSpPr>
-        <p:spPr>
-          <a:xfrm>
-            <a:off x="9192807" y="4414746"/>
-            <a:ext cx="631767" cy="683087"/>
-          </a:xfrm>
-          <a:prstGeom prst="ellipse">
-            <a:avLst/>
-          </a:prstGeom>
-          <a:solidFill>
-            <a:schemeClr val="accent1">
-              <a:alpha val="40000"/>
-            </a:schemeClr>
-          </a:solidFill>
-        </p:spPr>
-        <p:style>
-          <a:lnRef idx="2">
-            <a:schemeClr val="accent1">
-              <a:shade val="50000"/>
-            </a:schemeClr>
-          </a:lnRef>
-          <a:fillRef idx="1">
-            <a:schemeClr val="accent1"/>
-          </a:fillRef>
-          <a:effectRef idx="0">
-            <a:schemeClr val="accent1"/>
-          </a:effectRef>
-          <a:fontRef idx="minor">
-            <a:schemeClr val="lt1"/>
-          </a:fontRef>
-        </p:style>
-        <p:txBody>
-          <a:bodyPr rtlCol="0" anchor="ctr"/>
-          <a:lstStyle/>
-          <a:p>
-            <a:pPr algn="ctr"/>
-            <a:r>
-              <a:rPr lang="en-US" sz="2800" b="1" dirty="0" smtClean="0">
-                <a:solidFill>
-                  <a:schemeClr val="accent3"/>
-                </a:solidFill>
-              </a:rPr>
-              <a:t>S</a:t>
-            </a:r>
-            <a:endParaRPr lang="en-US" sz="2800" b="1" dirty="0">
-              <a:solidFill>
-                <a:schemeClr val="accent3"/>
-              </a:solidFill>
-            </a:endParaRPr>
-          </a:p>
-        </p:txBody>
-      </p:sp>
-      <p:sp>
-        <p:nvSpPr>
-          <p:cNvPr id="63" name="Oval 62"/>
-          <p:cNvSpPr/>
-          <p:nvPr/>
-        </p:nvSpPr>
-        <p:spPr>
-          <a:xfrm>
-            <a:off x="10049277" y="4426012"/>
-            <a:ext cx="631767" cy="683087"/>
-          </a:xfrm>
-          <a:prstGeom prst="ellipse">
-            <a:avLst/>
-          </a:prstGeom>
-          <a:solidFill>
-            <a:schemeClr val="accent1">
-              <a:alpha val="40000"/>
-            </a:schemeClr>
-          </a:solidFill>
-        </p:spPr>
-        <p:style>
-          <a:lnRef idx="2">
-            <a:schemeClr val="accent1">
-              <a:shade val="50000"/>
-            </a:schemeClr>
-          </a:lnRef>
-          <a:fillRef idx="1">
-            <a:schemeClr val="accent1"/>
-          </a:fillRef>
-          <a:effectRef idx="0">
-            <a:schemeClr val="accent1"/>
-          </a:effectRef>
-          <a:fontRef idx="minor">
-            <a:schemeClr val="lt1"/>
-          </a:fontRef>
-        </p:style>
-        <p:txBody>
-          <a:bodyPr rtlCol="0" anchor="ctr"/>
-          <a:lstStyle/>
-          <a:p>
-            <a:pPr algn="ctr"/>
-            <a:r>
-              <a:rPr lang="en-US" sz="2800" b="1" dirty="0" smtClean="0">
-                <a:solidFill>
-                  <a:schemeClr val="accent3"/>
-                </a:solidFill>
-              </a:rPr>
-              <a:t>T</a:t>
-            </a:r>
-            <a:endParaRPr lang="en-US" sz="2800" b="1" dirty="0">
-              <a:solidFill>
-                <a:schemeClr val="accent3"/>
-              </a:solidFill>
-            </a:endParaRPr>
-          </a:p>
-        </p:txBody>
-      </p:sp>
-      <p:cxnSp>
-        <p:nvCxnSpPr>
-          <p:cNvPr id="64" name="Straight Arrow Connector 63"/>
-          <p:cNvCxnSpPr>
-            <a:stCxn id="49" idx="3"/>
-            <a:endCxn id="61" idx="0"/>
-          </p:cNvCxnSpPr>
-          <p:nvPr/>
-        </p:nvCxnSpPr>
-        <p:spPr>
-          <a:xfrm flipH="1">
-            <a:off x="8684607" y="4035546"/>
-            <a:ext cx="597025" cy="371072"/>
-          </a:xfrm>
-          <a:prstGeom prst="straightConnector1">
-            <a:avLst/>
-          </a:prstGeom>
-          <a:ln w="19050">
-            <a:solidFill>
-              <a:schemeClr val="tx1"/>
-            </a:solidFill>
-            <a:prstDash val="solid"/>
-            <a:headEnd type="none" w="med" len="med"/>
-            <a:tailEnd type="none" w="med" len="med"/>
-          </a:ln>
-        </p:spPr>
-        <p:style>
-          <a:lnRef idx="1">
-            <a:schemeClr val="accent1"/>
-          </a:lnRef>
-          <a:fillRef idx="0">
-            <a:schemeClr val="accent1"/>
-          </a:fillRef>
-          <a:effectRef idx="0">
-            <a:schemeClr val="accent1"/>
-          </a:effectRef>
-          <a:fontRef idx="minor">
-            <a:schemeClr val="tx1"/>
-          </a:fontRef>
-        </p:style>
-      </p:cxnSp>
-      <p:cxnSp>
-        <p:nvCxnSpPr>
-          <p:cNvPr id="65" name="Straight Arrow Connector 64"/>
-          <p:cNvCxnSpPr>
-            <a:stCxn id="49" idx="5"/>
-            <a:endCxn id="63" idx="0"/>
-          </p:cNvCxnSpPr>
-          <p:nvPr/>
-        </p:nvCxnSpPr>
-        <p:spPr>
-          <a:xfrm>
-            <a:off x="9728359" y="4035546"/>
-            <a:ext cx="636802" cy="390466"/>
-          </a:xfrm>
-          <a:prstGeom prst="straightConnector1">
-            <a:avLst/>
-          </a:prstGeom>
-          <a:ln w="19050">
-            <a:solidFill>
-              <a:schemeClr val="tx1"/>
-            </a:solidFill>
-            <a:prstDash val="solid"/>
-            <a:headEnd type="none" w="med" len="med"/>
-            <a:tailEnd type="none" w="med" len="med"/>
-          </a:ln>
-        </p:spPr>
-        <p:style>
-          <a:lnRef idx="1">
-            <a:schemeClr val="accent1"/>
-          </a:lnRef>
-          <a:fillRef idx="0">
-            <a:schemeClr val="accent1"/>
-          </a:fillRef>
-          <a:effectRef idx="0">
-            <a:schemeClr val="accent1"/>
-          </a:effectRef>
-          <a:fontRef idx="minor">
-            <a:schemeClr val="tx1"/>
-          </a:fontRef>
-        </p:style>
-      </p:cxnSp>
-      <p:cxnSp>
-        <p:nvCxnSpPr>
-          <p:cNvPr id="66" name="Straight Arrow Connector 65"/>
-          <p:cNvCxnSpPr>
-            <a:stCxn id="49" idx="4"/>
-            <a:endCxn id="62" idx="0"/>
-          </p:cNvCxnSpPr>
-          <p:nvPr/>
-        </p:nvCxnSpPr>
-        <p:spPr>
-          <a:xfrm>
-            <a:off x="9504996" y="4135582"/>
-            <a:ext cx="7389" cy="279164"/>
-          </a:xfrm>
-          <a:prstGeom prst="straightConnector1">
-            <a:avLst/>
-          </a:prstGeom>
-          <a:ln w="19050">
-            <a:solidFill>
-              <a:schemeClr val="tx1"/>
-            </a:solidFill>
-            <a:prstDash val="solid"/>
-            <a:headEnd type="none" w="med" len="med"/>
-            <a:tailEnd type="none" w="med" len="med"/>
-          </a:ln>
-        </p:spPr>
-        <p:style>
-          <a:lnRef idx="1">
-            <a:schemeClr val="accent1"/>
-          </a:lnRef>
-          <a:fillRef idx="0">
-            <a:schemeClr val="accent1"/>
-          </a:fillRef>
-          <a:effectRef idx="0">
-            <a:schemeClr val="accent1"/>
-          </a:effectRef>
-          <a:fontRef idx="minor">
-            <a:schemeClr val="tx1"/>
-          </a:fontRef>
-        </p:style>
-      </p:cxnSp>
-      <p:sp>
-        <p:nvSpPr>
-          <p:cNvPr id="70" name="Oval 69"/>
-          <p:cNvSpPr/>
-          <p:nvPr/>
-        </p:nvSpPr>
-        <p:spPr>
-          <a:xfrm>
-            <a:off x="8765416" y="5281885"/>
-            <a:ext cx="631767" cy="683087"/>
-          </a:xfrm>
-          <a:prstGeom prst="ellipse">
-            <a:avLst/>
-          </a:prstGeom>
-          <a:solidFill>
-            <a:schemeClr val="accent1">
-              <a:alpha val="40000"/>
-            </a:schemeClr>
-          </a:solidFill>
-        </p:spPr>
-        <p:style>
-          <a:lnRef idx="2">
-            <a:schemeClr val="accent1">
-              <a:shade val="50000"/>
-            </a:schemeClr>
-          </a:lnRef>
-          <a:fillRef idx="1">
-            <a:schemeClr val="accent1"/>
-          </a:fillRef>
-          <a:effectRef idx="0">
-            <a:schemeClr val="accent1"/>
-          </a:effectRef>
-          <a:fontRef idx="minor">
-            <a:schemeClr val="lt1"/>
-          </a:fontRef>
-        </p:style>
-        <p:txBody>
-          <a:bodyPr rtlCol="0" anchor="ctr"/>
-          <a:lstStyle/>
-          <a:p>
-            <a:pPr algn="ctr"/>
-            <a:r>
-              <a:rPr lang="en-US" sz="2800" b="1" dirty="0" smtClean="0">
-                <a:solidFill>
-                  <a:schemeClr val="accent3"/>
-                </a:solidFill>
-              </a:rPr>
-              <a:t>3</a:t>
-            </a:r>
-            <a:endParaRPr lang="en-US" sz="2800" b="1" dirty="0">
-              <a:solidFill>
-                <a:schemeClr val="accent3"/>
-              </a:solidFill>
-            </a:endParaRPr>
-          </a:p>
-        </p:txBody>
-      </p:sp>
-      <p:sp>
-        <p:nvSpPr>
-          <p:cNvPr id="71" name="Oval 70"/>
-          <p:cNvSpPr/>
-          <p:nvPr/>
-        </p:nvSpPr>
-        <p:spPr>
-          <a:xfrm>
-            <a:off x="9641815" y="5283914"/>
-            <a:ext cx="631767" cy="683087"/>
-          </a:xfrm>
-          <a:prstGeom prst="ellipse">
-            <a:avLst/>
-          </a:prstGeom>
-          <a:solidFill>
-            <a:schemeClr val="accent1">
-              <a:alpha val="40000"/>
-            </a:schemeClr>
-          </a:solidFill>
-        </p:spPr>
-        <p:style>
-          <a:lnRef idx="2">
-            <a:schemeClr val="accent1">
-              <a:shade val="50000"/>
-            </a:schemeClr>
-          </a:lnRef>
-          <a:fillRef idx="1">
-            <a:schemeClr val="accent1"/>
-          </a:fillRef>
-          <a:effectRef idx="0">
-            <a:schemeClr val="accent1"/>
-          </a:effectRef>
-          <a:fontRef idx="minor">
-            <a:schemeClr val="lt1"/>
-          </a:fontRef>
-        </p:style>
-        <p:txBody>
-          <a:bodyPr rtlCol="0" anchor="ctr"/>
-          <a:lstStyle/>
-          <a:p>
-            <a:pPr algn="ctr"/>
-            <a:r>
-              <a:rPr lang="en-US" sz="2800" b="1" dirty="0" smtClean="0">
-                <a:solidFill>
-                  <a:schemeClr val="accent3"/>
-                </a:solidFill>
-              </a:rPr>
-              <a:t>T</a:t>
-            </a:r>
-            <a:endParaRPr lang="en-US" sz="2800" b="1" dirty="0">
-              <a:solidFill>
-                <a:schemeClr val="accent3"/>
-              </a:solidFill>
-            </a:endParaRPr>
-          </a:p>
-        </p:txBody>
-      </p:sp>
-      <p:cxnSp>
-        <p:nvCxnSpPr>
-          <p:cNvPr id="72" name="Straight Arrow Connector 71"/>
-          <p:cNvCxnSpPr>
-            <a:stCxn id="62" idx="3"/>
-            <a:endCxn id="70" idx="0"/>
-          </p:cNvCxnSpPr>
-          <p:nvPr/>
-        </p:nvCxnSpPr>
-        <p:spPr>
-          <a:xfrm flipH="1">
-            <a:off x="9081300" y="4997797"/>
-            <a:ext cx="207721" cy="284088"/>
-          </a:xfrm>
-          <a:prstGeom prst="straightConnector1">
-            <a:avLst/>
-          </a:prstGeom>
-          <a:ln w="19050">
-            <a:solidFill>
-              <a:schemeClr val="tx1"/>
-            </a:solidFill>
-            <a:prstDash val="solid"/>
-            <a:headEnd type="none" w="med" len="med"/>
-            <a:tailEnd type="none" w="med" len="med"/>
-          </a:ln>
-        </p:spPr>
-        <p:style>
-          <a:lnRef idx="1">
-            <a:schemeClr val="accent1"/>
-          </a:lnRef>
-          <a:fillRef idx="0">
-            <a:schemeClr val="accent1"/>
-          </a:fillRef>
-          <a:effectRef idx="0">
-            <a:schemeClr val="accent1"/>
-          </a:effectRef>
-          <a:fontRef idx="minor">
-            <a:schemeClr val="tx1"/>
-          </a:fontRef>
-        </p:style>
-      </p:cxnSp>
-      <p:cxnSp>
-        <p:nvCxnSpPr>
-          <p:cNvPr id="73" name="Straight Arrow Connector 72"/>
-          <p:cNvCxnSpPr>
-            <a:stCxn id="62" idx="5"/>
-            <a:endCxn id="71" idx="0"/>
-          </p:cNvCxnSpPr>
-          <p:nvPr/>
-        </p:nvCxnSpPr>
-        <p:spPr>
-          <a:xfrm>
-            <a:off x="9732054" y="4997797"/>
-            <a:ext cx="225645" cy="286117"/>
-          </a:xfrm>
-          <a:prstGeom prst="straightConnector1">
-            <a:avLst/>
-          </a:prstGeom>
-          <a:ln w="19050">
             <a:solidFill>
               <a:schemeClr val="tx1"/>
             </a:solidFill>
@@ -27385,491 +23868,6 @@
           </a:fontRef>
         </p:style>
       </p:cxnSp>
-      <p:sp>
-        <p:nvSpPr>
-          <p:cNvPr id="61" name="Oval 60"/>
-          <p:cNvSpPr/>
-          <p:nvPr/>
-        </p:nvSpPr>
-        <p:spPr>
-          <a:xfrm>
-            <a:off x="8368723" y="4406618"/>
-            <a:ext cx="631767" cy="683087"/>
-          </a:xfrm>
-          <a:prstGeom prst="ellipse">
-            <a:avLst/>
-          </a:prstGeom>
-          <a:solidFill>
-            <a:schemeClr val="accent1">
-              <a:alpha val="40000"/>
-            </a:schemeClr>
-          </a:solidFill>
-        </p:spPr>
-        <p:style>
-          <a:lnRef idx="2">
-            <a:schemeClr val="accent1">
-              <a:shade val="50000"/>
-            </a:schemeClr>
-          </a:lnRef>
-          <a:fillRef idx="1">
-            <a:schemeClr val="accent1"/>
-          </a:fillRef>
-          <a:effectRef idx="0">
-            <a:schemeClr val="accent1"/>
-          </a:effectRef>
-          <a:fontRef idx="minor">
-            <a:schemeClr val="lt1"/>
-          </a:fontRef>
-        </p:style>
-        <p:txBody>
-          <a:bodyPr rtlCol="0" anchor="ctr"/>
-          <a:lstStyle/>
-          <a:p>
-            <a:pPr algn="ctr"/>
-            <a:r>
-              <a:rPr lang="en-US" sz="2800" b="1" dirty="0">
-                <a:solidFill>
-                  <a:schemeClr val="accent3"/>
-                </a:solidFill>
-              </a:rPr>
-              <a:t>+</a:t>
-            </a:r>
-          </a:p>
-        </p:txBody>
-      </p:sp>
-      <p:sp>
-        <p:nvSpPr>
-          <p:cNvPr id="62" name="Oval 61"/>
-          <p:cNvSpPr/>
-          <p:nvPr/>
-        </p:nvSpPr>
-        <p:spPr>
-          <a:xfrm>
-            <a:off x="9192807" y="4414746"/>
-            <a:ext cx="631767" cy="683087"/>
-          </a:xfrm>
-          <a:prstGeom prst="ellipse">
-            <a:avLst/>
-          </a:prstGeom>
-          <a:solidFill>
-            <a:schemeClr val="accent1">
-              <a:alpha val="40000"/>
-            </a:schemeClr>
-          </a:solidFill>
-        </p:spPr>
-        <p:style>
-          <a:lnRef idx="2">
-            <a:schemeClr val="accent1">
-              <a:shade val="50000"/>
-            </a:schemeClr>
-          </a:lnRef>
-          <a:fillRef idx="1">
-            <a:schemeClr val="accent1"/>
-          </a:fillRef>
-          <a:effectRef idx="0">
-            <a:schemeClr val="accent1"/>
-          </a:effectRef>
-          <a:fontRef idx="minor">
-            <a:schemeClr val="lt1"/>
-          </a:fontRef>
-        </p:style>
-        <p:txBody>
-          <a:bodyPr rtlCol="0" anchor="ctr"/>
-          <a:lstStyle/>
-          <a:p>
-            <a:pPr algn="ctr"/>
-            <a:r>
-              <a:rPr lang="en-US" sz="2800" b="1" dirty="0" smtClean="0">
-                <a:solidFill>
-                  <a:schemeClr val="accent3"/>
-                </a:solidFill>
-              </a:rPr>
-              <a:t>S</a:t>
-            </a:r>
-            <a:endParaRPr lang="en-US" sz="2800" b="1" dirty="0">
-              <a:solidFill>
-                <a:schemeClr val="accent3"/>
-              </a:solidFill>
-            </a:endParaRPr>
-          </a:p>
-        </p:txBody>
-      </p:sp>
-      <p:sp>
-        <p:nvSpPr>
-          <p:cNvPr id="63" name="Oval 62"/>
-          <p:cNvSpPr/>
-          <p:nvPr/>
-        </p:nvSpPr>
-        <p:spPr>
-          <a:xfrm>
-            <a:off x="10049277" y="4426012"/>
-            <a:ext cx="631767" cy="683087"/>
-          </a:xfrm>
-          <a:prstGeom prst="ellipse">
-            <a:avLst/>
-          </a:prstGeom>
-          <a:solidFill>
-            <a:schemeClr val="accent1">
-              <a:alpha val="40000"/>
-            </a:schemeClr>
-          </a:solidFill>
-        </p:spPr>
-        <p:style>
-          <a:lnRef idx="2">
-            <a:schemeClr val="accent1">
-              <a:shade val="50000"/>
-            </a:schemeClr>
-          </a:lnRef>
-          <a:fillRef idx="1">
-            <a:schemeClr val="accent1"/>
-          </a:fillRef>
-          <a:effectRef idx="0">
-            <a:schemeClr val="accent1"/>
-          </a:effectRef>
-          <a:fontRef idx="minor">
-            <a:schemeClr val="lt1"/>
-          </a:fontRef>
-        </p:style>
-        <p:txBody>
-          <a:bodyPr rtlCol="0" anchor="ctr"/>
-          <a:lstStyle/>
-          <a:p>
-            <a:pPr algn="ctr"/>
-            <a:r>
-              <a:rPr lang="en-US" sz="2800" b="1" dirty="0" smtClean="0">
-                <a:solidFill>
-                  <a:schemeClr val="accent3"/>
-                </a:solidFill>
-              </a:rPr>
-              <a:t>T</a:t>
-            </a:r>
-            <a:endParaRPr lang="en-US" sz="2800" b="1" dirty="0">
-              <a:solidFill>
-                <a:schemeClr val="accent3"/>
-              </a:solidFill>
-            </a:endParaRPr>
-          </a:p>
-        </p:txBody>
-      </p:sp>
-      <p:cxnSp>
-        <p:nvCxnSpPr>
-          <p:cNvPr id="64" name="Straight Arrow Connector 63"/>
-          <p:cNvCxnSpPr>
-            <a:stCxn id="49" idx="3"/>
-            <a:endCxn id="61" idx="0"/>
-          </p:cNvCxnSpPr>
-          <p:nvPr/>
-        </p:nvCxnSpPr>
-        <p:spPr>
-          <a:xfrm flipH="1">
-            <a:off x="8684607" y="4035546"/>
-            <a:ext cx="597025" cy="371072"/>
-          </a:xfrm>
-          <a:prstGeom prst="straightConnector1">
-            <a:avLst/>
-          </a:prstGeom>
-          <a:ln w="19050">
-            <a:solidFill>
-              <a:schemeClr val="tx1"/>
-            </a:solidFill>
-            <a:prstDash val="solid"/>
-            <a:headEnd type="none" w="med" len="med"/>
-            <a:tailEnd type="none" w="med" len="med"/>
-          </a:ln>
-        </p:spPr>
-        <p:style>
-          <a:lnRef idx="1">
-            <a:schemeClr val="accent1"/>
-          </a:lnRef>
-          <a:fillRef idx="0">
-            <a:schemeClr val="accent1"/>
-          </a:fillRef>
-          <a:effectRef idx="0">
-            <a:schemeClr val="accent1"/>
-          </a:effectRef>
-          <a:fontRef idx="minor">
-            <a:schemeClr val="tx1"/>
-          </a:fontRef>
-        </p:style>
-      </p:cxnSp>
-      <p:cxnSp>
-        <p:nvCxnSpPr>
-          <p:cNvPr id="65" name="Straight Arrow Connector 64"/>
-          <p:cNvCxnSpPr>
-            <a:stCxn id="49" idx="5"/>
-            <a:endCxn id="63" idx="0"/>
-          </p:cNvCxnSpPr>
-          <p:nvPr/>
-        </p:nvCxnSpPr>
-        <p:spPr>
-          <a:xfrm>
-            <a:off x="9728359" y="4035546"/>
-            <a:ext cx="636802" cy="390466"/>
-          </a:xfrm>
-          <a:prstGeom prst="straightConnector1">
-            <a:avLst/>
-          </a:prstGeom>
-          <a:ln w="19050">
-            <a:solidFill>
-              <a:schemeClr val="tx1"/>
-            </a:solidFill>
-            <a:prstDash val="solid"/>
-            <a:headEnd type="none" w="med" len="med"/>
-            <a:tailEnd type="none" w="med" len="med"/>
-          </a:ln>
-        </p:spPr>
-        <p:style>
-          <a:lnRef idx="1">
-            <a:schemeClr val="accent1"/>
-          </a:lnRef>
-          <a:fillRef idx="0">
-            <a:schemeClr val="accent1"/>
-          </a:fillRef>
-          <a:effectRef idx="0">
-            <a:schemeClr val="accent1"/>
-          </a:effectRef>
-          <a:fontRef idx="minor">
-            <a:schemeClr val="tx1"/>
-          </a:fontRef>
-        </p:style>
-      </p:cxnSp>
-      <p:cxnSp>
-        <p:nvCxnSpPr>
-          <p:cNvPr id="66" name="Straight Arrow Connector 65"/>
-          <p:cNvCxnSpPr>
-            <a:stCxn id="49" idx="4"/>
-            <a:endCxn id="62" idx="0"/>
-          </p:cNvCxnSpPr>
-          <p:nvPr/>
-        </p:nvCxnSpPr>
-        <p:spPr>
-          <a:xfrm>
-            <a:off x="9504996" y="4135582"/>
-            <a:ext cx="7389" cy="279164"/>
-          </a:xfrm>
-          <a:prstGeom prst="straightConnector1">
-            <a:avLst/>
-          </a:prstGeom>
-          <a:ln w="19050">
-            <a:solidFill>
-              <a:schemeClr val="tx1"/>
-            </a:solidFill>
-            <a:prstDash val="solid"/>
-            <a:headEnd type="none" w="med" len="med"/>
-            <a:tailEnd type="none" w="med" len="med"/>
-          </a:ln>
-        </p:spPr>
-        <p:style>
-          <a:lnRef idx="1">
-            <a:schemeClr val="accent1"/>
-          </a:lnRef>
-          <a:fillRef idx="0">
-            <a:schemeClr val="accent1"/>
-          </a:fillRef>
-          <a:effectRef idx="0">
-            <a:schemeClr val="accent1"/>
-          </a:effectRef>
-          <a:fontRef idx="minor">
-            <a:schemeClr val="tx1"/>
-          </a:fontRef>
-        </p:style>
-      </p:cxnSp>
-      <p:sp>
-        <p:nvSpPr>
-          <p:cNvPr id="70" name="Oval 69"/>
-          <p:cNvSpPr/>
-          <p:nvPr/>
-        </p:nvSpPr>
-        <p:spPr>
-          <a:xfrm>
-            <a:off x="8765416" y="5281885"/>
-            <a:ext cx="631767" cy="683087"/>
-          </a:xfrm>
-          <a:prstGeom prst="ellipse">
-            <a:avLst/>
-          </a:prstGeom>
-          <a:solidFill>
-            <a:schemeClr val="accent1">
-              <a:alpha val="40000"/>
-            </a:schemeClr>
-          </a:solidFill>
-        </p:spPr>
-        <p:style>
-          <a:lnRef idx="2">
-            <a:schemeClr val="accent1">
-              <a:shade val="50000"/>
-            </a:schemeClr>
-          </a:lnRef>
-          <a:fillRef idx="1">
-            <a:schemeClr val="accent1"/>
-          </a:fillRef>
-          <a:effectRef idx="0">
-            <a:schemeClr val="accent1"/>
-          </a:effectRef>
-          <a:fontRef idx="minor">
-            <a:schemeClr val="lt1"/>
-          </a:fontRef>
-        </p:style>
-        <p:txBody>
-          <a:bodyPr rtlCol="0" anchor="ctr"/>
-          <a:lstStyle/>
-          <a:p>
-            <a:pPr algn="ctr"/>
-            <a:r>
-              <a:rPr lang="en-US" sz="2800" b="1" dirty="0" smtClean="0">
-                <a:solidFill>
-                  <a:schemeClr val="accent3"/>
-                </a:solidFill>
-              </a:rPr>
-              <a:t>3</a:t>
-            </a:r>
-            <a:endParaRPr lang="en-US" sz="2800" b="1" dirty="0">
-              <a:solidFill>
-                <a:schemeClr val="accent3"/>
-              </a:solidFill>
-            </a:endParaRPr>
-          </a:p>
-        </p:txBody>
-      </p:sp>
-      <p:sp>
-        <p:nvSpPr>
-          <p:cNvPr id="71" name="Oval 70"/>
-          <p:cNvSpPr/>
-          <p:nvPr/>
-        </p:nvSpPr>
-        <p:spPr>
-          <a:xfrm>
-            <a:off x="9641815" y="5283914"/>
-            <a:ext cx="631767" cy="683087"/>
-          </a:xfrm>
-          <a:prstGeom prst="ellipse">
-            <a:avLst/>
-          </a:prstGeom>
-          <a:solidFill>
-            <a:schemeClr val="accent1">
-              <a:alpha val="40000"/>
-            </a:schemeClr>
-          </a:solidFill>
-        </p:spPr>
-        <p:style>
-          <a:lnRef idx="2">
-            <a:schemeClr val="accent1">
-              <a:shade val="50000"/>
-            </a:schemeClr>
-          </a:lnRef>
-          <a:fillRef idx="1">
-            <a:schemeClr val="accent1"/>
-          </a:fillRef>
-          <a:effectRef idx="0">
-            <a:schemeClr val="accent1"/>
-          </a:effectRef>
-          <a:fontRef idx="minor">
-            <a:schemeClr val="lt1"/>
-          </a:fontRef>
-        </p:style>
-        <p:txBody>
-          <a:bodyPr rtlCol="0" anchor="ctr"/>
-          <a:lstStyle/>
-          <a:p>
-            <a:pPr algn="ctr"/>
-            <a:r>
-              <a:rPr lang="en-US" sz="2800" b="1" dirty="0" smtClean="0">
-                <a:solidFill>
-                  <a:schemeClr val="accent3"/>
-                </a:solidFill>
-              </a:rPr>
-              <a:t>T</a:t>
-            </a:r>
-            <a:endParaRPr lang="en-US" sz="2800" b="1" dirty="0">
-              <a:solidFill>
-                <a:schemeClr val="accent3"/>
-              </a:solidFill>
-            </a:endParaRPr>
-          </a:p>
-        </p:txBody>
-      </p:sp>
-      <p:cxnSp>
-        <p:nvCxnSpPr>
-          <p:cNvPr id="72" name="Straight Arrow Connector 71"/>
-          <p:cNvCxnSpPr>
-            <a:stCxn id="62" idx="3"/>
-            <a:endCxn id="70" idx="0"/>
-          </p:cNvCxnSpPr>
-          <p:nvPr/>
-        </p:nvCxnSpPr>
-        <p:spPr>
-          <a:xfrm flipH="1">
-            <a:off x="9081300" y="4997797"/>
-            <a:ext cx="207721" cy="284088"/>
-          </a:xfrm>
-          <a:prstGeom prst="straightConnector1">
-            <a:avLst/>
-          </a:prstGeom>
-          <a:ln w="19050">
-            <a:solidFill>
-              <a:schemeClr val="tx1"/>
-            </a:solidFill>
-            <a:prstDash val="solid"/>
-            <a:headEnd type="none" w="med" len="med"/>
-            <a:tailEnd type="none" w="med" len="med"/>
-          </a:ln>
-        </p:spPr>
-        <p:style>
-          <a:lnRef idx="1">
-            <a:schemeClr val="accent1"/>
-          </a:lnRef>
-          <a:fillRef idx="0">
-            <a:schemeClr val="accent1"/>
-          </a:fillRef>
-          <a:effectRef idx="0">
-            <a:schemeClr val="accent1"/>
-          </a:effectRef>
-          <a:fontRef idx="minor">
-            <a:schemeClr val="tx1"/>
-          </a:fontRef>
-        </p:style>
-      </p:cxnSp>
-      <p:cxnSp>
-        <p:nvCxnSpPr>
-          <p:cNvPr id="73" name="Straight Arrow Connector 72"/>
-          <p:cNvCxnSpPr>
-            <a:stCxn id="62" idx="5"/>
-            <a:endCxn id="71" idx="0"/>
-          </p:cNvCxnSpPr>
-          <p:nvPr/>
-        </p:nvCxnSpPr>
-        <p:spPr>
-          <a:xfrm>
-            <a:off x="9732054" y="4997797"/>
-            <a:ext cx="225645" cy="286117"/>
-          </a:xfrm>
-          <a:prstGeom prst="straightConnector1">
-            <a:avLst/>
-          </a:prstGeom>
-          <a:ln w="19050">
-            <a:solidFill>
-              <a:schemeClr val="tx1"/>
-            </a:solidFill>
-            <a:prstDash val="solid"/>
-            <a:headEnd type="none" w="med" len="med"/>
-            <a:tailEnd type="none" w="med" len="med"/>
-          </a:ln>
-        </p:spPr>
-        <p:style>
-          <a:lnRef idx="1">
-            <a:schemeClr val="accent1"/>
-          </a:lnRef>
-          <a:fillRef idx="0">
-            <a:schemeClr val="accent1"/>
-          </a:fillRef>
-          <a:effectRef idx="0">
-            <a:schemeClr val="accent1"/>
-          </a:effectRef>
-          <a:fontRef idx="minor">
-            <a:schemeClr val="tx1"/>
-          </a:fontRef>
-        </p:style>
-      </p:cxnSp>
     </p:spTree>
     <p:extLst>
       <p:ext uri="{BB962C8B-B14F-4D97-AF65-F5344CB8AC3E}">
@@ -29468,202 +25466,6 @@
           </a:fontRef>
         </p:style>
       </p:cxnSp>
-      <p:sp>
-        <p:nvSpPr>
-          <p:cNvPr id="70" name="Oval 69"/>
-          <p:cNvSpPr/>
-          <p:nvPr/>
-        </p:nvSpPr>
-        <p:spPr>
-          <a:xfrm>
-            <a:off x="8765416" y="5281885"/>
-            <a:ext cx="631767" cy="683087"/>
-          </a:xfrm>
-          <a:prstGeom prst="ellipse">
-            <a:avLst/>
-          </a:prstGeom>
-          <a:solidFill>
-            <a:schemeClr val="accent1">
-              <a:alpha val="40000"/>
-            </a:schemeClr>
-          </a:solidFill>
-        </p:spPr>
-        <p:style>
-          <a:lnRef idx="2">
-            <a:schemeClr val="accent1">
-              <a:shade val="50000"/>
-            </a:schemeClr>
-          </a:lnRef>
-          <a:fillRef idx="1">
-            <a:schemeClr val="accent1"/>
-          </a:fillRef>
-          <a:effectRef idx="0">
-            <a:schemeClr val="accent1"/>
-          </a:effectRef>
-          <a:fontRef idx="minor">
-            <a:schemeClr val="lt1"/>
-          </a:fontRef>
-        </p:style>
-        <p:txBody>
-          <a:bodyPr rtlCol="0" anchor="ctr"/>
-          <a:lstStyle/>
-          <a:p>
-            <a:pPr algn="ctr"/>
-            <a:r>
-              <a:rPr lang="en-US" sz="2800" b="1" dirty="0" smtClean="0">
-                <a:solidFill>
-                  <a:schemeClr val="accent3"/>
-                </a:solidFill>
-              </a:rPr>
-              <a:t>3</a:t>
-            </a:r>
-            <a:endParaRPr lang="en-US" sz="2800" b="1" dirty="0">
-              <a:solidFill>
-                <a:schemeClr val="accent3"/>
-              </a:solidFill>
-            </a:endParaRPr>
-          </a:p>
-        </p:txBody>
-      </p:sp>
-      <p:sp>
-        <p:nvSpPr>
-          <p:cNvPr id="71" name="Oval 70"/>
-          <p:cNvSpPr/>
-          <p:nvPr/>
-        </p:nvSpPr>
-        <p:spPr>
-          <a:xfrm>
-            <a:off x="9641815" y="5283914"/>
-            <a:ext cx="631767" cy="683087"/>
-          </a:xfrm>
-          <a:prstGeom prst="ellipse">
-            <a:avLst/>
-          </a:prstGeom>
-          <a:solidFill>
-            <a:schemeClr val="accent1">
-              <a:alpha val="40000"/>
-            </a:schemeClr>
-          </a:solidFill>
-        </p:spPr>
-        <p:style>
-          <a:lnRef idx="2">
-            <a:schemeClr val="accent1">
-              <a:shade val="50000"/>
-            </a:schemeClr>
-          </a:lnRef>
-          <a:fillRef idx="1">
-            <a:schemeClr val="accent1"/>
-          </a:fillRef>
-          <a:effectRef idx="0">
-            <a:schemeClr val="accent1"/>
-          </a:effectRef>
-          <a:fontRef idx="minor">
-            <a:schemeClr val="lt1"/>
-          </a:fontRef>
-        </p:style>
-        <p:txBody>
-          <a:bodyPr rtlCol="0" anchor="ctr"/>
-          <a:lstStyle/>
-          <a:p>
-            <a:pPr algn="ctr"/>
-            <a:r>
-              <a:rPr lang="en-US" sz="2800" b="1" dirty="0" smtClean="0">
-                <a:solidFill>
-                  <a:schemeClr val="accent3"/>
-                </a:solidFill>
-              </a:rPr>
-              <a:t>T</a:t>
-            </a:r>
-            <a:endParaRPr lang="en-US" sz="2800" b="1" dirty="0">
-              <a:solidFill>
-                <a:schemeClr val="accent3"/>
-              </a:solidFill>
-            </a:endParaRPr>
-          </a:p>
-        </p:txBody>
-      </p:sp>
-      <p:cxnSp>
-        <p:nvCxnSpPr>
-          <p:cNvPr id="72" name="Straight Arrow Connector 71"/>
-          <p:cNvCxnSpPr>
-            <a:stCxn id="62" idx="3"/>
-            <a:endCxn id="70" idx="0"/>
-          </p:cNvCxnSpPr>
-          <p:nvPr/>
-        </p:nvCxnSpPr>
-        <p:spPr>
-          <a:xfrm flipH="1">
-            <a:off x="9081300" y="4997797"/>
-            <a:ext cx="207721" cy="284088"/>
-          </a:xfrm>
-          <a:prstGeom prst="straightConnector1">
-            <a:avLst/>
-          </a:prstGeom>
-          <a:ln w="19050">
-            <a:solidFill>
-              <a:schemeClr val="tx1"/>
-            </a:solidFill>
-            <a:prstDash val="solid"/>
-            <a:headEnd type="none" w="med" len="med"/>
-            <a:tailEnd type="none" w="med" len="med"/>
-          </a:ln>
-        </p:spPr>
-        <p:style>
-          <a:lnRef idx="1">
-            <a:schemeClr val="accent1"/>
-          </a:lnRef>
-          <a:fillRef idx="0">
-            <a:schemeClr val="accent1"/>
-          </a:fillRef>
-          <a:effectRef idx="0">
-            <a:schemeClr val="accent1"/>
-          </a:effectRef>
-          <a:fontRef idx="minor">
-            <a:schemeClr val="tx1"/>
-          </a:fontRef>
-        </p:style>
-      </p:cxnSp>
-      <p:cxnSp>
-        <p:nvCxnSpPr>
-          <p:cNvPr id="73" name="Straight Arrow Connector 72"/>
-          <p:cNvCxnSpPr>
-            <a:stCxn id="62" idx="5"/>
-            <a:endCxn id="71" idx="0"/>
-          </p:cNvCxnSpPr>
-          <p:nvPr/>
-        </p:nvCxnSpPr>
-        <p:spPr>
-          <a:xfrm>
-            <a:off x="9732054" y="4997797"/>
-            <a:ext cx="225645" cy="286117"/>
-          </a:xfrm>
-          <a:prstGeom prst="straightConnector1">
-            <a:avLst/>
-          </a:prstGeom>
-          <a:ln w="19050">
-            <a:solidFill>
-              <a:schemeClr val="tx1"/>
-            </a:solidFill>
-            <a:prstDash val="solid"/>
-            <a:headEnd type="none" w="med" len="med"/>
-            <a:tailEnd type="none" w="med" len="med"/>
-          </a:ln>
-        </p:spPr>
-        <p:style>
-          <a:lnRef idx="1">
-            <a:schemeClr val="accent1"/>
-          </a:lnRef>
-          <a:fillRef idx="0">
-            <a:schemeClr val="accent1"/>
-          </a:fillRef>
-          <a:effectRef idx="0">
-            <a:schemeClr val="accent1"/>
-          </a:effectRef>
-          <a:fontRef idx="minor">
-            <a:schemeClr val="tx1"/>
-          </a:fontRef>
-        </p:style>
-      </p:cxnSp>
     </p:spTree>
     <p:extLst>
       <p:ext uri="{BB962C8B-B14F-4D97-AF65-F5344CB8AC3E}">
@@ -31236,202 +27038,6 @@
           <a:xfrm>
             <a:off x="9504996" y="4135582"/>
             <a:ext cx="7389" cy="279164"/>
-          </a:xfrm>
-          <a:prstGeom prst="straightConnector1">
-            <a:avLst/>
-          </a:prstGeom>
-          <a:ln w="19050">
-            <a:solidFill>
-              <a:schemeClr val="tx1"/>
-            </a:solidFill>
-            <a:prstDash val="solid"/>
-            <a:headEnd type="none" w="med" len="med"/>
-            <a:tailEnd type="none" w="med" len="med"/>
-          </a:ln>
-        </p:spPr>
-        <p:style>
-          <a:lnRef idx="1">
-            <a:schemeClr val="accent1"/>
-          </a:lnRef>
-          <a:fillRef idx="0">
-            <a:schemeClr val="accent1"/>
-          </a:fillRef>
-          <a:effectRef idx="0">
-            <a:schemeClr val="accent1"/>
-          </a:effectRef>
-          <a:fontRef idx="minor">
-            <a:schemeClr val="tx1"/>
-          </a:fontRef>
-        </p:style>
-      </p:cxnSp>
-      <p:sp>
-        <p:nvSpPr>
-          <p:cNvPr id="70" name="Oval 69"/>
-          <p:cNvSpPr/>
-          <p:nvPr/>
-        </p:nvSpPr>
-        <p:spPr>
-          <a:xfrm>
-            <a:off x="8765416" y="5281885"/>
-            <a:ext cx="631767" cy="683087"/>
-          </a:xfrm>
-          <a:prstGeom prst="ellipse">
-            <a:avLst/>
-          </a:prstGeom>
-          <a:solidFill>
-            <a:schemeClr val="accent1">
-              <a:alpha val="40000"/>
-            </a:schemeClr>
-          </a:solidFill>
-        </p:spPr>
-        <p:style>
-          <a:lnRef idx="2">
-            <a:schemeClr val="accent1">
-              <a:shade val="50000"/>
-            </a:schemeClr>
-          </a:lnRef>
-          <a:fillRef idx="1">
-            <a:schemeClr val="accent1"/>
-          </a:fillRef>
-          <a:effectRef idx="0">
-            <a:schemeClr val="accent1"/>
-          </a:effectRef>
-          <a:fontRef idx="minor">
-            <a:schemeClr val="lt1"/>
-          </a:fontRef>
-        </p:style>
-        <p:txBody>
-          <a:bodyPr rtlCol="0" anchor="ctr"/>
-          <a:lstStyle/>
-          <a:p>
-            <a:pPr algn="ctr"/>
-            <a:r>
-              <a:rPr lang="en-US" sz="2800" b="1" dirty="0" smtClean="0">
-                <a:solidFill>
-                  <a:schemeClr val="accent3"/>
-                </a:solidFill>
-              </a:rPr>
-              <a:t>3</a:t>
-            </a:r>
-            <a:endParaRPr lang="en-US" sz="2800" b="1" dirty="0">
-              <a:solidFill>
-                <a:schemeClr val="accent3"/>
-              </a:solidFill>
-            </a:endParaRPr>
-          </a:p>
-        </p:txBody>
-      </p:sp>
-      <p:sp>
-        <p:nvSpPr>
-          <p:cNvPr id="71" name="Oval 70"/>
-          <p:cNvSpPr/>
-          <p:nvPr/>
-        </p:nvSpPr>
-        <p:spPr>
-          <a:xfrm>
-            <a:off x="9641815" y="5283914"/>
-            <a:ext cx="631767" cy="683087"/>
-          </a:xfrm>
-          <a:prstGeom prst="ellipse">
-            <a:avLst/>
-          </a:prstGeom>
-          <a:solidFill>
-            <a:schemeClr val="accent1">
-              <a:alpha val="40000"/>
-            </a:schemeClr>
-          </a:solidFill>
-        </p:spPr>
-        <p:style>
-          <a:lnRef idx="2">
-            <a:schemeClr val="accent1">
-              <a:shade val="50000"/>
-            </a:schemeClr>
-          </a:lnRef>
-          <a:fillRef idx="1">
-            <a:schemeClr val="accent1"/>
-          </a:fillRef>
-          <a:effectRef idx="0">
-            <a:schemeClr val="accent1"/>
-          </a:effectRef>
-          <a:fontRef idx="minor">
-            <a:schemeClr val="lt1"/>
-          </a:fontRef>
-        </p:style>
-        <p:txBody>
-          <a:bodyPr rtlCol="0" anchor="ctr"/>
-          <a:lstStyle/>
-          <a:p>
-            <a:pPr algn="ctr"/>
-            <a:r>
-              <a:rPr lang="en-US" sz="2800" b="1" dirty="0" smtClean="0">
-                <a:solidFill>
-                  <a:schemeClr val="accent3"/>
-                </a:solidFill>
-              </a:rPr>
-              <a:t>T</a:t>
-            </a:r>
-            <a:endParaRPr lang="en-US" sz="2800" b="1" dirty="0">
-              <a:solidFill>
-                <a:schemeClr val="accent3"/>
-              </a:solidFill>
-            </a:endParaRPr>
-          </a:p>
-        </p:txBody>
-      </p:sp>
-      <p:cxnSp>
-        <p:nvCxnSpPr>
-          <p:cNvPr id="72" name="Straight Arrow Connector 71"/>
-          <p:cNvCxnSpPr>
-            <a:stCxn id="62" idx="3"/>
-            <a:endCxn id="70" idx="0"/>
-          </p:cNvCxnSpPr>
-          <p:nvPr/>
-        </p:nvCxnSpPr>
-        <p:spPr>
-          <a:xfrm flipH="1">
-            <a:off x="9081300" y="4997797"/>
-            <a:ext cx="207721" cy="284088"/>
-          </a:xfrm>
-          <a:prstGeom prst="straightConnector1">
-            <a:avLst/>
-          </a:prstGeom>
-          <a:ln w="19050">
-            <a:solidFill>
-              <a:schemeClr val="tx1"/>
-            </a:solidFill>
-            <a:prstDash val="solid"/>
-            <a:headEnd type="none" w="med" len="med"/>
-            <a:tailEnd type="none" w="med" len="med"/>
-          </a:ln>
-        </p:spPr>
-        <p:style>
-          <a:lnRef idx="1">
-            <a:schemeClr val="accent1"/>
-          </a:lnRef>
-          <a:fillRef idx="0">
-            <a:schemeClr val="accent1"/>
-          </a:fillRef>
-          <a:effectRef idx="0">
-            <a:schemeClr val="accent1"/>
-          </a:effectRef>
-          <a:fontRef idx="minor">
-            <a:schemeClr val="tx1"/>
-          </a:fontRef>
-        </p:style>
-      </p:cxnSp>
-      <p:cxnSp>
-        <p:nvCxnSpPr>
-          <p:cNvPr id="73" name="Straight Arrow Connector 72"/>
-          <p:cNvCxnSpPr>
-            <a:stCxn id="62" idx="5"/>
-            <a:endCxn id="71" idx="0"/>
-          </p:cNvCxnSpPr>
-          <p:nvPr/>
-        </p:nvCxnSpPr>
-        <p:spPr>
-          <a:xfrm>
-            <a:off x="9732054" y="4997797"/>
-            <a:ext cx="225645" cy="286117"/>
           </a:xfrm>
           <a:prstGeom prst="straightConnector1">
             <a:avLst/>

--- a/new_slides/top_down_parsing.pptx
+++ b/new_slides/top_down_parsing.pptx
@@ -12996,7 +12996,11 @@
             </a:pPr>
             <a:r>
               <a:rPr lang="en-US" sz="2800" dirty="0" smtClean="0"/>
-              <a:t>(), [], {}</a:t>
+              <a:t>(), </a:t>
+            </a:r>
+            <a:r>
+              <a:rPr lang="en-US" sz="2800" dirty="0" smtClean="0"/>
+              <a:t>[], {}</a:t>
             </a:r>
             <a:endParaRPr lang="en-US" sz="2800" dirty="0"/>
           </a:p>
@@ -13024,6 +13028,9 @@
               </a:rPr>
               <a:t>(([][]{}))[]</a:t>
             </a:r>
+            <a:endParaRPr lang="en-US" sz="2800" dirty="0" smtClean="0">
+              <a:latin typeface="+mj-lt"/>
+            </a:endParaRPr>
           </a:p>
           <a:p>
             <a:pPr marL="742950" lvl="1" indent="-285750">
@@ -13036,6 +13043,9 @@
               </a:rPr>
               <a:t>[()]</a:t>
             </a:r>
+            <a:endParaRPr lang="en-US" sz="2800" dirty="0" smtClean="0">
+              <a:latin typeface="+mj-lt"/>
+            </a:endParaRPr>
           </a:p>
           <a:p>
             <a:r>
@@ -13054,8 +13064,11 @@
               <a:rPr lang="en-US" sz="2800" dirty="0" smtClean="0">
                 <a:latin typeface="+mj-lt"/>
               </a:rPr>
-              <a:t>(({))</a:t>
-            </a:r>
+              <a:t>(()){</a:t>
+            </a:r>
+            <a:endParaRPr lang="en-US" sz="2800" dirty="0" smtClean="0">
+              <a:latin typeface="+mj-lt"/>
+            </a:endParaRPr>
           </a:p>
         </p:txBody>
       </p:sp>
@@ -13130,8 +13143,8 @@
           </a:p>
         </p:txBody>
       </p:sp>
-      <mc:AlternateContent xmlns:mc="http://schemas.openxmlformats.org/markup-compatibility/2006" xmlns:a14="http://schemas.microsoft.com/office/drawing/2010/main">
-        <mc:Choice Requires="a14">
+      <mc:AlternateContent xmlns:mc="http://schemas.openxmlformats.org/markup-compatibility/2006">
+        <mc:Choice xmlns:a14="http://schemas.microsoft.com/office/drawing/2010/main" Requires="a14">
           <p:sp>
             <p:nvSpPr>
               <p:cNvPr id="5" name="TextBox 4"/>
@@ -13275,29 +13288,36 @@
                       <a:rPr lang="en-US" sz="2800" i="1">
                         <a:latin typeface="Cambria Math" panose="02040503050406030204" pitchFamily="18" charset="0"/>
                       </a:rPr>
-                      <m:t>→{</m:t>
-                    </m:r>
-                    <m:r>
-                      <a:rPr lang="en-US" sz="2800" b="0" i="1" smtClean="0">
-                        <a:latin typeface="Cambria Math" panose="02040503050406030204" pitchFamily="18" charset="0"/>
-                      </a:rPr>
-                      <m:t>𝑆</m:t>
-                    </m:r>
-                    <m:r>
-                      <a:rPr lang="en-US" sz="2800" b="0" i="1" smtClean="0">
-                        <a:latin typeface="Cambria Math" panose="02040503050406030204" pitchFamily="18" charset="0"/>
-                      </a:rPr>
-                      <m:t>}</m:t>
-                    </m:r>
-                    <m:r>
-                      <a:rPr lang="en-US" sz="2800" i="1">
+                      <m:t>→</m:t>
+                    </m:r>
+                    <m:d>
+                      <m:dPr>
+                        <m:begChr m:val="{"/>
+                        <m:endChr m:val="}"/>
+                        <m:ctrlPr>
+                          <a:rPr lang="en-US" sz="2800" b="0" i="1" smtClean="0">
+                            <a:latin typeface="Cambria Math" panose="02040503050406030204" pitchFamily="18" charset="0"/>
+                          </a:rPr>
+                        </m:ctrlPr>
+                      </m:dPr>
+                      <m:e>
+                        <m:r>
+                          <a:rPr lang="en-US" sz="2800" i="1">
+                            <a:latin typeface="Cambria Math" panose="02040503050406030204" pitchFamily="18" charset="0"/>
+                          </a:rPr>
+                          <m:t>𝑆</m:t>
+                        </m:r>
+                      </m:e>
+                    </m:d>
+                    <m:r>
+                      <a:rPr lang="en-US" sz="2800" b="0" i="1" smtClean="0">
                         <a:latin typeface="Cambria Math" panose="02040503050406030204" pitchFamily="18" charset="0"/>
                       </a:rPr>
                       <m:t>𝑆</m:t>
                     </m:r>
                   </m:oMath>
                 </a14:m>
-                <a:endParaRPr lang="en-US" sz="2800" dirty="0"/>
+                <a:endParaRPr lang="en-US" sz="2800" b="0" dirty="0" smtClean="0"/>
               </a:p>
               <a:p>
                 <a:pPr marL="742950" lvl="1" indent="-285750">
@@ -13345,7 +13365,7 @@
             </p:txBody>
           </p:sp>
         </mc:Choice>
-        <mc:Fallback xmlns="">
+        <mc:Fallback>
           <p:sp>
             <p:nvSpPr>
               <p:cNvPr id="5" name="TextBox 4"/>
@@ -13460,8 +13480,8 @@
         </p:nvSpPr>
         <p:spPr>
           <a:xfrm>
-            <a:off x="1044368" y="1524150"/>
-            <a:ext cx="3710514" cy="4708981"/>
+            <a:off x="1044368" y="1540775"/>
+            <a:ext cx="3710514" cy="4016484"/>
           </a:xfrm>
           <a:prstGeom prst="rect">
             <a:avLst/>
@@ -13475,28 +13495,28 @@
           <a:lstStyle/>
           <a:p>
             <a:r>
-              <a:rPr lang="en-US" sz="2000" dirty="0">
+              <a:rPr lang="en-US" sz="1700" dirty="0">
                 <a:latin typeface="Courier New" panose="02070309020205020404" pitchFamily="49" charset="0"/>
                 <a:cs typeface="Courier New" panose="02070309020205020404" pitchFamily="49" charset="0"/>
               </a:rPr>
               <a:t>v</a:t>
             </a:r>
             <a:r>
-              <a:rPr lang="en-US" sz="2000" dirty="0" smtClean="0">
+              <a:rPr lang="en-US" sz="1700" dirty="0" smtClean="0">
                 <a:latin typeface="Courier New" panose="02070309020205020404" pitchFamily="49" charset="0"/>
                 <a:cs typeface="Courier New" panose="02070309020205020404" pitchFamily="49" charset="0"/>
               </a:rPr>
               <a:t>oid </a:t>
             </a:r>
             <a:r>
-              <a:rPr lang="en-US" sz="2000" dirty="0" err="1" smtClean="0">
+              <a:rPr lang="en-US" sz="1700" dirty="0" err="1" smtClean="0">
                 <a:latin typeface="Courier New" panose="02070309020205020404" pitchFamily="49" charset="0"/>
                 <a:cs typeface="Courier New" panose="02070309020205020404" pitchFamily="49" charset="0"/>
               </a:rPr>
               <a:t>parse_S</a:t>
             </a:r>
             <a:r>
-              <a:rPr lang="en-US" sz="2000" dirty="0" smtClean="0">
+              <a:rPr lang="en-US" sz="1700" dirty="0" smtClean="0">
                 <a:latin typeface="Courier New" panose="02070309020205020404" pitchFamily="49" charset="0"/>
                 <a:cs typeface="Courier New" panose="02070309020205020404" pitchFamily="49" charset="0"/>
               </a:rPr>
@@ -13505,132 +13525,132 @@
           </a:p>
           <a:p>
             <a:r>
-              <a:rPr lang="en-US" sz="2000" dirty="0">
+              <a:rPr lang="en-US" sz="1700" dirty="0">
                 <a:latin typeface="Courier New" panose="02070309020205020404" pitchFamily="49" charset="0"/>
                 <a:cs typeface="Courier New" panose="02070309020205020404" pitchFamily="49" charset="0"/>
               </a:rPr>
               <a:t> </a:t>
             </a:r>
             <a:r>
-              <a:rPr lang="en-US" sz="2000" dirty="0" smtClean="0">
+              <a:rPr lang="en-US" sz="1700" dirty="0" smtClean="0">
                 <a:latin typeface="Courier New" panose="02070309020205020404" pitchFamily="49" charset="0"/>
                 <a:cs typeface="Courier New" panose="02070309020205020404" pitchFamily="49" charset="0"/>
               </a:rPr>
-              <a:t> switch (token) {</a:t>
-            </a:r>
-          </a:p>
-          <a:p>
-            <a:r>
-              <a:rPr lang="en-US" sz="2000" dirty="0" smtClean="0">
+              <a:t> switch (token) </a:t>
+            </a:r>
+            <a:r>
+              <a:rPr lang="en-US" sz="1700" dirty="0" smtClean="0">
                 <a:latin typeface="Courier New" panose="02070309020205020404" pitchFamily="49" charset="0"/>
                 <a:cs typeface="Courier New" panose="02070309020205020404" pitchFamily="49" charset="0"/>
               </a:rPr>
-              <a:t>  case L_PAREN:</a:t>
-            </a:r>
-          </a:p>
-          <a:p>
-            <a:r>
-              <a:rPr lang="en-US" sz="2000" dirty="0">
+              <a:t>{</a:t>
+            </a:r>
+          </a:p>
+          <a:p>
+            <a:r>
+              <a:rPr lang="en-US" sz="1700" dirty="0" smtClean="0">
                 <a:latin typeface="Courier New" panose="02070309020205020404" pitchFamily="49" charset="0"/>
                 <a:cs typeface="Courier New" panose="02070309020205020404" pitchFamily="49" charset="0"/>
               </a:rPr>
-              <a:t> </a:t>
-            </a:r>
-            <a:r>
-              <a:rPr lang="en-US" sz="2000" dirty="0" smtClean="0">
+              <a:t>  case </a:t>
+            </a:r>
+            <a:r>
+              <a:rPr lang="en-US" sz="1700" dirty="0" smtClean="0">
                 <a:latin typeface="Courier New" panose="02070309020205020404" pitchFamily="49" charset="0"/>
                 <a:cs typeface="Courier New" panose="02070309020205020404" pitchFamily="49" charset="0"/>
               </a:rPr>
-              <a:t>   </a:t>
-            </a:r>
-            <a:r>
-              <a:rPr lang="en-US" sz="2000" b="1" dirty="0" smtClean="0">
+              <a:t>L_PAREN:</a:t>
+            </a:r>
+          </a:p>
+          <a:p>
+            <a:r>
+              <a:rPr lang="en-US" sz="1700" dirty="0">
                 <a:latin typeface="Courier New" panose="02070309020205020404" pitchFamily="49" charset="0"/>
                 <a:cs typeface="Courier New" panose="02070309020205020404" pitchFamily="49" charset="0"/>
               </a:rPr>
-              <a:t>parse_S1</a:t>
-            </a:r>
-            <a:r>
-              <a:rPr lang="en-US" sz="2000" dirty="0" smtClean="0">
+              <a:t> </a:t>
+            </a:r>
+            <a:r>
+              <a:rPr lang="en-US" sz="1700" dirty="0" smtClean="0">
                 <a:latin typeface="Courier New" panose="02070309020205020404" pitchFamily="49" charset="0"/>
                 <a:cs typeface="Courier New" panose="02070309020205020404" pitchFamily="49" charset="0"/>
               </a:rPr>
-              <a:t>();</a:t>
-            </a:r>
-          </a:p>
-          <a:p>
-            <a:r>
-              <a:rPr lang="en-US" sz="2000" dirty="0">
+              <a:t>   </a:t>
+            </a:r>
+            <a:r>
+              <a:rPr lang="en-US" sz="1700" b="1" dirty="0" smtClean="0">
                 <a:latin typeface="Courier New" panose="02070309020205020404" pitchFamily="49" charset="0"/>
                 <a:cs typeface="Courier New" panose="02070309020205020404" pitchFamily="49" charset="0"/>
               </a:rPr>
-              <a:t> </a:t>
-            </a:r>
-            <a:r>
-              <a:rPr lang="en-US" sz="2000" dirty="0" smtClean="0">
+              <a:t>parse_S1();</a:t>
+            </a:r>
+          </a:p>
+          <a:p>
+            <a:r>
+              <a:rPr lang="en-US" sz="1700" dirty="0">
                 <a:latin typeface="Courier New" panose="02070309020205020404" pitchFamily="49" charset="0"/>
                 <a:cs typeface="Courier New" panose="02070309020205020404" pitchFamily="49" charset="0"/>
               </a:rPr>
-              <a:t>   break;</a:t>
-            </a:r>
-          </a:p>
-          <a:p>
-            <a:r>
-              <a:rPr lang="en-US" sz="2000" dirty="0">
+              <a:t> </a:t>
+            </a:r>
+            <a:r>
+              <a:rPr lang="en-US" sz="1700" dirty="0" smtClean="0">
                 <a:latin typeface="Courier New" panose="02070309020205020404" pitchFamily="49" charset="0"/>
                 <a:cs typeface="Courier New" panose="02070309020205020404" pitchFamily="49" charset="0"/>
               </a:rPr>
-              <a:t> </a:t>
-            </a:r>
-            <a:r>
-              <a:rPr lang="en-US" sz="2000" dirty="0" smtClean="0">
+              <a:t>   break;</a:t>
+            </a:r>
+          </a:p>
+          <a:p>
+            <a:r>
+              <a:rPr lang="en-US" sz="1700" dirty="0">
                 <a:latin typeface="Courier New" panose="02070309020205020404" pitchFamily="49" charset="0"/>
                 <a:cs typeface="Courier New" panose="02070309020205020404" pitchFamily="49" charset="0"/>
               </a:rPr>
+              <a:t> </a:t>
+            </a:r>
+            <a:r>
+              <a:rPr lang="en-US" sz="1700" dirty="0" smtClean="0">
+                <a:latin typeface="Courier New" panose="02070309020205020404" pitchFamily="49" charset="0"/>
+                <a:cs typeface="Courier New" panose="02070309020205020404" pitchFamily="49" charset="0"/>
+              </a:rPr>
               <a:t> case L_BRACKET:</a:t>
             </a:r>
-            <a:endParaRPr lang="en-US" sz="2000" dirty="0">
+            <a:endParaRPr lang="en-US" sz="1700" dirty="0">
               <a:latin typeface="Courier New" panose="02070309020205020404" pitchFamily="49" charset="0"/>
               <a:cs typeface="Courier New" panose="02070309020205020404" pitchFamily="49" charset="0"/>
             </a:endParaRPr>
           </a:p>
           <a:p>
             <a:r>
-              <a:rPr lang="en-US" sz="2000" dirty="0">
+              <a:rPr lang="en-US" sz="1700" dirty="0">
                 <a:latin typeface="Courier New" panose="02070309020205020404" pitchFamily="49" charset="0"/>
                 <a:cs typeface="Courier New" panose="02070309020205020404" pitchFamily="49" charset="0"/>
               </a:rPr>
               <a:t>    </a:t>
             </a:r>
             <a:r>
-              <a:rPr lang="en-US" sz="2000" b="1" dirty="0" smtClean="0">
+              <a:rPr lang="en-US" sz="1700" b="1" dirty="0" smtClean="0">
                 <a:latin typeface="Courier New" panose="02070309020205020404" pitchFamily="49" charset="0"/>
                 <a:cs typeface="Courier New" panose="02070309020205020404" pitchFamily="49" charset="0"/>
               </a:rPr>
-              <a:t>parse_S2</a:t>
-            </a:r>
-            <a:r>
-              <a:rPr lang="en-US" sz="2000" dirty="0" smtClean="0">
-                <a:latin typeface="Courier New" panose="02070309020205020404" pitchFamily="49" charset="0"/>
-                <a:cs typeface="Courier New" panose="02070309020205020404" pitchFamily="49" charset="0"/>
-              </a:rPr>
-              <a:t>();</a:t>
-            </a:r>
-            <a:endParaRPr lang="en-US" sz="2000" dirty="0">
+              <a:t>parse_S2();</a:t>
+            </a:r>
+            <a:endParaRPr lang="en-US" sz="1700" b="1" dirty="0">
               <a:latin typeface="Courier New" panose="02070309020205020404" pitchFamily="49" charset="0"/>
               <a:cs typeface="Courier New" panose="02070309020205020404" pitchFamily="49" charset="0"/>
             </a:endParaRPr>
           </a:p>
           <a:p>
             <a:r>
-              <a:rPr lang="en-US" sz="2000" dirty="0">
+              <a:rPr lang="en-US" sz="1700" dirty="0">
                 <a:latin typeface="Courier New" panose="02070309020205020404" pitchFamily="49" charset="0"/>
                 <a:cs typeface="Courier New" panose="02070309020205020404" pitchFamily="49" charset="0"/>
               </a:rPr>
               <a:t>    break</a:t>
             </a:r>
             <a:r>
-              <a:rPr lang="en-US" sz="2000" dirty="0" smtClean="0">
+              <a:rPr lang="en-US" sz="1700" dirty="0" smtClean="0">
                 <a:latin typeface="Courier New" panose="02070309020205020404" pitchFamily="49" charset="0"/>
                 <a:cs typeface="Courier New" panose="02070309020205020404" pitchFamily="49" charset="0"/>
               </a:rPr>
@@ -13639,67 +13659,60 @@
           </a:p>
           <a:p>
             <a:r>
-              <a:rPr lang="en-US" sz="2000" dirty="0">
+              <a:rPr lang="en-US" sz="1700" dirty="0">
                 <a:latin typeface="Courier New" panose="02070309020205020404" pitchFamily="49" charset="0"/>
                 <a:cs typeface="Courier New" panose="02070309020205020404" pitchFamily="49" charset="0"/>
               </a:rPr>
               <a:t> </a:t>
             </a:r>
             <a:r>
-              <a:rPr lang="en-US" sz="2000" dirty="0" smtClean="0">
+              <a:rPr lang="en-US" sz="1700" dirty="0" smtClean="0">
                 <a:latin typeface="Courier New" panose="02070309020205020404" pitchFamily="49" charset="0"/>
                 <a:cs typeface="Courier New" panose="02070309020205020404" pitchFamily="49" charset="0"/>
               </a:rPr>
               <a:t> case L_BRACE:</a:t>
             </a:r>
-            <a:endParaRPr lang="en-US" sz="2000" dirty="0">
+            <a:endParaRPr lang="en-US" sz="1700" dirty="0">
               <a:latin typeface="Courier New" panose="02070309020205020404" pitchFamily="49" charset="0"/>
               <a:cs typeface="Courier New" panose="02070309020205020404" pitchFamily="49" charset="0"/>
             </a:endParaRPr>
           </a:p>
           <a:p>
             <a:r>
-              <a:rPr lang="en-US" sz="2000" dirty="0">
+              <a:rPr lang="en-US" sz="1700" dirty="0">
                 <a:latin typeface="Courier New" panose="02070309020205020404" pitchFamily="49" charset="0"/>
                 <a:cs typeface="Courier New" panose="02070309020205020404" pitchFamily="49" charset="0"/>
               </a:rPr>
               <a:t>    </a:t>
             </a:r>
             <a:r>
-              <a:rPr lang="en-US" sz="2000" b="1" dirty="0" smtClean="0">
+              <a:rPr lang="en-US" sz="1700" b="1" dirty="0" smtClean="0">
                 <a:latin typeface="Courier New" panose="02070309020205020404" pitchFamily="49" charset="0"/>
                 <a:cs typeface="Courier New" panose="02070309020205020404" pitchFamily="49" charset="0"/>
               </a:rPr>
-              <a:t>parse_S3</a:t>
-            </a:r>
-            <a:r>
-              <a:rPr lang="en-US" sz="2000" dirty="0" smtClean="0">
-                <a:latin typeface="Courier New" panose="02070309020205020404" pitchFamily="49" charset="0"/>
-                <a:cs typeface="Courier New" panose="02070309020205020404" pitchFamily="49" charset="0"/>
-              </a:rPr>
-              <a:t>();</a:t>
-            </a:r>
-            <a:endParaRPr lang="en-US" sz="2000" dirty="0">
+              <a:t>parse_S3();</a:t>
+            </a:r>
+            <a:endParaRPr lang="en-US" sz="1700" b="1" dirty="0">
               <a:latin typeface="Courier New" panose="02070309020205020404" pitchFamily="49" charset="0"/>
               <a:cs typeface="Courier New" panose="02070309020205020404" pitchFamily="49" charset="0"/>
             </a:endParaRPr>
           </a:p>
           <a:p>
             <a:r>
-              <a:rPr lang="en-US" sz="2000" dirty="0">
+              <a:rPr lang="en-US" sz="1700" dirty="0">
                 <a:latin typeface="Courier New" panose="02070309020205020404" pitchFamily="49" charset="0"/>
                 <a:cs typeface="Courier New" panose="02070309020205020404" pitchFamily="49" charset="0"/>
               </a:rPr>
               <a:t>    break;</a:t>
             </a:r>
-            <a:endParaRPr lang="en-US" sz="2000" dirty="0" smtClean="0">
+            <a:endParaRPr lang="en-US" sz="1700" dirty="0" smtClean="0">
               <a:latin typeface="Courier New" panose="02070309020205020404" pitchFamily="49" charset="0"/>
               <a:cs typeface="Courier New" panose="02070309020205020404" pitchFamily="49" charset="0"/>
             </a:endParaRPr>
           </a:p>
           <a:p>
             <a:r>
-              <a:rPr lang="en-US" sz="2000" dirty="0" smtClean="0">
+              <a:rPr lang="en-US" sz="1700" dirty="0" smtClean="0">
                 <a:latin typeface="Courier New" panose="02070309020205020404" pitchFamily="49" charset="0"/>
                 <a:cs typeface="Courier New" panose="02070309020205020404" pitchFamily="49" charset="0"/>
               </a:rPr>
@@ -13708,59 +13721,53 @@
           </a:p>
           <a:p>
             <a:r>
-              <a:rPr lang="en-US" sz="2000" dirty="0">
+              <a:rPr lang="en-US" sz="1700" dirty="0">
                 <a:latin typeface="Courier New" panose="02070309020205020404" pitchFamily="49" charset="0"/>
                 <a:cs typeface="Courier New" panose="02070309020205020404" pitchFamily="49" charset="0"/>
               </a:rPr>
               <a:t> </a:t>
             </a:r>
             <a:r>
-              <a:rPr lang="en-US" sz="2000" dirty="0" smtClean="0">
+              <a:rPr lang="en-US" sz="1700" dirty="0" smtClean="0">
                 <a:latin typeface="Courier New" panose="02070309020205020404" pitchFamily="49" charset="0"/>
                 <a:cs typeface="Courier New" panose="02070309020205020404" pitchFamily="49" charset="0"/>
               </a:rPr>
               <a:t>   </a:t>
             </a:r>
             <a:r>
-              <a:rPr lang="en-US" sz="2000" b="1" dirty="0" smtClean="0">
-                <a:solidFill>
-                  <a:srgbClr val="C00000"/>
-                </a:solidFill>
+              <a:rPr lang="en-US" sz="1700" b="1" dirty="0" smtClean="0">
                 <a:latin typeface="Courier New" panose="02070309020205020404" pitchFamily="49" charset="0"/>
                 <a:cs typeface="Courier New" panose="02070309020205020404" pitchFamily="49" charset="0"/>
               </a:rPr>
-              <a:t>// error</a:t>
-            </a:r>
-            <a:endParaRPr lang="en-US" sz="2000" b="1" dirty="0">
-              <a:solidFill>
-                <a:srgbClr val="C00000"/>
-              </a:solidFill>
+              <a:t>break;</a:t>
+            </a:r>
+            <a:endParaRPr lang="en-US" sz="1700" b="1" dirty="0">
               <a:latin typeface="Courier New" panose="02070309020205020404" pitchFamily="49" charset="0"/>
               <a:cs typeface="Courier New" panose="02070309020205020404" pitchFamily="49" charset="0"/>
             </a:endParaRPr>
           </a:p>
           <a:p>
             <a:r>
-              <a:rPr lang="en-US" sz="2000" dirty="0" smtClean="0">
+              <a:rPr lang="en-US" sz="1700" dirty="0" smtClean="0">
                 <a:latin typeface="Courier New" panose="02070309020205020404" pitchFamily="49" charset="0"/>
                 <a:cs typeface="Courier New" panose="02070309020205020404" pitchFamily="49" charset="0"/>
               </a:rPr>
               <a:t>  }</a:t>
             </a:r>
-            <a:endParaRPr lang="en-US" sz="2000" dirty="0">
+            <a:endParaRPr lang="en-US" sz="1700" dirty="0">
               <a:latin typeface="Courier New" panose="02070309020205020404" pitchFamily="49" charset="0"/>
               <a:cs typeface="Courier New" panose="02070309020205020404" pitchFamily="49" charset="0"/>
             </a:endParaRPr>
           </a:p>
           <a:p>
             <a:r>
-              <a:rPr lang="en-US" sz="2000" dirty="0" smtClean="0">
+              <a:rPr lang="en-US" sz="1700" dirty="0" smtClean="0">
                 <a:latin typeface="Courier New" panose="02070309020205020404" pitchFamily="49" charset="0"/>
                 <a:cs typeface="Courier New" panose="02070309020205020404" pitchFamily="49" charset="0"/>
               </a:rPr>
               <a:t>}</a:t>
             </a:r>
-            <a:endParaRPr lang="en-US" sz="2000" dirty="0">
+            <a:endParaRPr lang="en-US" sz="1700" dirty="0">
               <a:latin typeface="Courier New" panose="02070309020205020404" pitchFamily="49" charset="0"/>
               <a:cs typeface="Courier New" panose="02070309020205020404" pitchFamily="49" charset="0"/>
             </a:endParaRPr>
@@ -13776,7 +13783,7 @@
         <p:spPr>
           <a:xfrm>
             <a:off x="5087120" y="1499211"/>
-            <a:ext cx="5661234" cy="4801314"/>
+            <a:ext cx="5661234" cy="5062924"/>
           </a:xfrm>
           <a:prstGeom prst="rect">
             <a:avLst/>
@@ -14182,6 +14189,8 @@
               </a:rPr>
               <a:t>}</a:t>
             </a:r>
+          </a:p>
+          <a:p>
             <a:endParaRPr lang="en-US" sz="1700" dirty="0" smtClean="0">
               <a:latin typeface="Courier New" panose="02070309020205020404" pitchFamily="49" charset="0"/>
               <a:cs typeface="Courier New" panose="02070309020205020404" pitchFamily="49" charset="0"/>
